--- a/Project 1/Project-1.pptx
+++ b/Project 1/Project-1.pptx
@@ -11,9 +11,9 @@
     <p:sldId id="259" r:id="rId5"/>
     <p:sldId id="264" r:id="rId6"/>
     <p:sldId id="265" r:id="rId7"/>
-    <p:sldId id="258" r:id="rId8"/>
-    <p:sldId id="266" r:id="rId9"/>
-    <p:sldId id="267" r:id="rId10"/>
+    <p:sldId id="276" r:id="rId8"/>
+    <p:sldId id="258" r:id="rId9"/>
+    <p:sldId id="266" r:id="rId10"/>
     <p:sldId id="271" r:id="rId11"/>
     <p:sldId id="269" r:id="rId12"/>
     <p:sldId id="270" r:id="rId13"/>
@@ -21,7 +21,8 @@
     <p:sldId id="268" r:id="rId15"/>
     <p:sldId id="272" r:id="rId16"/>
     <p:sldId id="274" r:id="rId17"/>
-    <p:sldId id="263" r:id="rId18"/>
+    <p:sldId id="275" r:id="rId18"/>
+    <p:sldId id="263" r:id="rId19"/>
   </p:sldIdLst>
   <p:sldSz cx="12192000" cy="6858000"/>
   <p:notesSz cx="6858000" cy="9144000"/>
@@ -223,7 +224,7 @@
           <a:effectLst/>
           <a:extLst>
             <a:ext uri="{91240B29-F687-4f45-9708-019B960494DF}">
-              <a14:hiddenLine xmlns="" xmlns:a14="http://schemas.microsoft.com/office/drawing/2010/main" w="9525">
+              <a14:hiddenLine xmlns:a14="http://schemas.microsoft.com/office/drawing/2010/main" xmlns="" w="9525">
                 <a:solidFill>
                   <a:srgbClr val="000000"/>
                 </a:solidFill>
@@ -274,7 +275,7 @@
           </a:lstStyle>
           <a:p>
             <a:r>
-              <a:rPr lang="en-US" smtClean="0"/>
+              <a:rPr lang="en-US"/>
               <a:t>Click to edit Master title style</a:t>
             </a:r>
             <a:endParaRPr lang="en-US" dirty="0"/>
@@ -391,7 +392,7 @@
           </a:lstStyle>
           <a:p>
             <a:r>
-              <a:rPr lang="en-US" smtClean="0"/>
+              <a:rPr lang="en-US"/>
               <a:t>Click to edit Master subtitle style</a:t>
             </a:r>
             <a:endParaRPr lang="en-US" dirty="0"/>
@@ -415,7 +416,7 @@
           <a:p>
             <a:fld id="{F1FD765F-AC2D-42AA-A0E5-12A28983CCAB}" type="datetimeFigureOut">
               <a:rPr lang="en-US" smtClean="0"/>
-              <a:t>4/5/2019</a:t>
+              <a:t>4/6/2019</a:t>
             </a:fld>
             <a:endParaRPr lang="en-US"/>
           </a:p>
@@ -525,7 +526,7 @@
           </a:lstStyle>
           <a:p>
             <a:r>
-              <a:rPr lang="en-US" smtClean="0"/>
+              <a:rPr lang="en-US"/>
               <a:t>Click to edit Master title style</a:t>
             </a:r>
             <a:endParaRPr lang="en-US" dirty="0"/>
@@ -647,7 +648,7 @@
           </a:lstStyle>
           <a:p>
             <a:r>
-              <a:rPr lang="en-US" smtClean="0"/>
+              <a:rPr lang="en-US"/>
               <a:t>Click icon to add picture</a:t>
             </a:r>
             <a:endParaRPr lang="en-US" dirty="0"/>
@@ -715,7 +716,7 @@
           <a:p>
             <a:pPr lvl="0"/>
             <a:r>
-              <a:rPr lang="en-US" smtClean="0"/>
+              <a:rPr lang="en-US"/>
               <a:t>Edit Master text styles</a:t>
             </a:r>
           </a:p>
@@ -738,7 +739,7 @@
           <a:p>
             <a:fld id="{F1FD765F-AC2D-42AA-A0E5-12A28983CCAB}" type="datetimeFigureOut">
               <a:rPr lang="en-US" smtClean="0"/>
-              <a:t>4/5/2019</a:t>
+              <a:t>4/6/2019</a:t>
             </a:fld>
             <a:endParaRPr lang="en-US"/>
           </a:p>
@@ -1049,7 +1050,7 @@
           </a:lstStyle>
           <a:p>
             <a:r>
-              <a:rPr lang="en-US" smtClean="0"/>
+              <a:rPr lang="en-US"/>
               <a:t>Click to edit Master title style</a:t>
             </a:r>
             <a:endParaRPr lang="en-US" dirty="0"/>
@@ -1169,7 +1170,7 @@
           <a:p>
             <a:pPr lvl="0"/>
             <a:r>
-              <a:rPr lang="en-US" smtClean="0"/>
+              <a:rPr lang="en-US"/>
               <a:t>Edit Master text styles</a:t>
             </a:r>
           </a:p>
@@ -1203,7 +1204,7 @@
           <a:p>
             <a:pPr lvl="0"/>
             <a:r>
-              <a:rPr lang="en-US" smtClean="0"/>
+              <a:rPr lang="en-US"/>
               <a:t>Edit Master text styles</a:t>
             </a:r>
           </a:p>
@@ -1226,7 +1227,7 @@
           <a:p>
             <a:fld id="{F1FD765F-AC2D-42AA-A0E5-12A28983CCAB}" type="datetimeFigureOut">
               <a:rPr lang="en-US" smtClean="0"/>
-              <a:t>4/5/2019</a:t>
+              <a:t>4/6/2019</a:t>
             </a:fld>
             <a:endParaRPr lang="en-US"/>
           </a:p>
@@ -1537,7 +1538,7 @@
           </a:lstStyle>
           <a:p>
             <a:r>
-              <a:rPr lang="en-US" smtClean="0"/>
+              <a:rPr lang="en-US"/>
               <a:t>Click to edit Master title style</a:t>
             </a:r>
             <a:endParaRPr lang="en-US" dirty="0"/>
@@ -1572,7 +1573,7 @@
           <a:p>
             <a:pPr lvl="0"/>
             <a:r>
-              <a:rPr lang="en-US" smtClean="0"/>
+              <a:rPr lang="en-US"/>
               <a:t>Edit Master text styles</a:t>
             </a:r>
           </a:p>
@@ -1595,7 +1596,7 @@
           <a:p>
             <a:fld id="{F1FD765F-AC2D-42AA-A0E5-12A28983CCAB}" type="datetimeFigureOut">
               <a:rPr lang="en-US" smtClean="0"/>
-              <a:t>4/5/2019</a:t>
+              <a:t>4/6/2019</a:t>
             </a:fld>
             <a:endParaRPr lang="en-US"/>
           </a:p>
@@ -1750,7 +1751,7 @@
           <a:ln/>
           <a:extLst>
             <a:ext uri="{91240B29-F687-4f45-9708-019B960494DF}">
-              <a14:hiddenLine xmlns="" xmlns:a14="http://schemas.microsoft.com/office/drawing/2010/main" w="9525">
+              <a14:hiddenLine xmlns:a14="http://schemas.microsoft.com/office/drawing/2010/main" xmlns="" w="9525">
                 <a:solidFill>
                   <a:srgbClr val="000000"/>
                 </a:solidFill>
@@ -1792,7 +1793,7 @@
           <a:lstStyle/>
           <a:p>
             <a:r>
-              <a:rPr lang="en-US" smtClean="0"/>
+              <a:rPr lang="en-US"/>
               <a:t>Click to edit Master title style</a:t>
             </a:r>
             <a:endParaRPr lang="en-US" dirty="0"/>
@@ -1816,35 +1817,35 @@
           <a:p>
             <a:pPr lvl="0"/>
             <a:r>
-              <a:rPr lang="en-US" smtClean="0"/>
+              <a:rPr lang="en-US"/>
               <a:t>Edit Master text styles</a:t>
             </a:r>
           </a:p>
           <a:p>
             <a:pPr lvl="1"/>
             <a:r>
-              <a:rPr lang="en-US" smtClean="0"/>
+              <a:rPr lang="en-US"/>
               <a:t>Second level</a:t>
             </a:r>
           </a:p>
           <a:p>
             <a:pPr lvl="2"/>
             <a:r>
-              <a:rPr lang="en-US" smtClean="0"/>
+              <a:rPr lang="en-US"/>
               <a:t>Third level</a:t>
             </a:r>
           </a:p>
           <a:p>
             <a:pPr lvl="3"/>
             <a:r>
-              <a:rPr lang="en-US" smtClean="0"/>
+              <a:rPr lang="en-US"/>
               <a:t>Fourth level</a:t>
             </a:r>
           </a:p>
           <a:p>
             <a:pPr lvl="4"/>
             <a:r>
-              <a:rPr lang="en-US" smtClean="0"/>
+              <a:rPr lang="en-US"/>
               <a:t>Fifth level</a:t>
             </a:r>
             <a:endParaRPr lang="en-US" dirty="0"/>
@@ -1868,7 +1869,7 @@
           <a:p>
             <a:fld id="{F1FD765F-AC2D-42AA-A0E5-12A28983CCAB}" type="datetimeFigureOut">
               <a:rPr lang="en-US" smtClean="0"/>
-              <a:t>4/5/2019</a:t>
+              <a:t>4/6/2019</a:t>
             </a:fld>
             <a:endParaRPr lang="en-US"/>
           </a:p>
@@ -2025,7 +2026,7 @@
           <a:ln/>
           <a:extLst>
             <a:ext uri="{91240B29-F687-4f45-9708-019B960494DF}">
-              <a14:hiddenLine xmlns="" xmlns:a14="http://schemas.microsoft.com/office/drawing/2010/main" w="9525">
+              <a14:hiddenLine xmlns:a14="http://schemas.microsoft.com/office/drawing/2010/main" xmlns="" w="9525">
                 <a:solidFill>
                   <a:srgbClr val="000000"/>
                 </a:solidFill>
@@ -2072,7 +2073,7 @@
           <a:lstStyle/>
           <a:p>
             <a:r>
-              <a:rPr lang="en-US" smtClean="0"/>
+              <a:rPr lang="en-US"/>
               <a:t>Click to edit Master title style</a:t>
             </a:r>
             <a:endParaRPr lang="en-US" dirty="0"/>
@@ -2101,35 +2102,35 @@
           <a:p>
             <a:pPr lvl="0"/>
             <a:r>
-              <a:rPr lang="en-US" smtClean="0"/>
+              <a:rPr lang="en-US"/>
               <a:t>Edit Master text styles</a:t>
             </a:r>
           </a:p>
           <a:p>
             <a:pPr lvl="1"/>
             <a:r>
-              <a:rPr lang="en-US" smtClean="0"/>
+              <a:rPr lang="en-US"/>
               <a:t>Second level</a:t>
             </a:r>
           </a:p>
           <a:p>
             <a:pPr lvl="2"/>
             <a:r>
-              <a:rPr lang="en-US" smtClean="0"/>
+              <a:rPr lang="en-US"/>
               <a:t>Third level</a:t>
             </a:r>
           </a:p>
           <a:p>
             <a:pPr lvl="3"/>
             <a:r>
-              <a:rPr lang="en-US" smtClean="0"/>
+              <a:rPr lang="en-US"/>
               <a:t>Fourth level</a:t>
             </a:r>
           </a:p>
           <a:p>
             <a:pPr lvl="4"/>
             <a:r>
-              <a:rPr lang="en-US" smtClean="0"/>
+              <a:rPr lang="en-US"/>
               <a:t>Fifth level</a:t>
             </a:r>
             <a:endParaRPr lang="en-US" dirty="0"/>
@@ -2153,7 +2154,7 @@
           <a:p>
             <a:fld id="{F1FD765F-AC2D-42AA-A0E5-12A28983CCAB}" type="datetimeFigureOut">
               <a:rPr lang="en-US" smtClean="0"/>
-              <a:t>4/5/2019</a:t>
+              <a:t>4/6/2019</a:t>
             </a:fld>
             <a:endParaRPr lang="en-US"/>
           </a:p>
@@ -2313,7 +2314,7 @@
           <a:ln/>
           <a:extLst>
             <a:ext uri="{91240B29-F687-4f45-9708-019B960494DF}">
-              <a14:hiddenLine xmlns="" xmlns:a14="http://schemas.microsoft.com/office/drawing/2010/main" w="9525">
+              <a14:hiddenLine xmlns:a14="http://schemas.microsoft.com/office/drawing/2010/main" xmlns="" w="9525">
                 <a:solidFill>
                   <a:srgbClr val="000000"/>
                 </a:solidFill>
@@ -2360,7 +2361,7 @@
           <a:lstStyle/>
           <a:p>
             <a:r>
-              <a:rPr lang="en-US" smtClean="0"/>
+              <a:rPr lang="en-US"/>
               <a:t>Click to edit Master title style</a:t>
             </a:r>
             <a:endParaRPr lang="en-US" dirty="0"/>
@@ -2389,35 +2390,35 @@
           <a:p>
             <a:pPr lvl="0"/>
             <a:r>
-              <a:rPr lang="en-US" smtClean="0"/>
+              <a:rPr lang="en-US"/>
               <a:t>Edit Master text styles</a:t>
             </a:r>
           </a:p>
           <a:p>
             <a:pPr lvl="1"/>
             <a:r>
-              <a:rPr lang="en-US" smtClean="0"/>
+              <a:rPr lang="en-US"/>
               <a:t>Second level</a:t>
             </a:r>
           </a:p>
           <a:p>
             <a:pPr lvl="2"/>
             <a:r>
-              <a:rPr lang="en-US" smtClean="0"/>
+              <a:rPr lang="en-US"/>
               <a:t>Third level</a:t>
             </a:r>
           </a:p>
           <a:p>
             <a:pPr lvl="3"/>
             <a:r>
-              <a:rPr lang="en-US" smtClean="0"/>
+              <a:rPr lang="en-US"/>
               <a:t>Fourth level</a:t>
             </a:r>
           </a:p>
           <a:p>
             <a:pPr lvl="4"/>
             <a:r>
-              <a:rPr lang="en-US" smtClean="0"/>
+              <a:rPr lang="en-US"/>
               <a:t>Fifth level</a:t>
             </a:r>
             <a:endParaRPr lang="en-US" dirty="0"/>
@@ -2441,7 +2442,7 @@
           <a:p>
             <a:fld id="{F1FD765F-AC2D-42AA-A0E5-12A28983CCAB}" type="datetimeFigureOut">
               <a:rPr lang="en-US" smtClean="0"/>
-              <a:t>4/5/2019</a:t>
+              <a:t>4/6/2019</a:t>
             </a:fld>
             <a:endParaRPr lang="en-US"/>
           </a:p>
@@ -2641,7 +2642,7 @@
           </a:lstStyle>
           <a:p>
             <a:r>
-              <a:rPr lang="en-US" smtClean="0"/>
+              <a:rPr lang="en-US"/>
               <a:t>Click to edit Master title style</a:t>
             </a:r>
             <a:endParaRPr lang="en-US" dirty="0"/>
@@ -2761,7 +2762,7 @@
           <a:p>
             <a:pPr lvl="0"/>
             <a:r>
-              <a:rPr lang="en-US" smtClean="0"/>
+              <a:rPr lang="en-US"/>
               <a:t>Edit Master text styles</a:t>
             </a:r>
           </a:p>
@@ -2784,7 +2785,7 @@
           <a:p>
             <a:fld id="{F1FD765F-AC2D-42AA-A0E5-12A28983CCAB}" type="datetimeFigureOut">
               <a:rPr lang="en-US" smtClean="0"/>
-              <a:t>4/5/2019</a:t>
+              <a:t>4/6/2019</a:t>
             </a:fld>
             <a:endParaRPr lang="en-US"/>
           </a:p>
@@ -2944,7 +2945,7 @@
           <a:ln/>
           <a:extLst>
             <a:ext uri="{91240B29-F687-4f45-9708-019B960494DF}">
-              <a14:hiddenLine xmlns="" xmlns:a14="http://schemas.microsoft.com/office/drawing/2010/main" w="9525">
+              <a14:hiddenLine xmlns:a14="http://schemas.microsoft.com/office/drawing/2010/main" xmlns="" w="9525">
                 <a:solidFill>
                   <a:srgbClr val="000000"/>
                 </a:solidFill>
@@ -2986,7 +2987,7 @@
           <a:lstStyle/>
           <a:p>
             <a:r>
-              <a:rPr lang="en-US" smtClean="0"/>
+              <a:rPr lang="en-US"/>
               <a:t>Click to edit Master title style</a:t>
             </a:r>
             <a:endParaRPr lang="en-US" dirty="0"/>
@@ -3017,35 +3018,35 @@
           <a:p>
             <a:pPr lvl="0"/>
             <a:r>
-              <a:rPr lang="en-US" smtClean="0"/>
+              <a:rPr lang="en-US"/>
               <a:t>Edit Master text styles</a:t>
             </a:r>
           </a:p>
           <a:p>
             <a:pPr lvl="1"/>
             <a:r>
-              <a:rPr lang="en-US" smtClean="0"/>
+              <a:rPr lang="en-US"/>
               <a:t>Second level</a:t>
             </a:r>
           </a:p>
           <a:p>
             <a:pPr lvl="2"/>
             <a:r>
-              <a:rPr lang="en-US" smtClean="0"/>
+              <a:rPr lang="en-US"/>
               <a:t>Third level</a:t>
             </a:r>
           </a:p>
           <a:p>
             <a:pPr lvl="3"/>
             <a:r>
-              <a:rPr lang="en-US" smtClean="0"/>
+              <a:rPr lang="en-US"/>
               <a:t>Fourth level</a:t>
             </a:r>
           </a:p>
           <a:p>
             <a:pPr lvl="4"/>
             <a:r>
-              <a:rPr lang="en-US" smtClean="0"/>
+              <a:rPr lang="en-US"/>
               <a:t>Fifth level</a:t>
             </a:r>
             <a:endParaRPr lang="en-US" dirty="0"/>
@@ -3076,35 +3077,35 @@
           <a:p>
             <a:pPr lvl="0"/>
             <a:r>
-              <a:rPr lang="en-US" smtClean="0"/>
+              <a:rPr lang="en-US"/>
               <a:t>Edit Master text styles</a:t>
             </a:r>
           </a:p>
           <a:p>
             <a:pPr lvl="1"/>
             <a:r>
-              <a:rPr lang="en-US" smtClean="0"/>
+              <a:rPr lang="en-US"/>
               <a:t>Second level</a:t>
             </a:r>
           </a:p>
           <a:p>
             <a:pPr lvl="2"/>
             <a:r>
-              <a:rPr lang="en-US" smtClean="0"/>
+              <a:rPr lang="en-US"/>
               <a:t>Third level</a:t>
             </a:r>
           </a:p>
           <a:p>
             <a:pPr lvl="3"/>
             <a:r>
-              <a:rPr lang="en-US" smtClean="0"/>
+              <a:rPr lang="en-US"/>
               <a:t>Fourth level</a:t>
             </a:r>
           </a:p>
           <a:p>
             <a:pPr lvl="4"/>
             <a:r>
-              <a:rPr lang="en-US" smtClean="0"/>
+              <a:rPr lang="en-US"/>
               <a:t>Fifth level</a:t>
             </a:r>
             <a:endParaRPr lang="en-US" dirty="0"/>
@@ -3128,7 +3129,7 @@
           <a:p>
             <a:fld id="{F1FD765F-AC2D-42AA-A0E5-12A28983CCAB}" type="datetimeFigureOut">
               <a:rPr lang="en-US" smtClean="0"/>
-              <a:t>4/5/2019</a:t>
+              <a:t>4/6/2019</a:t>
             </a:fld>
             <a:endParaRPr lang="en-US"/>
           </a:p>
@@ -3283,7 +3284,7 @@
           <a:ln/>
           <a:extLst>
             <a:ext uri="{91240B29-F687-4f45-9708-019B960494DF}">
-              <a14:hiddenLine xmlns="" xmlns:a14="http://schemas.microsoft.com/office/drawing/2010/main" w="9525">
+              <a14:hiddenLine xmlns:a14="http://schemas.microsoft.com/office/drawing/2010/main" xmlns="" w="9525">
                 <a:solidFill>
                   <a:srgbClr val="000000"/>
                 </a:solidFill>
@@ -3329,7 +3330,7 @@
           </a:lstStyle>
           <a:p>
             <a:r>
-              <a:rPr lang="en-US" smtClean="0"/>
+              <a:rPr lang="en-US"/>
               <a:t>Click to edit Master title style</a:t>
             </a:r>
             <a:endParaRPr lang="en-US" dirty="0"/>
@@ -3397,7 +3398,7 @@
           <a:p>
             <a:pPr lvl="0"/>
             <a:r>
-              <a:rPr lang="en-US" smtClean="0"/>
+              <a:rPr lang="en-US"/>
               <a:t>Edit Master text styles</a:t>
             </a:r>
           </a:p>
@@ -3427,35 +3428,35 @@
           <a:p>
             <a:pPr lvl="0"/>
             <a:r>
-              <a:rPr lang="en-US" smtClean="0"/>
+              <a:rPr lang="en-US"/>
               <a:t>Edit Master text styles</a:t>
             </a:r>
           </a:p>
           <a:p>
             <a:pPr lvl="1"/>
             <a:r>
-              <a:rPr lang="en-US" smtClean="0"/>
+              <a:rPr lang="en-US"/>
               <a:t>Second level</a:t>
             </a:r>
           </a:p>
           <a:p>
             <a:pPr lvl="2"/>
             <a:r>
-              <a:rPr lang="en-US" smtClean="0"/>
+              <a:rPr lang="en-US"/>
               <a:t>Third level</a:t>
             </a:r>
           </a:p>
           <a:p>
             <a:pPr lvl="3"/>
             <a:r>
-              <a:rPr lang="en-US" smtClean="0"/>
+              <a:rPr lang="en-US"/>
               <a:t>Fourth level</a:t>
             </a:r>
           </a:p>
           <a:p>
             <a:pPr lvl="4"/>
             <a:r>
-              <a:rPr lang="en-US" smtClean="0"/>
+              <a:rPr lang="en-US"/>
               <a:t>Fifth level</a:t>
             </a:r>
             <a:endParaRPr lang="en-US" dirty="0"/>
@@ -3523,7 +3524,7 @@
           <a:p>
             <a:pPr lvl="0"/>
             <a:r>
-              <a:rPr lang="en-US" smtClean="0"/>
+              <a:rPr lang="en-US"/>
               <a:t>Edit Master text styles</a:t>
             </a:r>
           </a:p>
@@ -3553,35 +3554,35 @@
           <a:p>
             <a:pPr lvl="0"/>
             <a:r>
-              <a:rPr lang="en-US" smtClean="0"/>
+              <a:rPr lang="en-US"/>
               <a:t>Edit Master text styles</a:t>
             </a:r>
           </a:p>
           <a:p>
             <a:pPr lvl="1"/>
             <a:r>
-              <a:rPr lang="en-US" smtClean="0"/>
+              <a:rPr lang="en-US"/>
               <a:t>Second level</a:t>
             </a:r>
           </a:p>
           <a:p>
             <a:pPr lvl="2"/>
             <a:r>
-              <a:rPr lang="en-US" smtClean="0"/>
+              <a:rPr lang="en-US"/>
               <a:t>Third level</a:t>
             </a:r>
           </a:p>
           <a:p>
             <a:pPr lvl="3"/>
             <a:r>
-              <a:rPr lang="en-US" smtClean="0"/>
+              <a:rPr lang="en-US"/>
               <a:t>Fourth level</a:t>
             </a:r>
           </a:p>
           <a:p>
             <a:pPr lvl="4"/>
             <a:r>
-              <a:rPr lang="en-US" smtClean="0"/>
+              <a:rPr lang="en-US"/>
               <a:t>Fifth level</a:t>
             </a:r>
             <a:endParaRPr lang="en-US" dirty="0"/>
@@ -3605,7 +3606,7 @@
           <a:p>
             <a:fld id="{F1FD765F-AC2D-42AA-A0E5-12A28983CCAB}" type="datetimeFigureOut">
               <a:rPr lang="en-US" smtClean="0"/>
-              <a:t>4/5/2019</a:t>
+              <a:t>4/6/2019</a:t>
             </a:fld>
             <a:endParaRPr lang="en-US"/>
           </a:p>
@@ -3760,7 +3761,7 @@
           <a:ln/>
           <a:extLst>
             <a:ext uri="{91240B29-F687-4f45-9708-019B960494DF}">
-              <a14:hiddenLine xmlns="" xmlns:a14="http://schemas.microsoft.com/office/drawing/2010/main" w="9525">
+              <a14:hiddenLine xmlns:a14="http://schemas.microsoft.com/office/drawing/2010/main" xmlns="" w="9525">
                 <a:solidFill>
                   <a:srgbClr val="000000"/>
                 </a:solidFill>
@@ -3802,7 +3803,7 @@
           <a:lstStyle/>
           <a:p>
             <a:r>
-              <a:rPr lang="en-US" smtClean="0"/>
+              <a:rPr lang="en-US"/>
               <a:t>Click to edit Master title style</a:t>
             </a:r>
             <a:endParaRPr lang="en-US" dirty="0"/>
@@ -3826,7 +3827,7 @@
           <a:p>
             <a:fld id="{F1FD765F-AC2D-42AA-A0E5-12A28983CCAB}" type="datetimeFigureOut">
               <a:rPr lang="en-US" smtClean="0"/>
-              <a:t>4/5/2019</a:t>
+              <a:t>4/6/2019</a:t>
             </a:fld>
             <a:endParaRPr lang="en-US"/>
           </a:p>
@@ -3921,7 +3922,7 @@
           <a:p>
             <a:fld id="{F1FD765F-AC2D-42AA-A0E5-12A28983CCAB}" type="datetimeFigureOut">
               <a:rPr lang="en-US" smtClean="0"/>
-              <a:t>4/5/2019</a:t>
+              <a:t>4/6/2019</a:t>
             </a:fld>
             <a:endParaRPr lang="en-US"/>
           </a:p>
@@ -4189,7 +4190,7 @@
           <a:ln/>
           <a:extLst>
             <a:ext uri="{91240B29-F687-4f45-9708-019B960494DF}">
-              <a14:hiddenLine xmlns="" xmlns:a14="http://schemas.microsoft.com/office/drawing/2010/main" w="9525">
+              <a14:hiddenLine xmlns:a14="http://schemas.microsoft.com/office/drawing/2010/main" xmlns="" w="9525">
                 <a:solidFill>
                   <a:srgbClr val="000000"/>
                 </a:solidFill>
@@ -4240,7 +4241,7 @@
           </a:lstStyle>
           <a:p>
             <a:r>
-              <a:rPr lang="en-US" smtClean="0"/>
+              <a:rPr lang="en-US"/>
               <a:t>Click to edit Master title style</a:t>
             </a:r>
             <a:endParaRPr lang="en-US" dirty="0"/>
@@ -4271,35 +4272,35 @@
           <a:p>
             <a:pPr lvl="0"/>
             <a:r>
-              <a:rPr lang="en-US" smtClean="0"/>
+              <a:rPr lang="en-US"/>
               <a:t>Edit Master text styles</a:t>
             </a:r>
           </a:p>
           <a:p>
             <a:pPr lvl="1"/>
             <a:r>
-              <a:rPr lang="en-US" smtClean="0"/>
+              <a:rPr lang="en-US"/>
               <a:t>Second level</a:t>
             </a:r>
           </a:p>
           <a:p>
             <a:pPr lvl="2"/>
             <a:r>
-              <a:rPr lang="en-US" smtClean="0"/>
+              <a:rPr lang="en-US"/>
               <a:t>Third level</a:t>
             </a:r>
           </a:p>
           <a:p>
             <a:pPr lvl="3"/>
             <a:r>
-              <a:rPr lang="en-US" smtClean="0"/>
+              <a:rPr lang="en-US"/>
               <a:t>Fourth level</a:t>
             </a:r>
           </a:p>
           <a:p>
             <a:pPr lvl="4"/>
             <a:r>
-              <a:rPr lang="en-US" smtClean="0"/>
+              <a:rPr lang="en-US"/>
               <a:t>Fifth level</a:t>
             </a:r>
             <a:endParaRPr lang="en-US" dirty="0"/>
@@ -4365,7 +4366,7 @@
           <a:p>
             <a:pPr lvl="0"/>
             <a:r>
-              <a:rPr lang="en-US" smtClean="0"/>
+              <a:rPr lang="en-US"/>
               <a:t>Edit Master text styles</a:t>
             </a:r>
           </a:p>
@@ -4388,7 +4389,7 @@
           <a:p>
             <a:fld id="{F1FD765F-AC2D-42AA-A0E5-12A28983CCAB}" type="datetimeFigureOut">
               <a:rPr lang="en-US" smtClean="0"/>
-              <a:t>4/5/2019</a:t>
+              <a:t>4/6/2019</a:t>
             </a:fld>
             <a:endParaRPr lang="en-US"/>
           </a:p>
@@ -4493,7 +4494,7 @@
           </a:lstStyle>
           <a:p>
             <a:r>
-              <a:rPr lang="en-US" smtClean="0"/>
+              <a:rPr lang="en-US"/>
               <a:t>Click to edit Master title style</a:t>
             </a:r>
             <a:endParaRPr lang="en-US" dirty="0"/>
@@ -4605,7 +4606,7 @@
           </a:lstStyle>
           <a:p>
             <a:r>
-              <a:rPr lang="en-US" smtClean="0"/>
+              <a:rPr lang="en-US"/>
               <a:t>Click icon to add picture</a:t>
             </a:r>
             <a:endParaRPr lang="en-US" dirty="0"/>
@@ -4673,7 +4674,7 @@
           <a:p>
             <a:pPr lvl="0"/>
             <a:r>
-              <a:rPr lang="en-US" smtClean="0"/>
+              <a:rPr lang="en-US"/>
               <a:t>Edit Master text styles</a:t>
             </a:r>
           </a:p>
@@ -4701,7 +4702,7 @@
           <a:p>
             <a:fld id="{F1FD765F-AC2D-42AA-A0E5-12A28983CCAB}" type="datetimeFigureOut">
               <a:rPr lang="en-US" smtClean="0"/>
-              <a:t>4/5/2019</a:t>
+              <a:t>4/6/2019</a:t>
             </a:fld>
             <a:endParaRPr lang="en-US"/>
           </a:p>
@@ -4827,7 +4828,7 @@
           <a:lstStyle/>
           <a:p>
             <a:r>
-              <a:rPr lang="en-US" smtClean="0"/>
+              <a:rPr lang="en-US"/>
               <a:t>Click to edit Master title style</a:t>
             </a:r>
             <a:endParaRPr lang="en-US" dirty="0"/>
@@ -4868,35 +4869,35 @@
           <a:p>
             <a:pPr lvl="0"/>
             <a:r>
-              <a:rPr lang="en-US" smtClean="0"/>
+              <a:rPr lang="en-US"/>
               <a:t>Edit Master text styles</a:t>
             </a:r>
           </a:p>
           <a:p>
             <a:pPr lvl="1"/>
             <a:r>
-              <a:rPr lang="en-US" smtClean="0"/>
+              <a:rPr lang="en-US"/>
               <a:t>Second level</a:t>
             </a:r>
           </a:p>
           <a:p>
             <a:pPr lvl="2"/>
             <a:r>
-              <a:rPr lang="en-US" smtClean="0"/>
+              <a:rPr lang="en-US"/>
               <a:t>Third level</a:t>
             </a:r>
           </a:p>
           <a:p>
             <a:pPr lvl="3"/>
             <a:r>
-              <a:rPr lang="en-US" smtClean="0"/>
+              <a:rPr lang="en-US"/>
               <a:t>Fourth level</a:t>
             </a:r>
           </a:p>
           <a:p>
             <a:pPr lvl="4"/>
             <a:r>
-              <a:rPr lang="en-US" smtClean="0"/>
+              <a:rPr lang="en-US"/>
               <a:t>Fifth level</a:t>
             </a:r>
             <a:endParaRPr lang="en-US" dirty="0"/>
@@ -4971,7 +4972,7 @@
           <a:p>
             <a:fld id="{F1FD765F-AC2D-42AA-A0E5-12A28983CCAB}" type="datetimeFigureOut">
               <a:rPr lang="en-US" smtClean="0"/>
-              <a:t>4/5/2019</a:t>
+              <a:t>4/6/2019</a:t>
             </a:fld>
             <a:endParaRPr lang="en-US"/>
           </a:p>
@@ -5447,24 +5448,23 @@
           <a:p>
             <a:pPr algn="ctr"/>
             <a:r>
-              <a:rPr lang="en-US" dirty="0" smtClean="0"/>
+              <a:rPr lang="en-US" dirty="0"/>
               <a:t>Do TNCs </a:t>
             </a:r>
             <a:br>
-              <a:rPr lang="en-US" dirty="0" smtClean="0"/>
+              <a:rPr lang="en-US" dirty="0"/>
             </a:br>
             <a:r>
-              <a:rPr lang="en-US" dirty="0" smtClean="0"/>
+              <a:rPr lang="en-US" dirty="0"/>
               <a:t>affect</a:t>
             </a:r>
             <a:br>
-              <a:rPr lang="en-US" dirty="0" smtClean="0"/>
+              <a:rPr lang="en-US" dirty="0"/>
             </a:br>
             <a:r>
-              <a:rPr lang="en-US" dirty="0" smtClean="0"/>
+              <a:rPr lang="en-US" dirty="0"/>
               <a:t>DUI Deaths?</a:t>
             </a:r>
-            <a:endParaRPr lang="en-US" dirty="0"/>
           </a:p>
         </p:txBody>
       </p:sp>
@@ -5478,32 +5478,37 @@
             <p:ph type="subTitle" idx="1"/>
           </p:nvPr>
         </p:nvSpPr>
-        <p:spPr/>
-        <p:txBody>
-          <a:bodyPr/>
+        <p:spPr>
+          <a:xfrm>
+            <a:off x="406401" y="5280846"/>
+            <a:ext cx="4983970" cy="794833"/>
+          </a:xfrm>
+        </p:spPr>
+        <p:txBody>
+          <a:bodyPr>
+            <a:normAutofit/>
+          </a:bodyPr>
           <a:lstStyle/>
           <a:p>
             <a:r>
-              <a:rPr lang="en-US" dirty="0" smtClean="0"/>
+              <a:rPr lang="en-US" dirty="0"/>
               <a:t>By Drew Russell, </a:t>
             </a:r>
             <a:r>
-              <a:rPr lang="en-US" dirty="0" err="1" smtClean="0"/>
+              <a:rPr lang="en-US" dirty="0" err="1"/>
               <a:t>Mayssa</a:t>
             </a:r>
             <a:r>
-              <a:rPr lang="en-US" dirty="0" smtClean="0"/>
-              <a:t> </a:t>
-            </a:r>
-            <a:r>
-              <a:rPr lang="en-US" dirty="0" err="1" smtClean="0"/>
-              <a:t>Maring</a:t>
-            </a:r>
-            <a:r>
-              <a:rPr lang="en-US" dirty="0" smtClean="0"/>
-              <a:t>, Aaron Kim</a:t>
-            </a:r>
-            <a:endParaRPr lang="en-US" dirty="0"/>
+              <a:rPr lang="en-US" dirty="0"/>
+              <a:t> Maring, Aaron Kim</a:t>
+            </a:r>
+          </a:p>
+          <a:p>
+            <a:pPr algn="ctr"/>
+            <a:r>
+              <a:rPr lang="en-US" dirty="0"/>
+              <a:t>The [2] Amigos</a:t>
+            </a:r>
           </a:p>
         </p:txBody>
       </p:sp>
@@ -5588,19 +5593,20 @@
   <p:clrMapOvr>
     <a:masterClrMapping/>
   </p:clrMapOvr>
-  <p:timing>
-    <p:tnLst>
-      <p:par>
-        <p:cTn id="1" dur="indefinite" restart="never" nodeType="tmRoot"/>
-      </p:par>
-    </p:tnLst>
-  </p:timing>
 </p:sld>
 </file>
 
 <file path=ppt/slides/slide10.xml><?xml version="1.0" encoding="utf-8"?>
 <p:sld xmlns:a="http://schemas.openxmlformats.org/drawingml/2006/main" xmlns:r="http://schemas.openxmlformats.org/officeDocument/2006/relationships" xmlns:p="http://schemas.openxmlformats.org/presentationml/2006/main">
   <p:cSld>
+    <p:bg>
+      <p:bgPr>
+        <a:solidFill>
+          <a:schemeClr val="bg1"/>
+        </a:solidFill>
+        <a:effectLst/>
+      </p:bgPr>
+    </p:bg>
     <p:spTree>
       <p:nvGrpSpPr>
         <p:cNvPr id="1" name=""/>
@@ -5617,44 +5623,367 @@
       </p:grpSpPr>
       <p:sp>
         <p:nvSpPr>
-          <p:cNvPr id="2" name="Title 1"/>
-          <p:cNvSpPr>
-            <a:spLocks noGrp="1"/>
-          </p:cNvSpPr>
-          <p:nvPr>
-            <p:ph type="title"/>
-          </p:nvPr>
-        </p:nvSpPr>
-        <p:spPr/>
-        <p:txBody>
-          <a:bodyPr/>
-          <a:lstStyle/>
-          <a:p>
-            <a:endParaRPr lang="en-US"/>
-          </a:p>
-        </p:txBody>
-      </p:sp>
-      <p:sp>
-        <p:nvSpPr>
-          <p:cNvPr id="3" name="Content Placeholder 2"/>
-          <p:cNvSpPr>
-            <a:spLocks noGrp="1"/>
-          </p:cNvSpPr>
-          <p:nvPr>
-            <p:ph idx="1"/>
+          <p:cNvPr id="10" name="Rectangle 9">
+            <a:extLst>
+              <a:ext uri="{FF2B5EF4-FFF2-40B4-BE49-F238E27FC236}">
+                <a16:creationId xmlns:a16="http://schemas.microsoft.com/office/drawing/2014/main" id="{E2264E67-6F59-4D8D-8E5F-8245B0FEAE76}"/>
+              </a:ext>
+              <a:ext uri="{C183D7F6-B498-43B3-948B-1728B52AA6E4}">
+                <adec:decorative xmlns:adec="http://schemas.microsoft.com/office/drawing/2017/decorative" val="1"/>
+              </a:ext>
+            </a:extLst>
+          </p:cNvPr>
+          <p:cNvSpPr>
+            <a:spLocks noGrp="1" noRot="1" noChangeAspect="1" noMove="1" noResize="1" noEditPoints="1" noAdjustHandles="1" noChangeArrowheads="1" noChangeShapeType="1" noTextEdit="1"/>
+          </p:cNvSpPr>
+          <p:nvPr>
+            <p:extLst>
+              <p:ext uri="{386F3935-93C4-4BCD-93E2-E3B085C9AB24}">
+                <p16:designElem xmlns:p16="http://schemas.microsoft.com/office/powerpoint/2015/main" val="1"/>
+              </p:ext>
+            </p:extLst>
           </p:nvPr>
         </p:nvSpPr>
         <p:spPr>
           <a:xfrm>
-            <a:off x="818712" y="2222287"/>
-            <a:ext cx="5274517" cy="3636511"/>
+            <a:off x="4573" y="0"/>
+            <a:ext cx="12187427" cy="6858000"/>
+          </a:xfrm>
+          <a:prstGeom prst="rect">
+            <a:avLst/>
+          </a:prstGeom>
+          <a:solidFill>
+            <a:schemeClr val="bg1"/>
+          </a:solidFill>
+          <a:ln>
+            <a:noFill/>
+          </a:ln>
+        </p:spPr>
+        <p:style>
+          <a:lnRef idx="2">
+            <a:schemeClr val="accent1">
+              <a:shade val="50000"/>
+            </a:schemeClr>
+          </a:lnRef>
+          <a:fillRef idx="1">
+            <a:schemeClr val="accent1"/>
+          </a:fillRef>
+          <a:effectRef idx="0">
+            <a:schemeClr val="accent1"/>
+          </a:effectRef>
+          <a:fontRef idx="minor">
+            <a:schemeClr val="lt1"/>
+          </a:fontRef>
+        </p:style>
+        <p:txBody>
+          <a:bodyPr rtlCol="0" anchor="ctr"/>
+          <a:lstStyle/>
+          <a:p>
+            <a:pPr algn="ctr"/>
+            <a:endParaRPr lang="en-US"/>
+          </a:p>
+        </p:txBody>
+      </p:sp>
+      <p:sp>
+        <p:nvSpPr>
+          <p:cNvPr id="12" name="Freeform 23">
+            <a:extLst>
+              <a:ext uri="{FF2B5EF4-FFF2-40B4-BE49-F238E27FC236}">
+                <a16:creationId xmlns:a16="http://schemas.microsoft.com/office/drawing/2014/main" id="{158E1C6E-D299-4F5D-B15B-155EBF7F62FD}"/>
+              </a:ext>
+              <a:ext uri="{C183D7F6-B498-43B3-948B-1728B52AA6E4}">
+                <adec:decorative xmlns:adec="http://schemas.microsoft.com/office/drawing/2017/decorative" val="1"/>
+              </a:ext>
+            </a:extLst>
+          </p:cNvPr>
+          <p:cNvSpPr>
+            <a:spLocks noGrp="1" noRot="1" noChangeAspect="1" noMove="1" noResize="1" noEditPoints="1" noAdjustHandles="1" noChangeArrowheads="1" noChangeShapeType="1" noTextEdit="1"/>
+          </p:cNvSpPr>
+          <p:nvPr>
+            <p:extLst>
+              <p:ext uri="{386F3935-93C4-4BCD-93E2-E3B085C9AB24}">
+                <p16:designElem xmlns:p16="http://schemas.microsoft.com/office/powerpoint/2015/main" val="1"/>
+              </p:ext>
+            </p:extLst>
+          </p:nvPr>
+        </p:nvSpPr>
+        <p:spPr bwMode="white">
+          <a:xfrm>
+            <a:off x="0" y="0"/>
+            <a:ext cx="4637005" cy="6858000"/>
+          </a:xfrm>
+          <a:custGeom>
+            <a:avLst/>
+            <a:gdLst>
+              <a:gd name="connsiteX0" fmla="*/ 0 w 4637005"/>
+              <a:gd name="connsiteY0" fmla="*/ 0 h 6858000"/>
+              <a:gd name="connsiteX1" fmla="*/ 4637005 w 4637005"/>
+              <a:gd name="connsiteY1" fmla="*/ 0 h 6858000"/>
+              <a:gd name="connsiteX2" fmla="*/ 4637005 w 4637005"/>
+              <a:gd name="connsiteY2" fmla="*/ 1900238 h 6858000"/>
+              <a:gd name="connsiteX3" fmla="*/ 4266589 w 4637005"/>
+              <a:gd name="connsiteY3" fmla="*/ 2178050 h 6858000"/>
+              <a:gd name="connsiteX4" fmla="*/ 4262355 w 4637005"/>
+              <a:gd name="connsiteY4" fmla="*/ 2184400 h 6858000"/>
+              <a:gd name="connsiteX5" fmla="*/ 4256005 w 4637005"/>
+              <a:gd name="connsiteY5" fmla="*/ 2193925 h 6858000"/>
+              <a:gd name="connsiteX6" fmla="*/ 4249655 w 4637005"/>
+              <a:gd name="connsiteY6" fmla="*/ 2201863 h 6858000"/>
+              <a:gd name="connsiteX7" fmla="*/ 4249655 w 4637005"/>
+              <a:gd name="connsiteY7" fmla="*/ 2211388 h 6858000"/>
+              <a:gd name="connsiteX8" fmla="*/ 4249655 w 4637005"/>
+              <a:gd name="connsiteY8" fmla="*/ 2220913 h 6858000"/>
+              <a:gd name="connsiteX9" fmla="*/ 4256005 w 4637005"/>
+              <a:gd name="connsiteY9" fmla="*/ 2228850 h 6858000"/>
+              <a:gd name="connsiteX10" fmla="*/ 4262355 w 4637005"/>
+              <a:gd name="connsiteY10" fmla="*/ 2238375 h 6858000"/>
+              <a:gd name="connsiteX11" fmla="*/ 4266589 w 4637005"/>
+              <a:gd name="connsiteY11" fmla="*/ 2244725 h 6858000"/>
+              <a:gd name="connsiteX12" fmla="*/ 4637005 w 4637005"/>
+              <a:gd name="connsiteY12" fmla="*/ 2522538 h 6858000"/>
+              <a:gd name="connsiteX13" fmla="*/ 4637005 w 4637005"/>
+              <a:gd name="connsiteY13" fmla="*/ 6858000 h 6858000"/>
+              <a:gd name="connsiteX14" fmla="*/ 0 w 4637005"/>
+              <a:gd name="connsiteY14" fmla="*/ 6858000 h 6858000"/>
+            </a:gdLst>
+            <a:ahLst/>
+            <a:cxnLst>
+              <a:cxn ang="0">
+                <a:pos x="connsiteX0" y="connsiteY0"/>
+              </a:cxn>
+              <a:cxn ang="0">
+                <a:pos x="connsiteX1" y="connsiteY1"/>
+              </a:cxn>
+              <a:cxn ang="0">
+                <a:pos x="connsiteX2" y="connsiteY2"/>
+              </a:cxn>
+              <a:cxn ang="0">
+                <a:pos x="connsiteX3" y="connsiteY3"/>
+              </a:cxn>
+              <a:cxn ang="0">
+                <a:pos x="connsiteX4" y="connsiteY4"/>
+              </a:cxn>
+              <a:cxn ang="0">
+                <a:pos x="connsiteX5" y="connsiteY5"/>
+              </a:cxn>
+              <a:cxn ang="0">
+                <a:pos x="connsiteX6" y="connsiteY6"/>
+              </a:cxn>
+              <a:cxn ang="0">
+                <a:pos x="connsiteX7" y="connsiteY7"/>
+              </a:cxn>
+              <a:cxn ang="0">
+                <a:pos x="connsiteX8" y="connsiteY8"/>
+              </a:cxn>
+              <a:cxn ang="0">
+                <a:pos x="connsiteX9" y="connsiteY9"/>
+              </a:cxn>
+              <a:cxn ang="0">
+                <a:pos x="connsiteX10" y="connsiteY10"/>
+              </a:cxn>
+              <a:cxn ang="0">
+                <a:pos x="connsiteX11" y="connsiteY11"/>
+              </a:cxn>
+              <a:cxn ang="0">
+                <a:pos x="connsiteX12" y="connsiteY12"/>
+              </a:cxn>
+              <a:cxn ang="0">
+                <a:pos x="connsiteX13" y="connsiteY13"/>
+              </a:cxn>
+              <a:cxn ang="0">
+                <a:pos x="connsiteX14" y="connsiteY14"/>
+              </a:cxn>
+            </a:cxnLst>
+            <a:rect l="l" t="t" r="r" b="b"/>
+            <a:pathLst>
+              <a:path w="4637005" h="6858000">
+                <a:moveTo>
+                  <a:pt x="0" y="0"/>
+                </a:moveTo>
+                <a:lnTo>
+                  <a:pt x="4637005" y="0"/>
+                </a:lnTo>
+                <a:lnTo>
+                  <a:pt x="4637005" y="1900238"/>
+                </a:lnTo>
+                <a:lnTo>
+                  <a:pt x="4266589" y="2178050"/>
+                </a:lnTo>
+                <a:lnTo>
+                  <a:pt x="4262355" y="2184400"/>
+                </a:lnTo>
+                <a:lnTo>
+                  <a:pt x="4256005" y="2193925"/>
+                </a:lnTo>
+                <a:lnTo>
+                  <a:pt x="4249655" y="2201863"/>
+                </a:lnTo>
+                <a:lnTo>
+                  <a:pt x="4249655" y="2211388"/>
+                </a:lnTo>
+                <a:lnTo>
+                  <a:pt x="4249655" y="2220913"/>
+                </a:lnTo>
+                <a:lnTo>
+                  <a:pt x="4256005" y="2228850"/>
+                </a:lnTo>
+                <a:lnTo>
+                  <a:pt x="4262355" y="2238375"/>
+                </a:lnTo>
+                <a:lnTo>
+                  <a:pt x="4266589" y="2244725"/>
+                </a:lnTo>
+                <a:lnTo>
+                  <a:pt x="4637005" y="2522538"/>
+                </a:lnTo>
+                <a:lnTo>
+                  <a:pt x="4637005" y="6858000"/>
+                </a:lnTo>
+                <a:lnTo>
+                  <a:pt x="0" y="6858000"/>
+                </a:lnTo>
+                <a:close/>
+              </a:path>
+            </a:pathLst>
+          </a:custGeom>
+          <a:solidFill>
+            <a:srgbClr val="212121"/>
+          </a:solidFill>
+          <a:ln>
+            <a:noFill/>
+            <a:headEnd/>
+            <a:tailEnd/>
+          </a:ln>
+        </p:spPr>
+        <p:style>
+          <a:lnRef idx="1">
+            <a:schemeClr val="accent1"/>
+          </a:lnRef>
+          <a:fillRef idx="3">
+            <a:schemeClr val="accent1"/>
+          </a:fillRef>
+          <a:effectRef idx="2">
+            <a:schemeClr val="accent1"/>
+          </a:effectRef>
+          <a:fontRef idx="minor">
+            <a:schemeClr val="lt1"/>
+          </a:fontRef>
+        </p:style>
+        <p:txBody>
+          <a:bodyPr wrap="square" rtlCol="0" anchor="ctr">
+            <a:noAutofit/>
+          </a:bodyPr>
+          <a:lstStyle/>
+          <a:p>
+            <a:pPr algn="ctr"/>
+            <a:endParaRPr lang="en-US"/>
+          </a:p>
+        </p:txBody>
+      </p:sp>
+      <p:sp>
+        <p:nvSpPr>
+          <p:cNvPr id="2" name="Title 1"/>
+          <p:cNvSpPr>
+            <a:spLocks noGrp="1"/>
+          </p:cNvSpPr>
+          <p:nvPr>
+            <p:ph type="title"/>
+          </p:nvPr>
+        </p:nvSpPr>
+        <p:spPr>
+          <a:xfrm>
+            <a:off x="451514" y="457201"/>
+            <a:ext cx="3575737" cy="1332688"/>
           </a:xfrm>
         </p:spPr>
         <p:txBody>
-          <a:bodyPr/>
+          <a:bodyPr anchor="b">
+            <a:normAutofit/>
+          </a:bodyPr>
           <a:lstStyle/>
           <a:p>
-            <a:endParaRPr lang="en-US"/>
+            <a:pPr algn="ctr"/>
+            <a:r>
+              <a:rPr lang="en-US" sz="3200">
+                <a:solidFill>
+                  <a:srgbClr val="FFFFFF"/>
+                </a:solidFill>
+              </a:rPr>
+              <a:t>DUI Deaths by State (2012)</a:t>
+            </a:r>
+          </a:p>
+        </p:txBody>
+      </p:sp>
+      <p:sp>
+        <p:nvSpPr>
+          <p:cNvPr id="3" name="Content Placeholder 2"/>
+          <p:cNvSpPr>
+            <a:spLocks noGrp="1"/>
+          </p:cNvSpPr>
+          <p:nvPr>
+            <p:ph idx="1"/>
+          </p:nvPr>
+        </p:nvSpPr>
+        <p:spPr>
+          <a:xfrm>
+            <a:off x="451514" y="2046514"/>
+            <a:ext cx="3575737" cy="3994848"/>
+          </a:xfrm>
+        </p:spPr>
+        <p:txBody>
+          <a:bodyPr>
+            <a:normAutofit/>
+          </a:bodyPr>
+          <a:lstStyle/>
+          <a:p>
+            <a:r>
+              <a:rPr lang="en-US" sz="1600" dirty="0">
+                <a:solidFill>
+                  <a:srgbClr val="FFFFFF"/>
+                </a:solidFill>
+              </a:rPr>
+              <a:t>Used to compare Gender by States</a:t>
+            </a:r>
+          </a:p>
+          <a:p>
+            <a:r>
+              <a:rPr lang="en-US" sz="1600" dirty="0">
+                <a:solidFill>
+                  <a:srgbClr val="FFFFFF"/>
+                </a:solidFill>
+              </a:rPr>
+              <a:t>Men in North Dakota had the highest rate of deaths</a:t>
+            </a:r>
+          </a:p>
+          <a:p>
+            <a:r>
+              <a:rPr lang="en-US" sz="1600" dirty="0">
+                <a:solidFill>
+                  <a:srgbClr val="FFFFFF"/>
+                </a:solidFill>
+              </a:rPr>
+              <a:t>Men in Utah had the lowest rate of deaths</a:t>
+            </a:r>
+          </a:p>
+          <a:p>
+            <a:r>
+              <a:rPr lang="en-US" sz="1600" dirty="0">
+                <a:solidFill>
+                  <a:srgbClr val="FFFFFF"/>
+                </a:solidFill>
+              </a:rPr>
+              <a:t>Women in Montana had the highest rate of deaths</a:t>
+            </a:r>
+          </a:p>
+          <a:p>
+            <a:r>
+              <a:rPr lang="en-US" sz="1600" dirty="0">
+                <a:solidFill>
+                  <a:srgbClr val="FFFFFF"/>
+                </a:solidFill>
+              </a:rPr>
+              <a:t>Women in West Virginia had the lowest rate of deaths</a:t>
+            </a:r>
           </a:p>
         </p:txBody>
       </p:sp>
@@ -5680,12 +6009,20 @@
         </p:blipFill>
         <p:spPr>
           <a:xfrm>
-            <a:off x="6532714" y="2455256"/>
-            <a:ext cx="4849284" cy="3636963"/>
+            <a:off x="4800684" y="929274"/>
+            <a:ext cx="7227637" cy="5420726"/>
           </a:xfrm>
-          <a:prstGeom prst="rect">
-            <a:avLst/>
+          <a:prstGeom prst="roundRect">
+            <a:avLst>
+              <a:gd name="adj" fmla="val 3876"/>
+            </a:avLst>
           </a:prstGeom>
+          <a:ln>
+            <a:solidFill>
+              <a:schemeClr val="accent1"/>
+            </a:solidFill>
+          </a:ln>
+          <a:effectLst/>
         </p:spPr>
       </p:pic>
     </p:spTree>
@@ -5696,21 +6033,22 @@
     </p:extLst>
   </p:cSld>
   <p:clrMapOvr>
-    <a:masterClrMapping/>
+    <a:overrideClrMapping bg1="lt1" tx1="dk1" bg2="lt2" tx2="dk2" accent1="accent1" accent2="accent2" accent3="accent3" accent4="accent4" accent5="accent5" accent6="accent6" hlink="hlink" folHlink="folHlink"/>
   </p:clrMapOvr>
-  <p:timing>
-    <p:tnLst>
-      <p:par>
-        <p:cTn id="1" dur="indefinite" restart="never" nodeType="tmRoot"/>
-      </p:par>
-    </p:tnLst>
-  </p:timing>
 </p:sld>
 </file>
 
 <file path=ppt/slides/slide11.xml><?xml version="1.0" encoding="utf-8"?>
 <p:sld xmlns:a="http://schemas.openxmlformats.org/drawingml/2006/main" xmlns:r="http://schemas.openxmlformats.org/officeDocument/2006/relationships" xmlns:p="http://schemas.openxmlformats.org/presentationml/2006/main">
   <p:cSld>
+    <p:bg>
+      <p:bgPr>
+        <a:solidFill>
+          <a:schemeClr val="bg1"/>
+        </a:solidFill>
+        <a:effectLst/>
+      </p:bgPr>
+    </p:bg>
     <p:spTree>
       <p:nvGrpSpPr>
         <p:cNvPr id="1" name=""/>
@@ -5727,44 +6065,367 @@
       </p:grpSpPr>
       <p:sp>
         <p:nvSpPr>
-          <p:cNvPr id="2" name="Title 1"/>
-          <p:cNvSpPr>
-            <a:spLocks noGrp="1"/>
-          </p:cNvSpPr>
-          <p:nvPr>
-            <p:ph type="title"/>
-          </p:nvPr>
-        </p:nvSpPr>
-        <p:spPr/>
-        <p:txBody>
-          <a:bodyPr/>
-          <a:lstStyle/>
-          <a:p>
-            <a:endParaRPr lang="en-US"/>
-          </a:p>
-        </p:txBody>
-      </p:sp>
-      <p:sp>
-        <p:nvSpPr>
-          <p:cNvPr id="3" name="Content Placeholder 2"/>
-          <p:cNvSpPr>
-            <a:spLocks noGrp="1"/>
-          </p:cNvSpPr>
-          <p:nvPr>
-            <p:ph idx="1"/>
+          <p:cNvPr id="10" name="Rectangle 9">
+            <a:extLst>
+              <a:ext uri="{FF2B5EF4-FFF2-40B4-BE49-F238E27FC236}">
+                <a16:creationId xmlns:a16="http://schemas.microsoft.com/office/drawing/2014/main" id="{E2264E67-6F59-4D8D-8E5F-8245B0FEAE76}"/>
+              </a:ext>
+              <a:ext uri="{C183D7F6-B498-43B3-948B-1728B52AA6E4}">
+                <adec:decorative xmlns:adec="http://schemas.microsoft.com/office/drawing/2017/decorative" val="1"/>
+              </a:ext>
+            </a:extLst>
+          </p:cNvPr>
+          <p:cNvSpPr>
+            <a:spLocks noGrp="1" noRot="1" noChangeAspect="1" noMove="1" noResize="1" noEditPoints="1" noAdjustHandles="1" noChangeArrowheads="1" noChangeShapeType="1" noTextEdit="1"/>
+          </p:cNvSpPr>
+          <p:nvPr>
+            <p:extLst>
+              <p:ext uri="{386F3935-93C4-4BCD-93E2-E3B085C9AB24}">
+                <p16:designElem xmlns:p16="http://schemas.microsoft.com/office/powerpoint/2015/main" val="1"/>
+              </p:ext>
+            </p:extLst>
           </p:nvPr>
         </p:nvSpPr>
         <p:spPr>
           <a:xfrm>
-            <a:off x="818712" y="2222287"/>
-            <a:ext cx="5274517" cy="3636511"/>
+            <a:off x="4573" y="0"/>
+            <a:ext cx="12187427" cy="6858000"/>
+          </a:xfrm>
+          <a:prstGeom prst="rect">
+            <a:avLst/>
+          </a:prstGeom>
+          <a:solidFill>
+            <a:schemeClr val="bg1"/>
+          </a:solidFill>
+          <a:ln>
+            <a:noFill/>
+          </a:ln>
+        </p:spPr>
+        <p:style>
+          <a:lnRef idx="2">
+            <a:schemeClr val="accent1">
+              <a:shade val="50000"/>
+            </a:schemeClr>
+          </a:lnRef>
+          <a:fillRef idx="1">
+            <a:schemeClr val="accent1"/>
+          </a:fillRef>
+          <a:effectRef idx="0">
+            <a:schemeClr val="accent1"/>
+          </a:effectRef>
+          <a:fontRef idx="minor">
+            <a:schemeClr val="lt1"/>
+          </a:fontRef>
+        </p:style>
+        <p:txBody>
+          <a:bodyPr rtlCol="0" anchor="ctr"/>
+          <a:lstStyle/>
+          <a:p>
+            <a:pPr algn="ctr"/>
+            <a:endParaRPr lang="en-US"/>
+          </a:p>
+        </p:txBody>
+      </p:sp>
+      <p:sp>
+        <p:nvSpPr>
+          <p:cNvPr id="12" name="Freeform 23">
+            <a:extLst>
+              <a:ext uri="{FF2B5EF4-FFF2-40B4-BE49-F238E27FC236}">
+                <a16:creationId xmlns:a16="http://schemas.microsoft.com/office/drawing/2014/main" id="{158E1C6E-D299-4F5D-B15B-155EBF7F62FD}"/>
+              </a:ext>
+              <a:ext uri="{C183D7F6-B498-43B3-948B-1728B52AA6E4}">
+                <adec:decorative xmlns:adec="http://schemas.microsoft.com/office/drawing/2017/decorative" val="1"/>
+              </a:ext>
+            </a:extLst>
+          </p:cNvPr>
+          <p:cNvSpPr>
+            <a:spLocks noGrp="1" noRot="1" noChangeAspect="1" noMove="1" noResize="1" noEditPoints="1" noAdjustHandles="1" noChangeArrowheads="1" noChangeShapeType="1" noTextEdit="1"/>
+          </p:cNvSpPr>
+          <p:nvPr>
+            <p:extLst>
+              <p:ext uri="{386F3935-93C4-4BCD-93E2-E3B085C9AB24}">
+                <p16:designElem xmlns:p16="http://schemas.microsoft.com/office/powerpoint/2015/main" val="1"/>
+              </p:ext>
+            </p:extLst>
+          </p:nvPr>
+        </p:nvSpPr>
+        <p:spPr bwMode="white">
+          <a:xfrm>
+            <a:off x="0" y="0"/>
+            <a:ext cx="4637005" cy="6858000"/>
+          </a:xfrm>
+          <a:custGeom>
+            <a:avLst/>
+            <a:gdLst>
+              <a:gd name="connsiteX0" fmla="*/ 0 w 4637005"/>
+              <a:gd name="connsiteY0" fmla="*/ 0 h 6858000"/>
+              <a:gd name="connsiteX1" fmla="*/ 4637005 w 4637005"/>
+              <a:gd name="connsiteY1" fmla="*/ 0 h 6858000"/>
+              <a:gd name="connsiteX2" fmla="*/ 4637005 w 4637005"/>
+              <a:gd name="connsiteY2" fmla="*/ 1900238 h 6858000"/>
+              <a:gd name="connsiteX3" fmla="*/ 4266589 w 4637005"/>
+              <a:gd name="connsiteY3" fmla="*/ 2178050 h 6858000"/>
+              <a:gd name="connsiteX4" fmla="*/ 4262355 w 4637005"/>
+              <a:gd name="connsiteY4" fmla="*/ 2184400 h 6858000"/>
+              <a:gd name="connsiteX5" fmla="*/ 4256005 w 4637005"/>
+              <a:gd name="connsiteY5" fmla="*/ 2193925 h 6858000"/>
+              <a:gd name="connsiteX6" fmla="*/ 4249655 w 4637005"/>
+              <a:gd name="connsiteY6" fmla="*/ 2201863 h 6858000"/>
+              <a:gd name="connsiteX7" fmla="*/ 4249655 w 4637005"/>
+              <a:gd name="connsiteY7" fmla="*/ 2211388 h 6858000"/>
+              <a:gd name="connsiteX8" fmla="*/ 4249655 w 4637005"/>
+              <a:gd name="connsiteY8" fmla="*/ 2220913 h 6858000"/>
+              <a:gd name="connsiteX9" fmla="*/ 4256005 w 4637005"/>
+              <a:gd name="connsiteY9" fmla="*/ 2228850 h 6858000"/>
+              <a:gd name="connsiteX10" fmla="*/ 4262355 w 4637005"/>
+              <a:gd name="connsiteY10" fmla="*/ 2238375 h 6858000"/>
+              <a:gd name="connsiteX11" fmla="*/ 4266589 w 4637005"/>
+              <a:gd name="connsiteY11" fmla="*/ 2244725 h 6858000"/>
+              <a:gd name="connsiteX12" fmla="*/ 4637005 w 4637005"/>
+              <a:gd name="connsiteY12" fmla="*/ 2522538 h 6858000"/>
+              <a:gd name="connsiteX13" fmla="*/ 4637005 w 4637005"/>
+              <a:gd name="connsiteY13" fmla="*/ 6858000 h 6858000"/>
+              <a:gd name="connsiteX14" fmla="*/ 0 w 4637005"/>
+              <a:gd name="connsiteY14" fmla="*/ 6858000 h 6858000"/>
+            </a:gdLst>
+            <a:ahLst/>
+            <a:cxnLst>
+              <a:cxn ang="0">
+                <a:pos x="connsiteX0" y="connsiteY0"/>
+              </a:cxn>
+              <a:cxn ang="0">
+                <a:pos x="connsiteX1" y="connsiteY1"/>
+              </a:cxn>
+              <a:cxn ang="0">
+                <a:pos x="connsiteX2" y="connsiteY2"/>
+              </a:cxn>
+              <a:cxn ang="0">
+                <a:pos x="connsiteX3" y="connsiteY3"/>
+              </a:cxn>
+              <a:cxn ang="0">
+                <a:pos x="connsiteX4" y="connsiteY4"/>
+              </a:cxn>
+              <a:cxn ang="0">
+                <a:pos x="connsiteX5" y="connsiteY5"/>
+              </a:cxn>
+              <a:cxn ang="0">
+                <a:pos x="connsiteX6" y="connsiteY6"/>
+              </a:cxn>
+              <a:cxn ang="0">
+                <a:pos x="connsiteX7" y="connsiteY7"/>
+              </a:cxn>
+              <a:cxn ang="0">
+                <a:pos x="connsiteX8" y="connsiteY8"/>
+              </a:cxn>
+              <a:cxn ang="0">
+                <a:pos x="connsiteX9" y="connsiteY9"/>
+              </a:cxn>
+              <a:cxn ang="0">
+                <a:pos x="connsiteX10" y="connsiteY10"/>
+              </a:cxn>
+              <a:cxn ang="0">
+                <a:pos x="connsiteX11" y="connsiteY11"/>
+              </a:cxn>
+              <a:cxn ang="0">
+                <a:pos x="connsiteX12" y="connsiteY12"/>
+              </a:cxn>
+              <a:cxn ang="0">
+                <a:pos x="connsiteX13" y="connsiteY13"/>
+              </a:cxn>
+              <a:cxn ang="0">
+                <a:pos x="connsiteX14" y="connsiteY14"/>
+              </a:cxn>
+            </a:cxnLst>
+            <a:rect l="l" t="t" r="r" b="b"/>
+            <a:pathLst>
+              <a:path w="4637005" h="6858000">
+                <a:moveTo>
+                  <a:pt x="0" y="0"/>
+                </a:moveTo>
+                <a:lnTo>
+                  <a:pt x="4637005" y="0"/>
+                </a:lnTo>
+                <a:lnTo>
+                  <a:pt x="4637005" y="1900238"/>
+                </a:lnTo>
+                <a:lnTo>
+                  <a:pt x="4266589" y="2178050"/>
+                </a:lnTo>
+                <a:lnTo>
+                  <a:pt x="4262355" y="2184400"/>
+                </a:lnTo>
+                <a:lnTo>
+                  <a:pt x="4256005" y="2193925"/>
+                </a:lnTo>
+                <a:lnTo>
+                  <a:pt x="4249655" y="2201863"/>
+                </a:lnTo>
+                <a:lnTo>
+                  <a:pt x="4249655" y="2211388"/>
+                </a:lnTo>
+                <a:lnTo>
+                  <a:pt x="4249655" y="2220913"/>
+                </a:lnTo>
+                <a:lnTo>
+                  <a:pt x="4256005" y="2228850"/>
+                </a:lnTo>
+                <a:lnTo>
+                  <a:pt x="4262355" y="2238375"/>
+                </a:lnTo>
+                <a:lnTo>
+                  <a:pt x="4266589" y="2244725"/>
+                </a:lnTo>
+                <a:lnTo>
+                  <a:pt x="4637005" y="2522538"/>
+                </a:lnTo>
+                <a:lnTo>
+                  <a:pt x="4637005" y="6858000"/>
+                </a:lnTo>
+                <a:lnTo>
+                  <a:pt x="0" y="6858000"/>
+                </a:lnTo>
+                <a:close/>
+              </a:path>
+            </a:pathLst>
+          </a:custGeom>
+          <a:solidFill>
+            <a:srgbClr val="212121"/>
+          </a:solidFill>
+          <a:ln>
+            <a:noFill/>
+            <a:headEnd/>
+            <a:tailEnd/>
+          </a:ln>
+        </p:spPr>
+        <p:style>
+          <a:lnRef idx="1">
+            <a:schemeClr val="accent1"/>
+          </a:lnRef>
+          <a:fillRef idx="3">
+            <a:schemeClr val="accent1"/>
+          </a:fillRef>
+          <a:effectRef idx="2">
+            <a:schemeClr val="accent1"/>
+          </a:effectRef>
+          <a:fontRef idx="minor">
+            <a:schemeClr val="lt1"/>
+          </a:fontRef>
+        </p:style>
+        <p:txBody>
+          <a:bodyPr wrap="square" rtlCol="0" anchor="ctr">
+            <a:noAutofit/>
+          </a:bodyPr>
+          <a:lstStyle/>
+          <a:p>
+            <a:pPr algn="ctr"/>
+            <a:endParaRPr lang="en-US"/>
+          </a:p>
+        </p:txBody>
+      </p:sp>
+      <p:sp>
+        <p:nvSpPr>
+          <p:cNvPr id="2" name="Title 1"/>
+          <p:cNvSpPr>
+            <a:spLocks noGrp="1"/>
+          </p:cNvSpPr>
+          <p:nvPr>
+            <p:ph type="title"/>
+          </p:nvPr>
+        </p:nvSpPr>
+        <p:spPr>
+          <a:xfrm>
+            <a:off x="451514" y="457201"/>
+            <a:ext cx="3575737" cy="1332688"/>
           </a:xfrm>
         </p:spPr>
         <p:txBody>
-          <a:bodyPr/>
+          <a:bodyPr anchor="b">
+            <a:normAutofit/>
+          </a:bodyPr>
           <a:lstStyle/>
           <a:p>
-            <a:endParaRPr lang="en-US"/>
+            <a:pPr algn="ctr"/>
+            <a:r>
+              <a:rPr lang="en-US" sz="3200">
+                <a:solidFill>
+                  <a:srgbClr val="FFFFFF"/>
+                </a:solidFill>
+              </a:rPr>
+              <a:t>DUI Deaths by State (2014)</a:t>
+            </a:r>
+          </a:p>
+        </p:txBody>
+      </p:sp>
+      <p:sp>
+        <p:nvSpPr>
+          <p:cNvPr id="3" name="Content Placeholder 2"/>
+          <p:cNvSpPr>
+            <a:spLocks noGrp="1"/>
+          </p:cNvSpPr>
+          <p:nvPr>
+            <p:ph idx="1"/>
+          </p:nvPr>
+        </p:nvSpPr>
+        <p:spPr>
+          <a:xfrm>
+            <a:off x="451514" y="2046514"/>
+            <a:ext cx="3575737" cy="3994848"/>
+          </a:xfrm>
+        </p:spPr>
+        <p:txBody>
+          <a:bodyPr>
+            <a:normAutofit/>
+          </a:bodyPr>
+          <a:lstStyle/>
+          <a:p>
+            <a:r>
+              <a:rPr lang="en-US" sz="1600" dirty="0">
+                <a:solidFill>
+                  <a:srgbClr val="FFFFFF"/>
+                </a:solidFill>
+              </a:rPr>
+              <a:t>Used to compare Gender by States</a:t>
+            </a:r>
+          </a:p>
+          <a:p>
+            <a:r>
+              <a:rPr lang="en-US" sz="1600" dirty="0">
+                <a:solidFill>
+                  <a:srgbClr val="FFFFFF"/>
+                </a:solidFill>
+              </a:rPr>
+              <a:t>Men in Wyoming had the highest rate of deaths</a:t>
+            </a:r>
+          </a:p>
+          <a:p>
+            <a:r>
+              <a:rPr lang="en-US" sz="1600" dirty="0">
+                <a:solidFill>
+                  <a:srgbClr val="FFFFFF"/>
+                </a:solidFill>
+              </a:rPr>
+              <a:t>Men in New York had the lowest rate of deaths</a:t>
+            </a:r>
+          </a:p>
+          <a:p>
+            <a:r>
+              <a:rPr lang="en-US" sz="1600" dirty="0">
+                <a:solidFill>
+                  <a:srgbClr val="FFFFFF"/>
+                </a:solidFill>
+              </a:rPr>
+              <a:t>Women in Montana had the highest rate of deaths</a:t>
+            </a:r>
+          </a:p>
+          <a:p>
+            <a:r>
+              <a:rPr lang="en-US" sz="1600" dirty="0">
+                <a:solidFill>
+                  <a:srgbClr val="FFFFFF"/>
+                </a:solidFill>
+              </a:rPr>
+              <a:t>Women in New York had the lowest rate of deaths</a:t>
+            </a:r>
           </a:p>
         </p:txBody>
       </p:sp>
@@ -5790,12 +6451,20 @@
         </p:blipFill>
         <p:spPr>
           <a:xfrm>
-            <a:off x="6609185" y="2596572"/>
-            <a:ext cx="4849284" cy="3636963"/>
+            <a:off x="4773054" y="858154"/>
+            <a:ext cx="7268276" cy="5451206"/>
           </a:xfrm>
-          <a:prstGeom prst="rect">
-            <a:avLst/>
+          <a:prstGeom prst="roundRect">
+            <a:avLst>
+              <a:gd name="adj" fmla="val 3876"/>
+            </a:avLst>
           </a:prstGeom>
+          <a:ln>
+            <a:solidFill>
+              <a:schemeClr val="accent1"/>
+            </a:solidFill>
+          </a:ln>
+          <a:effectLst/>
         </p:spPr>
       </p:pic>
     </p:spTree>
@@ -5806,21 +6475,22 @@
     </p:extLst>
   </p:cSld>
   <p:clrMapOvr>
-    <a:masterClrMapping/>
+    <a:overrideClrMapping bg1="lt1" tx1="dk1" bg2="lt2" tx2="dk2" accent1="accent1" accent2="accent2" accent3="accent3" accent4="accent4" accent5="accent5" accent6="accent6" hlink="hlink" folHlink="folHlink"/>
   </p:clrMapOvr>
-  <p:timing>
-    <p:tnLst>
-      <p:par>
-        <p:cTn id="1" dur="indefinite" restart="never" nodeType="tmRoot"/>
-      </p:par>
-    </p:tnLst>
-  </p:timing>
 </p:sld>
 </file>
 
 <file path=ppt/slides/slide12.xml><?xml version="1.0" encoding="utf-8"?>
 <p:sld xmlns:a="http://schemas.openxmlformats.org/drawingml/2006/main" xmlns:r="http://schemas.openxmlformats.org/officeDocument/2006/relationships" xmlns:p="http://schemas.openxmlformats.org/presentationml/2006/main">
   <p:cSld>
+    <p:bg>
+      <p:bgPr>
+        <a:solidFill>
+          <a:schemeClr val="bg1"/>
+        </a:solidFill>
+        <a:effectLst/>
+      </p:bgPr>
+    </p:bg>
     <p:spTree>
       <p:nvGrpSpPr>
         <p:cNvPr id="1" name=""/>
@@ -5837,44 +6507,385 @@
       </p:grpSpPr>
       <p:sp>
         <p:nvSpPr>
-          <p:cNvPr id="2" name="Title 1"/>
-          <p:cNvSpPr>
-            <a:spLocks noGrp="1"/>
-          </p:cNvSpPr>
-          <p:nvPr>
-            <p:ph type="title"/>
-          </p:nvPr>
-        </p:nvSpPr>
-        <p:spPr/>
-        <p:txBody>
-          <a:bodyPr/>
-          <a:lstStyle/>
-          <a:p>
-            <a:endParaRPr lang="en-US"/>
-          </a:p>
-        </p:txBody>
-      </p:sp>
-      <p:sp>
-        <p:nvSpPr>
-          <p:cNvPr id="3" name="Content Placeholder 2"/>
-          <p:cNvSpPr>
-            <a:spLocks noGrp="1"/>
-          </p:cNvSpPr>
-          <p:nvPr>
-            <p:ph idx="1"/>
+          <p:cNvPr id="10" name="Rectangle 9">
+            <a:extLst>
+              <a:ext uri="{FF2B5EF4-FFF2-40B4-BE49-F238E27FC236}">
+                <a16:creationId xmlns:a16="http://schemas.microsoft.com/office/drawing/2014/main" id="{E2264E67-6F59-4D8D-8E5F-8245B0FEAE76}"/>
+              </a:ext>
+              <a:ext uri="{C183D7F6-B498-43B3-948B-1728B52AA6E4}">
+                <adec:decorative xmlns:adec="http://schemas.microsoft.com/office/drawing/2017/decorative" val="1"/>
+              </a:ext>
+            </a:extLst>
+          </p:cNvPr>
+          <p:cNvSpPr>
+            <a:spLocks noGrp="1" noRot="1" noChangeAspect="1" noMove="1" noResize="1" noEditPoints="1" noAdjustHandles="1" noChangeArrowheads="1" noChangeShapeType="1" noTextEdit="1"/>
+          </p:cNvSpPr>
+          <p:nvPr>
+            <p:extLst>
+              <p:ext uri="{386F3935-93C4-4BCD-93E2-E3B085C9AB24}">
+                <p16:designElem xmlns:p16="http://schemas.microsoft.com/office/powerpoint/2015/main" val="1"/>
+              </p:ext>
+            </p:extLst>
           </p:nvPr>
         </p:nvSpPr>
         <p:spPr>
           <a:xfrm>
-            <a:off x="818712" y="2222287"/>
-            <a:ext cx="5274517" cy="3636511"/>
+            <a:off x="4573" y="0"/>
+            <a:ext cx="12187427" cy="6858000"/>
+          </a:xfrm>
+          <a:prstGeom prst="rect">
+            <a:avLst/>
+          </a:prstGeom>
+          <a:solidFill>
+            <a:schemeClr val="bg1"/>
+          </a:solidFill>
+          <a:ln>
+            <a:noFill/>
+          </a:ln>
+        </p:spPr>
+        <p:style>
+          <a:lnRef idx="2">
+            <a:schemeClr val="accent1">
+              <a:shade val="50000"/>
+            </a:schemeClr>
+          </a:lnRef>
+          <a:fillRef idx="1">
+            <a:schemeClr val="accent1"/>
+          </a:fillRef>
+          <a:effectRef idx="0">
+            <a:schemeClr val="accent1"/>
+          </a:effectRef>
+          <a:fontRef idx="minor">
+            <a:schemeClr val="lt1"/>
+          </a:fontRef>
+        </p:style>
+        <p:txBody>
+          <a:bodyPr rtlCol="0" anchor="ctr"/>
+          <a:lstStyle/>
+          <a:p>
+            <a:pPr algn="ctr"/>
+            <a:endParaRPr lang="en-US"/>
+          </a:p>
+        </p:txBody>
+      </p:sp>
+      <p:sp>
+        <p:nvSpPr>
+          <p:cNvPr id="12" name="Freeform 23">
+            <a:extLst>
+              <a:ext uri="{FF2B5EF4-FFF2-40B4-BE49-F238E27FC236}">
+                <a16:creationId xmlns:a16="http://schemas.microsoft.com/office/drawing/2014/main" id="{158E1C6E-D299-4F5D-B15B-155EBF7F62FD}"/>
+              </a:ext>
+              <a:ext uri="{C183D7F6-B498-43B3-948B-1728B52AA6E4}">
+                <adec:decorative xmlns:adec="http://schemas.microsoft.com/office/drawing/2017/decorative" val="1"/>
+              </a:ext>
+            </a:extLst>
+          </p:cNvPr>
+          <p:cNvSpPr>
+            <a:spLocks noGrp="1" noRot="1" noChangeAspect="1" noMove="1" noResize="1" noEditPoints="1" noAdjustHandles="1" noChangeArrowheads="1" noChangeShapeType="1" noTextEdit="1"/>
+          </p:cNvSpPr>
+          <p:nvPr>
+            <p:extLst>
+              <p:ext uri="{386F3935-93C4-4BCD-93E2-E3B085C9AB24}">
+                <p16:designElem xmlns:p16="http://schemas.microsoft.com/office/powerpoint/2015/main" val="1"/>
+              </p:ext>
+            </p:extLst>
+          </p:nvPr>
+        </p:nvSpPr>
+        <p:spPr bwMode="white">
+          <a:xfrm>
+            <a:off x="0" y="0"/>
+            <a:ext cx="4637005" cy="6858000"/>
+          </a:xfrm>
+          <a:custGeom>
+            <a:avLst/>
+            <a:gdLst>
+              <a:gd name="connsiteX0" fmla="*/ 0 w 4637005"/>
+              <a:gd name="connsiteY0" fmla="*/ 0 h 6858000"/>
+              <a:gd name="connsiteX1" fmla="*/ 4637005 w 4637005"/>
+              <a:gd name="connsiteY1" fmla="*/ 0 h 6858000"/>
+              <a:gd name="connsiteX2" fmla="*/ 4637005 w 4637005"/>
+              <a:gd name="connsiteY2" fmla="*/ 1900238 h 6858000"/>
+              <a:gd name="connsiteX3" fmla="*/ 4266589 w 4637005"/>
+              <a:gd name="connsiteY3" fmla="*/ 2178050 h 6858000"/>
+              <a:gd name="connsiteX4" fmla="*/ 4262355 w 4637005"/>
+              <a:gd name="connsiteY4" fmla="*/ 2184400 h 6858000"/>
+              <a:gd name="connsiteX5" fmla="*/ 4256005 w 4637005"/>
+              <a:gd name="connsiteY5" fmla="*/ 2193925 h 6858000"/>
+              <a:gd name="connsiteX6" fmla="*/ 4249655 w 4637005"/>
+              <a:gd name="connsiteY6" fmla="*/ 2201863 h 6858000"/>
+              <a:gd name="connsiteX7" fmla="*/ 4249655 w 4637005"/>
+              <a:gd name="connsiteY7" fmla="*/ 2211388 h 6858000"/>
+              <a:gd name="connsiteX8" fmla="*/ 4249655 w 4637005"/>
+              <a:gd name="connsiteY8" fmla="*/ 2220913 h 6858000"/>
+              <a:gd name="connsiteX9" fmla="*/ 4256005 w 4637005"/>
+              <a:gd name="connsiteY9" fmla="*/ 2228850 h 6858000"/>
+              <a:gd name="connsiteX10" fmla="*/ 4262355 w 4637005"/>
+              <a:gd name="connsiteY10" fmla="*/ 2238375 h 6858000"/>
+              <a:gd name="connsiteX11" fmla="*/ 4266589 w 4637005"/>
+              <a:gd name="connsiteY11" fmla="*/ 2244725 h 6858000"/>
+              <a:gd name="connsiteX12" fmla="*/ 4637005 w 4637005"/>
+              <a:gd name="connsiteY12" fmla="*/ 2522538 h 6858000"/>
+              <a:gd name="connsiteX13" fmla="*/ 4637005 w 4637005"/>
+              <a:gd name="connsiteY13" fmla="*/ 6858000 h 6858000"/>
+              <a:gd name="connsiteX14" fmla="*/ 0 w 4637005"/>
+              <a:gd name="connsiteY14" fmla="*/ 6858000 h 6858000"/>
+            </a:gdLst>
+            <a:ahLst/>
+            <a:cxnLst>
+              <a:cxn ang="0">
+                <a:pos x="connsiteX0" y="connsiteY0"/>
+              </a:cxn>
+              <a:cxn ang="0">
+                <a:pos x="connsiteX1" y="connsiteY1"/>
+              </a:cxn>
+              <a:cxn ang="0">
+                <a:pos x="connsiteX2" y="connsiteY2"/>
+              </a:cxn>
+              <a:cxn ang="0">
+                <a:pos x="connsiteX3" y="connsiteY3"/>
+              </a:cxn>
+              <a:cxn ang="0">
+                <a:pos x="connsiteX4" y="connsiteY4"/>
+              </a:cxn>
+              <a:cxn ang="0">
+                <a:pos x="connsiteX5" y="connsiteY5"/>
+              </a:cxn>
+              <a:cxn ang="0">
+                <a:pos x="connsiteX6" y="connsiteY6"/>
+              </a:cxn>
+              <a:cxn ang="0">
+                <a:pos x="connsiteX7" y="connsiteY7"/>
+              </a:cxn>
+              <a:cxn ang="0">
+                <a:pos x="connsiteX8" y="connsiteY8"/>
+              </a:cxn>
+              <a:cxn ang="0">
+                <a:pos x="connsiteX9" y="connsiteY9"/>
+              </a:cxn>
+              <a:cxn ang="0">
+                <a:pos x="connsiteX10" y="connsiteY10"/>
+              </a:cxn>
+              <a:cxn ang="0">
+                <a:pos x="connsiteX11" y="connsiteY11"/>
+              </a:cxn>
+              <a:cxn ang="0">
+                <a:pos x="connsiteX12" y="connsiteY12"/>
+              </a:cxn>
+              <a:cxn ang="0">
+                <a:pos x="connsiteX13" y="connsiteY13"/>
+              </a:cxn>
+              <a:cxn ang="0">
+                <a:pos x="connsiteX14" y="connsiteY14"/>
+              </a:cxn>
+            </a:cxnLst>
+            <a:rect l="l" t="t" r="r" b="b"/>
+            <a:pathLst>
+              <a:path w="4637005" h="6858000">
+                <a:moveTo>
+                  <a:pt x="0" y="0"/>
+                </a:moveTo>
+                <a:lnTo>
+                  <a:pt x="4637005" y="0"/>
+                </a:lnTo>
+                <a:lnTo>
+                  <a:pt x="4637005" y="1900238"/>
+                </a:lnTo>
+                <a:lnTo>
+                  <a:pt x="4266589" y="2178050"/>
+                </a:lnTo>
+                <a:lnTo>
+                  <a:pt x="4262355" y="2184400"/>
+                </a:lnTo>
+                <a:lnTo>
+                  <a:pt x="4256005" y="2193925"/>
+                </a:lnTo>
+                <a:lnTo>
+                  <a:pt x="4249655" y="2201863"/>
+                </a:lnTo>
+                <a:lnTo>
+                  <a:pt x="4249655" y="2211388"/>
+                </a:lnTo>
+                <a:lnTo>
+                  <a:pt x="4249655" y="2220913"/>
+                </a:lnTo>
+                <a:lnTo>
+                  <a:pt x="4256005" y="2228850"/>
+                </a:lnTo>
+                <a:lnTo>
+                  <a:pt x="4262355" y="2238375"/>
+                </a:lnTo>
+                <a:lnTo>
+                  <a:pt x="4266589" y="2244725"/>
+                </a:lnTo>
+                <a:lnTo>
+                  <a:pt x="4637005" y="2522538"/>
+                </a:lnTo>
+                <a:lnTo>
+                  <a:pt x="4637005" y="6858000"/>
+                </a:lnTo>
+                <a:lnTo>
+                  <a:pt x="0" y="6858000"/>
+                </a:lnTo>
+                <a:close/>
+              </a:path>
+            </a:pathLst>
+          </a:custGeom>
+          <a:solidFill>
+            <a:srgbClr val="212121"/>
+          </a:solidFill>
+          <a:ln>
+            <a:noFill/>
+            <a:headEnd/>
+            <a:tailEnd/>
+          </a:ln>
+        </p:spPr>
+        <p:style>
+          <a:lnRef idx="1">
+            <a:schemeClr val="accent1"/>
+          </a:lnRef>
+          <a:fillRef idx="3">
+            <a:schemeClr val="accent1"/>
+          </a:fillRef>
+          <a:effectRef idx="2">
+            <a:schemeClr val="accent1"/>
+          </a:effectRef>
+          <a:fontRef idx="minor">
+            <a:schemeClr val="lt1"/>
+          </a:fontRef>
+        </p:style>
+        <p:txBody>
+          <a:bodyPr wrap="square" rtlCol="0" anchor="ctr">
+            <a:noAutofit/>
+          </a:bodyPr>
+          <a:lstStyle/>
+          <a:p>
+            <a:pPr algn="ctr"/>
+            <a:endParaRPr lang="en-US"/>
+          </a:p>
+        </p:txBody>
+      </p:sp>
+      <p:sp>
+        <p:nvSpPr>
+          <p:cNvPr id="2" name="Title 1"/>
+          <p:cNvSpPr>
+            <a:spLocks noGrp="1"/>
+          </p:cNvSpPr>
+          <p:nvPr>
+            <p:ph type="title"/>
+          </p:nvPr>
+        </p:nvSpPr>
+        <p:spPr>
+          <a:xfrm>
+            <a:off x="451514" y="457201"/>
+            <a:ext cx="3575737" cy="1332688"/>
           </a:xfrm>
         </p:spPr>
         <p:txBody>
-          <a:bodyPr/>
+          <a:bodyPr anchor="b">
+            <a:normAutofit/>
+          </a:bodyPr>
           <a:lstStyle/>
           <a:p>
-            <a:endParaRPr lang="en-US"/>
+            <a:pPr algn="ctr"/>
+            <a:r>
+              <a:rPr lang="en-US" sz="3200">
+                <a:solidFill>
+                  <a:srgbClr val="FFFFFF"/>
+                </a:solidFill>
+              </a:rPr>
+              <a:t>DUI Deaths by Year</a:t>
+            </a:r>
+          </a:p>
+        </p:txBody>
+      </p:sp>
+      <p:sp>
+        <p:nvSpPr>
+          <p:cNvPr id="3" name="Content Placeholder 2"/>
+          <p:cNvSpPr>
+            <a:spLocks noGrp="1"/>
+          </p:cNvSpPr>
+          <p:nvPr>
+            <p:ph idx="1"/>
+          </p:nvPr>
+        </p:nvSpPr>
+        <p:spPr>
+          <a:xfrm>
+            <a:off x="451514" y="2046514"/>
+            <a:ext cx="3575737" cy="3994848"/>
+          </a:xfrm>
+        </p:spPr>
+        <p:txBody>
+          <a:bodyPr anchor="t">
+            <a:normAutofit/>
+          </a:bodyPr>
+          <a:lstStyle/>
+          <a:p>
+            <a:r>
+              <a:rPr lang="en-US" sz="1600" dirty="0">
+                <a:solidFill>
+                  <a:srgbClr val="FFFFFF"/>
+                </a:solidFill>
+              </a:rPr>
+              <a:t>Men have much higher rates of deaths in both years</a:t>
+            </a:r>
+          </a:p>
+          <a:p>
+            <a:r>
+              <a:rPr lang="en-US" sz="1600" dirty="0">
+                <a:solidFill>
+                  <a:srgbClr val="FFFFFF"/>
+                </a:solidFill>
+              </a:rPr>
+              <a:t>10% decrease in deaths for Males in 2014</a:t>
+            </a:r>
+          </a:p>
+          <a:p>
+            <a:r>
+              <a:rPr lang="en-US" sz="1600" dirty="0">
+                <a:solidFill>
+                  <a:srgbClr val="FFFFFF"/>
+                </a:solidFill>
+              </a:rPr>
+              <a:t>Little to no change in deaths for Women in 2014</a:t>
+            </a:r>
+          </a:p>
+          <a:p>
+            <a:r>
+              <a:rPr lang="en-US" sz="1600" dirty="0">
+                <a:solidFill>
+                  <a:srgbClr val="FFFFFF"/>
+                </a:solidFill>
+              </a:rPr>
+              <a:t>Men account for 84% of all DUI deaths in 2012</a:t>
+            </a:r>
+          </a:p>
+          <a:p>
+            <a:pPr lvl="1"/>
+            <a:r>
+              <a:rPr lang="en-US" sz="1400" dirty="0">
+                <a:solidFill>
+                  <a:srgbClr val="FFFFFF"/>
+                </a:solidFill>
+              </a:rPr>
+              <a:t>83% in 2014</a:t>
+            </a:r>
+          </a:p>
+          <a:p>
+            <a:endParaRPr lang="en-US" sz="1600" dirty="0">
+              <a:solidFill>
+                <a:srgbClr val="FFFFFF"/>
+              </a:solidFill>
+            </a:endParaRPr>
+          </a:p>
+          <a:p>
+            <a:pPr marL="0" indent="0">
+              <a:buNone/>
+            </a:pPr>
+            <a:endParaRPr lang="en-US" sz="1600" dirty="0">
+              <a:solidFill>
+                <a:srgbClr val="FFFFFF"/>
+              </a:solidFill>
+            </a:endParaRPr>
           </a:p>
         </p:txBody>
       </p:sp>
@@ -5900,12 +6911,20 @@
         </p:blipFill>
         <p:spPr>
           <a:xfrm>
-            <a:off x="6600872" y="2524578"/>
-            <a:ext cx="4849284" cy="3636963"/>
+            <a:off x="4861644" y="764357"/>
+            <a:ext cx="7105717" cy="5329286"/>
           </a:xfrm>
-          <a:prstGeom prst="rect">
-            <a:avLst/>
+          <a:prstGeom prst="roundRect">
+            <a:avLst>
+              <a:gd name="adj" fmla="val 3876"/>
+            </a:avLst>
           </a:prstGeom>
+          <a:ln>
+            <a:solidFill>
+              <a:schemeClr val="accent1"/>
+            </a:solidFill>
+          </a:ln>
+          <a:effectLst/>
         </p:spPr>
       </p:pic>
     </p:spTree>
@@ -5916,21 +6935,22 @@
     </p:extLst>
   </p:cSld>
   <p:clrMapOvr>
-    <a:masterClrMapping/>
+    <a:overrideClrMapping bg1="lt1" tx1="dk1" bg2="lt2" tx2="dk2" accent1="accent1" accent2="accent2" accent3="accent3" accent4="accent4" accent5="accent5" accent6="accent6" hlink="hlink" folHlink="folHlink"/>
   </p:clrMapOvr>
-  <p:timing>
-    <p:tnLst>
-      <p:par>
-        <p:cTn id="1" dur="indefinite" restart="never" nodeType="tmRoot"/>
-      </p:par>
-    </p:tnLst>
-  </p:timing>
 </p:sld>
 </file>
 
 <file path=ppt/slides/slide13.xml><?xml version="1.0" encoding="utf-8"?>
 <p:sld xmlns:a="http://schemas.openxmlformats.org/drawingml/2006/main" xmlns:r="http://schemas.openxmlformats.org/officeDocument/2006/relationships" xmlns:p="http://schemas.openxmlformats.org/presentationml/2006/main">
   <p:cSld>
+    <p:bg>
+      <p:bgPr>
+        <a:solidFill>
+          <a:schemeClr val="bg1"/>
+        </a:solidFill>
+        <a:effectLst/>
+      </p:bgPr>
+    </p:bg>
     <p:spTree>
       <p:nvGrpSpPr>
         <p:cNvPr id="1" name=""/>
@@ -5947,50 +6967,427 @@
       </p:grpSpPr>
       <p:sp>
         <p:nvSpPr>
-          <p:cNvPr id="2" name="Title 1"/>
-          <p:cNvSpPr>
-            <a:spLocks noGrp="1"/>
-          </p:cNvSpPr>
-          <p:nvPr>
-            <p:ph type="title"/>
-          </p:nvPr>
-        </p:nvSpPr>
-        <p:spPr/>
-        <p:txBody>
-          <a:bodyPr/>
-          <a:lstStyle/>
-          <a:p>
-            <a:endParaRPr lang="en-US"/>
-          </a:p>
-        </p:txBody>
-      </p:sp>
-      <p:sp>
-        <p:nvSpPr>
-          <p:cNvPr id="3" name="Content Placeholder 2"/>
-          <p:cNvSpPr>
-            <a:spLocks noGrp="1"/>
-          </p:cNvSpPr>
-          <p:nvPr>
-            <p:ph idx="1"/>
+          <p:cNvPr id="16" name="Rectangle 15">
+            <a:extLst>
+              <a:ext uri="{FF2B5EF4-FFF2-40B4-BE49-F238E27FC236}">
+                <a16:creationId xmlns:a16="http://schemas.microsoft.com/office/drawing/2014/main" id="{E2264E67-6F59-4D8D-8E5F-8245B0FEAE76}"/>
+              </a:ext>
+              <a:ext uri="{C183D7F6-B498-43B3-948B-1728B52AA6E4}">
+                <adec:decorative xmlns:adec="http://schemas.microsoft.com/office/drawing/2017/decorative" val="1"/>
+              </a:ext>
+            </a:extLst>
+          </p:cNvPr>
+          <p:cNvSpPr>
+            <a:spLocks noGrp="1" noRot="1" noChangeAspect="1" noMove="1" noResize="1" noEditPoints="1" noAdjustHandles="1" noChangeArrowheads="1" noChangeShapeType="1" noTextEdit="1"/>
+          </p:cNvSpPr>
+          <p:nvPr>
+            <p:extLst>
+              <p:ext uri="{386F3935-93C4-4BCD-93E2-E3B085C9AB24}">
+                <p16:designElem xmlns:p16="http://schemas.microsoft.com/office/powerpoint/2015/main" val="1"/>
+              </p:ext>
+            </p:extLst>
           </p:nvPr>
         </p:nvSpPr>
         <p:spPr>
           <a:xfrm>
-            <a:off x="818712" y="2222287"/>
-            <a:ext cx="5274517" cy="3636511"/>
+            <a:off x="4573" y="0"/>
+            <a:ext cx="12187427" cy="6858000"/>
+          </a:xfrm>
+          <a:prstGeom prst="rect">
+            <a:avLst/>
+          </a:prstGeom>
+          <a:solidFill>
+            <a:schemeClr val="bg1"/>
+          </a:solidFill>
+          <a:ln>
+            <a:noFill/>
+          </a:ln>
+        </p:spPr>
+        <p:style>
+          <a:lnRef idx="2">
+            <a:schemeClr val="accent1">
+              <a:shade val="50000"/>
+            </a:schemeClr>
+          </a:lnRef>
+          <a:fillRef idx="1">
+            <a:schemeClr val="accent1"/>
+          </a:fillRef>
+          <a:effectRef idx="0">
+            <a:schemeClr val="accent1"/>
+          </a:effectRef>
+          <a:fontRef idx="minor">
+            <a:schemeClr val="lt1"/>
+          </a:fontRef>
+        </p:style>
+        <p:txBody>
+          <a:bodyPr rtlCol="0" anchor="ctr"/>
+          <a:lstStyle/>
+          <a:p>
+            <a:pPr algn="ctr"/>
+            <a:endParaRPr lang="en-US"/>
+          </a:p>
+        </p:txBody>
+      </p:sp>
+      <p:sp>
+        <p:nvSpPr>
+          <p:cNvPr id="18" name="Freeform 23">
+            <a:extLst>
+              <a:ext uri="{FF2B5EF4-FFF2-40B4-BE49-F238E27FC236}">
+                <a16:creationId xmlns:a16="http://schemas.microsoft.com/office/drawing/2014/main" id="{158E1C6E-D299-4F5D-B15B-155EBF7F62FD}"/>
+              </a:ext>
+              <a:ext uri="{C183D7F6-B498-43B3-948B-1728B52AA6E4}">
+                <adec:decorative xmlns:adec="http://schemas.microsoft.com/office/drawing/2017/decorative" val="1"/>
+              </a:ext>
+            </a:extLst>
+          </p:cNvPr>
+          <p:cNvSpPr>
+            <a:spLocks noGrp="1" noRot="1" noChangeAspect="1" noMove="1" noResize="1" noEditPoints="1" noAdjustHandles="1" noChangeArrowheads="1" noChangeShapeType="1" noTextEdit="1"/>
+          </p:cNvSpPr>
+          <p:nvPr>
+            <p:extLst>
+              <p:ext uri="{386F3935-93C4-4BCD-93E2-E3B085C9AB24}">
+                <p16:designElem xmlns:p16="http://schemas.microsoft.com/office/powerpoint/2015/main" val="1"/>
+              </p:ext>
+            </p:extLst>
+          </p:nvPr>
+        </p:nvSpPr>
+        <p:spPr bwMode="white">
+          <a:xfrm>
+            <a:off x="0" y="0"/>
+            <a:ext cx="4637005" cy="6858000"/>
+          </a:xfrm>
+          <a:custGeom>
+            <a:avLst/>
+            <a:gdLst>
+              <a:gd name="connsiteX0" fmla="*/ 0 w 4637005"/>
+              <a:gd name="connsiteY0" fmla="*/ 0 h 6858000"/>
+              <a:gd name="connsiteX1" fmla="*/ 4637005 w 4637005"/>
+              <a:gd name="connsiteY1" fmla="*/ 0 h 6858000"/>
+              <a:gd name="connsiteX2" fmla="*/ 4637005 w 4637005"/>
+              <a:gd name="connsiteY2" fmla="*/ 1900238 h 6858000"/>
+              <a:gd name="connsiteX3" fmla="*/ 4266589 w 4637005"/>
+              <a:gd name="connsiteY3" fmla="*/ 2178050 h 6858000"/>
+              <a:gd name="connsiteX4" fmla="*/ 4262355 w 4637005"/>
+              <a:gd name="connsiteY4" fmla="*/ 2184400 h 6858000"/>
+              <a:gd name="connsiteX5" fmla="*/ 4256005 w 4637005"/>
+              <a:gd name="connsiteY5" fmla="*/ 2193925 h 6858000"/>
+              <a:gd name="connsiteX6" fmla="*/ 4249655 w 4637005"/>
+              <a:gd name="connsiteY6" fmla="*/ 2201863 h 6858000"/>
+              <a:gd name="connsiteX7" fmla="*/ 4249655 w 4637005"/>
+              <a:gd name="connsiteY7" fmla="*/ 2211388 h 6858000"/>
+              <a:gd name="connsiteX8" fmla="*/ 4249655 w 4637005"/>
+              <a:gd name="connsiteY8" fmla="*/ 2220913 h 6858000"/>
+              <a:gd name="connsiteX9" fmla="*/ 4256005 w 4637005"/>
+              <a:gd name="connsiteY9" fmla="*/ 2228850 h 6858000"/>
+              <a:gd name="connsiteX10" fmla="*/ 4262355 w 4637005"/>
+              <a:gd name="connsiteY10" fmla="*/ 2238375 h 6858000"/>
+              <a:gd name="connsiteX11" fmla="*/ 4266589 w 4637005"/>
+              <a:gd name="connsiteY11" fmla="*/ 2244725 h 6858000"/>
+              <a:gd name="connsiteX12" fmla="*/ 4637005 w 4637005"/>
+              <a:gd name="connsiteY12" fmla="*/ 2522538 h 6858000"/>
+              <a:gd name="connsiteX13" fmla="*/ 4637005 w 4637005"/>
+              <a:gd name="connsiteY13" fmla="*/ 6858000 h 6858000"/>
+              <a:gd name="connsiteX14" fmla="*/ 0 w 4637005"/>
+              <a:gd name="connsiteY14" fmla="*/ 6858000 h 6858000"/>
+            </a:gdLst>
+            <a:ahLst/>
+            <a:cxnLst>
+              <a:cxn ang="0">
+                <a:pos x="connsiteX0" y="connsiteY0"/>
+              </a:cxn>
+              <a:cxn ang="0">
+                <a:pos x="connsiteX1" y="connsiteY1"/>
+              </a:cxn>
+              <a:cxn ang="0">
+                <a:pos x="connsiteX2" y="connsiteY2"/>
+              </a:cxn>
+              <a:cxn ang="0">
+                <a:pos x="connsiteX3" y="connsiteY3"/>
+              </a:cxn>
+              <a:cxn ang="0">
+                <a:pos x="connsiteX4" y="connsiteY4"/>
+              </a:cxn>
+              <a:cxn ang="0">
+                <a:pos x="connsiteX5" y="connsiteY5"/>
+              </a:cxn>
+              <a:cxn ang="0">
+                <a:pos x="connsiteX6" y="connsiteY6"/>
+              </a:cxn>
+              <a:cxn ang="0">
+                <a:pos x="connsiteX7" y="connsiteY7"/>
+              </a:cxn>
+              <a:cxn ang="0">
+                <a:pos x="connsiteX8" y="connsiteY8"/>
+              </a:cxn>
+              <a:cxn ang="0">
+                <a:pos x="connsiteX9" y="connsiteY9"/>
+              </a:cxn>
+              <a:cxn ang="0">
+                <a:pos x="connsiteX10" y="connsiteY10"/>
+              </a:cxn>
+              <a:cxn ang="0">
+                <a:pos x="connsiteX11" y="connsiteY11"/>
+              </a:cxn>
+              <a:cxn ang="0">
+                <a:pos x="connsiteX12" y="connsiteY12"/>
+              </a:cxn>
+              <a:cxn ang="0">
+                <a:pos x="connsiteX13" y="connsiteY13"/>
+              </a:cxn>
+              <a:cxn ang="0">
+                <a:pos x="connsiteX14" y="connsiteY14"/>
+              </a:cxn>
+            </a:cxnLst>
+            <a:rect l="l" t="t" r="r" b="b"/>
+            <a:pathLst>
+              <a:path w="4637005" h="6858000">
+                <a:moveTo>
+                  <a:pt x="0" y="0"/>
+                </a:moveTo>
+                <a:lnTo>
+                  <a:pt x="4637005" y="0"/>
+                </a:lnTo>
+                <a:lnTo>
+                  <a:pt x="4637005" y="1900238"/>
+                </a:lnTo>
+                <a:lnTo>
+                  <a:pt x="4266589" y="2178050"/>
+                </a:lnTo>
+                <a:lnTo>
+                  <a:pt x="4262355" y="2184400"/>
+                </a:lnTo>
+                <a:lnTo>
+                  <a:pt x="4256005" y="2193925"/>
+                </a:lnTo>
+                <a:lnTo>
+                  <a:pt x="4249655" y="2201863"/>
+                </a:lnTo>
+                <a:lnTo>
+                  <a:pt x="4249655" y="2211388"/>
+                </a:lnTo>
+                <a:lnTo>
+                  <a:pt x="4249655" y="2220913"/>
+                </a:lnTo>
+                <a:lnTo>
+                  <a:pt x="4256005" y="2228850"/>
+                </a:lnTo>
+                <a:lnTo>
+                  <a:pt x="4262355" y="2238375"/>
+                </a:lnTo>
+                <a:lnTo>
+                  <a:pt x="4266589" y="2244725"/>
+                </a:lnTo>
+                <a:lnTo>
+                  <a:pt x="4637005" y="2522538"/>
+                </a:lnTo>
+                <a:lnTo>
+                  <a:pt x="4637005" y="6858000"/>
+                </a:lnTo>
+                <a:lnTo>
+                  <a:pt x="0" y="6858000"/>
+                </a:lnTo>
+                <a:close/>
+              </a:path>
+            </a:pathLst>
+          </a:custGeom>
+          <a:solidFill>
+            <a:srgbClr val="212121"/>
+          </a:solidFill>
+          <a:ln>
+            <a:noFill/>
+            <a:headEnd/>
+            <a:tailEnd/>
+          </a:ln>
+        </p:spPr>
+        <p:style>
+          <a:lnRef idx="1">
+            <a:schemeClr val="accent1"/>
+          </a:lnRef>
+          <a:fillRef idx="3">
+            <a:schemeClr val="accent1"/>
+          </a:fillRef>
+          <a:effectRef idx="2">
+            <a:schemeClr val="accent1"/>
+          </a:effectRef>
+          <a:fontRef idx="minor">
+            <a:schemeClr val="lt1"/>
+          </a:fontRef>
+        </p:style>
+        <p:txBody>
+          <a:bodyPr wrap="square" rtlCol="0" anchor="ctr">
+            <a:noAutofit/>
+          </a:bodyPr>
+          <a:lstStyle/>
+          <a:p>
+            <a:pPr algn="ctr"/>
+            <a:endParaRPr lang="en-US"/>
+          </a:p>
+        </p:txBody>
+      </p:sp>
+      <p:sp>
+        <p:nvSpPr>
+          <p:cNvPr id="2" name="Title 1"/>
+          <p:cNvSpPr>
+            <a:spLocks noGrp="1"/>
+          </p:cNvSpPr>
+          <p:nvPr>
+            <p:ph type="title"/>
+          </p:nvPr>
+        </p:nvSpPr>
+        <p:spPr>
+          <a:xfrm>
+            <a:off x="451514" y="457201"/>
+            <a:ext cx="3575737" cy="1332688"/>
           </a:xfrm>
         </p:spPr>
         <p:txBody>
-          <a:bodyPr/>
+          <a:bodyPr anchor="b">
+            <a:normAutofit/>
+          </a:bodyPr>
           <a:lstStyle/>
           <a:p>
-            <a:endParaRPr lang="en-US"/>
+            <a:pPr algn="ctr"/>
+            <a:r>
+              <a:rPr lang="en-US" sz="3200">
+                <a:solidFill>
+                  <a:srgbClr val="FFFFFF"/>
+                </a:solidFill>
+              </a:rPr>
+              <a:t>DUI Deaths by State (2012)</a:t>
+            </a:r>
+          </a:p>
+        </p:txBody>
+      </p:sp>
+      <p:sp>
+        <p:nvSpPr>
+          <p:cNvPr id="23" name="Content Placeholder 2"/>
+          <p:cNvSpPr>
+            <a:spLocks noGrp="1"/>
+          </p:cNvSpPr>
+          <p:nvPr>
+            <p:ph idx="1"/>
+          </p:nvPr>
+        </p:nvSpPr>
+        <p:spPr>
+          <a:xfrm>
+            <a:off x="451514" y="2046514"/>
+            <a:ext cx="3575737" cy="3994848"/>
+          </a:xfrm>
+        </p:spPr>
+        <p:txBody>
+          <a:bodyPr>
+            <a:normAutofit/>
+          </a:bodyPr>
+          <a:lstStyle/>
+          <a:p>
+            <a:r>
+              <a:rPr lang="en-US" sz="1600" dirty="0">
+                <a:solidFill>
+                  <a:srgbClr val="FFFFFF"/>
+                </a:solidFill>
+              </a:rPr>
+              <a:t>Ages 21-34 had the highest rates</a:t>
+            </a:r>
+          </a:p>
+          <a:p>
+            <a:pPr lvl="1"/>
+            <a:r>
+              <a:rPr lang="en-US" sz="1400" dirty="0">
+                <a:solidFill>
+                  <a:srgbClr val="FFFFFF"/>
+                </a:solidFill>
+              </a:rPr>
+              <a:t>Highest in Montana</a:t>
+            </a:r>
+          </a:p>
+          <a:p>
+            <a:pPr lvl="1"/>
+            <a:r>
+              <a:rPr lang="en-US" sz="1400" dirty="0">
+                <a:solidFill>
+                  <a:srgbClr val="FFFFFF"/>
+                </a:solidFill>
+              </a:rPr>
+              <a:t>Lowest in Massachusetts</a:t>
+            </a:r>
+          </a:p>
+          <a:p>
+            <a:r>
+              <a:rPr lang="en-US" sz="1600" dirty="0">
+                <a:solidFill>
+                  <a:srgbClr val="FFFFFF"/>
+                </a:solidFill>
+              </a:rPr>
+              <a:t>Ages 0-20 had the lowest rates</a:t>
+            </a:r>
+          </a:p>
+          <a:p>
+            <a:pPr lvl="1"/>
+            <a:r>
+              <a:rPr lang="en-US" sz="1400" dirty="0">
+                <a:solidFill>
+                  <a:srgbClr val="FFFFFF"/>
+                </a:solidFill>
+              </a:rPr>
+              <a:t>Highest in South Carolina</a:t>
+            </a:r>
+          </a:p>
+          <a:p>
+            <a:pPr lvl="1"/>
+            <a:r>
+              <a:rPr lang="en-US" sz="1400" dirty="0">
+                <a:solidFill>
+                  <a:srgbClr val="FFFFFF"/>
+                </a:solidFill>
+              </a:rPr>
+              <a:t>Lowest in New York</a:t>
+            </a:r>
+          </a:p>
+          <a:p>
+            <a:r>
+              <a:rPr lang="en-US" sz="1600" dirty="0">
+                <a:solidFill>
+                  <a:srgbClr val="FFFFFF"/>
+                </a:solidFill>
+              </a:rPr>
+              <a:t>Ages 35+</a:t>
+            </a:r>
+          </a:p>
+          <a:p>
+            <a:pPr lvl="1"/>
+            <a:r>
+              <a:rPr lang="en-US" sz="1400" dirty="0">
+                <a:solidFill>
+                  <a:srgbClr val="FFFFFF"/>
+                </a:solidFill>
+              </a:rPr>
+              <a:t>Highest in North Dakota</a:t>
+            </a:r>
+          </a:p>
+          <a:p>
+            <a:pPr lvl="1"/>
+            <a:r>
+              <a:rPr lang="en-US" sz="1400" dirty="0">
+                <a:solidFill>
+                  <a:srgbClr val="FFFFFF"/>
+                </a:solidFill>
+              </a:rPr>
+              <a:t>Lowest in New Mexico</a:t>
+            </a:r>
+          </a:p>
+          <a:p>
+            <a:pPr lvl="1"/>
+            <a:endParaRPr lang="en-US" sz="1400" dirty="0">
+              <a:solidFill>
+                <a:srgbClr val="FFFFFF"/>
+              </a:solidFill>
+            </a:endParaRPr>
           </a:p>
         </p:txBody>
       </p:sp>
       <p:pic>
         <p:nvPicPr>
-          <p:cNvPr id="4" name="Content Placeholder 4"/>
+          <p:cNvPr id="24" name="Content Placeholder 4"/>
           <p:cNvPicPr>
             <a:picLocks noChangeAspect="1"/>
           </p:cNvPicPr>
@@ -6010,19 +7407,20 @@
         </p:blipFill>
         <p:spPr>
           <a:xfrm>
-            <a:off x="6667374" y="2696326"/>
-            <a:ext cx="4849284" cy="3636963"/>
+            <a:off x="4881964" y="779597"/>
+            <a:ext cx="7065077" cy="5298806"/>
           </a:xfrm>
-          <a:prstGeom prst="rect">
-            <a:avLst/>
+          <a:prstGeom prst="roundRect">
+            <a:avLst>
+              <a:gd name="adj" fmla="val 3876"/>
+            </a:avLst>
           </a:prstGeom>
-          <a:effectLst>
-            <a:outerShdw blurRad="50800" dir="14400000">
-              <a:srgbClr val="000000">
-                <a:alpha val="40000"/>
-              </a:srgbClr>
-            </a:outerShdw>
-          </a:effectLst>
+          <a:ln>
+            <a:solidFill>
+              <a:schemeClr val="accent1"/>
+            </a:solidFill>
+          </a:ln>
+          <a:effectLst/>
         </p:spPr>
       </p:pic>
     </p:spTree>
@@ -6033,21 +7431,22 @@
     </p:extLst>
   </p:cSld>
   <p:clrMapOvr>
-    <a:masterClrMapping/>
+    <a:overrideClrMapping bg1="lt1" tx1="dk1" bg2="lt2" tx2="dk2" accent1="accent1" accent2="accent2" accent3="accent3" accent4="accent4" accent5="accent5" accent6="accent6" hlink="hlink" folHlink="folHlink"/>
   </p:clrMapOvr>
-  <p:timing>
-    <p:tnLst>
-      <p:par>
-        <p:cTn id="1" dur="indefinite" restart="never" nodeType="tmRoot"/>
-      </p:par>
-    </p:tnLst>
-  </p:timing>
 </p:sld>
 </file>
 
 <file path=ppt/slides/slide14.xml><?xml version="1.0" encoding="utf-8"?>
 <p:sld xmlns:a="http://schemas.openxmlformats.org/drawingml/2006/main" xmlns:r="http://schemas.openxmlformats.org/officeDocument/2006/relationships" xmlns:p="http://schemas.openxmlformats.org/presentationml/2006/main">
   <p:cSld>
+    <p:bg>
+      <p:bgPr>
+        <a:solidFill>
+          <a:schemeClr val="bg1"/>
+        </a:solidFill>
+        <a:effectLst/>
+      </p:bgPr>
+    </p:bg>
     <p:spTree>
       <p:nvGrpSpPr>
         <p:cNvPr id="1" name=""/>
@@ -6064,44 +7463,420 @@
       </p:grpSpPr>
       <p:sp>
         <p:nvSpPr>
-          <p:cNvPr id="2" name="Title 1"/>
-          <p:cNvSpPr>
-            <a:spLocks noGrp="1"/>
-          </p:cNvSpPr>
-          <p:nvPr>
-            <p:ph type="title"/>
-          </p:nvPr>
-        </p:nvSpPr>
-        <p:spPr/>
-        <p:txBody>
-          <a:bodyPr/>
-          <a:lstStyle/>
-          <a:p>
-            <a:endParaRPr lang="en-US"/>
-          </a:p>
-        </p:txBody>
-      </p:sp>
-      <p:sp>
-        <p:nvSpPr>
-          <p:cNvPr id="3" name="Content Placeholder 2"/>
-          <p:cNvSpPr>
-            <a:spLocks noGrp="1"/>
-          </p:cNvSpPr>
-          <p:nvPr>
-            <p:ph idx="1"/>
+          <p:cNvPr id="13" name="Rectangle 12">
+            <a:extLst>
+              <a:ext uri="{FF2B5EF4-FFF2-40B4-BE49-F238E27FC236}">
+                <a16:creationId xmlns:a16="http://schemas.microsoft.com/office/drawing/2014/main" id="{E2264E67-6F59-4D8D-8E5F-8245B0FEAE76}"/>
+              </a:ext>
+              <a:ext uri="{C183D7F6-B498-43B3-948B-1728B52AA6E4}">
+                <adec:decorative xmlns:adec="http://schemas.microsoft.com/office/drawing/2017/decorative" val="1"/>
+              </a:ext>
+            </a:extLst>
+          </p:cNvPr>
+          <p:cNvSpPr>
+            <a:spLocks noGrp="1" noRot="1" noChangeAspect="1" noMove="1" noResize="1" noEditPoints="1" noAdjustHandles="1" noChangeArrowheads="1" noChangeShapeType="1" noTextEdit="1"/>
+          </p:cNvSpPr>
+          <p:nvPr>
+            <p:extLst>
+              <p:ext uri="{386F3935-93C4-4BCD-93E2-E3B085C9AB24}">
+                <p16:designElem xmlns:p16="http://schemas.microsoft.com/office/powerpoint/2015/main" val="1"/>
+              </p:ext>
+            </p:extLst>
           </p:nvPr>
         </p:nvSpPr>
         <p:spPr>
           <a:xfrm>
-            <a:off x="818712" y="2222287"/>
-            <a:ext cx="5274517" cy="3636511"/>
+            <a:off x="4573" y="0"/>
+            <a:ext cx="12187427" cy="6858000"/>
+          </a:xfrm>
+          <a:prstGeom prst="rect">
+            <a:avLst/>
+          </a:prstGeom>
+          <a:solidFill>
+            <a:schemeClr val="bg1"/>
+          </a:solidFill>
+          <a:ln>
+            <a:noFill/>
+          </a:ln>
+        </p:spPr>
+        <p:style>
+          <a:lnRef idx="2">
+            <a:schemeClr val="accent1">
+              <a:shade val="50000"/>
+            </a:schemeClr>
+          </a:lnRef>
+          <a:fillRef idx="1">
+            <a:schemeClr val="accent1"/>
+          </a:fillRef>
+          <a:effectRef idx="0">
+            <a:schemeClr val="accent1"/>
+          </a:effectRef>
+          <a:fontRef idx="minor">
+            <a:schemeClr val="lt1"/>
+          </a:fontRef>
+        </p:style>
+        <p:txBody>
+          <a:bodyPr rtlCol="0" anchor="ctr"/>
+          <a:lstStyle/>
+          <a:p>
+            <a:pPr algn="ctr"/>
+            <a:endParaRPr lang="en-US"/>
+          </a:p>
+        </p:txBody>
+      </p:sp>
+      <p:sp>
+        <p:nvSpPr>
+          <p:cNvPr id="15" name="Freeform 23">
+            <a:extLst>
+              <a:ext uri="{FF2B5EF4-FFF2-40B4-BE49-F238E27FC236}">
+                <a16:creationId xmlns:a16="http://schemas.microsoft.com/office/drawing/2014/main" id="{158E1C6E-D299-4F5D-B15B-155EBF7F62FD}"/>
+              </a:ext>
+              <a:ext uri="{C183D7F6-B498-43B3-948B-1728B52AA6E4}">
+                <adec:decorative xmlns:adec="http://schemas.microsoft.com/office/drawing/2017/decorative" val="1"/>
+              </a:ext>
+            </a:extLst>
+          </p:cNvPr>
+          <p:cNvSpPr>
+            <a:spLocks noGrp="1" noRot="1" noChangeAspect="1" noMove="1" noResize="1" noEditPoints="1" noAdjustHandles="1" noChangeArrowheads="1" noChangeShapeType="1" noTextEdit="1"/>
+          </p:cNvSpPr>
+          <p:nvPr>
+            <p:extLst>
+              <p:ext uri="{386F3935-93C4-4BCD-93E2-E3B085C9AB24}">
+                <p16:designElem xmlns:p16="http://schemas.microsoft.com/office/powerpoint/2015/main" val="1"/>
+              </p:ext>
+            </p:extLst>
+          </p:nvPr>
+        </p:nvSpPr>
+        <p:spPr bwMode="white">
+          <a:xfrm>
+            <a:off x="0" y="0"/>
+            <a:ext cx="4637005" cy="6858000"/>
+          </a:xfrm>
+          <a:custGeom>
+            <a:avLst/>
+            <a:gdLst>
+              <a:gd name="connsiteX0" fmla="*/ 0 w 4637005"/>
+              <a:gd name="connsiteY0" fmla="*/ 0 h 6858000"/>
+              <a:gd name="connsiteX1" fmla="*/ 4637005 w 4637005"/>
+              <a:gd name="connsiteY1" fmla="*/ 0 h 6858000"/>
+              <a:gd name="connsiteX2" fmla="*/ 4637005 w 4637005"/>
+              <a:gd name="connsiteY2" fmla="*/ 1900238 h 6858000"/>
+              <a:gd name="connsiteX3" fmla="*/ 4266589 w 4637005"/>
+              <a:gd name="connsiteY3" fmla="*/ 2178050 h 6858000"/>
+              <a:gd name="connsiteX4" fmla="*/ 4262355 w 4637005"/>
+              <a:gd name="connsiteY4" fmla="*/ 2184400 h 6858000"/>
+              <a:gd name="connsiteX5" fmla="*/ 4256005 w 4637005"/>
+              <a:gd name="connsiteY5" fmla="*/ 2193925 h 6858000"/>
+              <a:gd name="connsiteX6" fmla="*/ 4249655 w 4637005"/>
+              <a:gd name="connsiteY6" fmla="*/ 2201863 h 6858000"/>
+              <a:gd name="connsiteX7" fmla="*/ 4249655 w 4637005"/>
+              <a:gd name="connsiteY7" fmla="*/ 2211388 h 6858000"/>
+              <a:gd name="connsiteX8" fmla="*/ 4249655 w 4637005"/>
+              <a:gd name="connsiteY8" fmla="*/ 2220913 h 6858000"/>
+              <a:gd name="connsiteX9" fmla="*/ 4256005 w 4637005"/>
+              <a:gd name="connsiteY9" fmla="*/ 2228850 h 6858000"/>
+              <a:gd name="connsiteX10" fmla="*/ 4262355 w 4637005"/>
+              <a:gd name="connsiteY10" fmla="*/ 2238375 h 6858000"/>
+              <a:gd name="connsiteX11" fmla="*/ 4266589 w 4637005"/>
+              <a:gd name="connsiteY11" fmla="*/ 2244725 h 6858000"/>
+              <a:gd name="connsiteX12" fmla="*/ 4637005 w 4637005"/>
+              <a:gd name="connsiteY12" fmla="*/ 2522538 h 6858000"/>
+              <a:gd name="connsiteX13" fmla="*/ 4637005 w 4637005"/>
+              <a:gd name="connsiteY13" fmla="*/ 6858000 h 6858000"/>
+              <a:gd name="connsiteX14" fmla="*/ 0 w 4637005"/>
+              <a:gd name="connsiteY14" fmla="*/ 6858000 h 6858000"/>
+            </a:gdLst>
+            <a:ahLst/>
+            <a:cxnLst>
+              <a:cxn ang="0">
+                <a:pos x="connsiteX0" y="connsiteY0"/>
+              </a:cxn>
+              <a:cxn ang="0">
+                <a:pos x="connsiteX1" y="connsiteY1"/>
+              </a:cxn>
+              <a:cxn ang="0">
+                <a:pos x="connsiteX2" y="connsiteY2"/>
+              </a:cxn>
+              <a:cxn ang="0">
+                <a:pos x="connsiteX3" y="connsiteY3"/>
+              </a:cxn>
+              <a:cxn ang="0">
+                <a:pos x="connsiteX4" y="connsiteY4"/>
+              </a:cxn>
+              <a:cxn ang="0">
+                <a:pos x="connsiteX5" y="connsiteY5"/>
+              </a:cxn>
+              <a:cxn ang="0">
+                <a:pos x="connsiteX6" y="connsiteY6"/>
+              </a:cxn>
+              <a:cxn ang="0">
+                <a:pos x="connsiteX7" y="connsiteY7"/>
+              </a:cxn>
+              <a:cxn ang="0">
+                <a:pos x="connsiteX8" y="connsiteY8"/>
+              </a:cxn>
+              <a:cxn ang="0">
+                <a:pos x="connsiteX9" y="connsiteY9"/>
+              </a:cxn>
+              <a:cxn ang="0">
+                <a:pos x="connsiteX10" y="connsiteY10"/>
+              </a:cxn>
+              <a:cxn ang="0">
+                <a:pos x="connsiteX11" y="connsiteY11"/>
+              </a:cxn>
+              <a:cxn ang="0">
+                <a:pos x="connsiteX12" y="connsiteY12"/>
+              </a:cxn>
+              <a:cxn ang="0">
+                <a:pos x="connsiteX13" y="connsiteY13"/>
+              </a:cxn>
+              <a:cxn ang="0">
+                <a:pos x="connsiteX14" y="connsiteY14"/>
+              </a:cxn>
+            </a:cxnLst>
+            <a:rect l="l" t="t" r="r" b="b"/>
+            <a:pathLst>
+              <a:path w="4637005" h="6858000">
+                <a:moveTo>
+                  <a:pt x="0" y="0"/>
+                </a:moveTo>
+                <a:lnTo>
+                  <a:pt x="4637005" y="0"/>
+                </a:lnTo>
+                <a:lnTo>
+                  <a:pt x="4637005" y="1900238"/>
+                </a:lnTo>
+                <a:lnTo>
+                  <a:pt x="4266589" y="2178050"/>
+                </a:lnTo>
+                <a:lnTo>
+                  <a:pt x="4262355" y="2184400"/>
+                </a:lnTo>
+                <a:lnTo>
+                  <a:pt x="4256005" y="2193925"/>
+                </a:lnTo>
+                <a:lnTo>
+                  <a:pt x="4249655" y="2201863"/>
+                </a:lnTo>
+                <a:lnTo>
+                  <a:pt x="4249655" y="2211388"/>
+                </a:lnTo>
+                <a:lnTo>
+                  <a:pt x="4249655" y="2220913"/>
+                </a:lnTo>
+                <a:lnTo>
+                  <a:pt x="4256005" y="2228850"/>
+                </a:lnTo>
+                <a:lnTo>
+                  <a:pt x="4262355" y="2238375"/>
+                </a:lnTo>
+                <a:lnTo>
+                  <a:pt x="4266589" y="2244725"/>
+                </a:lnTo>
+                <a:lnTo>
+                  <a:pt x="4637005" y="2522538"/>
+                </a:lnTo>
+                <a:lnTo>
+                  <a:pt x="4637005" y="6858000"/>
+                </a:lnTo>
+                <a:lnTo>
+                  <a:pt x="0" y="6858000"/>
+                </a:lnTo>
+                <a:close/>
+              </a:path>
+            </a:pathLst>
+          </a:custGeom>
+          <a:solidFill>
+            <a:srgbClr val="212121"/>
+          </a:solidFill>
+          <a:ln>
+            <a:noFill/>
+            <a:headEnd/>
+            <a:tailEnd/>
+          </a:ln>
+        </p:spPr>
+        <p:style>
+          <a:lnRef idx="1">
+            <a:schemeClr val="accent1"/>
+          </a:lnRef>
+          <a:fillRef idx="3">
+            <a:schemeClr val="accent1"/>
+          </a:fillRef>
+          <a:effectRef idx="2">
+            <a:schemeClr val="accent1"/>
+          </a:effectRef>
+          <a:fontRef idx="minor">
+            <a:schemeClr val="lt1"/>
+          </a:fontRef>
+        </p:style>
+        <p:txBody>
+          <a:bodyPr wrap="square" rtlCol="0" anchor="ctr">
+            <a:noAutofit/>
+          </a:bodyPr>
+          <a:lstStyle/>
+          <a:p>
+            <a:pPr algn="ctr"/>
+            <a:endParaRPr lang="en-US"/>
+          </a:p>
+        </p:txBody>
+      </p:sp>
+      <p:sp>
+        <p:nvSpPr>
+          <p:cNvPr id="2" name="Title 1"/>
+          <p:cNvSpPr>
+            <a:spLocks noGrp="1"/>
+          </p:cNvSpPr>
+          <p:nvPr>
+            <p:ph type="title"/>
+          </p:nvPr>
+        </p:nvSpPr>
+        <p:spPr>
+          <a:xfrm>
+            <a:off x="451514" y="457201"/>
+            <a:ext cx="3575737" cy="1332688"/>
           </a:xfrm>
         </p:spPr>
         <p:txBody>
-          <a:bodyPr/>
+          <a:bodyPr anchor="b">
+            <a:normAutofit/>
+          </a:bodyPr>
           <a:lstStyle/>
           <a:p>
-            <a:endParaRPr lang="en-US" dirty="0"/>
+            <a:pPr algn="ctr"/>
+            <a:r>
+              <a:rPr lang="en-US" sz="3200">
+                <a:solidFill>
+                  <a:srgbClr val="FFFFFF"/>
+                </a:solidFill>
+              </a:rPr>
+              <a:t>DUI Deaths by State (2012)</a:t>
+            </a:r>
+          </a:p>
+        </p:txBody>
+      </p:sp>
+      <p:sp>
+        <p:nvSpPr>
+          <p:cNvPr id="3" name="Content Placeholder 2"/>
+          <p:cNvSpPr>
+            <a:spLocks noGrp="1"/>
+          </p:cNvSpPr>
+          <p:nvPr>
+            <p:ph idx="1"/>
+          </p:nvPr>
+        </p:nvSpPr>
+        <p:spPr>
+          <a:xfrm>
+            <a:off x="451514" y="2046514"/>
+            <a:ext cx="3575737" cy="3994848"/>
+          </a:xfrm>
+        </p:spPr>
+        <p:txBody>
+          <a:bodyPr>
+            <a:normAutofit/>
+          </a:bodyPr>
+          <a:lstStyle/>
+          <a:p>
+            <a:r>
+              <a:rPr lang="en-US" sz="1600" dirty="0">
+                <a:solidFill>
+                  <a:srgbClr val="FFFFFF"/>
+                </a:solidFill>
+              </a:rPr>
+              <a:t>Ages 21-34 had the highest rates</a:t>
+            </a:r>
+          </a:p>
+          <a:p>
+            <a:pPr lvl="1"/>
+            <a:r>
+              <a:rPr lang="en-US" dirty="0">
+                <a:solidFill>
+                  <a:srgbClr val="FFFFFF"/>
+                </a:solidFill>
+              </a:rPr>
+              <a:t>Highest in Montana</a:t>
+            </a:r>
+          </a:p>
+          <a:p>
+            <a:pPr lvl="1"/>
+            <a:r>
+              <a:rPr lang="en-US" dirty="0">
+                <a:solidFill>
+                  <a:srgbClr val="FFFFFF"/>
+                </a:solidFill>
+              </a:rPr>
+              <a:t>Lowest in Massachusetts</a:t>
+            </a:r>
+          </a:p>
+          <a:p>
+            <a:r>
+              <a:rPr lang="en-US" sz="1600" dirty="0">
+                <a:solidFill>
+                  <a:srgbClr val="FFFFFF"/>
+                </a:solidFill>
+              </a:rPr>
+              <a:t>Ages 0-20 had the lowest rates</a:t>
+            </a:r>
+          </a:p>
+          <a:p>
+            <a:pPr lvl="1"/>
+            <a:r>
+              <a:rPr lang="en-US" dirty="0">
+                <a:solidFill>
+                  <a:srgbClr val="FFFFFF"/>
+                </a:solidFill>
+              </a:rPr>
+              <a:t>Highest in South Carolina</a:t>
+            </a:r>
+          </a:p>
+          <a:p>
+            <a:pPr lvl="1"/>
+            <a:r>
+              <a:rPr lang="en-US" dirty="0">
+                <a:solidFill>
+                  <a:srgbClr val="FFFFFF"/>
+                </a:solidFill>
+              </a:rPr>
+              <a:t>Lowest in New York</a:t>
+            </a:r>
+          </a:p>
+          <a:p>
+            <a:r>
+              <a:rPr lang="en-US" sz="1600" dirty="0">
+                <a:solidFill>
+                  <a:srgbClr val="FFFFFF"/>
+                </a:solidFill>
+              </a:rPr>
+              <a:t>Ages 35+</a:t>
+            </a:r>
+          </a:p>
+          <a:p>
+            <a:pPr lvl="1"/>
+            <a:r>
+              <a:rPr lang="en-US" dirty="0">
+                <a:solidFill>
+                  <a:srgbClr val="FFFFFF"/>
+                </a:solidFill>
+              </a:rPr>
+              <a:t>Highest in North Dakota</a:t>
+            </a:r>
+          </a:p>
+          <a:p>
+            <a:pPr lvl="1"/>
+            <a:r>
+              <a:rPr lang="en-US" dirty="0">
+                <a:solidFill>
+                  <a:srgbClr val="FFFFFF"/>
+                </a:solidFill>
+              </a:rPr>
+              <a:t>Lowest in New Mexico</a:t>
+            </a:r>
+          </a:p>
+          <a:p>
+            <a:endParaRPr lang="en-US" sz="1600" dirty="0">
+              <a:solidFill>
+                <a:srgbClr val="FFFFFF"/>
+              </a:solidFill>
+            </a:endParaRPr>
           </a:p>
         </p:txBody>
       </p:sp>
@@ -6127,19 +7902,20 @@
         </p:blipFill>
         <p:spPr>
           <a:xfrm>
-            <a:off x="6532714" y="2396854"/>
-            <a:ext cx="4849284" cy="3636963"/>
+            <a:off x="4793911" y="713557"/>
+            <a:ext cx="7241183" cy="5430886"/>
           </a:xfrm>
-          <a:prstGeom prst="rect">
-            <a:avLst/>
+          <a:prstGeom prst="roundRect">
+            <a:avLst>
+              <a:gd name="adj" fmla="val 3876"/>
+            </a:avLst>
           </a:prstGeom>
-          <a:effectLst>
-            <a:outerShdw blurRad="50800" dir="14400000">
-              <a:srgbClr val="000000">
-                <a:alpha val="40000"/>
-              </a:srgbClr>
-            </a:outerShdw>
-          </a:effectLst>
+          <a:ln>
+            <a:solidFill>
+              <a:schemeClr val="accent1"/>
+            </a:solidFill>
+          </a:ln>
+          <a:effectLst/>
         </p:spPr>
       </p:pic>
     </p:spTree>
@@ -6150,21 +7926,22 @@
     </p:extLst>
   </p:cSld>
   <p:clrMapOvr>
-    <a:masterClrMapping/>
+    <a:overrideClrMapping bg1="lt1" tx1="dk1" bg2="lt2" tx2="dk2" accent1="accent1" accent2="accent2" accent3="accent3" accent4="accent4" accent5="accent5" accent6="accent6" hlink="hlink" folHlink="folHlink"/>
   </p:clrMapOvr>
-  <p:timing>
-    <p:tnLst>
-      <p:par>
-        <p:cTn id="1" dur="indefinite" restart="never" nodeType="tmRoot"/>
-      </p:par>
-    </p:tnLst>
-  </p:timing>
 </p:sld>
 </file>
 
 <file path=ppt/slides/slide15.xml><?xml version="1.0" encoding="utf-8"?>
 <p:sld xmlns:a="http://schemas.openxmlformats.org/drawingml/2006/main" xmlns:r="http://schemas.openxmlformats.org/officeDocument/2006/relationships" xmlns:p="http://schemas.openxmlformats.org/presentationml/2006/main">
   <p:cSld>
+    <p:bg>
+      <p:bgPr>
+        <a:solidFill>
+          <a:schemeClr val="bg1"/>
+        </a:solidFill>
+        <a:effectLst/>
+      </p:bgPr>
+    </p:bg>
     <p:spTree>
       <p:nvGrpSpPr>
         <p:cNvPr id="1" name=""/>
@@ -6181,44 +7958,405 @@
       </p:grpSpPr>
       <p:sp>
         <p:nvSpPr>
-          <p:cNvPr id="2" name="Title 1"/>
-          <p:cNvSpPr>
-            <a:spLocks noGrp="1"/>
-          </p:cNvSpPr>
-          <p:nvPr>
-            <p:ph type="title"/>
-          </p:nvPr>
-        </p:nvSpPr>
-        <p:spPr/>
-        <p:txBody>
-          <a:bodyPr/>
-          <a:lstStyle/>
-          <a:p>
-            <a:endParaRPr lang="en-US"/>
-          </a:p>
-        </p:txBody>
-      </p:sp>
-      <p:sp>
-        <p:nvSpPr>
-          <p:cNvPr id="3" name="Content Placeholder 2"/>
-          <p:cNvSpPr>
-            <a:spLocks noGrp="1"/>
-          </p:cNvSpPr>
-          <p:nvPr>
-            <p:ph idx="1"/>
+          <p:cNvPr id="10" name="Rectangle 9">
+            <a:extLst>
+              <a:ext uri="{FF2B5EF4-FFF2-40B4-BE49-F238E27FC236}">
+                <a16:creationId xmlns:a16="http://schemas.microsoft.com/office/drawing/2014/main" id="{E2264E67-6F59-4D8D-8E5F-8245B0FEAE76}"/>
+              </a:ext>
+              <a:ext uri="{C183D7F6-B498-43B3-948B-1728B52AA6E4}">
+                <adec:decorative xmlns:adec="http://schemas.microsoft.com/office/drawing/2017/decorative" val="1"/>
+              </a:ext>
+            </a:extLst>
+          </p:cNvPr>
+          <p:cNvSpPr>
+            <a:spLocks noGrp="1" noRot="1" noChangeAspect="1" noMove="1" noResize="1" noEditPoints="1" noAdjustHandles="1" noChangeArrowheads="1" noChangeShapeType="1" noTextEdit="1"/>
+          </p:cNvSpPr>
+          <p:nvPr>
+            <p:extLst>
+              <p:ext uri="{386F3935-93C4-4BCD-93E2-E3B085C9AB24}">
+                <p16:designElem xmlns:p16="http://schemas.microsoft.com/office/powerpoint/2015/main" val="1"/>
+              </p:ext>
+            </p:extLst>
           </p:nvPr>
         </p:nvSpPr>
         <p:spPr>
           <a:xfrm>
-            <a:off x="818712" y="2222287"/>
-            <a:ext cx="5274517" cy="3636511"/>
+            <a:off x="4573" y="0"/>
+            <a:ext cx="12187427" cy="6858000"/>
+          </a:xfrm>
+          <a:prstGeom prst="rect">
+            <a:avLst/>
+          </a:prstGeom>
+          <a:solidFill>
+            <a:schemeClr val="bg1"/>
+          </a:solidFill>
+          <a:ln>
+            <a:noFill/>
+          </a:ln>
+        </p:spPr>
+        <p:style>
+          <a:lnRef idx="2">
+            <a:schemeClr val="accent1">
+              <a:shade val="50000"/>
+            </a:schemeClr>
+          </a:lnRef>
+          <a:fillRef idx="1">
+            <a:schemeClr val="accent1"/>
+          </a:fillRef>
+          <a:effectRef idx="0">
+            <a:schemeClr val="accent1"/>
+          </a:effectRef>
+          <a:fontRef idx="minor">
+            <a:schemeClr val="lt1"/>
+          </a:fontRef>
+        </p:style>
+        <p:txBody>
+          <a:bodyPr rtlCol="0" anchor="ctr"/>
+          <a:lstStyle/>
+          <a:p>
+            <a:pPr algn="ctr"/>
+            <a:endParaRPr lang="en-US"/>
+          </a:p>
+        </p:txBody>
+      </p:sp>
+      <p:sp>
+        <p:nvSpPr>
+          <p:cNvPr id="12" name="Freeform 23">
+            <a:extLst>
+              <a:ext uri="{FF2B5EF4-FFF2-40B4-BE49-F238E27FC236}">
+                <a16:creationId xmlns:a16="http://schemas.microsoft.com/office/drawing/2014/main" id="{158E1C6E-D299-4F5D-B15B-155EBF7F62FD}"/>
+              </a:ext>
+              <a:ext uri="{C183D7F6-B498-43B3-948B-1728B52AA6E4}">
+                <adec:decorative xmlns:adec="http://schemas.microsoft.com/office/drawing/2017/decorative" val="1"/>
+              </a:ext>
+            </a:extLst>
+          </p:cNvPr>
+          <p:cNvSpPr>
+            <a:spLocks noGrp="1" noRot="1" noChangeAspect="1" noMove="1" noResize="1" noEditPoints="1" noAdjustHandles="1" noChangeArrowheads="1" noChangeShapeType="1" noTextEdit="1"/>
+          </p:cNvSpPr>
+          <p:nvPr>
+            <p:extLst>
+              <p:ext uri="{386F3935-93C4-4BCD-93E2-E3B085C9AB24}">
+                <p16:designElem xmlns:p16="http://schemas.microsoft.com/office/powerpoint/2015/main" val="1"/>
+              </p:ext>
+            </p:extLst>
+          </p:nvPr>
+        </p:nvSpPr>
+        <p:spPr bwMode="white">
+          <a:xfrm>
+            <a:off x="0" y="0"/>
+            <a:ext cx="4637005" cy="6858000"/>
+          </a:xfrm>
+          <a:custGeom>
+            <a:avLst/>
+            <a:gdLst>
+              <a:gd name="connsiteX0" fmla="*/ 0 w 4637005"/>
+              <a:gd name="connsiteY0" fmla="*/ 0 h 6858000"/>
+              <a:gd name="connsiteX1" fmla="*/ 4637005 w 4637005"/>
+              <a:gd name="connsiteY1" fmla="*/ 0 h 6858000"/>
+              <a:gd name="connsiteX2" fmla="*/ 4637005 w 4637005"/>
+              <a:gd name="connsiteY2" fmla="*/ 1900238 h 6858000"/>
+              <a:gd name="connsiteX3" fmla="*/ 4266589 w 4637005"/>
+              <a:gd name="connsiteY3" fmla="*/ 2178050 h 6858000"/>
+              <a:gd name="connsiteX4" fmla="*/ 4262355 w 4637005"/>
+              <a:gd name="connsiteY4" fmla="*/ 2184400 h 6858000"/>
+              <a:gd name="connsiteX5" fmla="*/ 4256005 w 4637005"/>
+              <a:gd name="connsiteY5" fmla="*/ 2193925 h 6858000"/>
+              <a:gd name="connsiteX6" fmla="*/ 4249655 w 4637005"/>
+              <a:gd name="connsiteY6" fmla="*/ 2201863 h 6858000"/>
+              <a:gd name="connsiteX7" fmla="*/ 4249655 w 4637005"/>
+              <a:gd name="connsiteY7" fmla="*/ 2211388 h 6858000"/>
+              <a:gd name="connsiteX8" fmla="*/ 4249655 w 4637005"/>
+              <a:gd name="connsiteY8" fmla="*/ 2220913 h 6858000"/>
+              <a:gd name="connsiteX9" fmla="*/ 4256005 w 4637005"/>
+              <a:gd name="connsiteY9" fmla="*/ 2228850 h 6858000"/>
+              <a:gd name="connsiteX10" fmla="*/ 4262355 w 4637005"/>
+              <a:gd name="connsiteY10" fmla="*/ 2238375 h 6858000"/>
+              <a:gd name="connsiteX11" fmla="*/ 4266589 w 4637005"/>
+              <a:gd name="connsiteY11" fmla="*/ 2244725 h 6858000"/>
+              <a:gd name="connsiteX12" fmla="*/ 4637005 w 4637005"/>
+              <a:gd name="connsiteY12" fmla="*/ 2522538 h 6858000"/>
+              <a:gd name="connsiteX13" fmla="*/ 4637005 w 4637005"/>
+              <a:gd name="connsiteY13" fmla="*/ 6858000 h 6858000"/>
+              <a:gd name="connsiteX14" fmla="*/ 0 w 4637005"/>
+              <a:gd name="connsiteY14" fmla="*/ 6858000 h 6858000"/>
+            </a:gdLst>
+            <a:ahLst/>
+            <a:cxnLst>
+              <a:cxn ang="0">
+                <a:pos x="connsiteX0" y="connsiteY0"/>
+              </a:cxn>
+              <a:cxn ang="0">
+                <a:pos x="connsiteX1" y="connsiteY1"/>
+              </a:cxn>
+              <a:cxn ang="0">
+                <a:pos x="connsiteX2" y="connsiteY2"/>
+              </a:cxn>
+              <a:cxn ang="0">
+                <a:pos x="connsiteX3" y="connsiteY3"/>
+              </a:cxn>
+              <a:cxn ang="0">
+                <a:pos x="connsiteX4" y="connsiteY4"/>
+              </a:cxn>
+              <a:cxn ang="0">
+                <a:pos x="connsiteX5" y="connsiteY5"/>
+              </a:cxn>
+              <a:cxn ang="0">
+                <a:pos x="connsiteX6" y="connsiteY6"/>
+              </a:cxn>
+              <a:cxn ang="0">
+                <a:pos x="connsiteX7" y="connsiteY7"/>
+              </a:cxn>
+              <a:cxn ang="0">
+                <a:pos x="connsiteX8" y="connsiteY8"/>
+              </a:cxn>
+              <a:cxn ang="0">
+                <a:pos x="connsiteX9" y="connsiteY9"/>
+              </a:cxn>
+              <a:cxn ang="0">
+                <a:pos x="connsiteX10" y="connsiteY10"/>
+              </a:cxn>
+              <a:cxn ang="0">
+                <a:pos x="connsiteX11" y="connsiteY11"/>
+              </a:cxn>
+              <a:cxn ang="0">
+                <a:pos x="connsiteX12" y="connsiteY12"/>
+              </a:cxn>
+              <a:cxn ang="0">
+                <a:pos x="connsiteX13" y="connsiteY13"/>
+              </a:cxn>
+              <a:cxn ang="0">
+                <a:pos x="connsiteX14" y="connsiteY14"/>
+              </a:cxn>
+            </a:cxnLst>
+            <a:rect l="l" t="t" r="r" b="b"/>
+            <a:pathLst>
+              <a:path w="4637005" h="6858000">
+                <a:moveTo>
+                  <a:pt x="0" y="0"/>
+                </a:moveTo>
+                <a:lnTo>
+                  <a:pt x="4637005" y="0"/>
+                </a:lnTo>
+                <a:lnTo>
+                  <a:pt x="4637005" y="1900238"/>
+                </a:lnTo>
+                <a:lnTo>
+                  <a:pt x="4266589" y="2178050"/>
+                </a:lnTo>
+                <a:lnTo>
+                  <a:pt x="4262355" y="2184400"/>
+                </a:lnTo>
+                <a:lnTo>
+                  <a:pt x="4256005" y="2193925"/>
+                </a:lnTo>
+                <a:lnTo>
+                  <a:pt x="4249655" y="2201863"/>
+                </a:lnTo>
+                <a:lnTo>
+                  <a:pt x="4249655" y="2211388"/>
+                </a:lnTo>
+                <a:lnTo>
+                  <a:pt x="4249655" y="2220913"/>
+                </a:lnTo>
+                <a:lnTo>
+                  <a:pt x="4256005" y="2228850"/>
+                </a:lnTo>
+                <a:lnTo>
+                  <a:pt x="4262355" y="2238375"/>
+                </a:lnTo>
+                <a:lnTo>
+                  <a:pt x="4266589" y="2244725"/>
+                </a:lnTo>
+                <a:lnTo>
+                  <a:pt x="4637005" y="2522538"/>
+                </a:lnTo>
+                <a:lnTo>
+                  <a:pt x="4637005" y="6858000"/>
+                </a:lnTo>
+                <a:lnTo>
+                  <a:pt x="0" y="6858000"/>
+                </a:lnTo>
+                <a:close/>
+              </a:path>
+            </a:pathLst>
+          </a:custGeom>
+          <a:solidFill>
+            <a:srgbClr val="212121"/>
+          </a:solidFill>
+          <a:ln>
+            <a:noFill/>
+            <a:headEnd/>
+            <a:tailEnd/>
+          </a:ln>
+        </p:spPr>
+        <p:style>
+          <a:lnRef idx="1">
+            <a:schemeClr val="accent1"/>
+          </a:lnRef>
+          <a:fillRef idx="3">
+            <a:schemeClr val="accent1"/>
+          </a:fillRef>
+          <a:effectRef idx="2">
+            <a:schemeClr val="accent1"/>
+          </a:effectRef>
+          <a:fontRef idx="minor">
+            <a:schemeClr val="lt1"/>
+          </a:fontRef>
+        </p:style>
+        <p:txBody>
+          <a:bodyPr wrap="square" rtlCol="0" anchor="ctr">
+            <a:noAutofit/>
+          </a:bodyPr>
+          <a:lstStyle/>
+          <a:p>
+            <a:pPr algn="ctr"/>
+            <a:endParaRPr lang="en-US"/>
+          </a:p>
+        </p:txBody>
+      </p:sp>
+      <p:sp>
+        <p:nvSpPr>
+          <p:cNvPr id="2" name="Title 1"/>
+          <p:cNvSpPr>
+            <a:spLocks noGrp="1"/>
+          </p:cNvSpPr>
+          <p:nvPr>
+            <p:ph type="title"/>
+          </p:nvPr>
+        </p:nvSpPr>
+        <p:spPr>
+          <a:xfrm>
+            <a:off x="451514" y="457201"/>
+            <a:ext cx="3575737" cy="1332688"/>
           </a:xfrm>
         </p:spPr>
         <p:txBody>
-          <a:bodyPr/>
+          <a:bodyPr anchor="b">
+            <a:normAutofit/>
+          </a:bodyPr>
           <a:lstStyle/>
           <a:p>
-            <a:endParaRPr lang="en-US"/>
+            <a:pPr algn="ctr"/>
+            <a:r>
+              <a:rPr lang="en-US" sz="3200">
+                <a:solidFill>
+                  <a:srgbClr val="FFFFFF"/>
+                </a:solidFill>
+              </a:rPr>
+              <a:t>DUI Deaths by Year</a:t>
+            </a:r>
+          </a:p>
+        </p:txBody>
+      </p:sp>
+      <p:sp>
+        <p:nvSpPr>
+          <p:cNvPr id="3" name="Content Placeholder 2"/>
+          <p:cNvSpPr>
+            <a:spLocks noGrp="1"/>
+          </p:cNvSpPr>
+          <p:nvPr>
+            <p:ph idx="1"/>
+          </p:nvPr>
+        </p:nvSpPr>
+        <p:spPr>
+          <a:xfrm>
+            <a:off x="451514" y="2046514"/>
+            <a:ext cx="3575737" cy="3994848"/>
+          </a:xfrm>
+        </p:spPr>
+        <p:txBody>
+          <a:bodyPr>
+            <a:normAutofit/>
+          </a:bodyPr>
+          <a:lstStyle/>
+          <a:p>
+            <a:endParaRPr lang="en-US" sz="1600" dirty="0">
+              <a:solidFill>
+                <a:srgbClr val="FFFFFF"/>
+              </a:solidFill>
+            </a:endParaRPr>
+          </a:p>
+          <a:p>
+            <a:r>
+              <a:rPr lang="en-US" sz="1600" dirty="0">
+                <a:solidFill>
+                  <a:srgbClr val="FFFFFF"/>
+                </a:solidFill>
+              </a:rPr>
+              <a:t>14% reduction of deaths</a:t>
+            </a:r>
+          </a:p>
+          <a:p>
+            <a:pPr lvl="1"/>
+            <a:r>
+              <a:rPr lang="en-US" dirty="0">
+                <a:solidFill>
+                  <a:srgbClr val="FFFFFF"/>
+                </a:solidFill>
+              </a:rPr>
+              <a:t>For Ages 21-34</a:t>
+            </a:r>
+          </a:p>
+          <a:p>
+            <a:pPr lvl="1"/>
+            <a:r>
+              <a:rPr lang="en-US" dirty="0">
+                <a:solidFill>
+                  <a:srgbClr val="FFFFFF"/>
+                </a:solidFill>
+              </a:rPr>
+              <a:t>Generation most impacted by TNCs</a:t>
+            </a:r>
+          </a:p>
+          <a:p>
+            <a:r>
+              <a:rPr lang="en-US" sz="1600" dirty="0">
+                <a:solidFill>
+                  <a:srgbClr val="FFFFFF"/>
+                </a:solidFill>
+              </a:rPr>
+              <a:t>53% reduction of deaths </a:t>
+            </a:r>
+          </a:p>
+          <a:p>
+            <a:pPr lvl="1"/>
+            <a:r>
+              <a:rPr lang="en-US" dirty="0">
+                <a:solidFill>
+                  <a:srgbClr val="FFFFFF"/>
+                </a:solidFill>
+              </a:rPr>
+              <a:t>For Ages 0-20</a:t>
+            </a:r>
+          </a:p>
+          <a:p>
+            <a:r>
+              <a:rPr lang="en-US" sz="1600" dirty="0">
+                <a:solidFill>
+                  <a:srgbClr val="FFFFFF"/>
+                </a:solidFill>
+              </a:rPr>
+              <a:t>Small reduction of deaths</a:t>
+            </a:r>
+          </a:p>
+          <a:p>
+            <a:pPr lvl="1"/>
+            <a:r>
+              <a:rPr lang="en-US" dirty="0">
+                <a:solidFill>
+                  <a:srgbClr val="FFFFFF"/>
+                </a:solidFill>
+              </a:rPr>
+              <a:t>For Ages 35+</a:t>
+            </a:r>
+          </a:p>
+          <a:p>
+            <a:endParaRPr lang="en-US" dirty="0">
+              <a:solidFill>
+                <a:srgbClr val="FFFFFF"/>
+              </a:solidFill>
+            </a:endParaRPr>
           </a:p>
         </p:txBody>
       </p:sp>
@@ -6244,12 +8382,20 @@
         </p:blipFill>
         <p:spPr>
           <a:xfrm>
-            <a:off x="6650749" y="2604886"/>
-            <a:ext cx="4849284" cy="3636963"/>
+            <a:off x="4936151" y="823836"/>
+            <a:ext cx="6956703" cy="5217526"/>
           </a:xfrm>
-          <a:prstGeom prst="rect">
-            <a:avLst/>
+          <a:prstGeom prst="roundRect">
+            <a:avLst>
+              <a:gd name="adj" fmla="val 3876"/>
+            </a:avLst>
           </a:prstGeom>
+          <a:ln>
+            <a:solidFill>
+              <a:schemeClr val="accent1"/>
+            </a:solidFill>
+          </a:ln>
+          <a:effectLst/>
         </p:spPr>
       </p:pic>
     </p:spTree>
@@ -6260,19 +8406,878 @@
     </p:extLst>
   </p:cSld>
   <p:clrMapOvr>
-    <a:masterClrMapping/>
+    <a:overrideClrMapping bg1="lt1" tx1="dk1" bg2="lt2" tx2="dk2" accent1="accent1" accent2="accent2" accent3="accent3" accent4="accent4" accent5="accent5" accent6="accent6" hlink="hlink" folHlink="folHlink"/>
   </p:clrMapOvr>
-  <p:timing>
-    <p:tnLst>
-      <p:par>
-        <p:cTn id="1" dur="indefinite" restart="never" nodeType="tmRoot"/>
-      </p:par>
-    </p:tnLst>
-  </p:timing>
 </p:sld>
 </file>
 
 <file path=ppt/slides/slide16.xml><?xml version="1.0" encoding="utf-8"?>
+<p:sld xmlns:a="http://schemas.openxmlformats.org/drawingml/2006/main" xmlns:r="http://schemas.openxmlformats.org/officeDocument/2006/relationships" xmlns:p="http://schemas.openxmlformats.org/presentationml/2006/main">
+  <p:cSld>
+    <p:bg>
+      <p:bgPr>
+        <a:solidFill>
+          <a:schemeClr val="bg1"/>
+        </a:solidFill>
+        <a:effectLst/>
+      </p:bgPr>
+    </p:bg>
+    <p:spTree>
+      <p:nvGrpSpPr>
+        <p:cNvPr id="1" name=""/>
+        <p:cNvGrpSpPr/>
+        <p:nvPr/>
+      </p:nvGrpSpPr>
+      <p:grpSpPr>
+        <a:xfrm>
+          <a:off x="0" y="0"/>
+          <a:ext cx="0" cy="0"/>
+          <a:chOff x="0" y="0"/>
+          <a:chExt cx="0" cy="0"/>
+        </a:xfrm>
+      </p:grpSpPr>
+      <p:sp useBgFill="1">
+        <p:nvSpPr>
+          <p:cNvPr id="14" name="Rectangle 7">
+            <a:extLst>
+              <a:ext uri="{FF2B5EF4-FFF2-40B4-BE49-F238E27FC236}">
+                <a16:creationId xmlns:a16="http://schemas.microsoft.com/office/drawing/2014/main" id="{089A69AF-D57B-49B4-886C-D4A5DC194421}"/>
+              </a:ext>
+              <a:ext uri="{C183D7F6-B498-43B3-948B-1728B52AA6E4}">
+                <adec:decorative xmlns:adec="http://schemas.microsoft.com/office/drawing/2017/decorative" val="1"/>
+              </a:ext>
+            </a:extLst>
+          </p:cNvPr>
+          <p:cNvSpPr>
+            <a:spLocks noGrp="1" noRot="1" noChangeAspect="1" noMove="1" noResize="1" noEditPoints="1" noAdjustHandles="1" noChangeArrowheads="1" noChangeShapeType="1" noTextEdit="1"/>
+          </p:cNvSpPr>
+          <p:nvPr>
+            <p:extLst>
+              <p:ext uri="{386F3935-93C4-4BCD-93E2-E3B085C9AB24}">
+                <p16:designElem xmlns:p16="http://schemas.microsoft.com/office/powerpoint/2015/main" val="1"/>
+              </p:ext>
+            </p:extLst>
+          </p:nvPr>
+        </p:nvSpPr>
+        <p:spPr>
+          <a:xfrm>
+            <a:off x="0" y="0"/>
+            <a:ext cx="12192000" cy="6858000"/>
+          </a:xfrm>
+          <a:prstGeom prst="rect">
+            <a:avLst/>
+          </a:prstGeom>
+          <a:ln>
+            <a:noFill/>
+          </a:ln>
+        </p:spPr>
+        <p:style>
+          <a:lnRef idx="2">
+            <a:schemeClr val="accent1">
+              <a:shade val="50000"/>
+            </a:schemeClr>
+          </a:lnRef>
+          <a:fillRef idx="1">
+            <a:schemeClr val="accent1"/>
+          </a:fillRef>
+          <a:effectRef idx="0">
+            <a:schemeClr val="accent1"/>
+          </a:effectRef>
+          <a:fontRef idx="minor">
+            <a:schemeClr val="lt1"/>
+          </a:fontRef>
+        </p:style>
+        <p:txBody>
+          <a:bodyPr rtlCol="0" anchor="ctr"/>
+          <a:lstStyle/>
+          <a:p>
+            <a:pPr algn="ctr"/>
+            <a:endParaRPr lang="en-US"/>
+          </a:p>
+        </p:txBody>
+      </p:sp>
+      <p:sp>
+        <p:nvSpPr>
+          <p:cNvPr id="15" name="Freeform: Shape 9">
+            <a:extLst>
+              <a:ext uri="{FF2B5EF4-FFF2-40B4-BE49-F238E27FC236}">
+                <a16:creationId xmlns:a16="http://schemas.microsoft.com/office/drawing/2014/main" id="{CABDC08D-6093-4397-92D4-54D00E2BB1C2}"/>
+              </a:ext>
+              <a:ext uri="{C183D7F6-B498-43B3-948B-1728B52AA6E4}">
+                <adec:decorative xmlns:adec="http://schemas.microsoft.com/office/drawing/2017/decorative" val="1"/>
+              </a:ext>
+            </a:extLst>
+          </p:cNvPr>
+          <p:cNvSpPr>
+            <a:spLocks noGrp="1" noRot="1" noChangeAspect="1" noMove="1" noResize="1" noEditPoints="1" noAdjustHandles="1" noChangeArrowheads="1" noChangeShapeType="1" noTextEdit="1"/>
+          </p:cNvSpPr>
+          <p:nvPr>
+            <p:extLst>
+              <p:ext uri="{386F3935-93C4-4BCD-93E2-E3B085C9AB24}">
+                <p16:designElem xmlns:p16="http://schemas.microsoft.com/office/powerpoint/2015/main" val="1"/>
+              </p:ext>
+            </p:extLst>
+          </p:nvPr>
+        </p:nvSpPr>
+        <p:spPr bwMode="auto">
+          <a:xfrm rot="16200000">
+            <a:off x="-650724" y="650724"/>
+            <a:ext cx="6858000" cy="5556552"/>
+          </a:xfrm>
+          <a:custGeom>
+            <a:avLst/>
+            <a:gdLst>
+              <a:gd name="connsiteX0" fmla="*/ 6858000 w 6858000"/>
+              <a:gd name="connsiteY0" fmla="*/ 3445704 h 5556552"/>
+              <a:gd name="connsiteX1" fmla="*/ 3829242 w 6858000"/>
+              <a:gd name="connsiteY1" fmla="*/ 5433322 h 5556552"/>
+              <a:gd name="connsiteX2" fmla="*/ 3827369 w 6858000"/>
+              <a:gd name="connsiteY2" fmla="*/ 5434867 h 5556552"/>
+              <a:gd name="connsiteX3" fmla="*/ 3824583 w 6858000"/>
+              <a:gd name="connsiteY3" fmla="*/ 5436378 h 5556552"/>
+              <a:gd name="connsiteX4" fmla="*/ 3798693 w 6858000"/>
+              <a:gd name="connsiteY4" fmla="*/ 5453370 h 5556552"/>
+              <a:gd name="connsiteX5" fmla="*/ 3785011 w 6858000"/>
+              <a:gd name="connsiteY5" fmla="*/ 5457858 h 5556552"/>
+              <a:gd name="connsiteX6" fmla="*/ 3706339 w 6858000"/>
+              <a:gd name="connsiteY6" fmla="*/ 5500559 h 5556552"/>
+              <a:gd name="connsiteX7" fmla="*/ 3428998 w 6858000"/>
+              <a:gd name="connsiteY7" fmla="*/ 5556552 h 5556552"/>
+              <a:gd name="connsiteX8" fmla="*/ 3151658 w 6858000"/>
+              <a:gd name="connsiteY8" fmla="*/ 5500559 h 5556552"/>
+              <a:gd name="connsiteX9" fmla="*/ 3072996 w 6858000"/>
+              <a:gd name="connsiteY9" fmla="*/ 5457863 h 5556552"/>
+              <a:gd name="connsiteX10" fmla="*/ 3059298 w 6858000"/>
+              <a:gd name="connsiteY10" fmla="*/ 5453370 h 5556552"/>
+              <a:gd name="connsiteX11" fmla="*/ 3033383 w 6858000"/>
+              <a:gd name="connsiteY11" fmla="*/ 5436362 h 5556552"/>
+              <a:gd name="connsiteX12" fmla="*/ 3030627 w 6858000"/>
+              <a:gd name="connsiteY12" fmla="*/ 5434867 h 5556552"/>
+              <a:gd name="connsiteX13" fmla="*/ 3028775 w 6858000"/>
+              <a:gd name="connsiteY13" fmla="*/ 5433338 h 5556552"/>
+              <a:gd name="connsiteX14" fmla="*/ 0 w 6858000"/>
+              <a:gd name="connsiteY14" fmla="*/ 3445704 h 5556552"/>
+              <a:gd name="connsiteX15" fmla="*/ 6858000 w 6858000"/>
+              <a:gd name="connsiteY15" fmla="*/ 0 h 5556552"/>
+              <a:gd name="connsiteX16" fmla="*/ 6858000 w 6858000"/>
+              <a:gd name="connsiteY16" fmla="*/ 349336 h 5556552"/>
+              <a:gd name="connsiteX17" fmla="*/ 6858000 w 6858000"/>
+              <a:gd name="connsiteY17" fmla="*/ 3445703 h 5556552"/>
+              <a:gd name="connsiteX18" fmla="*/ 0 w 6858000"/>
+              <a:gd name="connsiteY18" fmla="*/ 3445703 h 5556552"/>
+              <a:gd name="connsiteX19" fmla="*/ 0 w 6858000"/>
+              <a:gd name="connsiteY19" fmla="*/ 0 h 5556552"/>
+            </a:gdLst>
+            <a:ahLst/>
+            <a:cxnLst>
+              <a:cxn ang="0">
+                <a:pos x="connsiteX0" y="connsiteY0"/>
+              </a:cxn>
+              <a:cxn ang="0">
+                <a:pos x="connsiteX1" y="connsiteY1"/>
+              </a:cxn>
+              <a:cxn ang="0">
+                <a:pos x="connsiteX2" y="connsiteY2"/>
+              </a:cxn>
+              <a:cxn ang="0">
+                <a:pos x="connsiteX3" y="connsiteY3"/>
+              </a:cxn>
+              <a:cxn ang="0">
+                <a:pos x="connsiteX4" y="connsiteY4"/>
+              </a:cxn>
+              <a:cxn ang="0">
+                <a:pos x="connsiteX5" y="connsiteY5"/>
+              </a:cxn>
+              <a:cxn ang="0">
+                <a:pos x="connsiteX6" y="connsiteY6"/>
+              </a:cxn>
+              <a:cxn ang="0">
+                <a:pos x="connsiteX7" y="connsiteY7"/>
+              </a:cxn>
+              <a:cxn ang="0">
+                <a:pos x="connsiteX8" y="connsiteY8"/>
+              </a:cxn>
+              <a:cxn ang="0">
+                <a:pos x="connsiteX9" y="connsiteY9"/>
+              </a:cxn>
+              <a:cxn ang="0">
+                <a:pos x="connsiteX10" y="connsiteY10"/>
+              </a:cxn>
+              <a:cxn ang="0">
+                <a:pos x="connsiteX11" y="connsiteY11"/>
+              </a:cxn>
+              <a:cxn ang="0">
+                <a:pos x="connsiteX12" y="connsiteY12"/>
+              </a:cxn>
+              <a:cxn ang="0">
+                <a:pos x="connsiteX13" y="connsiteY13"/>
+              </a:cxn>
+              <a:cxn ang="0">
+                <a:pos x="connsiteX14" y="connsiteY14"/>
+              </a:cxn>
+              <a:cxn ang="0">
+                <a:pos x="connsiteX15" y="connsiteY15"/>
+              </a:cxn>
+              <a:cxn ang="0">
+                <a:pos x="connsiteX16" y="connsiteY16"/>
+              </a:cxn>
+              <a:cxn ang="0">
+                <a:pos x="connsiteX17" y="connsiteY17"/>
+              </a:cxn>
+              <a:cxn ang="0">
+                <a:pos x="connsiteX18" y="connsiteY18"/>
+              </a:cxn>
+              <a:cxn ang="0">
+                <a:pos x="connsiteX19" y="connsiteY19"/>
+              </a:cxn>
+            </a:cxnLst>
+            <a:rect l="l" t="t" r="r" b="b"/>
+            <a:pathLst>
+              <a:path w="6858000" h="5556552">
+                <a:moveTo>
+                  <a:pt x="6858000" y="3445704"/>
+                </a:moveTo>
+                <a:lnTo>
+                  <a:pt x="3829242" y="5433322"/>
+                </a:lnTo>
+                <a:lnTo>
+                  <a:pt x="3827369" y="5434867"/>
+                </a:lnTo>
+                <a:lnTo>
+                  <a:pt x="3824583" y="5436378"/>
+                </a:lnTo>
+                <a:lnTo>
+                  <a:pt x="3798693" y="5453370"/>
+                </a:lnTo>
+                <a:lnTo>
+                  <a:pt x="3785011" y="5457858"/>
+                </a:lnTo>
+                <a:lnTo>
+                  <a:pt x="3706339" y="5500559"/>
+                </a:lnTo>
+                <a:cubicBezTo>
+                  <a:pt x="3621096" y="5536614"/>
+                  <a:pt x="3527375" y="5556552"/>
+                  <a:pt x="3428998" y="5556552"/>
+                </a:cubicBezTo>
+                <a:cubicBezTo>
+                  <a:pt x="3330621" y="5556552"/>
+                  <a:pt x="3236901" y="5536614"/>
+                  <a:pt x="3151658" y="5500559"/>
+                </a:cubicBezTo>
+                <a:lnTo>
+                  <a:pt x="3072996" y="5457863"/>
+                </a:lnTo>
+                <a:lnTo>
+                  <a:pt x="3059298" y="5453370"/>
+                </a:lnTo>
+                <a:lnTo>
+                  <a:pt x="3033383" y="5436362"/>
+                </a:lnTo>
+                <a:lnTo>
+                  <a:pt x="3030627" y="5434867"/>
+                </a:lnTo>
+                <a:lnTo>
+                  <a:pt x="3028775" y="5433338"/>
+                </a:lnTo>
+                <a:lnTo>
+                  <a:pt x="0" y="3445704"/>
+                </a:lnTo>
+                <a:close/>
+                <a:moveTo>
+                  <a:pt x="6858000" y="0"/>
+                </a:moveTo>
+                <a:lnTo>
+                  <a:pt x="6858000" y="349336"/>
+                </a:lnTo>
+                <a:lnTo>
+                  <a:pt x="6858000" y="3445703"/>
+                </a:lnTo>
+                <a:lnTo>
+                  <a:pt x="0" y="3445703"/>
+                </a:lnTo>
+                <a:lnTo>
+                  <a:pt x="0" y="0"/>
+                </a:lnTo>
+                <a:close/>
+              </a:path>
+            </a:pathLst>
+          </a:custGeom>
+          <a:ln>
+            <a:noFill/>
+          </a:ln>
+          <a:effectLst/>
+          <a:extLst>
+            <a:ext uri="{91240B29-F687-4f45-9708-019B960494DF}">
+              <a14:hiddenLine xmlns="" xmlns:a16="http://schemas.microsoft.com/office/drawing/2014/main" xmlns:p14="http://schemas.microsoft.com/office/powerpoint/2010/main" xmlns:a14="http://schemas.microsoft.com/office/drawing/2010/main" w="9525">
+                <a:solidFill>
+                  <a:srgbClr val="000000"/>
+                </a:solidFill>
+                <a:round/>
+                <a:headEnd/>
+                <a:tailEnd/>
+              </a14:hiddenLine>
+            </a:ext>
+          </a:extLst>
+        </p:spPr>
+        <p:style>
+          <a:lnRef idx="1">
+            <a:schemeClr val="accent1"/>
+          </a:lnRef>
+          <a:fillRef idx="3">
+            <a:schemeClr val="accent1"/>
+          </a:fillRef>
+          <a:effectRef idx="2">
+            <a:schemeClr val="accent1"/>
+          </a:effectRef>
+          <a:fontRef idx="minor">
+            <a:schemeClr val="lt1"/>
+          </a:fontRef>
+        </p:style>
+      </p:sp>
+      <p:sp>
+        <p:nvSpPr>
+          <p:cNvPr id="2" name="Title 1"/>
+          <p:cNvSpPr>
+            <a:spLocks noGrp="1"/>
+          </p:cNvSpPr>
+          <p:nvPr>
+            <p:ph type="title"/>
+          </p:nvPr>
+        </p:nvSpPr>
+        <p:spPr>
+          <a:xfrm>
+            <a:off x="451515" y="1734857"/>
+            <a:ext cx="3765483" cy="3388287"/>
+          </a:xfrm>
+        </p:spPr>
+        <p:txBody>
+          <a:bodyPr anchor="ctr">
+            <a:normAutofit/>
+          </a:bodyPr>
+          <a:lstStyle/>
+          <a:p>
+            <a:r>
+              <a:rPr lang="en-US"/>
+              <a:t>Discussion</a:t>
+            </a:r>
+            <a:endParaRPr lang="en-US" dirty="0"/>
+          </a:p>
+        </p:txBody>
+      </p:sp>
+      <p:sp>
+        <p:nvSpPr>
+          <p:cNvPr id="3" name="Content Placeholder 2"/>
+          <p:cNvSpPr>
+            <a:spLocks noGrp="1"/>
+          </p:cNvSpPr>
+          <p:nvPr>
+            <p:ph idx="1"/>
+          </p:nvPr>
+        </p:nvSpPr>
+        <p:spPr>
+          <a:xfrm>
+            <a:off x="6008068" y="978993"/>
+            <a:ext cx="5365218" cy="4900014"/>
+          </a:xfrm>
+          <a:effectLst/>
+        </p:spPr>
+        <p:txBody>
+          <a:bodyPr>
+            <a:normAutofit/>
+          </a:bodyPr>
+          <a:lstStyle/>
+          <a:p>
+            <a:r>
+              <a:rPr lang="en-US" sz="2000" dirty="0"/>
+              <a:t>Men have higher rates of DUI deaths than women</a:t>
+            </a:r>
+          </a:p>
+          <a:p>
+            <a:pPr lvl="1"/>
+            <a:r>
+              <a:rPr lang="en-US" sz="1800" dirty="0"/>
+              <a:t>However little correlation between Female DUI deaths and TNCs</a:t>
+            </a:r>
+          </a:p>
+          <a:p>
+            <a:r>
+              <a:rPr lang="en-US" sz="2000" dirty="0"/>
+              <a:t>Ages 21-34 had the highest rates as well as the highest correlation</a:t>
+            </a:r>
+          </a:p>
+          <a:p>
+            <a:pPr lvl="1"/>
+            <a:r>
+              <a:rPr lang="en-US" sz="1800" dirty="0"/>
+              <a:t>Status of state rates remained the same</a:t>
+            </a:r>
+          </a:p>
+          <a:p>
+            <a:r>
+              <a:rPr lang="en-US" sz="2000" dirty="0"/>
+              <a:t>Overall, correlation between DUI deaths and TNCs</a:t>
+            </a:r>
+          </a:p>
+          <a:p>
+            <a:pPr lvl="1"/>
+            <a:r>
+              <a:rPr lang="en-US" sz="1800" dirty="0"/>
+              <a:t>Introduction of Uber/Lyft in 2012 caused a slight reduction in deaths</a:t>
+            </a:r>
+          </a:p>
+        </p:txBody>
+      </p:sp>
+    </p:spTree>
+    <p:extLst>
+      <p:ext uri="{BB962C8B-B14F-4D97-AF65-F5344CB8AC3E}">
+        <p14:creationId xmlns:p14="http://schemas.microsoft.com/office/powerpoint/2010/main" val="143206522"/>
+      </p:ext>
+    </p:extLst>
+  </p:cSld>
+  <p:clrMapOvr>
+    <a:overrideClrMapping bg1="lt1" tx1="dk1" bg2="lt2" tx2="dk2" accent1="accent1" accent2="accent2" accent3="accent3" accent4="accent4" accent5="accent5" accent6="accent6" hlink="hlink" folHlink="folHlink"/>
+  </p:clrMapOvr>
+</p:sld>
+</file>
+
+<file path=ppt/slides/slide17.xml><?xml version="1.0" encoding="utf-8"?>
+<p:sld xmlns:a="http://schemas.openxmlformats.org/drawingml/2006/main" xmlns:r="http://schemas.openxmlformats.org/officeDocument/2006/relationships" xmlns:p="http://schemas.openxmlformats.org/presentationml/2006/main">
+  <p:cSld>
+    <p:bg>
+      <p:bgPr>
+        <a:solidFill>
+          <a:schemeClr val="bg1"/>
+        </a:solidFill>
+        <a:effectLst/>
+      </p:bgPr>
+    </p:bg>
+    <p:spTree>
+      <p:nvGrpSpPr>
+        <p:cNvPr id="1" name=""/>
+        <p:cNvGrpSpPr/>
+        <p:nvPr/>
+      </p:nvGrpSpPr>
+      <p:grpSpPr>
+        <a:xfrm>
+          <a:off x="0" y="0"/>
+          <a:ext cx="0" cy="0"/>
+          <a:chOff x="0" y="0"/>
+          <a:chExt cx="0" cy="0"/>
+        </a:xfrm>
+      </p:grpSpPr>
+      <p:sp useBgFill="1">
+        <p:nvSpPr>
+          <p:cNvPr id="15" name="Rectangle 14">
+            <a:extLst>
+              <a:ext uri="{FF2B5EF4-FFF2-40B4-BE49-F238E27FC236}">
+                <a16:creationId xmlns:a16="http://schemas.microsoft.com/office/drawing/2014/main" id="{F1E0D4A3-ECB8-4689-ABDB-9CE848CE83B9}"/>
+              </a:ext>
+              <a:ext uri="{C183D7F6-B498-43B3-948B-1728B52AA6E4}">
+                <adec:decorative xmlns:adec="http://schemas.microsoft.com/office/drawing/2017/decorative" val="1"/>
+              </a:ext>
+            </a:extLst>
+          </p:cNvPr>
+          <p:cNvSpPr>
+            <a:spLocks noGrp="1" noRot="1" noChangeAspect="1" noMove="1" noResize="1" noEditPoints="1" noAdjustHandles="1" noChangeArrowheads="1" noChangeShapeType="1" noTextEdit="1"/>
+          </p:cNvSpPr>
+          <p:nvPr>
+            <p:extLst>
+              <p:ext uri="{386F3935-93C4-4BCD-93E2-E3B085C9AB24}">
+                <p16:designElem xmlns:p16="http://schemas.microsoft.com/office/powerpoint/2015/main" val="1"/>
+              </p:ext>
+            </p:extLst>
+          </p:nvPr>
+        </p:nvSpPr>
+        <p:spPr>
+          <a:xfrm>
+            <a:off x="0" y="0"/>
+            <a:ext cx="12192000" cy="6858000"/>
+          </a:xfrm>
+          <a:prstGeom prst="rect">
+            <a:avLst/>
+          </a:prstGeom>
+          <a:ln>
+            <a:noFill/>
+          </a:ln>
+        </p:spPr>
+        <p:style>
+          <a:lnRef idx="2">
+            <a:schemeClr val="accent1">
+              <a:shade val="50000"/>
+            </a:schemeClr>
+          </a:lnRef>
+          <a:fillRef idx="1">
+            <a:schemeClr val="accent1"/>
+          </a:fillRef>
+          <a:effectRef idx="0">
+            <a:schemeClr val="accent1"/>
+          </a:effectRef>
+          <a:fontRef idx="minor">
+            <a:schemeClr val="lt1"/>
+          </a:fontRef>
+        </p:style>
+        <p:txBody>
+          <a:bodyPr rtlCol="0" anchor="ctr"/>
+          <a:lstStyle/>
+          <a:p>
+            <a:pPr algn="ctr"/>
+            <a:endParaRPr lang="en-US"/>
+          </a:p>
+        </p:txBody>
+      </p:sp>
+      <p:sp>
+        <p:nvSpPr>
+          <p:cNvPr id="2" name="Title 1">
+            <a:extLst>
+              <a:ext uri="{FF2B5EF4-FFF2-40B4-BE49-F238E27FC236}">
+                <a16:creationId xmlns:a16="http://schemas.microsoft.com/office/drawing/2014/main" id="{912EF6B6-5BF0-4C4A-8832-F2AAC7DC3809}"/>
+              </a:ext>
+            </a:extLst>
+          </p:cNvPr>
+          <p:cNvSpPr>
+            <a:spLocks noGrp="1"/>
+          </p:cNvSpPr>
+          <p:nvPr>
+            <p:ph type="title"/>
+          </p:nvPr>
+        </p:nvSpPr>
+        <p:spPr>
+          <a:xfrm>
+            <a:off x="810000" y="447188"/>
+            <a:ext cx="10571998" cy="970450"/>
+          </a:xfrm>
+          <a:effectLst/>
+        </p:spPr>
+        <p:txBody>
+          <a:bodyPr anchor="ctr">
+            <a:normAutofit/>
+          </a:bodyPr>
+          <a:lstStyle/>
+          <a:p>
+            <a:pPr algn="ctr"/>
+            <a:r>
+              <a:rPr lang="en-US" sz="2800" dirty="0">
+                <a:solidFill>
+                  <a:schemeClr val="tx1"/>
+                </a:solidFill>
+              </a:rPr>
+              <a:t>Post Mortem</a:t>
+            </a:r>
+          </a:p>
+        </p:txBody>
+      </p:sp>
+      <p:sp>
+        <p:nvSpPr>
+          <p:cNvPr id="17" name="Freeform: Shape 16">
+            <a:extLst>
+              <a:ext uri="{FF2B5EF4-FFF2-40B4-BE49-F238E27FC236}">
+                <a16:creationId xmlns:a16="http://schemas.microsoft.com/office/drawing/2014/main" id="{8854772B-9C8F-4037-89E0-3A45208AB395}"/>
+              </a:ext>
+              <a:ext uri="{C183D7F6-B498-43B3-948B-1728B52AA6E4}">
+                <adec:decorative xmlns:adec="http://schemas.microsoft.com/office/drawing/2017/decorative" val="1"/>
+              </a:ext>
+            </a:extLst>
+          </p:cNvPr>
+          <p:cNvSpPr>
+            <a:spLocks noGrp="1" noRot="1" noChangeAspect="1" noMove="1" noResize="1" noEditPoints="1" noAdjustHandles="1" noChangeArrowheads="1" noChangeShapeType="1" noTextEdit="1"/>
+          </p:cNvSpPr>
+          <p:nvPr>
+            <p:extLst>
+              <p:ext uri="{386F3935-93C4-4BCD-93E2-E3B085C9AB24}">
+                <p16:designElem xmlns:p16="http://schemas.microsoft.com/office/powerpoint/2015/main" val="1"/>
+              </p:ext>
+            </p:extLst>
+          </p:nvPr>
+        </p:nvSpPr>
+        <p:spPr>
+          <a:xfrm>
+            <a:off x="637093" y="1576408"/>
+            <a:ext cx="10917814" cy="4638125"/>
+          </a:xfrm>
+          <a:custGeom>
+            <a:avLst/>
+            <a:gdLst>
+              <a:gd name="connsiteX0" fmla="*/ 5441025 w 10917814"/>
+              <a:gd name="connsiteY0" fmla="*/ 0 h 4638125"/>
+              <a:gd name="connsiteX1" fmla="*/ 5453725 w 10917814"/>
+              <a:gd name="connsiteY1" fmla="*/ 0 h 4638125"/>
+              <a:gd name="connsiteX2" fmla="*/ 5464308 w 10917814"/>
+              <a:gd name="connsiteY2" fmla="*/ 0 h 4638125"/>
+              <a:gd name="connsiteX3" fmla="*/ 5477009 w 10917814"/>
+              <a:gd name="connsiteY3" fmla="*/ 4762 h 4638125"/>
+              <a:gd name="connsiteX4" fmla="*/ 5489708 w 10917814"/>
+              <a:gd name="connsiteY4" fmla="*/ 9525 h 4638125"/>
+              <a:gd name="connsiteX5" fmla="*/ 5498175 w 10917814"/>
+              <a:gd name="connsiteY5" fmla="*/ 12700 h 4638125"/>
+              <a:gd name="connsiteX6" fmla="*/ 5865801 w 10917814"/>
+              <a:gd name="connsiteY6" fmla="*/ 288419 h 4638125"/>
+              <a:gd name="connsiteX7" fmla="*/ 10765009 w 10917814"/>
+              <a:gd name="connsiteY7" fmla="*/ 288419 h 4638125"/>
+              <a:gd name="connsiteX8" fmla="*/ 10917814 w 10917814"/>
+              <a:gd name="connsiteY8" fmla="*/ 441224 h 4638125"/>
+              <a:gd name="connsiteX9" fmla="*/ 10917814 w 10917814"/>
+              <a:gd name="connsiteY9" fmla="*/ 4485320 h 4638125"/>
+              <a:gd name="connsiteX10" fmla="*/ 10765009 w 10917814"/>
+              <a:gd name="connsiteY10" fmla="*/ 4638125 h 4638125"/>
+              <a:gd name="connsiteX11" fmla="*/ 152805 w 10917814"/>
+              <a:gd name="connsiteY11" fmla="*/ 4638125 h 4638125"/>
+              <a:gd name="connsiteX12" fmla="*/ 0 w 10917814"/>
+              <a:gd name="connsiteY12" fmla="*/ 4485320 h 4638125"/>
+              <a:gd name="connsiteX13" fmla="*/ 0 w 10917814"/>
+              <a:gd name="connsiteY13" fmla="*/ 441224 h 4638125"/>
+              <a:gd name="connsiteX14" fmla="*/ 152805 w 10917814"/>
+              <a:gd name="connsiteY14" fmla="*/ 288419 h 4638125"/>
+              <a:gd name="connsiteX15" fmla="*/ 5041650 w 10917814"/>
+              <a:gd name="connsiteY15" fmla="*/ 288419 h 4638125"/>
+              <a:gd name="connsiteX16" fmla="*/ 5409275 w 10917814"/>
+              <a:gd name="connsiteY16" fmla="*/ 12700 h 4638125"/>
+              <a:gd name="connsiteX17" fmla="*/ 5417742 w 10917814"/>
+              <a:gd name="connsiteY17" fmla="*/ 9525 h 4638125"/>
+              <a:gd name="connsiteX18" fmla="*/ 5430442 w 10917814"/>
+              <a:gd name="connsiteY18" fmla="*/ 4762 h 4638125"/>
+            </a:gdLst>
+            <a:ahLst/>
+            <a:cxnLst>
+              <a:cxn ang="0">
+                <a:pos x="connsiteX0" y="connsiteY0"/>
+              </a:cxn>
+              <a:cxn ang="0">
+                <a:pos x="connsiteX1" y="connsiteY1"/>
+              </a:cxn>
+              <a:cxn ang="0">
+                <a:pos x="connsiteX2" y="connsiteY2"/>
+              </a:cxn>
+              <a:cxn ang="0">
+                <a:pos x="connsiteX3" y="connsiteY3"/>
+              </a:cxn>
+              <a:cxn ang="0">
+                <a:pos x="connsiteX4" y="connsiteY4"/>
+              </a:cxn>
+              <a:cxn ang="0">
+                <a:pos x="connsiteX5" y="connsiteY5"/>
+              </a:cxn>
+              <a:cxn ang="0">
+                <a:pos x="connsiteX6" y="connsiteY6"/>
+              </a:cxn>
+              <a:cxn ang="0">
+                <a:pos x="connsiteX7" y="connsiteY7"/>
+              </a:cxn>
+              <a:cxn ang="0">
+                <a:pos x="connsiteX8" y="connsiteY8"/>
+              </a:cxn>
+              <a:cxn ang="0">
+                <a:pos x="connsiteX9" y="connsiteY9"/>
+              </a:cxn>
+              <a:cxn ang="0">
+                <a:pos x="connsiteX10" y="connsiteY10"/>
+              </a:cxn>
+              <a:cxn ang="0">
+                <a:pos x="connsiteX11" y="connsiteY11"/>
+              </a:cxn>
+              <a:cxn ang="0">
+                <a:pos x="connsiteX12" y="connsiteY12"/>
+              </a:cxn>
+              <a:cxn ang="0">
+                <a:pos x="connsiteX13" y="connsiteY13"/>
+              </a:cxn>
+              <a:cxn ang="0">
+                <a:pos x="connsiteX14" y="connsiteY14"/>
+              </a:cxn>
+              <a:cxn ang="0">
+                <a:pos x="connsiteX15" y="connsiteY15"/>
+              </a:cxn>
+              <a:cxn ang="0">
+                <a:pos x="connsiteX16" y="connsiteY16"/>
+              </a:cxn>
+              <a:cxn ang="0">
+                <a:pos x="connsiteX17" y="connsiteY17"/>
+              </a:cxn>
+              <a:cxn ang="0">
+                <a:pos x="connsiteX18" y="connsiteY18"/>
+              </a:cxn>
+            </a:cxnLst>
+            <a:rect l="l" t="t" r="r" b="b"/>
+            <a:pathLst>
+              <a:path w="10917814" h="4638125">
+                <a:moveTo>
+                  <a:pt x="5441025" y="0"/>
+                </a:moveTo>
+                <a:lnTo>
+                  <a:pt x="5453725" y="0"/>
+                </a:lnTo>
+                <a:lnTo>
+                  <a:pt x="5464308" y="0"/>
+                </a:lnTo>
+                <a:lnTo>
+                  <a:pt x="5477009" y="4762"/>
+                </a:lnTo>
+                <a:lnTo>
+                  <a:pt x="5489708" y="9525"/>
+                </a:lnTo>
+                <a:lnTo>
+                  <a:pt x="5498175" y="12700"/>
+                </a:lnTo>
+                <a:lnTo>
+                  <a:pt x="5865801" y="288419"/>
+                </a:lnTo>
+                <a:lnTo>
+                  <a:pt x="10765009" y="288419"/>
+                </a:lnTo>
+                <a:cubicBezTo>
+                  <a:pt x="10849401" y="288419"/>
+                  <a:pt x="10917814" y="356832"/>
+                  <a:pt x="10917814" y="441224"/>
+                </a:cubicBezTo>
+                <a:lnTo>
+                  <a:pt x="10917814" y="4485320"/>
+                </a:lnTo>
+                <a:cubicBezTo>
+                  <a:pt x="10917814" y="4569712"/>
+                  <a:pt x="10849401" y="4638125"/>
+                  <a:pt x="10765009" y="4638125"/>
+                </a:cubicBezTo>
+                <a:lnTo>
+                  <a:pt x="152805" y="4638125"/>
+                </a:lnTo>
+                <a:cubicBezTo>
+                  <a:pt x="68413" y="4638125"/>
+                  <a:pt x="0" y="4569712"/>
+                  <a:pt x="0" y="4485320"/>
+                </a:cubicBezTo>
+                <a:lnTo>
+                  <a:pt x="0" y="441224"/>
+                </a:lnTo>
+                <a:cubicBezTo>
+                  <a:pt x="0" y="356832"/>
+                  <a:pt x="68413" y="288419"/>
+                  <a:pt x="152805" y="288419"/>
+                </a:cubicBezTo>
+                <a:lnTo>
+                  <a:pt x="5041650" y="288419"/>
+                </a:lnTo>
+                <a:lnTo>
+                  <a:pt x="5409275" y="12700"/>
+                </a:lnTo>
+                <a:lnTo>
+                  <a:pt x="5417742" y="9525"/>
+                </a:lnTo>
+                <a:lnTo>
+                  <a:pt x="5430442" y="4762"/>
+                </a:lnTo>
+                <a:close/>
+              </a:path>
+            </a:pathLst>
+          </a:custGeom>
+          <a:noFill/>
+          <a:ln w="38100">
+            <a:solidFill>
+              <a:schemeClr val="accent1"/>
+            </a:solidFill>
+          </a:ln>
+          <a:effectLst/>
+        </p:spPr>
+        <p:style>
+          <a:lnRef idx="2">
+            <a:schemeClr val="accent1">
+              <a:shade val="50000"/>
+            </a:schemeClr>
+          </a:lnRef>
+          <a:fillRef idx="1">
+            <a:schemeClr val="accent1"/>
+          </a:fillRef>
+          <a:effectRef idx="0">
+            <a:schemeClr val="accent1"/>
+          </a:effectRef>
+          <a:fontRef idx="minor">
+            <a:schemeClr val="lt1"/>
+          </a:fontRef>
+        </p:style>
+        <p:txBody>
+          <a:bodyPr wrap="square" rtlCol="0" anchor="ctr">
+            <a:noAutofit/>
+          </a:bodyPr>
+          <a:lstStyle/>
+          <a:p>
+            <a:pPr algn="ctr"/>
+            <a:endParaRPr lang="en-US"/>
+          </a:p>
+        </p:txBody>
+      </p:sp>
+      <p:sp>
+        <p:nvSpPr>
+          <p:cNvPr id="3" name="Content Placeholder 2">
+            <a:extLst>
+              <a:ext uri="{FF2B5EF4-FFF2-40B4-BE49-F238E27FC236}">
+                <a16:creationId xmlns:a16="http://schemas.microsoft.com/office/drawing/2014/main" id="{BE1FB681-09B6-4F59-A2DA-A3125C7E43C1}"/>
+              </a:ext>
+            </a:extLst>
+          </p:cNvPr>
+          <p:cNvSpPr>
+            <a:spLocks noGrp="1"/>
+          </p:cNvSpPr>
+          <p:nvPr>
+            <p:ph idx="1"/>
+          </p:nvPr>
+        </p:nvSpPr>
+        <p:spPr>
+          <a:xfrm>
+            <a:off x="1115732" y="2222287"/>
+            <a:ext cx="9966953" cy="3636511"/>
+          </a:xfrm>
+          <a:effectLst/>
+        </p:spPr>
+        <p:txBody>
+          <a:bodyPr>
+            <a:normAutofit/>
+          </a:bodyPr>
+          <a:lstStyle/>
+          <a:p>
+            <a:r>
+              <a:rPr lang="en-US" dirty="0"/>
+              <a:t>Unable to find APIs with the data we needed</a:t>
+            </a:r>
+          </a:p>
+          <a:p>
+            <a:r>
+              <a:rPr lang="en-US" dirty="0"/>
+              <a:t>Difficulty finding the best way to separate the data for analysis</a:t>
+            </a:r>
+          </a:p>
+          <a:p>
+            <a:r>
+              <a:rPr lang="en-US" dirty="0"/>
+              <a:t>Issues having our graphs represent our data the way we wanted</a:t>
+            </a:r>
+          </a:p>
+          <a:p>
+            <a:r>
+              <a:rPr lang="en-US" dirty="0"/>
+              <a:t>Beneficial to analyze later years as popularity of TNCs increased</a:t>
+            </a:r>
+          </a:p>
+          <a:p>
+            <a:endParaRPr lang="en-US" dirty="0"/>
+          </a:p>
+          <a:p>
+            <a:endParaRPr lang="en-US" dirty="0"/>
+          </a:p>
+        </p:txBody>
+      </p:sp>
+    </p:spTree>
+    <p:extLst>
+      <p:ext uri="{BB962C8B-B14F-4D97-AF65-F5344CB8AC3E}">
+        <p14:creationId xmlns:p14="http://schemas.microsoft.com/office/powerpoint/2010/main" val="3275991100"/>
+      </p:ext>
+    </p:extLst>
+  </p:cSld>
+  <p:clrMapOvr>
+    <a:overrideClrMapping bg1="lt1" tx1="dk1" bg2="lt2" tx2="dk2" accent1="accent1" accent2="accent2" accent3="accent3" accent4="accent4" accent5="accent5" accent6="accent6" hlink="hlink" folHlink="folHlink"/>
+  </p:clrMapOvr>
+</p:sld>
+</file>
+
+<file path=ppt/slides/slide18.xml><?xml version="1.0" encoding="utf-8"?>
 <p:sld xmlns:a="http://schemas.openxmlformats.org/drawingml/2006/main" xmlns:r="http://schemas.openxmlformats.org/officeDocument/2006/relationships" xmlns:p="http://schemas.openxmlformats.org/presentationml/2006/main">
   <p:cSld>
     <p:spTree>
@@ -6304,84 +9309,10 @@
           <a:bodyPr/>
           <a:lstStyle/>
           <a:p>
-            <a:endParaRPr lang="en-US"/>
-          </a:p>
-        </p:txBody>
-      </p:sp>
-      <p:sp>
-        <p:nvSpPr>
-          <p:cNvPr id="3" name="Content Placeholder 2"/>
-          <p:cNvSpPr>
-            <a:spLocks noGrp="1"/>
-          </p:cNvSpPr>
-          <p:nvPr>
-            <p:ph idx="1"/>
-          </p:nvPr>
-        </p:nvSpPr>
-        <p:spPr>
-          <a:xfrm>
-            <a:off x="818712" y="2222287"/>
-            <a:ext cx="5274517" cy="3636511"/>
-          </a:xfrm>
-        </p:spPr>
-        <p:txBody>
-          <a:bodyPr/>
-          <a:lstStyle/>
-          <a:p>
-            <a:endParaRPr lang="en-US"/>
-          </a:p>
-        </p:txBody>
-      </p:sp>
-    </p:spTree>
-    <p:extLst>
-      <p:ext uri="{BB962C8B-B14F-4D97-AF65-F5344CB8AC3E}">
-        <p14:creationId xmlns:p14="http://schemas.microsoft.com/office/powerpoint/2010/main" val="143206522"/>
-      </p:ext>
-    </p:extLst>
-  </p:cSld>
-  <p:clrMapOvr>
-    <a:masterClrMapping/>
-  </p:clrMapOvr>
-</p:sld>
-</file>
-
-<file path=ppt/slides/slide17.xml><?xml version="1.0" encoding="utf-8"?>
-<p:sld xmlns:a="http://schemas.openxmlformats.org/drawingml/2006/main" xmlns:r="http://schemas.openxmlformats.org/officeDocument/2006/relationships" xmlns:p="http://schemas.openxmlformats.org/presentationml/2006/main">
-  <p:cSld>
-    <p:spTree>
-      <p:nvGrpSpPr>
-        <p:cNvPr id="1" name=""/>
-        <p:cNvGrpSpPr/>
-        <p:nvPr/>
-      </p:nvGrpSpPr>
-      <p:grpSpPr>
-        <a:xfrm>
-          <a:off x="0" y="0"/>
-          <a:ext cx="0" cy="0"/>
-          <a:chOff x="0" y="0"/>
-          <a:chExt cx="0" cy="0"/>
-        </a:xfrm>
-      </p:grpSpPr>
-      <p:sp>
-        <p:nvSpPr>
-          <p:cNvPr id="2" name="Title 1"/>
-          <p:cNvSpPr>
-            <a:spLocks noGrp="1"/>
-          </p:cNvSpPr>
-          <p:nvPr>
-            <p:ph type="title"/>
-          </p:nvPr>
-        </p:nvSpPr>
-        <p:spPr/>
-        <p:txBody>
-          <a:bodyPr/>
-          <a:lstStyle/>
-          <a:p>
-            <a:r>
-              <a:rPr lang="en-US" dirty="0" smtClean="0"/>
+            <a:r>
+              <a:rPr lang="en-US" dirty="0"/>
               <a:t>References</a:t>
             </a:r>
-            <a:endParaRPr lang="en-US" dirty="0"/>
           </a:p>
         </p:txBody>
       </p:sp>
@@ -6409,30 +9340,18 @@
               <a:rPr lang="en-US" sz="1400" dirty="0">
                 <a:hlinkClick r:id="rId2"/>
               </a:rPr>
-              <a:t>https://</a:t>
-            </a:r>
-            <a:r>
-              <a:rPr lang="en-US" sz="1400" dirty="0" smtClean="0">
-                <a:hlinkClick r:id="rId2"/>
-              </a:rPr>
-              <a:t>en.wikipedia.org/wiki/Uber</a:t>
-            </a:r>
-            <a:endParaRPr lang="en-US" sz="1400" dirty="0" smtClean="0"/>
+              <a:t>https://en.wikipedia.org/wiki/Uber</a:t>
+            </a:r>
+            <a:endParaRPr lang="en-US" sz="1400" dirty="0"/>
           </a:p>
           <a:p>
             <a:r>
               <a:rPr lang="en-US" sz="1400" dirty="0">
                 <a:hlinkClick r:id="rId3"/>
               </a:rPr>
-              <a:t>https://www.uber.com/blog/los-angeles/uber-la-officially-launched</a:t>
-            </a:r>
-            <a:r>
-              <a:rPr lang="en-US" sz="1400" dirty="0" smtClean="0">
-                <a:hlinkClick r:id="rId3"/>
-              </a:rPr>
-              <a:t>/</a:t>
-            </a:r>
-            <a:endParaRPr lang="en-US" sz="1400" dirty="0" smtClean="0"/>
+              <a:t>https://www.uber.com/blog/los-angeles/uber-la-officially-launched/</a:t>
+            </a:r>
+            <a:endParaRPr lang="en-US" sz="1400" dirty="0"/>
           </a:p>
           <a:p>
             <a:r>
@@ -6445,24 +9364,12 @@
           </a:p>
           <a:p>
             <a:r>
-              <a:rPr lang="en-US" sz="1400" dirty="0" smtClean="0">
-                <a:hlinkClick r:id="rId5"/>
-              </a:rPr>
-              <a:t>https</a:t>
-            </a:r>
-            <a:r>
               <a:rPr lang="en-US" sz="1400" dirty="0">
                 <a:hlinkClick r:id="rId5"/>
               </a:rPr>
-              <a:t>://</a:t>
-            </a:r>
-            <a:r>
-              <a:rPr lang="en-US" sz="1400" dirty="0" smtClean="0">
-                <a:hlinkClick r:id="rId5"/>
-              </a:rPr>
-              <a:t>en.wikipedia.org/wiki/Transportation_network_company</a:t>
-            </a:r>
-            <a:endParaRPr lang="en-US" sz="1400" dirty="0" smtClean="0"/>
+              <a:t>https://en.wikipedia.org/wiki/Transportation_network_company</a:t>
+            </a:r>
+            <a:endParaRPr lang="en-US" sz="1400" dirty="0"/>
           </a:p>
           <a:p>
             <a:r>
@@ -6471,60 +9378,36 @@
               </a:rPr>
               <a:t>https://en.wikipedia.org/wiki/DUI_laws_in_California</a:t>
             </a:r>
-            <a:endParaRPr lang="en-US" sz="1400" dirty="0" smtClean="0">
+            <a:endParaRPr lang="en-US" sz="1400" dirty="0">
               <a:hlinkClick r:id="rId7"/>
             </a:endParaRPr>
           </a:p>
           <a:p>
-            <a:r>
-              <a:rPr lang="en-US" sz="1400" dirty="0" smtClean="0">
-                <a:hlinkClick r:id="rId7"/>
-              </a:rPr>
-              <a:t>https</a:t>
-            </a:r>
             <a:r>
               <a:rPr lang="en-US" sz="1400" dirty="0">
                 <a:hlinkClick r:id="rId7"/>
               </a:rPr>
-              <a:t>://</a:t>
-            </a:r>
-            <a:r>
-              <a:rPr lang="en-US" sz="1400" dirty="0" smtClean="0">
-                <a:hlinkClick r:id="rId7"/>
-              </a:rPr>
-              <a:t>www.nhtsa.gov/risky-driving/drunk-driving#age-5056</a:t>
-            </a:r>
-            <a:endParaRPr lang="en-US" sz="1400" dirty="0" smtClean="0"/>
+              <a:t>https://www.nhtsa.gov/risky-driving/drunk-driving#age-5056</a:t>
+            </a:r>
+            <a:endParaRPr lang="en-US" sz="1400" dirty="0"/>
           </a:p>
           <a:p>
             <a:r>
               <a:rPr lang="en-US" sz="1400" dirty="0">
                 <a:hlinkClick r:id="rId8"/>
               </a:rPr>
-              <a:t>https://mrcheckpoint.com/can-i-get-a-dui-removed-from-my-record-in-california</a:t>
-            </a:r>
-            <a:r>
-              <a:rPr lang="en-US" sz="1400" dirty="0" smtClean="0">
-                <a:hlinkClick r:id="rId8"/>
-              </a:rPr>
-              <a:t>/</a:t>
-            </a:r>
-            <a:endParaRPr lang="en-US" sz="1400" dirty="0" smtClean="0"/>
+              <a:t>https://mrcheckpoint.com/can-i-get-a-dui-removed-from-my-record-in-california/</a:t>
+            </a:r>
+            <a:endParaRPr lang="en-US" sz="1400" dirty="0"/>
           </a:p>
           <a:p>
             <a:r>
               <a:rPr lang="en-US" sz="1400" dirty="0">
                 <a:hlinkClick r:id="rId9"/>
               </a:rPr>
-              <a:t>https://</a:t>
-            </a:r>
-            <a:r>
-              <a:rPr lang="en-US" sz="1400" dirty="0" smtClean="0">
-                <a:hlinkClick r:id="rId9"/>
-              </a:rPr>
-              <a:t>www.edhat.com/news/dui-suspected-in-rollover-accident</a:t>
-            </a:r>
-            <a:endParaRPr lang="en-US" sz="1400" dirty="0" smtClean="0"/>
+              <a:t>https://www.edhat.com/news/dui-suspected-in-rollover-accident</a:t>
+            </a:r>
+            <a:endParaRPr lang="en-US" sz="1400" dirty="0"/>
           </a:p>
           <a:p>
             <a:r>
@@ -6553,13 +9436,6 @@
   <p:clrMapOvr>
     <a:masterClrMapping/>
   </p:clrMapOvr>
-  <p:timing>
-    <p:tnLst>
-      <p:par>
-        <p:cTn id="1" dur="indefinite" restart="never" nodeType="tmRoot"/>
-      </p:par>
-    </p:tnLst>
-  </p:timing>
 </p:sld>
 </file>
 
@@ -6597,31 +9473,7 @@
           <a:p>
             <a:r>
               <a:rPr lang="en-US" dirty="0"/>
-              <a:t>T</a:t>
-            </a:r>
-            <a:r>
-              <a:rPr lang="en-US" dirty="0" smtClean="0"/>
-              <a:t>ransportation </a:t>
-            </a:r>
-            <a:r>
-              <a:rPr lang="en-US" dirty="0"/>
-              <a:t>N</a:t>
-            </a:r>
-            <a:r>
-              <a:rPr lang="en-US" dirty="0" smtClean="0"/>
-              <a:t>etwork </a:t>
-            </a:r>
-            <a:r>
-              <a:rPr lang="en-US" dirty="0"/>
-              <a:t>C</a:t>
-            </a:r>
-            <a:r>
-              <a:rPr lang="en-US" dirty="0" smtClean="0"/>
-              <a:t>ompany</a:t>
-            </a:r>
-            <a:r>
-              <a:rPr lang="en-US" dirty="0"/>
-              <a:t> (TNC)</a:t>
+              <a:t>Transportation Network Company (TNC)</a:t>
             </a:r>
           </a:p>
         </p:txBody>
@@ -6649,59 +9501,31 @@
           <a:lstStyle/>
           <a:p>
             <a:r>
-              <a:rPr lang="en-US" sz="2000" dirty="0" smtClean="0"/>
-              <a:t>Also known as mobility </a:t>
-            </a:r>
-            <a:r>
               <a:rPr lang="en-US" sz="2000" dirty="0"/>
-              <a:t>service provider (MSP) or ride-hailing </a:t>
-            </a:r>
-            <a:r>
-              <a:rPr lang="en-US" sz="2000" dirty="0" smtClean="0"/>
-              <a:t>service</a:t>
-            </a:r>
-          </a:p>
-          <a:p>
-            <a:r>
-              <a:rPr lang="en-US" sz="2000" dirty="0" smtClean="0"/>
-              <a:t>Defined as </a:t>
-            </a:r>
+              <a:t>Also known as mobility service provider (MSP) or ride-hailing service</a:t>
+            </a:r>
+          </a:p>
+          <a:p>
             <a:r>
               <a:rPr lang="en-US" sz="2000" dirty="0"/>
-              <a:t>a company that uses an online-enabled platform to connect passengers with drivers using their personal, non-commercial </a:t>
-            </a:r>
-            <a:r>
-              <a:rPr lang="en-US" sz="2000" dirty="0" smtClean="0"/>
-              <a:t>vehicles</a:t>
-            </a:r>
-          </a:p>
-          <a:p>
-            <a:r>
-              <a:rPr lang="en-US" dirty="0" smtClean="0"/>
+              <a:t>Defined as a company that uses an online-enabled platform to connect passengers with drivers using their personal, non-commercial vehicles</a:t>
+            </a:r>
+          </a:p>
+          <a:p>
+            <a:r>
+              <a:rPr lang="en-US" dirty="0"/>
               <a:t>Provide service to areas that do not have taxis normally available</a:t>
             </a:r>
           </a:p>
           <a:p>
             <a:r>
               <a:rPr lang="en-US" dirty="0"/>
-              <a:t>C</a:t>
-            </a:r>
-            <a:r>
-              <a:rPr lang="en-US" dirty="0" smtClean="0"/>
-              <a:t>harging </a:t>
-            </a:r>
-            <a:r>
-              <a:rPr lang="en-US" dirty="0"/>
-              <a:t>lower rates than </a:t>
-            </a:r>
-            <a:r>
-              <a:rPr lang="en-US" dirty="0" smtClean="0"/>
-              <a:t>taxicabs</a:t>
+              <a:t>Charging lower rates than taxicabs</a:t>
             </a:r>
             <a:endParaRPr lang="en-US" b="1" dirty="0"/>
           </a:p>
           <a:p>
-            <a:endParaRPr lang="en-US" b="1" dirty="0" smtClean="0"/>
+            <a:endParaRPr lang="en-US" b="1" dirty="0"/>
           </a:p>
           <a:p>
             <a:endParaRPr lang="en-US" b="1" dirty="0"/>
@@ -6783,13 +9607,6 @@
   <p:clrMapOvr>
     <a:masterClrMapping/>
   </p:clrMapOvr>
-  <p:timing>
-    <p:tnLst>
-      <p:par>
-        <p:cTn id="1" dur="indefinite" restart="never" nodeType="tmRoot"/>
-      </p:par>
-    </p:tnLst>
-  </p:timing>
 </p:sld>
 </file>
 
@@ -6826,10 +9643,9 @@
           <a:lstStyle/>
           <a:p>
             <a:r>
-              <a:rPr lang="en-US" dirty="0" smtClean="0"/>
+              <a:rPr lang="en-US" dirty="0"/>
               <a:t>Lyft</a:t>
             </a:r>
-            <a:endParaRPr lang="en-US" dirty="0"/>
           </a:p>
         </p:txBody>
       </p:sp>
@@ -6856,56 +9672,35 @@
           <a:lstStyle/>
           <a:p>
             <a:r>
-              <a:rPr lang="en-US" dirty="0" smtClean="0"/>
-              <a:t>Lyft was launched in 2012 in</a:t>
-            </a:r>
-            <a:r>
               <a:rPr lang="en-US" dirty="0"/>
-              <a:t> San Francisco by Logan Green and John Zimmer as a service of </a:t>
-            </a:r>
-            <a:r>
-              <a:rPr lang="en-US" dirty="0" err="1" smtClean="0"/>
+              <a:t>Lyft was launched in 2012 in San Francisco by Logan Green and John Zimmer as a service of </a:t>
+            </a:r>
+            <a:r>
+              <a:rPr lang="en-US" dirty="0" err="1"/>
               <a:t>Zimride</a:t>
             </a:r>
             <a:r>
-              <a:rPr lang="en-US" dirty="0" smtClean="0"/>
+              <a:rPr lang="en-US" dirty="0"/>
               <a:t>, a ridesharing company the two founded in 2007 </a:t>
             </a:r>
           </a:p>
           <a:p>
             <a:r>
-              <a:rPr lang="en-US" dirty="0" smtClean="0"/>
+              <a:rPr lang="en-US" dirty="0"/>
               <a:t>By 2013, Lyft was providing 30,000 rides a week</a:t>
             </a:r>
           </a:p>
           <a:p>
             <a:r>
-              <a:rPr lang="en-US" dirty="0" smtClean="0"/>
+              <a:rPr lang="en-US" dirty="0"/>
               <a:t>August 2013, it hits a million completed rides.</a:t>
             </a:r>
           </a:p>
           <a:p>
             <a:r>
-              <a:rPr lang="en-US" dirty="0" smtClean="0"/>
-              <a:t>April </a:t>
-            </a:r>
-            <a:r>
               <a:rPr lang="en-US" dirty="0"/>
-              <a:t>2014, </a:t>
-            </a:r>
-            <a:r>
-              <a:rPr lang="en-US" dirty="0" smtClean="0"/>
-              <a:t>Lyft had become available in </a:t>
-            </a:r>
-            <a:r>
-              <a:rPr lang="en-US" dirty="0"/>
-              <a:t>60 U.S. cities</a:t>
-            </a:r>
-            <a:r>
-              <a:rPr lang="en-US" dirty="0" smtClean="0"/>
-              <a:t>.</a:t>
-            </a:r>
-            <a:endParaRPr lang="en-US" dirty="0"/>
+              <a:t>April 2014, Lyft had become available in 60 U.S. cities.</a:t>
+            </a:r>
           </a:p>
         </p:txBody>
       </p:sp>
@@ -6960,13 +9755,6 @@
   <p:clrMapOvr>
     <a:masterClrMapping/>
   </p:clrMapOvr>
-  <p:timing>
-    <p:tnLst>
-      <p:par>
-        <p:cTn id="1" dur="indefinite" restart="never" nodeType="tmRoot"/>
-      </p:par>
-    </p:tnLst>
-  </p:timing>
 </p:sld>
 </file>
 
@@ -7003,10 +9791,9 @@
           <a:lstStyle/>
           <a:p>
             <a:r>
-              <a:rPr lang="en-US" dirty="0" smtClean="0"/>
+              <a:rPr lang="en-US" dirty="0"/>
               <a:t>Uber</a:t>
             </a:r>
-            <a:endParaRPr lang="en-US" dirty="0"/>
           </a:p>
         </p:txBody>
       </p:sp>
@@ -7033,12 +9820,8 @@
           <a:lstStyle/>
           <a:p>
             <a:r>
-              <a:rPr lang="en-US" dirty="0" smtClean="0"/>
-              <a:t>U</a:t>
-            </a:r>
-            <a:r>
               <a:rPr lang="en-US" dirty="0"/>
-              <a:t>ber was founded in 2009 as </a:t>
+              <a:t>Uber was founded in 2009 as </a:t>
             </a:r>
             <a:r>
               <a:rPr lang="en-US" dirty="0" err="1"/>
@@ -7046,37 +9829,13 @@
             </a:r>
             <a:r>
               <a:rPr lang="en-US" dirty="0"/>
-              <a:t> by Garrett </a:t>
-            </a:r>
-            <a:r>
-              <a:rPr lang="en-US" dirty="0" smtClean="0"/>
-              <a:t>Camp</a:t>
-            </a:r>
+              <a:t> by Garrett Camp and Travis Kalanick</a:t>
+            </a:r>
+          </a:p>
+          <a:p>
             <a:r>
               <a:rPr lang="en-US" dirty="0"/>
-              <a:t> </a:t>
-            </a:r>
-            <a:r>
-              <a:rPr lang="en-US" dirty="0" smtClean="0"/>
-              <a:t>and</a:t>
-            </a:r>
-            <a:r>
-              <a:rPr lang="en-US" dirty="0"/>
-              <a:t> Travis </a:t>
-            </a:r>
-            <a:r>
-              <a:rPr lang="en-US" dirty="0" smtClean="0"/>
-              <a:t>Kalanick</a:t>
-            </a:r>
-          </a:p>
-          <a:p>
-            <a:r>
-              <a:rPr lang="en-US" dirty="0" smtClean="0"/>
-              <a:t>Other </a:t>
-            </a:r>
-            <a:r>
-              <a:rPr lang="en-US" dirty="0"/>
-              <a:t>Uber ventures:</a:t>
+              <a:t>Other Uber ventures:</a:t>
             </a:r>
           </a:p>
           <a:p>
@@ -7097,31 +9856,22 @@
             <a:pPr lvl="1"/>
             <a:r>
               <a:rPr lang="en-US" dirty="0"/>
-              <a:t>Uber </a:t>
-            </a:r>
-            <a:r>
-              <a:rPr lang="en-US" dirty="0" smtClean="0"/>
-              <a:t>Eats</a:t>
-            </a:r>
-            <a:endParaRPr lang="en-US" dirty="0"/>
+              <a:t>Uber Eats</a:t>
+            </a:r>
           </a:p>
           <a:p>
             <a:pPr lvl="1"/>
             <a:r>
-              <a:rPr lang="en-US" dirty="0" err="1" smtClean="0"/>
+              <a:rPr lang="en-US" dirty="0" err="1"/>
               <a:t>UberGo</a:t>
             </a:r>
             <a:r>
-              <a:rPr lang="en-US" dirty="0" smtClean="0"/>
-              <a:t>, rides </a:t>
-            </a:r>
-            <a:r>
               <a:rPr lang="en-US" dirty="0"/>
-              <a:t>in a hatchback</a:t>
-            </a:r>
-          </a:p>
-          <a:p>
-            <a:endParaRPr lang="en-US" dirty="0" smtClean="0">
+              <a:t>, rides in a hatchback</a:t>
+            </a:r>
+          </a:p>
+          <a:p>
+            <a:endParaRPr lang="en-US" dirty="0">
               <a:hlinkClick r:id="rId2"/>
             </a:endParaRPr>
           </a:p>
@@ -7178,13 +9928,6 @@
   <p:clrMapOvr>
     <a:masterClrMapping/>
   </p:clrMapOvr>
-  <p:timing>
-    <p:tnLst>
-      <p:par>
-        <p:cTn id="1" dur="indefinite" restart="never" nodeType="tmRoot"/>
-      </p:par>
-    </p:tnLst>
-  </p:timing>
 </p:sld>
 </file>
 
@@ -7221,10 +9964,9 @@
           <a:lstStyle/>
           <a:p>
             <a:r>
-              <a:rPr lang="en-US" dirty="0" smtClean="0"/>
+              <a:rPr lang="en-US" dirty="0"/>
               <a:t>Uber</a:t>
             </a:r>
-            <a:endParaRPr lang="en-US" dirty="0"/>
           </a:p>
         </p:txBody>
       </p:sp>
@@ -7263,22 +10005,14 @@
           </a:p>
           <a:p>
             <a:r>
-              <a:rPr lang="en-US" dirty="0" smtClean="0"/>
-              <a:t>By </a:t>
-            </a:r>
-            <a:r>
               <a:rPr lang="en-US" dirty="0"/>
-              <a:t>early 2013, the service was operating in 35 cities as well as allowed drivers to use their personal vehicles</a:t>
-            </a:r>
-          </a:p>
-          <a:p>
-            <a:r>
-              <a:rPr lang="en-US" dirty="0" smtClean="0"/>
-              <a:t>From </a:t>
-            </a:r>
+              <a:t>By early 2013, the service was operating in 35 cities as well as allowed drivers to use their personal vehicles</a:t>
+            </a:r>
+          </a:p>
+          <a:p>
             <a:r>
               <a:rPr lang="en-US" dirty="0"/>
-              <a:t>a base of near zero in mid-2012, more than 160,000 drivers actively partnered with Uber at the end of 2014 in the United States</a:t>
+              <a:t>From a base of near zero in mid-2012, more than 160,000 drivers actively partnered with Uber at the end of 2014 in the United States</a:t>
             </a:r>
           </a:p>
         </p:txBody>
@@ -7351,13 +10085,6 @@
   <p:clrMapOvr>
     <a:masterClrMapping/>
   </p:clrMapOvr>
-  <p:timing>
-    <p:tnLst>
-      <p:par>
-        <p:cTn id="1" dur="indefinite" restart="never" nodeType="tmRoot"/>
-      </p:par>
-    </p:tnLst>
-  </p:timing>
 </p:sld>
 </file>
 
@@ -7394,10 +10121,9 @@
           <a:lstStyle/>
           <a:p>
             <a:r>
-              <a:rPr lang="en-US" dirty="0" smtClean="0"/>
+              <a:rPr lang="en-US" dirty="0"/>
               <a:t>DUI</a:t>
             </a:r>
-            <a:endParaRPr lang="en-US" dirty="0"/>
           </a:p>
         </p:txBody>
       </p:sp>
@@ -7425,76 +10151,31 @@
           <a:p>
             <a:r>
               <a:rPr lang="en-US" dirty="0"/>
-              <a:t>Driving under the influence (DUI) occurs when a person operates a motor vehicle while </a:t>
-            </a:r>
-            <a:r>
-              <a:rPr lang="en-US" dirty="0" smtClean="0"/>
-              <a:t>intoxicated</a:t>
-            </a:r>
-          </a:p>
-          <a:p>
-            <a:r>
-              <a:rPr lang="en-US" dirty="0" smtClean="0"/>
-              <a:t>Minors  - blood </a:t>
-            </a:r>
+              <a:t>Driving under the influence (DUI) occurs when a person operates a motor vehicle while intoxicated</a:t>
+            </a:r>
+          </a:p>
+          <a:p>
             <a:r>
               <a:rPr lang="en-US" dirty="0"/>
-              <a:t>alcohol levels of 0.01 or </a:t>
-            </a:r>
-            <a:r>
-              <a:rPr lang="en-US" dirty="0" smtClean="0"/>
-              <a:t>higher</a:t>
-            </a:r>
-          </a:p>
-          <a:p>
-            <a:r>
-              <a:rPr lang="en-US" dirty="0" smtClean="0"/>
-              <a:t>CDL</a:t>
-            </a:r>
+              <a:t>Minors  - blood alcohol levels of 0.01 or higher</a:t>
+            </a:r>
+          </a:p>
+          <a:p>
             <a:r>
               <a:rPr lang="en-US" dirty="0"/>
-              <a:t> license holders </a:t>
-            </a:r>
-            <a:r>
-              <a:rPr lang="en-US" dirty="0" smtClean="0"/>
-              <a:t>- blood </a:t>
-            </a:r>
+              <a:t>CDL license holders - blood alcohol levels of 0.04 or higher.</a:t>
+            </a:r>
+          </a:p>
+          <a:p>
             <a:r>
               <a:rPr lang="en-US" dirty="0"/>
-              <a:t>alcohol levels of 0.04 or higher.</a:t>
-            </a:r>
-            <a:endParaRPr lang="en-US" dirty="0" smtClean="0"/>
-          </a:p>
-          <a:p>
-            <a:r>
-              <a:rPr lang="en-US" dirty="0" smtClean="0"/>
-              <a:t>The highest </a:t>
-            </a:r>
+              <a:t>Men are most likely to be involved in this type of crash, with 4 male drunk drivers for every female drunk driver.</a:t>
+            </a:r>
+          </a:p>
+          <a:p>
             <a:r>
               <a:rPr lang="en-US" dirty="0"/>
-              <a:t>percentage of drunk drivers </a:t>
-            </a:r>
-            <a:r>
-              <a:rPr lang="en-US" dirty="0" smtClean="0"/>
-              <a:t>were </a:t>
-            </a:r>
-            <a:r>
-              <a:rPr lang="en-US" dirty="0"/>
-              <a:t>21- to 24-year-olds, at 27 percent, followed by 25- to 34-year-olds, at 26 </a:t>
-            </a:r>
-            <a:r>
-              <a:rPr lang="en-US" dirty="0" smtClean="0"/>
-              <a:t>percent.</a:t>
-            </a:r>
-          </a:p>
-          <a:p>
-            <a:r>
-              <a:rPr lang="en-US" dirty="0" smtClean="0"/>
-              <a:t>Men </a:t>
-            </a:r>
-            <a:r>
-              <a:rPr lang="en-US" dirty="0"/>
-              <a:t>are most likely to be involved in this type of crash, with 4 male drunk drivers for every female drunk driver.</a:t>
+              <a:t>The highest percentage of drunk drivers were 21- to 24-year-olds, at 27 percent, followed by 25- to 34-year-olds, at 26 percent.</a:t>
             </a:r>
           </a:p>
         </p:txBody>
@@ -7550,13 +10231,6 @@
   <p:clrMapOvr>
     <a:masterClrMapping/>
   </p:clrMapOvr>
-  <p:timing>
-    <p:tnLst>
-      <p:par>
-        <p:cTn id="1" dur="indefinite" restart="never" nodeType="tmRoot"/>
-      </p:par>
-    </p:tnLst>
-  </p:timing>
 </p:sld>
 </file>
 
@@ -7579,7 +10253,13 @@
       </p:grpSpPr>
       <p:sp>
         <p:nvSpPr>
-          <p:cNvPr id="2" name="Title 1"/>
+          <p:cNvPr id="2" name="Title 1">
+            <a:extLst>
+              <a:ext uri="{FF2B5EF4-FFF2-40B4-BE49-F238E27FC236}">
+                <a16:creationId xmlns:a16="http://schemas.microsoft.com/office/drawing/2014/main" id="{B57B02DD-8DDA-4929-AF48-2C1BF4E33E48}"/>
+              </a:ext>
+            </a:extLst>
+          </p:cNvPr>
           <p:cNvSpPr>
             <a:spLocks noGrp="1"/>
           </p:cNvSpPr>
@@ -7592,13 +10272,22 @@
           <a:bodyPr/>
           <a:lstStyle/>
           <a:p>
-            <a:endParaRPr lang="en-US" dirty="0"/>
-          </a:p>
-        </p:txBody>
-      </p:sp>
-      <p:sp>
-        <p:nvSpPr>
-          <p:cNvPr id="3" name="Content Placeholder 2"/>
+            <a:r>
+              <a:rPr lang="en-US" dirty="0"/>
+              <a:t>Questions</a:t>
+            </a:r>
+          </a:p>
+        </p:txBody>
+      </p:sp>
+      <p:sp>
+        <p:nvSpPr>
+          <p:cNvPr id="3" name="Content Placeholder 2">
+            <a:extLst>
+              <a:ext uri="{FF2B5EF4-FFF2-40B4-BE49-F238E27FC236}">
+                <a16:creationId xmlns:a16="http://schemas.microsoft.com/office/drawing/2014/main" id="{03520029-97AC-4693-BFB1-21E0FD76F518}"/>
+              </a:ext>
+            </a:extLst>
+          </p:cNvPr>
           <p:cNvSpPr>
             <a:spLocks noGrp="1"/>
           </p:cNvSpPr>
@@ -7611,27 +10300,37 @@
           <a:bodyPr/>
           <a:lstStyle/>
           <a:p>
-            <a:endParaRPr lang="en-US" dirty="0"/>
+            <a:r>
+              <a:rPr lang="en-US" dirty="0"/>
+              <a:t>Was there an immediate impact on DUI deaths with the introduction of TNCs?</a:t>
+            </a:r>
+          </a:p>
+          <a:p>
+            <a:pPr lvl="1"/>
+            <a:r>
+              <a:rPr lang="en-US" dirty="0"/>
+              <a:t>Which gender has the highest death rates, and which had the highest impact?</a:t>
+            </a:r>
+          </a:p>
+          <a:p>
+            <a:pPr lvl="1"/>
+            <a:r>
+              <a:rPr lang="en-US" dirty="0"/>
+              <a:t>Which age group has the highest death rates, and which had the highest impact?</a:t>
+            </a:r>
           </a:p>
         </p:txBody>
       </p:sp>
     </p:spTree>
     <p:extLst>
       <p:ext uri="{BB962C8B-B14F-4D97-AF65-F5344CB8AC3E}">
-        <p14:creationId xmlns:p14="http://schemas.microsoft.com/office/powerpoint/2010/main" val="3034053648"/>
+        <p14:creationId xmlns:p14="http://schemas.microsoft.com/office/powerpoint/2010/main" val="3427756374"/>
       </p:ext>
     </p:extLst>
   </p:cSld>
   <p:clrMapOvr>
     <a:masterClrMapping/>
   </p:clrMapOvr>
-  <p:timing>
-    <p:tnLst>
-      <p:par>
-        <p:cTn id="1" dur="indefinite" restart="never" nodeType="tmRoot"/>
-      </p:par>
-    </p:tnLst>
-  </p:timing>
 </p:sld>
 </file>
 
@@ -7667,7 +10366,10 @@
           <a:bodyPr/>
           <a:lstStyle/>
           <a:p>
-            <a:endParaRPr lang="en-US"/>
+            <a:r>
+              <a:rPr lang="en-US" dirty="0"/>
+              <a:t>Our Data</a:t>
+            </a:r>
           </a:p>
         </p:txBody>
       </p:sp>
@@ -7681,38 +10383,111 @@
             <p:ph idx="1"/>
           </p:nvPr>
         </p:nvSpPr>
-        <p:spPr/>
+        <p:spPr>
+          <a:xfrm>
+            <a:off x="543504" y="1814931"/>
+            <a:ext cx="10554574" cy="3636511"/>
+          </a:xfrm>
+        </p:spPr>
         <p:txBody>
           <a:bodyPr/>
           <a:lstStyle/>
           <a:p>
-            <a:endParaRPr lang="en-US"/>
-          </a:p>
-        </p:txBody>
-      </p:sp>
+            <a:r>
+              <a:rPr lang="en-US" dirty="0"/>
+              <a:t>Impaired Driving Death Rate </a:t>
+            </a:r>
+          </a:p>
+          <a:p>
+            <a:pPr lvl="1"/>
+            <a:r>
+              <a:rPr lang="en-US" dirty="0"/>
+              <a:t>By Age</a:t>
+            </a:r>
+          </a:p>
+          <a:p>
+            <a:pPr lvl="1"/>
+            <a:r>
+              <a:rPr lang="en-US" dirty="0"/>
+              <a:t>By Gender</a:t>
+            </a:r>
+          </a:p>
+          <a:p>
+            <a:pPr lvl="1"/>
+            <a:r>
+              <a:rPr lang="en-US" dirty="0"/>
+              <a:t>By State</a:t>
+            </a:r>
+          </a:p>
+          <a:p>
+            <a:pPr lvl="1"/>
+            <a:r>
+              <a:rPr lang="en-US" dirty="0"/>
+              <a:t>2012-2014</a:t>
+            </a:r>
+          </a:p>
+          <a:p>
+            <a:pPr marL="457200" lvl="1" indent="0">
+              <a:buNone/>
+            </a:pPr>
+            <a:endParaRPr lang="en-US" dirty="0"/>
+          </a:p>
+        </p:txBody>
+      </p:sp>
+      <p:pic>
+        <p:nvPicPr>
+          <p:cNvPr id="4" name="Picture 3">
+            <a:extLst>
+              <a:ext uri="{FF2B5EF4-FFF2-40B4-BE49-F238E27FC236}">
+                <a16:creationId xmlns:a16="http://schemas.microsoft.com/office/drawing/2014/main" id="{FB6DDF00-89AB-4CAA-94B3-77595E6E2FCB}"/>
+              </a:ext>
+            </a:extLst>
+          </p:cNvPr>
+          <p:cNvPicPr>
+            <a:picLocks noChangeAspect="1"/>
+          </p:cNvPicPr>
+          <p:nvPr/>
+        </p:nvPicPr>
+        <p:blipFill>
+          <a:blip r:embed="rId2"/>
+          <a:stretch>
+            <a:fillRect/>
+          </a:stretch>
+        </p:blipFill>
+        <p:spPr>
+          <a:xfrm>
+            <a:off x="3930402" y="3428999"/>
+            <a:ext cx="7564608" cy="1815293"/>
+          </a:xfrm>
+          <a:prstGeom prst="rect">
+            <a:avLst/>
+          </a:prstGeom>
+        </p:spPr>
+      </p:pic>
     </p:spTree>
     <p:extLst>
       <p:ext uri="{BB962C8B-B14F-4D97-AF65-F5344CB8AC3E}">
-        <p14:creationId xmlns:p14="http://schemas.microsoft.com/office/powerpoint/2010/main" val="1793143983"/>
+        <p14:creationId xmlns:p14="http://schemas.microsoft.com/office/powerpoint/2010/main" val="3034053648"/>
       </p:ext>
     </p:extLst>
   </p:cSld>
   <p:clrMapOvr>
     <a:masterClrMapping/>
   </p:clrMapOvr>
-  <p:timing>
-    <p:tnLst>
-      <p:par>
-        <p:cTn id="1" dur="indefinite" restart="never" nodeType="tmRoot"/>
-      </p:par>
-    </p:tnLst>
-  </p:timing>
 </p:sld>
 </file>
 
 <file path=ppt/slides/slide9.xml><?xml version="1.0" encoding="utf-8"?>
 <p:sld xmlns:a="http://schemas.openxmlformats.org/drawingml/2006/main" xmlns:r="http://schemas.openxmlformats.org/officeDocument/2006/relationships" xmlns:p="http://schemas.openxmlformats.org/presentationml/2006/main">
   <p:cSld>
+    <p:bg>
+      <p:bgPr>
+        <a:solidFill>
+          <a:schemeClr val="bg2"/>
+        </a:solidFill>
+        <a:effectLst/>
+      </p:bgPr>
+    </p:bg>
     <p:spTree>
       <p:nvGrpSpPr>
         <p:cNvPr id="1" name=""/>
@@ -7727,6 +10502,236 @@
           <a:chExt cx="0" cy="0"/>
         </a:xfrm>
       </p:grpSpPr>
+      <p:pic>
+        <p:nvPicPr>
+          <p:cNvPr id="4" name="Picture 3">
+            <a:extLst>
+              <a:ext uri="{FF2B5EF4-FFF2-40B4-BE49-F238E27FC236}">
+                <a16:creationId xmlns:a16="http://schemas.microsoft.com/office/drawing/2014/main" id="{189EB6E8-5713-46B3-9518-2323FFBFEDFB}"/>
+              </a:ext>
+            </a:extLst>
+          </p:cNvPr>
+          <p:cNvPicPr>
+            <a:picLocks noChangeAspect="1"/>
+          </p:cNvPicPr>
+          <p:nvPr/>
+        </p:nvPicPr>
+        <p:blipFill rotWithShape="1">
+          <a:blip r:embed="rId2">
+            <a:extLst/>
+          </a:blip>
+          <a:srcRect t="15262" r="9091" b="15401"/>
+          <a:stretch/>
+        </p:blipFill>
+        <p:spPr>
+          <a:xfrm>
+            <a:off x="20" y="-10150"/>
+            <a:ext cx="12191980" cy="6857990"/>
+          </a:xfrm>
+          <a:prstGeom prst="rect">
+            <a:avLst/>
+          </a:prstGeom>
+        </p:spPr>
+      </p:pic>
+      <p:sp>
+        <p:nvSpPr>
+          <p:cNvPr id="14" name="Freeform 9">
+            <a:extLst>
+              <a:ext uri="{FF2B5EF4-FFF2-40B4-BE49-F238E27FC236}">
+                <a16:creationId xmlns:a16="http://schemas.microsoft.com/office/drawing/2014/main" id="{72319FFA-0E4F-4E0B-BEBA-A9DD4B41AAE9}"/>
+              </a:ext>
+              <a:ext uri="{C183D7F6-B498-43B3-948B-1728B52AA6E4}">
+                <adec:decorative xmlns:adec="http://schemas.microsoft.com/office/drawing/2017/decorative" val="1"/>
+              </a:ext>
+            </a:extLst>
+          </p:cNvPr>
+          <p:cNvSpPr>
+            <a:spLocks noGrp="1" noRot="1" noChangeAspect="1" noMove="1" noResize="1" noEditPoints="1" noAdjustHandles="1" noChangeArrowheads="1" noChangeShapeType="1" noTextEdit="1"/>
+          </p:cNvSpPr>
+          <p:nvPr>
+            <p:extLst>
+              <p:ext uri="{386F3935-93C4-4BCD-93E2-E3B085C9AB24}">
+                <p16:designElem xmlns:p16="http://schemas.microsoft.com/office/powerpoint/2015/main" val="1"/>
+              </p:ext>
+            </p:extLst>
+          </p:nvPr>
+        </p:nvSpPr>
+        <p:spPr bwMode="white">
+          <a:xfrm>
+            <a:off x="0" y="0"/>
+            <a:ext cx="6485467" cy="6858000"/>
+          </a:xfrm>
+          <a:custGeom>
+            <a:avLst/>
+            <a:gdLst>
+              <a:gd name="connsiteX0" fmla="*/ 0 w 6485467"/>
+              <a:gd name="connsiteY0" fmla="*/ 0 h 6858000"/>
+              <a:gd name="connsiteX1" fmla="*/ 6485467 w 6485467"/>
+              <a:gd name="connsiteY1" fmla="*/ 0 h 6858000"/>
+              <a:gd name="connsiteX2" fmla="*/ 6485467 w 6485467"/>
+              <a:gd name="connsiteY2" fmla="*/ 1900238 h 6858000"/>
+              <a:gd name="connsiteX3" fmla="*/ 6115051 w 6485467"/>
+              <a:gd name="connsiteY3" fmla="*/ 2178050 h 6858000"/>
+              <a:gd name="connsiteX4" fmla="*/ 6110817 w 6485467"/>
+              <a:gd name="connsiteY4" fmla="*/ 2184400 h 6858000"/>
+              <a:gd name="connsiteX5" fmla="*/ 6104467 w 6485467"/>
+              <a:gd name="connsiteY5" fmla="*/ 2193925 h 6858000"/>
+              <a:gd name="connsiteX6" fmla="*/ 6098117 w 6485467"/>
+              <a:gd name="connsiteY6" fmla="*/ 2201863 h 6858000"/>
+              <a:gd name="connsiteX7" fmla="*/ 6098117 w 6485467"/>
+              <a:gd name="connsiteY7" fmla="*/ 2211388 h 6858000"/>
+              <a:gd name="connsiteX8" fmla="*/ 6098117 w 6485467"/>
+              <a:gd name="connsiteY8" fmla="*/ 2220913 h 6858000"/>
+              <a:gd name="connsiteX9" fmla="*/ 6104467 w 6485467"/>
+              <a:gd name="connsiteY9" fmla="*/ 2228850 h 6858000"/>
+              <a:gd name="connsiteX10" fmla="*/ 6110817 w 6485467"/>
+              <a:gd name="connsiteY10" fmla="*/ 2238375 h 6858000"/>
+              <a:gd name="connsiteX11" fmla="*/ 6115051 w 6485467"/>
+              <a:gd name="connsiteY11" fmla="*/ 2244725 h 6858000"/>
+              <a:gd name="connsiteX12" fmla="*/ 6485467 w 6485467"/>
+              <a:gd name="connsiteY12" fmla="*/ 2522538 h 6858000"/>
+              <a:gd name="connsiteX13" fmla="*/ 6485467 w 6485467"/>
+              <a:gd name="connsiteY13" fmla="*/ 6858000 h 6858000"/>
+              <a:gd name="connsiteX14" fmla="*/ 0 w 6485467"/>
+              <a:gd name="connsiteY14" fmla="*/ 6858000 h 6858000"/>
+            </a:gdLst>
+            <a:ahLst/>
+            <a:cxnLst>
+              <a:cxn ang="0">
+                <a:pos x="connsiteX0" y="connsiteY0"/>
+              </a:cxn>
+              <a:cxn ang="0">
+                <a:pos x="connsiteX1" y="connsiteY1"/>
+              </a:cxn>
+              <a:cxn ang="0">
+                <a:pos x="connsiteX2" y="connsiteY2"/>
+              </a:cxn>
+              <a:cxn ang="0">
+                <a:pos x="connsiteX3" y="connsiteY3"/>
+              </a:cxn>
+              <a:cxn ang="0">
+                <a:pos x="connsiteX4" y="connsiteY4"/>
+              </a:cxn>
+              <a:cxn ang="0">
+                <a:pos x="connsiteX5" y="connsiteY5"/>
+              </a:cxn>
+              <a:cxn ang="0">
+                <a:pos x="connsiteX6" y="connsiteY6"/>
+              </a:cxn>
+              <a:cxn ang="0">
+                <a:pos x="connsiteX7" y="connsiteY7"/>
+              </a:cxn>
+              <a:cxn ang="0">
+                <a:pos x="connsiteX8" y="connsiteY8"/>
+              </a:cxn>
+              <a:cxn ang="0">
+                <a:pos x="connsiteX9" y="connsiteY9"/>
+              </a:cxn>
+              <a:cxn ang="0">
+                <a:pos x="connsiteX10" y="connsiteY10"/>
+              </a:cxn>
+              <a:cxn ang="0">
+                <a:pos x="connsiteX11" y="connsiteY11"/>
+              </a:cxn>
+              <a:cxn ang="0">
+                <a:pos x="connsiteX12" y="connsiteY12"/>
+              </a:cxn>
+              <a:cxn ang="0">
+                <a:pos x="connsiteX13" y="connsiteY13"/>
+              </a:cxn>
+              <a:cxn ang="0">
+                <a:pos x="connsiteX14" y="connsiteY14"/>
+              </a:cxn>
+            </a:cxnLst>
+            <a:rect l="l" t="t" r="r" b="b"/>
+            <a:pathLst>
+              <a:path w="6485467" h="6858000">
+                <a:moveTo>
+                  <a:pt x="0" y="0"/>
+                </a:moveTo>
+                <a:lnTo>
+                  <a:pt x="6485467" y="0"/>
+                </a:lnTo>
+                <a:lnTo>
+                  <a:pt x="6485467" y="1900238"/>
+                </a:lnTo>
+                <a:lnTo>
+                  <a:pt x="6115051" y="2178050"/>
+                </a:lnTo>
+                <a:lnTo>
+                  <a:pt x="6110817" y="2184400"/>
+                </a:lnTo>
+                <a:lnTo>
+                  <a:pt x="6104467" y="2193925"/>
+                </a:lnTo>
+                <a:lnTo>
+                  <a:pt x="6098117" y="2201863"/>
+                </a:lnTo>
+                <a:lnTo>
+                  <a:pt x="6098117" y="2211388"/>
+                </a:lnTo>
+                <a:lnTo>
+                  <a:pt x="6098117" y="2220913"/>
+                </a:lnTo>
+                <a:lnTo>
+                  <a:pt x="6104467" y="2228850"/>
+                </a:lnTo>
+                <a:lnTo>
+                  <a:pt x="6110817" y="2238375"/>
+                </a:lnTo>
+                <a:lnTo>
+                  <a:pt x="6115051" y="2244725"/>
+                </a:lnTo>
+                <a:lnTo>
+                  <a:pt x="6485467" y="2522538"/>
+                </a:lnTo>
+                <a:lnTo>
+                  <a:pt x="6485467" y="6858000"/>
+                </a:lnTo>
+                <a:lnTo>
+                  <a:pt x="0" y="6858000"/>
+                </a:lnTo>
+                <a:close/>
+              </a:path>
+            </a:pathLst>
+          </a:custGeom>
+          <a:solidFill>
+            <a:schemeClr val="bg1">
+              <a:lumMod val="85000"/>
+              <a:lumOff val="15000"/>
+              <a:alpha val="90000"/>
+            </a:schemeClr>
+          </a:solidFill>
+          <a:ln>
+            <a:noFill/>
+          </a:ln>
+          <a:effectLst/>
+        </p:spPr>
+        <p:style>
+          <a:lnRef idx="2">
+            <a:schemeClr val="accent1">
+              <a:shade val="50000"/>
+            </a:schemeClr>
+          </a:lnRef>
+          <a:fillRef idx="1">
+            <a:schemeClr val="accent1"/>
+          </a:fillRef>
+          <a:effectRef idx="0">
+            <a:schemeClr val="accent1"/>
+          </a:effectRef>
+          <a:fontRef idx="minor">
+            <a:schemeClr val="lt1"/>
+          </a:fontRef>
+        </p:style>
+        <p:txBody>
+          <a:bodyPr rtlCol="0" anchor="ctr"/>
+          <a:lstStyle/>
+          <a:p>
+            <a:pPr algn="ctr"/>
+            <a:endParaRPr lang="en-US"/>
+          </a:p>
+        </p:txBody>
+      </p:sp>
       <p:sp>
         <p:nvSpPr>
           <p:cNvPr id="2" name="Title 1"/>
@@ -7737,18 +10742,28 @@
             <p:ph type="title"/>
           </p:nvPr>
         </p:nvSpPr>
-        <p:spPr/>
-        <p:txBody>
-          <a:bodyPr/>
+        <p:spPr>
+          <a:xfrm>
+            <a:off x="810000" y="447188"/>
+            <a:ext cx="4930400" cy="1559412"/>
+          </a:xfrm>
+        </p:spPr>
+        <p:txBody>
+          <a:bodyPr>
+            <a:normAutofit/>
+          </a:bodyPr>
           <a:lstStyle/>
           <a:p>
-            <a:endParaRPr lang="en-US"/>
-          </a:p>
-        </p:txBody>
-      </p:sp>
-      <p:sp>
-        <p:nvSpPr>
-          <p:cNvPr id="11" name="Content Placeholder 10"/>
+            <a:r>
+              <a:rPr lang="en-US" dirty="0"/>
+              <a:t>Our Data Process</a:t>
+            </a:r>
+          </a:p>
+        </p:txBody>
+      </p:sp>
+      <p:sp>
+        <p:nvSpPr>
+          <p:cNvPr id="3" name="Content Placeholder 2"/>
           <p:cNvSpPr>
             <a:spLocks noGrp="1"/>
           </p:cNvSpPr>
@@ -7756,32 +10771,76 @@
             <p:ph idx="1"/>
           </p:nvPr>
         </p:nvSpPr>
-        <p:spPr/>
-        <p:txBody>
-          <a:bodyPr/>
+        <p:spPr>
+          <a:xfrm>
+            <a:off x="818712" y="2413000"/>
+            <a:ext cx="4921687" cy="3632200"/>
+          </a:xfrm>
+        </p:spPr>
+        <p:txBody>
+          <a:bodyPr>
+            <a:normAutofit/>
+          </a:bodyPr>
           <a:lstStyle/>
           <a:p>
-            <a:endParaRPr lang="en-US"/>
+            <a:r>
+              <a:rPr lang="en-US" dirty="0"/>
+              <a:t>Export CSVs into </a:t>
+            </a:r>
+            <a:r>
+              <a:rPr lang="en-US" dirty="0" err="1"/>
+              <a:t>Jupyter</a:t>
+            </a:r>
+            <a:r>
+              <a:rPr lang="en-US" dirty="0"/>
+              <a:t> Notebook</a:t>
+            </a:r>
+          </a:p>
+          <a:p>
+            <a:r>
+              <a:rPr lang="en-US" dirty="0"/>
+              <a:t>Begin determining the data we wanted to analyze</a:t>
+            </a:r>
+          </a:p>
+          <a:p>
+            <a:r>
+              <a:rPr lang="en-US" dirty="0"/>
+              <a:t>Cleaned the data</a:t>
+            </a:r>
+          </a:p>
+          <a:p>
+            <a:r>
+              <a:rPr lang="en-US" dirty="0"/>
+              <a:t>Created tables with the relevant data</a:t>
+            </a:r>
+          </a:p>
+          <a:p>
+            <a:r>
+              <a:rPr lang="en-US" dirty="0"/>
+              <a:t>Plotted charts with the data</a:t>
+            </a:r>
+          </a:p>
+          <a:p>
+            <a:r>
+              <a:rPr lang="en-US" dirty="0"/>
+              <a:t>Analyzed the results</a:t>
+            </a:r>
+          </a:p>
+          <a:p>
+            <a:endParaRPr lang="en-US" dirty="0"/>
           </a:p>
         </p:txBody>
       </p:sp>
     </p:spTree>
     <p:extLst>
       <p:ext uri="{BB962C8B-B14F-4D97-AF65-F5344CB8AC3E}">
-        <p14:creationId xmlns:p14="http://schemas.microsoft.com/office/powerpoint/2010/main" val="1899848338"/>
+        <p14:creationId xmlns:p14="http://schemas.microsoft.com/office/powerpoint/2010/main" val="1793143983"/>
       </p:ext>
     </p:extLst>
   </p:cSld>
   <p:clrMapOvr>
     <a:masterClrMapping/>
   </p:clrMapOvr>
-  <p:timing>
-    <p:tnLst>
-      <p:par>
-        <p:cTn id="1" dur="indefinite" restart="never" nodeType="tmRoot"/>
-      </p:par>
-    </p:tnLst>
-  </p:timing>
 </p:sld>
 </file>
 

--- a/Project 1/Project-1.pptx
+++ b/Project 1/Project-1.pptx
@@ -8,21 +8,22 @@
     <p:sldId id="256" r:id="rId2"/>
     <p:sldId id="261" r:id="rId3"/>
     <p:sldId id="262" r:id="rId4"/>
-    <p:sldId id="259" r:id="rId5"/>
-    <p:sldId id="264" r:id="rId6"/>
-    <p:sldId id="265" r:id="rId7"/>
-    <p:sldId id="276" r:id="rId8"/>
-    <p:sldId id="258" r:id="rId9"/>
-    <p:sldId id="266" r:id="rId10"/>
-    <p:sldId id="271" r:id="rId11"/>
-    <p:sldId id="269" r:id="rId12"/>
-    <p:sldId id="270" r:id="rId13"/>
-    <p:sldId id="273" r:id="rId14"/>
-    <p:sldId id="268" r:id="rId15"/>
-    <p:sldId id="272" r:id="rId16"/>
-    <p:sldId id="274" r:id="rId17"/>
-    <p:sldId id="275" r:id="rId18"/>
-    <p:sldId id="263" r:id="rId19"/>
+    <p:sldId id="277" r:id="rId5"/>
+    <p:sldId id="259" r:id="rId6"/>
+    <p:sldId id="264" r:id="rId7"/>
+    <p:sldId id="265" r:id="rId8"/>
+    <p:sldId id="276" r:id="rId9"/>
+    <p:sldId id="258" r:id="rId10"/>
+    <p:sldId id="266" r:id="rId11"/>
+    <p:sldId id="271" r:id="rId12"/>
+    <p:sldId id="269" r:id="rId13"/>
+    <p:sldId id="270" r:id="rId14"/>
+    <p:sldId id="273" r:id="rId15"/>
+    <p:sldId id="268" r:id="rId16"/>
+    <p:sldId id="272" r:id="rId17"/>
+    <p:sldId id="274" r:id="rId18"/>
+    <p:sldId id="275" r:id="rId19"/>
+    <p:sldId id="263" r:id="rId20"/>
   </p:sldIdLst>
   <p:sldSz cx="12192000" cy="6858000"/>
   <p:notesSz cx="6858000" cy="9144000"/>
@@ -224,7 +225,7 @@
           <a:effectLst/>
           <a:extLst>
             <a:ext uri="{91240B29-F687-4f45-9708-019B960494DF}">
-              <a14:hiddenLine xmlns:a14="http://schemas.microsoft.com/office/drawing/2010/main" xmlns="" w="9525">
+              <a14:hiddenLine xmlns="" xmlns:a14="http://schemas.microsoft.com/office/drawing/2010/main" w="9525">
                 <a:solidFill>
                   <a:srgbClr val="000000"/>
                 </a:solidFill>
@@ -416,7 +417,7 @@
           <a:p>
             <a:fld id="{F1FD765F-AC2D-42AA-A0E5-12A28983CCAB}" type="datetimeFigureOut">
               <a:rPr lang="en-US" smtClean="0"/>
-              <a:t>4/6/2019</a:t>
+              <a:t>4/7/2019</a:t>
             </a:fld>
             <a:endParaRPr lang="en-US"/>
           </a:p>
@@ -739,7 +740,7 @@
           <a:p>
             <a:fld id="{F1FD765F-AC2D-42AA-A0E5-12A28983CCAB}" type="datetimeFigureOut">
               <a:rPr lang="en-US" smtClean="0"/>
-              <a:t>4/6/2019</a:t>
+              <a:t>4/7/2019</a:t>
             </a:fld>
             <a:endParaRPr lang="en-US"/>
           </a:p>
@@ -1227,7 +1228,7 @@
           <a:p>
             <a:fld id="{F1FD765F-AC2D-42AA-A0E5-12A28983CCAB}" type="datetimeFigureOut">
               <a:rPr lang="en-US" smtClean="0"/>
-              <a:t>4/6/2019</a:t>
+              <a:t>4/7/2019</a:t>
             </a:fld>
             <a:endParaRPr lang="en-US"/>
           </a:p>
@@ -1596,7 +1597,7 @@
           <a:p>
             <a:fld id="{F1FD765F-AC2D-42AA-A0E5-12A28983CCAB}" type="datetimeFigureOut">
               <a:rPr lang="en-US" smtClean="0"/>
-              <a:t>4/6/2019</a:t>
+              <a:t>4/7/2019</a:t>
             </a:fld>
             <a:endParaRPr lang="en-US"/>
           </a:p>
@@ -1751,7 +1752,7 @@
           <a:ln/>
           <a:extLst>
             <a:ext uri="{91240B29-F687-4f45-9708-019B960494DF}">
-              <a14:hiddenLine xmlns:a14="http://schemas.microsoft.com/office/drawing/2010/main" xmlns="" w="9525">
+              <a14:hiddenLine xmlns="" xmlns:a14="http://schemas.microsoft.com/office/drawing/2010/main" w="9525">
                 <a:solidFill>
                   <a:srgbClr val="000000"/>
                 </a:solidFill>
@@ -1869,7 +1870,7 @@
           <a:p>
             <a:fld id="{F1FD765F-AC2D-42AA-A0E5-12A28983CCAB}" type="datetimeFigureOut">
               <a:rPr lang="en-US" smtClean="0"/>
-              <a:t>4/6/2019</a:t>
+              <a:t>4/7/2019</a:t>
             </a:fld>
             <a:endParaRPr lang="en-US"/>
           </a:p>
@@ -2026,7 +2027,7 @@
           <a:ln/>
           <a:extLst>
             <a:ext uri="{91240B29-F687-4f45-9708-019B960494DF}">
-              <a14:hiddenLine xmlns:a14="http://schemas.microsoft.com/office/drawing/2010/main" xmlns="" w="9525">
+              <a14:hiddenLine xmlns="" xmlns:a14="http://schemas.microsoft.com/office/drawing/2010/main" w="9525">
                 <a:solidFill>
                   <a:srgbClr val="000000"/>
                 </a:solidFill>
@@ -2154,7 +2155,7 @@
           <a:p>
             <a:fld id="{F1FD765F-AC2D-42AA-A0E5-12A28983CCAB}" type="datetimeFigureOut">
               <a:rPr lang="en-US" smtClean="0"/>
-              <a:t>4/6/2019</a:t>
+              <a:t>4/7/2019</a:t>
             </a:fld>
             <a:endParaRPr lang="en-US"/>
           </a:p>
@@ -2314,7 +2315,7 @@
           <a:ln/>
           <a:extLst>
             <a:ext uri="{91240B29-F687-4f45-9708-019B960494DF}">
-              <a14:hiddenLine xmlns:a14="http://schemas.microsoft.com/office/drawing/2010/main" xmlns="" w="9525">
+              <a14:hiddenLine xmlns="" xmlns:a14="http://schemas.microsoft.com/office/drawing/2010/main" w="9525">
                 <a:solidFill>
                   <a:srgbClr val="000000"/>
                 </a:solidFill>
@@ -2442,7 +2443,7 @@
           <a:p>
             <a:fld id="{F1FD765F-AC2D-42AA-A0E5-12A28983CCAB}" type="datetimeFigureOut">
               <a:rPr lang="en-US" smtClean="0"/>
-              <a:t>4/6/2019</a:t>
+              <a:t>4/7/2019</a:t>
             </a:fld>
             <a:endParaRPr lang="en-US"/>
           </a:p>
@@ -2785,7 +2786,7 @@
           <a:p>
             <a:fld id="{F1FD765F-AC2D-42AA-A0E5-12A28983CCAB}" type="datetimeFigureOut">
               <a:rPr lang="en-US" smtClean="0"/>
-              <a:t>4/6/2019</a:t>
+              <a:t>4/7/2019</a:t>
             </a:fld>
             <a:endParaRPr lang="en-US"/>
           </a:p>
@@ -2945,7 +2946,7 @@
           <a:ln/>
           <a:extLst>
             <a:ext uri="{91240B29-F687-4f45-9708-019B960494DF}">
-              <a14:hiddenLine xmlns:a14="http://schemas.microsoft.com/office/drawing/2010/main" xmlns="" w="9525">
+              <a14:hiddenLine xmlns="" xmlns:a14="http://schemas.microsoft.com/office/drawing/2010/main" w="9525">
                 <a:solidFill>
                   <a:srgbClr val="000000"/>
                 </a:solidFill>
@@ -3129,7 +3130,7 @@
           <a:p>
             <a:fld id="{F1FD765F-AC2D-42AA-A0E5-12A28983CCAB}" type="datetimeFigureOut">
               <a:rPr lang="en-US" smtClean="0"/>
-              <a:t>4/6/2019</a:t>
+              <a:t>4/7/2019</a:t>
             </a:fld>
             <a:endParaRPr lang="en-US"/>
           </a:p>
@@ -3284,7 +3285,7 @@
           <a:ln/>
           <a:extLst>
             <a:ext uri="{91240B29-F687-4f45-9708-019B960494DF}">
-              <a14:hiddenLine xmlns:a14="http://schemas.microsoft.com/office/drawing/2010/main" xmlns="" w="9525">
+              <a14:hiddenLine xmlns="" xmlns:a14="http://schemas.microsoft.com/office/drawing/2010/main" w="9525">
                 <a:solidFill>
                   <a:srgbClr val="000000"/>
                 </a:solidFill>
@@ -3606,7 +3607,7 @@
           <a:p>
             <a:fld id="{F1FD765F-AC2D-42AA-A0E5-12A28983CCAB}" type="datetimeFigureOut">
               <a:rPr lang="en-US" smtClean="0"/>
-              <a:t>4/6/2019</a:t>
+              <a:t>4/7/2019</a:t>
             </a:fld>
             <a:endParaRPr lang="en-US"/>
           </a:p>
@@ -3761,7 +3762,7 @@
           <a:ln/>
           <a:extLst>
             <a:ext uri="{91240B29-F687-4f45-9708-019B960494DF}">
-              <a14:hiddenLine xmlns:a14="http://schemas.microsoft.com/office/drawing/2010/main" xmlns="" w="9525">
+              <a14:hiddenLine xmlns="" xmlns:a14="http://schemas.microsoft.com/office/drawing/2010/main" w="9525">
                 <a:solidFill>
                   <a:srgbClr val="000000"/>
                 </a:solidFill>
@@ -3827,7 +3828,7 @@
           <a:p>
             <a:fld id="{F1FD765F-AC2D-42AA-A0E5-12A28983CCAB}" type="datetimeFigureOut">
               <a:rPr lang="en-US" smtClean="0"/>
-              <a:t>4/6/2019</a:t>
+              <a:t>4/7/2019</a:t>
             </a:fld>
             <a:endParaRPr lang="en-US"/>
           </a:p>
@@ -3922,7 +3923,7 @@
           <a:p>
             <a:fld id="{F1FD765F-AC2D-42AA-A0E5-12A28983CCAB}" type="datetimeFigureOut">
               <a:rPr lang="en-US" smtClean="0"/>
-              <a:t>4/6/2019</a:t>
+              <a:t>4/7/2019</a:t>
             </a:fld>
             <a:endParaRPr lang="en-US"/>
           </a:p>
@@ -4190,7 +4191,7 @@
           <a:ln/>
           <a:extLst>
             <a:ext uri="{91240B29-F687-4f45-9708-019B960494DF}">
-              <a14:hiddenLine xmlns:a14="http://schemas.microsoft.com/office/drawing/2010/main" xmlns="" w="9525">
+              <a14:hiddenLine xmlns="" xmlns:a14="http://schemas.microsoft.com/office/drawing/2010/main" w="9525">
                 <a:solidFill>
                   <a:srgbClr val="000000"/>
                 </a:solidFill>
@@ -4389,7 +4390,7 @@
           <a:p>
             <a:fld id="{F1FD765F-AC2D-42AA-A0E5-12A28983CCAB}" type="datetimeFigureOut">
               <a:rPr lang="en-US" smtClean="0"/>
-              <a:t>4/6/2019</a:t>
+              <a:t>4/7/2019</a:t>
             </a:fld>
             <a:endParaRPr lang="en-US"/>
           </a:p>
@@ -4702,7 +4703,7 @@
           <a:p>
             <a:fld id="{F1FD765F-AC2D-42AA-A0E5-12A28983CCAB}" type="datetimeFigureOut">
               <a:rPr lang="en-US" smtClean="0"/>
-              <a:t>4/6/2019</a:t>
+              <a:t>4/7/2019</a:t>
             </a:fld>
             <a:endParaRPr lang="en-US"/>
           </a:p>
@@ -4972,7 +4973,7 @@
           <a:p>
             <a:fld id="{F1FD765F-AC2D-42AA-A0E5-12A28983CCAB}" type="datetimeFigureOut">
               <a:rPr lang="en-US" smtClean="0"/>
-              <a:t>4/6/2019</a:t>
+              <a:t>4/7/2019</a:t>
             </a:fld>
             <a:endParaRPr lang="en-US"/>
           </a:p>
@@ -5602,6 +5603,373 @@
     <p:bg>
       <p:bgPr>
         <a:solidFill>
+          <a:schemeClr val="bg2"/>
+        </a:solidFill>
+        <a:effectLst/>
+      </p:bgPr>
+    </p:bg>
+    <p:spTree>
+      <p:nvGrpSpPr>
+        <p:cNvPr id="1" name=""/>
+        <p:cNvGrpSpPr/>
+        <p:nvPr/>
+      </p:nvGrpSpPr>
+      <p:grpSpPr>
+        <a:xfrm>
+          <a:off x="0" y="0"/>
+          <a:ext cx="0" cy="0"/>
+          <a:chOff x="0" y="0"/>
+          <a:chExt cx="0" cy="0"/>
+        </a:xfrm>
+      </p:grpSpPr>
+      <p:pic>
+        <p:nvPicPr>
+          <p:cNvPr id="4" name="Picture 3">
+            <a:extLst>
+              <a:ext uri="{FF2B5EF4-FFF2-40B4-BE49-F238E27FC236}">
+                <a16:creationId xmlns:a16="http://schemas.microsoft.com/office/drawing/2014/main" id="{189EB6E8-5713-46B3-9518-2323FFBFEDFB}"/>
+              </a:ext>
+            </a:extLst>
+          </p:cNvPr>
+          <p:cNvPicPr>
+            <a:picLocks noChangeAspect="1"/>
+          </p:cNvPicPr>
+          <p:nvPr/>
+        </p:nvPicPr>
+        <p:blipFill rotWithShape="1">
+          <a:blip r:embed="rId2">
+            <a:extLst/>
+          </a:blip>
+          <a:srcRect t="15262" r="9091" b="15401"/>
+          <a:stretch/>
+        </p:blipFill>
+        <p:spPr>
+          <a:xfrm>
+            <a:off x="20" y="-10150"/>
+            <a:ext cx="12191980" cy="6857990"/>
+          </a:xfrm>
+          <a:prstGeom prst="rect">
+            <a:avLst/>
+          </a:prstGeom>
+        </p:spPr>
+      </p:pic>
+      <p:sp>
+        <p:nvSpPr>
+          <p:cNvPr id="14" name="Freeform 9">
+            <a:extLst>
+              <a:ext uri="{FF2B5EF4-FFF2-40B4-BE49-F238E27FC236}">
+                <a16:creationId xmlns:a16="http://schemas.microsoft.com/office/drawing/2014/main" id="{72319FFA-0E4F-4E0B-BEBA-A9DD4B41AAE9}"/>
+              </a:ext>
+              <a:ext uri="{C183D7F6-B498-43B3-948B-1728B52AA6E4}">
+                <adec:decorative xmlns:adec="http://schemas.microsoft.com/office/drawing/2017/decorative" xmlns="" val="1"/>
+              </a:ext>
+            </a:extLst>
+          </p:cNvPr>
+          <p:cNvSpPr>
+            <a:spLocks noGrp="1" noRot="1" noChangeAspect="1" noMove="1" noResize="1" noEditPoints="1" noAdjustHandles="1" noChangeArrowheads="1" noChangeShapeType="1" noTextEdit="1"/>
+          </p:cNvSpPr>
+          <p:nvPr>
+            <p:extLst>
+              <p:ext uri="{386F3935-93C4-4BCD-93E2-E3B085C9AB24}">
+                <p16:designElem xmlns:p16="http://schemas.microsoft.com/office/powerpoint/2015/main" val="1"/>
+              </p:ext>
+            </p:extLst>
+          </p:nvPr>
+        </p:nvSpPr>
+        <p:spPr bwMode="white">
+          <a:xfrm>
+            <a:off x="0" y="0"/>
+            <a:ext cx="6485467" cy="6858000"/>
+          </a:xfrm>
+          <a:custGeom>
+            <a:avLst/>
+            <a:gdLst>
+              <a:gd name="connsiteX0" fmla="*/ 0 w 6485467"/>
+              <a:gd name="connsiteY0" fmla="*/ 0 h 6858000"/>
+              <a:gd name="connsiteX1" fmla="*/ 6485467 w 6485467"/>
+              <a:gd name="connsiteY1" fmla="*/ 0 h 6858000"/>
+              <a:gd name="connsiteX2" fmla="*/ 6485467 w 6485467"/>
+              <a:gd name="connsiteY2" fmla="*/ 1900238 h 6858000"/>
+              <a:gd name="connsiteX3" fmla="*/ 6115051 w 6485467"/>
+              <a:gd name="connsiteY3" fmla="*/ 2178050 h 6858000"/>
+              <a:gd name="connsiteX4" fmla="*/ 6110817 w 6485467"/>
+              <a:gd name="connsiteY4" fmla="*/ 2184400 h 6858000"/>
+              <a:gd name="connsiteX5" fmla="*/ 6104467 w 6485467"/>
+              <a:gd name="connsiteY5" fmla="*/ 2193925 h 6858000"/>
+              <a:gd name="connsiteX6" fmla="*/ 6098117 w 6485467"/>
+              <a:gd name="connsiteY6" fmla="*/ 2201863 h 6858000"/>
+              <a:gd name="connsiteX7" fmla="*/ 6098117 w 6485467"/>
+              <a:gd name="connsiteY7" fmla="*/ 2211388 h 6858000"/>
+              <a:gd name="connsiteX8" fmla="*/ 6098117 w 6485467"/>
+              <a:gd name="connsiteY8" fmla="*/ 2220913 h 6858000"/>
+              <a:gd name="connsiteX9" fmla="*/ 6104467 w 6485467"/>
+              <a:gd name="connsiteY9" fmla="*/ 2228850 h 6858000"/>
+              <a:gd name="connsiteX10" fmla="*/ 6110817 w 6485467"/>
+              <a:gd name="connsiteY10" fmla="*/ 2238375 h 6858000"/>
+              <a:gd name="connsiteX11" fmla="*/ 6115051 w 6485467"/>
+              <a:gd name="connsiteY11" fmla="*/ 2244725 h 6858000"/>
+              <a:gd name="connsiteX12" fmla="*/ 6485467 w 6485467"/>
+              <a:gd name="connsiteY12" fmla="*/ 2522538 h 6858000"/>
+              <a:gd name="connsiteX13" fmla="*/ 6485467 w 6485467"/>
+              <a:gd name="connsiteY13" fmla="*/ 6858000 h 6858000"/>
+              <a:gd name="connsiteX14" fmla="*/ 0 w 6485467"/>
+              <a:gd name="connsiteY14" fmla="*/ 6858000 h 6858000"/>
+            </a:gdLst>
+            <a:ahLst/>
+            <a:cxnLst>
+              <a:cxn ang="0">
+                <a:pos x="connsiteX0" y="connsiteY0"/>
+              </a:cxn>
+              <a:cxn ang="0">
+                <a:pos x="connsiteX1" y="connsiteY1"/>
+              </a:cxn>
+              <a:cxn ang="0">
+                <a:pos x="connsiteX2" y="connsiteY2"/>
+              </a:cxn>
+              <a:cxn ang="0">
+                <a:pos x="connsiteX3" y="connsiteY3"/>
+              </a:cxn>
+              <a:cxn ang="0">
+                <a:pos x="connsiteX4" y="connsiteY4"/>
+              </a:cxn>
+              <a:cxn ang="0">
+                <a:pos x="connsiteX5" y="connsiteY5"/>
+              </a:cxn>
+              <a:cxn ang="0">
+                <a:pos x="connsiteX6" y="connsiteY6"/>
+              </a:cxn>
+              <a:cxn ang="0">
+                <a:pos x="connsiteX7" y="connsiteY7"/>
+              </a:cxn>
+              <a:cxn ang="0">
+                <a:pos x="connsiteX8" y="connsiteY8"/>
+              </a:cxn>
+              <a:cxn ang="0">
+                <a:pos x="connsiteX9" y="connsiteY9"/>
+              </a:cxn>
+              <a:cxn ang="0">
+                <a:pos x="connsiteX10" y="connsiteY10"/>
+              </a:cxn>
+              <a:cxn ang="0">
+                <a:pos x="connsiteX11" y="connsiteY11"/>
+              </a:cxn>
+              <a:cxn ang="0">
+                <a:pos x="connsiteX12" y="connsiteY12"/>
+              </a:cxn>
+              <a:cxn ang="0">
+                <a:pos x="connsiteX13" y="connsiteY13"/>
+              </a:cxn>
+              <a:cxn ang="0">
+                <a:pos x="connsiteX14" y="connsiteY14"/>
+              </a:cxn>
+            </a:cxnLst>
+            <a:rect l="l" t="t" r="r" b="b"/>
+            <a:pathLst>
+              <a:path w="6485467" h="6858000">
+                <a:moveTo>
+                  <a:pt x="0" y="0"/>
+                </a:moveTo>
+                <a:lnTo>
+                  <a:pt x="6485467" y="0"/>
+                </a:lnTo>
+                <a:lnTo>
+                  <a:pt x="6485467" y="1900238"/>
+                </a:lnTo>
+                <a:lnTo>
+                  <a:pt x="6115051" y="2178050"/>
+                </a:lnTo>
+                <a:lnTo>
+                  <a:pt x="6110817" y="2184400"/>
+                </a:lnTo>
+                <a:lnTo>
+                  <a:pt x="6104467" y="2193925"/>
+                </a:lnTo>
+                <a:lnTo>
+                  <a:pt x="6098117" y="2201863"/>
+                </a:lnTo>
+                <a:lnTo>
+                  <a:pt x="6098117" y="2211388"/>
+                </a:lnTo>
+                <a:lnTo>
+                  <a:pt x="6098117" y="2220913"/>
+                </a:lnTo>
+                <a:lnTo>
+                  <a:pt x="6104467" y="2228850"/>
+                </a:lnTo>
+                <a:lnTo>
+                  <a:pt x="6110817" y="2238375"/>
+                </a:lnTo>
+                <a:lnTo>
+                  <a:pt x="6115051" y="2244725"/>
+                </a:lnTo>
+                <a:lnTo>
+                  <a:pt x="6485467" y="2522538"/>
+                </a:lnTo>
+                <a:lnTo>
+                  <a:pt x="6485467" y="6858000"/>
+                </a:lnTo>
+                <a:lnTo>
+                  <a:pt x="0" y="6858000"/>
+                </a:lnTo>
+                <a:close/>
+              </a:path>
+            </a:pathLst>
+          </a:custGeom>
+          <a:solidFill>
+            <a:schemeClr val="bg1">
+              <a:lumMod val="85000"/>
+              <a:lumOff val="15000"/>
+              <a:alpha val="90000"/>
+            </a:schemeClr>
+          </a:solidFill>
+          <a:ln>
+            <a:noFill/>
+          </a:ln>
+          <a:effectLst/>
+        </p:spPr>
+        <p:style>
+          <a:lnRef idx="2">
+            <a:schemeClr val="accent1">
+              <a:shade val="50000"/>
+            </a:schemeClr>
+          </a:lnRef>
+          <a:fillRef idx="1">
+            <a:schemeClr val="accent1"/>
+          </a:fillRef>
+          <a:effectRef idx="0">
+            <a:schemeClr val="accent1"/>
+          </a:effectRef>
+          <a:fontRef idx="minor">
+            <a:schemeClr val="lt1"/>
+          </a:fontRef>
+        </p:style>
+        <p:txBody>
+          <a:bodyPr rtlCol="0" anchor="ctr"/>
+          <a:lstStyle/>
+          <a:p>
+            <a:pPr algn="ctr"/>
+            <a:endParaRPr lang="en-US"/>
+          </a:p>
+        </p:txBody>
+      </p:sp>
+      <p:sp>
+        <p:nvSpPr>
+          <p:cNvPr id="2" name="Title 1"/>
+          <p:cNvSpPr>
+            <a:spLocks noGrp="1"/>
+          </p:cNvSpPr>
+          <p:nvPr>
+            <p:ph type="title"/>
+          </p:nvPr>
+        </p:nvSpPr>
+        <p:spPr>
+          <a:xfrm>
+            <a:off x="810000" y="447188"/>
+            <a:ext cx="4930400" cy="1559412"/>
+          </a:xfrm>
+        </p:spPr>
+        <p:txBody>
+          <a:bodyPr>
+            <a:normAutofit/>
+          </a:bodyPr>
+          <a:lstStyle/>
+          <a:p>
+            <a:r>
+              <a:rPr lang="en-US" dirty="0"/>
+              <a:t>Our Data Process</a:t>
+            </a:r>
+          </a:p>
+        </p:txBody>
+      </p:sp>
+      <p:sp>
+        <p:nvSpPr>
+          <p:cNvPr id="3" name="Content Placeholder 2"/>
+          <p:cNvSpPr>
+            <a:spLocks noGrp="1"/>
+          </p:cNvSpPr>
+          <p:nvPr>
+            <p:ph idx="1"/>
+          </p:nvPr>
+        </p:nvSpPr>
+        <p:spPr>
+          <a:xfrm>
+            <a:off x="818712" y="2413000"/>
+            <a:ext cx="4921687" cy="3632200"/>
+          </a:xfrm>
+        </p:spPr>
+        <p:txBody>
+          <a:bodyPr>
+            <a:normAutofit/>
+          </a:bodyPr>
+          <a:lstStyle/>
+          <a:p>
+            <a:r>
+              <a:rPr lang="en-US" dirty="0"/>
+              <a:t>Export CSVs into </a:t>
+            </a:r>
+            <a:r>
+              <a:rPr lang="en-US" dirty="0" err="1"/>
+              <a:t>Jupyter</a:t>
+            </a:r>
+            <a:r>
+              <a:rPr lang="en-US" dirty="0"/>
+              <a:t> Notebook</a:t>
+            </a:r>
+          </a:p>
+          <a:p>
+            <a:r>
+              <a:rPr lang="en-US" dirty="0"/>
+              <a:t>Begin determining the data we wanted to analyze</a:t>
+            </a:r>
+          </a:p>
+          <a:p>
+            <a:r>
+              <a:rPr lang="en-US" dirty="0"/>
+              <a:t>Cleaned the data</a:t>
+            </a:r>
+          </a:p>
+          <a:p>
+            <a:r>
+              <a:rPr lang="en-US" dirty="0"/>
+              <a:t>Created tables with the relevant data</a:t>
+            </a:r>
+          </a:p>
+          <a:p>
+            <a:r>
+              <a:rPr lang="en-US" dirty="0"/>
+              <a:t>Plotted charts with the data</a:t>
+            </a:r>
+          </a:p>
+          <a:p>
+            <a:r>
+              <a:rPr lang="en-US" dirty="0"/>
+              <a:t>Analyzed the results</a:t>
+            </a:r>
+          </a:p>
+          <a:p>
+            <a:endParaRPr lang="en-US" dirty="0"/>
+          </a:p>
+        </p:txBody>
+      </p:sp>
+    </p:spTree>
+    <p:extLst>
+      <p:ext uri="{BB962C8B-B14F-4D97-AF65-F5344CB8AC3E}">
+        <p14:creationId xmlns:p14="http://schemas.microsoft.com/office/powerpoint/2010/main" val="1793143983"/>
+      </p:ext>
+    </p:extLst>
+  </p:cSld>
+  <p:clrMapOvr>
+    <a:masterClrMapping/>
+  </p:clrMapOvr>
+</p:sld>
+</file>
+
+<file path=ppt/slides/slide11.xml><?xml version="1.0" encoding="utf-8"?>
+<p:sld xmlns:a="http://schemas.openxmlformats.org/drawingml/2006/main" xmlns:r="http://schemas.openxmlformats.org/officeDocument/2006/relationships" xmlns:p="http://schemas.openxmlformats.org/presentationml/2006/main">
+  <p:cSld>
+    <p:bg>
+      <p:bgPr>
+        <a:solidFill>
           <a:schemeClr val="bg1"/>
         </a:solidFill>
         <a:effectLst/>
@@ -5629,7 +5997,7 @@
                 <a16:creationId xmlns:a16="http://schemas.microsoft.com/office/drawing/2014/main" id="{E2264E67-6F59-4D8D-8E5F-8245B0FEAE76}"/>
               </a:ext>
               <a:ext uri="{C183D7F6-B498-43B3-948B-1728B52AA6E4}">
-                <adec:decorative xmlns:adec="http://schemas.microsoft.com/office/drawing/2017/decorative" val="1"/>
+                <adec:decorative xmlns:adec="http://schemas.microsoft.com/office/drawing/2017/decorative" xmlns="" val="1"/>
               </a:ext>
             </a:extLst>
           </p:cNvPr>
@@ -5692,7 +6060,7 @@
                 <a16:creationId xmlns:a16="http://schemas.microsoft.com/office/drawing/2014/main" id="{158E1C6E-D299-4F5D-B15B-155EBF7F62FD}"/>
               </a:ext>
               <a:ext uri="{C183D7F6-B498-43B3-948B-1728B52AA6E4}">
-                <adec:decorative xmlns:adec="http://schemas.microsoft.com/office/drawing/2017/decorative" val="1"/>
+                <adec:decorative xmlns:adec="http://schemas.microsoft.com/office/drawing/2017/decorative" xmlns="" val="1"/>
               </a:ext>
             </a:extLst>
           </p:cNvPr>
@@ -6038,7 +6406,7 @@
 </p:sld>
 </file>
 
-<file path=ppt/slides/slide11.xml><?xml version="1.0" encoding="utf-8"?>
+<file path=ppt/slides/slide12.xml><?xml version="1.0" encoding="utf-8"?>
 <p:sld xmlns:a="http://schemas.openxmlformats.org/drawingml/2006/main" xmlns:r="http://schemas.openxmlformats.org/officeDocument/2006/relationships" xmlns:p="http://schemas.openxmlformats.org/presentationml/2006/main">
   <p:cSld>
     <p:bg>
@@ -6071,7 +6439,7 @@
                 <a16:creationId xmlns:a16="http://schemas.microsoft.com/office/drawing/2014/main" id="{E2264E67-6F59-4D8D-8E5F-8245B0FEAE76}"/>
               </a:ext>
               <a:ext uri="{C183D7F6-B498-43B3-948B-1728B52AA6E4}">
-                <adec:decorative xmlns:adec="http://schemas.microsoft.com/office/drawing/2017/decorative" val="1"/>
+                <adec:decorative xmlns:adec="http://schemas.microsoft.com/office/drawing/2017/decorative" xmlns="" val="1"/>
               </a:ext>
             </a:extLst>
           </p:cNvPr>
@@ -6134,7 +6502,7 @@
                 <a16:creationId xmlns:a16="http://schemas.microsoft.com/office/drawing/2014/main" id="{158E1C6E-D299-4F5D-B15B-155EBF7F62FD}"/>
               </a:ext>
               <a:ext uri="{C183D7F6-B498-43B3-948B-1728B52AA6E4}">
-                <adec:decorative xmlns:adec="http://schemas.microsoft.com/office/drawing/2017/decorative" val="1"/>
+                <adec:decorative xmlns:adec="http://schemas.microsoft.com/office/drawing/2017/decorative" xmlns="" val="1"/>
               </a:ext>
             </a:extLst>
           </p:cNvPr>
@@ -6480,7 +6848,7 @@
 </p:sld>
 </file>
 
-<file path=ppt/slides/slide12.xml><?xml version="1.0" encoding="utf-8"?>
+<file path=ppt/slides/slide13.xml><?xml version="1.0" encoding="utf-8"?>
 <p:sld xmlns:a="http://schemas.openxmlformats.org/drawingml/2006/main" xmlns:r="http://schemas.openxmlformats.org/officeDocument/2006/relationships" xmlns:p="http://schemas.openxmlformats.org/presentationml/2006/main">
   <p:cSld>
     <p:bg>
@@ -6513,7 +6881,7 @@
                 <a16:creationId xmlns:a16="http://schemas.microsoft.com/office/drawing/2014/main" id="{E2264E67-6F59-4D8D-8E5F-8245B0FEAE76}"/>
               </a:ext>
               <a:ext uri="{C183D7F6-B498-43B3-948B-1728B52AA6E4}">
-                <adec:decorative xmlns:adec="http://schemas.microsoft.com/office/drawing/2017/decorative" val="1"/>
+                <adec:decorative xmlns:adec="http://schemas.microsoft.com/office/drawing/2017/decorative" xmlns="" val="1"/>
               </a:ext>
             </a:extLst>
           </p:cNvPr>
@@ -6576,7 +6944,7 @@
                 <a16:creationId xmlns:a16="http://schemas.microsoft.com/office/drawing/2014/main" id="{158E1C6E-D299-4F5D-B15B-155EBF7F62FD}"/>
               </a:ext>
               <a:ext uri="{C183D7F6-B498-43B3-948B-1728B52AA6E4}">
-                <adec:decorative xmlns:adec="http://schemas.microsoft.com/office/drawing/2017/decorative" val="1"/>
+                <adec:decorative xmlns:adec="http://schemas.microsoft.com/office/drawing/2017/decorative" xmlns="" val="1"/>
               </a:ext>
             </a:extLst>
           </p:cNvPr>
@@ -6940,7 +7308,7 @@
 </p:sld>
 </file>
 
-<file path=ppt/slides/slide13.xml><?xml version="1.0" encoding="utf-8"?>
+<file path=ppt/slides/slide14.xml><?xml version="1.0" encoding="utf-8"?>
 <p:sld xmlns:a="http://schemas.openxmlformats.org/drawingml/2006/main" xmlns:r="http://schemas.openxmlformats.org/officeDocument/2006/relationships" xmlns:p="http://schemas.openxmlformats.org/presentationml/2006/main">
   <p:cSld>
     <p:bg>
@@ -6973,7 +7341,7 @@
                 <a16:creationId xmlns:a16="http://schemas.microsoft.com/office/drawing/2014/main" id="{E2264E67-6F59-4D8D-8E5F-8245B0FEAE76}"/>
               </a:ext>
               <a:ext uri="{C183D7F6-B498-43B3-948B-1728B52AA6E4}">
-                <adec:decorative xmlns:adec="http://schemas.microsoft.com/office/drawing/2017/decorative" val="1"/>
+                <adec:decorative xmlns:adec="http://schemas.microsoft.com/office/drawing/2017/decorative" xmlns="" val="1"/>
               </a:ext>
             </a:extLst>
           </p:cNvPr>
@@ -7036,7 +7404,7 @@
                 <a16:creationId xmlns:a16="http://schemas.microsoft.com/office/drawing/2014/main" id="{158E1C6E-D299-4F5D-B15B-155EBF7F62FD}"/>
               </a:ext>
               <a:ext uri="{C183D7F6-B498-43B3-948B-1728B52AA6E4}">
-                <adec:decorative xmlns:adec="http://schemas.microsoft.com/office/drawing/2017/decorative" val="1"/>
+                <adec:decorative xmlns:adec="http://schemas.microsoft.com/office/drawing/2017/decorative" xmlns="" val="1"/>
               </a:ext>
             </a:extLst>
           </p:cNvPr>
@@ -7436,7 +7804,7 @@
 </p:sld>
 </file>
 
-<file path=ppt/slides/slide14.xml><?xml version="1.0" encoding="utf-8"?>
+<file path=ppt/slides/slide15.xml><?xml version="1.0" encoding="utf-8"?>
 <p:sld xmlns:a="http://schemas.openxmlformats.org/drawingml/2006/main" xmlns:r="http://schemas.openxmlformats.org/officeDocument/2006/relationships" xmlns:p="http://schemas.openxmlformats.org/presentationml/2006/main">
   <p:cSld>
     <p:bg>
@@ -7469,7 +7837,7 @@
                 <a16:creationId xmlns:a16="http://schemas.microsoft.com/office/drawing/2014/main" id="{E2264E67-6F59-4D8D-8E5F-8245B0FEAE76}"/>
               </a:ext>
               <a:ext uri="{C183D7F6-B498-43B3-948B-1728B52AA6E4}">
-                <adec:decorative xmlns:adec="http://schemas.microsoft.com/office/drawing/2017/decorative" val="1"/>
+                <adec:decorative xmlns:adec="http://schemas.microsoft.com/office/drawing/2017/decorative" xmlns="" val="1"/>
               </a:ext>
             </a:extLst>
           </p:cNvPr>
@@ -7532,7 +7900,7 @@
                 <a16:creationId xmlns:a16="http://schemas.microsoft.com/office/drawing/2014/main" id="{158E1C6E-D299-4F5D-B15B-155EBF7F62FD}"/>
               </a:ext>
               <a:ext uri="{C183D7F6-B498-43B3-948B-1728B52AA6E4}">
-                <adec:decorative xmlns:adec="http://schemas.microsoft.com/office/drawing/2017/decorative" val="1"/>
+                <adec:decorative xmlns:adec="http://schemas.microsoft.com/office/drawing/2017/decorative" xmlns="" val="1"/>
               </a:ext>
             </a:extLst>
           </p:cNvPr>
@@ -7931,7 +8299,7 @@
 </p:sld>
 </file>
 
-<file path=ppt/slides/slide15.xml><?xml version="1.0" encoding="utf-8"?>
+<file path=ppt/slides/slide16.xml><?xml version="1.0" encoding="utf-8"?>
 <p:sld xmlns:a="http://schemas.openxmlformats.org/drawingml/2006/main" xmlns:r="http://schemas.openxmlformats.org/officeDocument/2006/relationships" xmlns:p="http://schemas.openxmlformats.org/presentationml/2006/main">
   <p:cSld>
     <p:bg>
@@ -7964,7 +8332,7 @@
                 <a16:creationId xmlns:a16="http://schemas.microsoft.com/office/drawing/2014/main" id="{E2264E67-6F59-4D8D-8E5F-8245B0FEAE76}"/>
               </a:ext>
               <a:ext uri="{C183D7F6-B498-43B3-948B-1728B52AA6E4}">
-                <adec:decorative xmlns:adec="http://schemas.microsoft.com/office/drawing/2017/decorative" val="1"/>
+                <adec:decorative xmlns:adec="http://schemas.microsoft.com/office/drawing/2017/decorative" xmlns="" val="1"/>
               </a:ext>
             </a:extLst>
           </p:cNvPr>
@@ -8027,7 +8395,7 @@
                 <a16:creationId xmlns:a16="http://schemas.microsoft.com/office/drawing/2014/main" id="{158E1C6E-D299-4F5D-B15B-155EBF7F62FD}"/>
               </a:ext>
               <a:ext uri="{C183D7F6-B498-43B3-948B-1728B52AA6E4}">
-                <adec:decorative xmlns:adec="http://schemas.microsoft.com/office/drawing/2017/decorative" val="1"/>
+                <adec:decorative xmlns:adec="http://schemas.microsoft.com/office/drawing/2017/decorative" xmlns="" val="1"/>
               </a:ext>
             </a:extLst>
           </p:cNvPr>
@@ -8411,7 +8779,7 @@
 </p:sld>
 </file>
 
-<file path=ppt/slides/slide16.xml><?xml version="1.0" encoding="utf-8"?>
+<file path=ppt/slides/slide17.xml><?xml version="1.0" encoding="utf-8"?>
 <p:sld xmlns:a="http://schemas.openxmlformats.org/drawingml/2006/main" xmlns:r="http://schemas.openxmlformats.org/officeDocument/2006/relationships" xmlns:p="http://schemas.openxmlformats.org/presentationml/2006/main">
   <p:cSld>
     <p:bg>
@@ -8444,7 +8812,7 @@
                 <a16:creationId xmlns:a16="http://schemas.microsoft.com/office/drawing/2014/main" id="{089A69AF-D57B-49B4-886C-D4A5DC194421}"/>
               </a:ext>
               <a:ext uri="{C183D7F6-B498-43B3-948B-1728B52AA6E4}">
-                <adec:decorative xmlns:adec="http://schemas.microsoft.com/office/drawing/2017/decorative" val="1"/>
+                <adec:decorative xmlns:adec="http://schemas.microsoft.com/office/drawing/2017/decorative" xmlns="" val="1"/>
               </a:ext>
             </a:extLst>
           </p:cNvPr>
@@ -8504,7 +8872,7 @@
                 <a16:creationId xmlns:a16="http://schemas.microsoft.com/office/drawing/2014/main" id="{CABDC08D-6093-4397-92D4-54D00E2BB1C2}"/>
               </a:ext>
               <a:ext uri="{C183D7F6-B498-43B3-948B-1728B52AA6E4}">
-                <adec:decorative xmlns:adec="http://schemas.microsoft.com/office/drawing/2017/decorative" val="1"/>
+                <adec:decorative xmlns:adec="http://schemas.microsoft.com/office/drawing/2017/decorative" xmlns="" val="1"/>
               </a:ext>
             </a:extLst>
           </p:cNvPr>
@@ -8709,7 +9077,7 @@
           <a:effectLst/>
           <a:extLst>
             <a:ext uri="{91240B29-F687-4f45-9708-019B960494DF}">
-              <a14:hiddenLine xmlns="" xmlns:a16="http://schemas.microsoft.com/office/drawing/2014/main" xmlns:p14="http://schemas.microsoft.com/office/powerpoint/2010/main" xmlns:a14="http://schemas.microsoft.com/office/drawing/2010/main" w="9525">
+              <a14:hiddenLine xmlns:a14="http://schemas.microsoft.com/office/drawing/2010/main" xmlns:p14="http://schemas.microsoft.com/office/powerpoint/2010/main" xmlns:a16="http://schemas.microsoft.com/office/drawing/2014/main" xmlns="" w="9525">
                 <a:solidFill>
                   <a:srgbClr val="000000"/>
                 </a:solidFill>
@@ -8841,7 +9209,7 @@
 </p:sld>
 </file>
 
-<file path=ppt/slides/slide17.xml><?xml version="1.0" encoding="utf-8"?>
+<file path=ppt/slides/slide18.xml><?xml version="1.0" encoding="utf-8"?>
 <p:sld xmlns:a="http://schemas.openxmlformats.org/drawingml/2006/main" xmlns:r="http://schemas.openxmlformats.org/officeDocument/2006/relationships" xmlns:p="http://schemas.openxmlformats.org/presentationml/2006/main">
   <p:cSld>
     <p:bg>
@@ -8874,7 +9242,7 @@
                 <a16:creationId xmlns:a16="http://schemas.microsoft.com/office/drawing/2014/main" id="{F1E0D4A3-ECB8-4689-ABDB-9CE848CE83B9}"/>
               </a:ext>
               <a:ext uri="{C183D7F6-B498-43B3-948B-1728B52AA6E4}">
-                <adec:decorative xmlns:adec="http://schemas.microsoft.com/office/drawing/2017/decorative" val="1"/>
+                <adec:decorative xmlns:adec="http://schemas.microsoft.com/office/drawing/2017/decorative" xmlns="" val="1"/>
               </a:ext>
             </a:extLst>
           </p:cNvPr>
@@ -8975,7 +9343,7 @@
                 <a16:creationId xmlns:a16="http://schemas.microsoft.com/office/drawing/2014/main" id="{8854772B-9C8F-4037-89E0-3A45208AB395}"/>
               </a:ext>
               <a:ext uri="{C183D7F6-B498-43B3-948B-1728B52AA6E4}">
-                <adec:decorative xmlns:adec="http://schemas.microsoft.com/office/drawing/2017/decorative" val="1"/>
+                <adec:decorative xmlns:adec="http://schemas.microsoft.com/office/drawing/2017/decorative" xmlns="" val="1"/>
               </a:ext>
             </a:extLst>
           </p:cNvPr>
@@ -9277,7 +9645,7 @@
 </p:sld>
 </file>
 
-<file path=ppt/slides/slide18.xml><?xml version="1.0" encoding="utf-8"?>
+<file path=ppt/slides/slide19.xml><?xml version="1.0" encoding="utf-8"?>
 <p:sld xmlns:a="http://schemas.openxmlformats.org/drawingml/2006/main" xmlns:r="http://schemas.openxmlformats.org/officeDocument/2006/relationships" xmlns:p="http://schemas.openxmlformats.org/presentationml/2006/main">
   <p:cSld>
     <p:spTree>
@@ -9358,16 +9726,22 @@
               <a:rPr lang="en-US" sz="1400" dirty="0">
                 <a:hlinkClick r:id="rId4"/>
               </a:rPr>
-              <a:t>https://s3.amazonaws.com/uber-static/comms/PDF/Uber_Driver-Partners_Hall_Kreuger_2015.pdf</a:t>
-            </a:r>
-            <a:endParaRPr lang="en-US" sz="1400" dirty="0"/>
+              <a:t>https://</a:t>
+            </a:r>
+            <a:r>
+              <a:rPr lang="en-US" sz="1400" dirty="0" smtClean="0">
+                <a:hlinkClick r:id="rId4"/>
+              </a:rPr>
+              <a:t>s3.amazonaws.com/uber-static/comms/PDF/Uber_Driver-Partners_Hall_Kreuger_2015.pdf</a:t>
+            </a:r>
+            <a:endParaRPr lang="en-US" sz="1400" dirty="0" smtClean="0"/>
           </a:p>
           <a:p>
             <a:r>
               <a:rPr lang="en-US" sz="1400" dirty="0">
                 <a:hlinkClick r:id="rId5"/>
               </a:rPr>
-              <a:t>https://en.wikipedia.org/wiki/Transportation_network_company</a:t>
+              <a:t>https://www.forbes.com/sites/briansolomon/2017/01/05/lyft-rides-tripled-last-year-but-remains-far-behind-uber/#7c1a1789199e</a:t>
             </a:r>
             <a:endParaRPr lang="en-US" sz="1400" dirty="0"/>
           </a:p>
@@ -9376,27 +9750,27 @@
               <a:rPr lang="en-US" sz="1400" dirty="0">
                 <a:hlinkClick r:id="rId6"/>
               </a:rPr>
-              <a:t>https://en.wikipedia.org/wiki/DUI_laws_in_California</a:t>
-            </a:r>
-            <a:endParaRPr lang="en-US" sz="1400" dirty="0">
-              <a:hlinkClick r:id="rId7"/>
-            </a:endParaRPr>
+              <a:t>https://en.wikipedia.org/wiki/Transportation_network_company</a:t>
+            </a:r>
+            <a:endParaRPr lang="en-US" sz="1400" dirty="0"/>
           </a:p>
           <a:p>
             <a:r>
               <a:rPr lang="en-US" sz="1400" dirty="0">
                 <a:hlinkClick r:id="rId7"/>
               </a:rPr>
-              <a:t>https://www.nhtsa.gov/risky-driving/drunk-driving#age-5056</a:t>
-            </a:r>
-            <a:endParaRPr lang="en-US" sz="1400" dirty="0"/>
+              <a:t>https://en.wikipedia.org/wiki/DUI_laws_in_California</a:t>
+            </a:r>
+            <a:endParaRPr lang="en-US" sz="1400" dirty="0">
+              <a:hlinkClick r:id="rId8"/>
+            </a:endParaRPr>
           </a:p>
           <a:p>
             <a:r>
               <a:rPr lang="en-US" sz="1400" dirty="0">
                 <a:hlinkClick r:id="rId8"/>
               </a:rPr>
-              <a:t>https://mrcheckpoint.com/can-i-get-a-dui-removed-from-my-record-in-california/</a:t>
+              <a:t>https://www.nhtsa.gov/risky-driving/drunk-driving#age-5056</a:t>
             </a:r>
             <a:endParaRPr lang="en-US" sz="1400" dirty="0"/>
           </a:p>
@@ -9405,7 +9779,7 @@
               <a:rPr lang="en-US" sz="1400" dirty="0">
                 <a:hlinkClick r:id="rId9"/>
               </a:rPr>
-              <a:t>https://www.edhat.com/news/dui-suspected-in-rollover-accident</a:t>
+              <a:t>https://mrcheckpoint.com/can-i-get-a-dui-removed-from-my-record-in-california/</a:t>
             </a:r>
             <a:endParaRPr lang="en-US" sz="1400" dirty="0"/>
           </a:p>
@@ -9413,6 +9787,15 @@
             <a:r>
               <a:rPr lang="en-US" sz="1400" dirty="0">
                 <a:hlinkClick r:id="rId10"/>
+              </a:rPr>
+              <a:t>https://www.edhat.com/news/dui-suspected-in-rollover-accident</a:t>
+            </a:r>
+            <a:endParaRPr lang="en-US" sz="1400" dirty="0"/>
+          </a:p>
+          <a:p>
+            <a:r>
+              <a:rPr lang="en-US" sz="1400" dirty="0">
+                <a:hlinkClick r:id="rId11"/>
               </a:rPr>
               <a:t>https://catalog.data.gov/dataset/impaired-driving-death-rate-by-age-and-gender-2012-all-states-587fd</a:t>
             </a:r>
@@ -9683,24 +10066,22 @@
               <a:rPr lang="en-US" dirty="0"/>
               <a:t>, a ridesharing company the two founded in 2007 </a:t>
             </a:r>
-          </a:p>
-          <a:p>
+            <a:endParaRPr lang="en-US" dirty="0" smtClean="0"/>
+          </a:p>
+          <a:p>
+            <a:r>
+              <a:rPr lang="en-US" dirty="0" smtClean="0"/>
+              <a:t>Revenue of $</a:t>
+            </a:r>
             <a:r>
               <a:rPr lang="en-US" dirty="0"/>
-              <a:t>By 2013, Lyft was providing 30,000 rides a week</a:t>
-            </a:r>
-          </a:p>
-          <a:p>
-            <a:r>
-              <a:rPr lang="en-US" dirty="0"/>
-              <a:t>August 2013, it hits a million completed rides.</a:t>
-            </a:r>
-          </a:p>
-          <a:p>
-            <a:r>
-              <a:rPr lang="en-US" dirty="0"/>
-              <a:t>April 2014, Lyft had become available in 60 U.S. cities.</a:t>
-            </a:r>
+              <a:t>2.157 </a:t>
+            </a:r>
+            <a:r>
+              <a:rPr lang="en-US" dirty="0" smtClean="0"/>
+              <a:t>billion as of 2018</a:t>
+            </a:r>
+            <a:endParaRPr lang="en-US" dirty="0"/>
           </a:p>
         </p:txBody>
       </p:sp>
@@ -9791,6 +10172,172 @@
           <a:lstStyle/>
           <a:p>
             <a:r>
+              <a:rPr lang="en-US" dirty="0" smtClean="0"/>
+              <a:t>Lyft</a:t>
+            </a:r>
+            <a:endParaRPr lang="en-US" dirty="0"/>
+          </a:p>
+        </p:txBody>
+      </p:sp>
+      <p:sp>
+        <p:nvSpPr>
+          <p:cNvPr id="3" name="Content Placeholder 2"/>
+          <p:cNvSpPr>
+            <a:spLocks noGrp="1"/>
+          </p:cNvSpPr>
+          <p:nvPr>
+            <p:ph idx="1"/>
+          </p:nvPr>
+        </p:nvSpPr>
+        <p:spPr>
+          <a:xfrm>
+            <a:off x="818712" y="2222287"/>
+            <a:ext cx="4925383" cy="3636511"/>
+          </a:xfrm>
+        </p:spPr>
+        <p:txBody>
+          <a:bodyPr anchor="t"/>
+          <a:lstStyle/>
+          <a:p>
+            <a:r>
+              <a:rPr lang="en-US" dirty="0"/>
+              <a:t>By 2013, Lyft was providing 30,000 rides a week</a:t>
+            </a:r>
+          </a:p>
+          <a:p>
+            <a:r>
+              <a:rPr lang="en-US" dirty="0" smtClean="0"/>
+              <a:t>By the end of 2013</a:t>
+            </a:r>
+            <a:r>
+              <a:rPr lang="en-US" dirty="0"/>
+              <a:t>, it hits </a:t>
+            </a:r>
+            <a:r>
+              <a:rPr lang="en-US" dirty="0" smtClean="0"/>
+              <a:t>2.7 million completed rides</a:t>
+            </a:r>
+            <a:endParaRPr lang="en-US" dirty="0"/>
+          </a:p>
+          <a:p>
+            <a:r>
+              <a:rPr lang="en-US" dirty="0"/>
+              <a:t>April 2014, Lyft had become available in 60 U.S. </a:t>
+            </a:r>
+            <a:r>
+              <a:rPr lang="en-US" dirty="0" smtClean="0"/>
+              <a:t>cities</a:t>
+            </a:r>
+          </a:p>
+          <a:p>
+            <a:r>
+              <a:rPr lang="en-US" dirty="0" smtClean="0"/>
+              <a:t>By the end of 2014, they hit 18.1 </a:t>
+            </a:r>
+            <a:r>
+              <a:rPr lang="en-US" dirty="0"/>
+              <a:t>million </a:t>
+            </a:r>
+            <a:r>
+              <a:rPr lang="en-US" dirty="0" smtClean="0"/>
+              <a:t>completed rides</a:t>
+            </a:r>
+          </a:p>
+          <a:p>
+            <a:endParaRPr lang="en-US" dirty="0"/>
+          </a:p>
+          <a:p>
+            <a:endParaRPr lang="en-US" dirty="0"/>
+          </a:p>
+        </p:txBody>
+      </p:sp>
+      <p:pic>
+        <p:nvPicPr>
+          <p:cNvPr id="1026" name="Picture 2" descr="lyft ride growth vs uber 2016"/>
+          <p:cNvPicPr>
+            <a:picLocks noChangeAspect="1" noChangeArrowheads="1"/>
+          </p:cNvPicPr>
+          <p:nvPr/>
+        </p:nvPicPr>
+        <p:blipFill>
+          <a:blip r:embed="rId2">
+            <a:extLst>
+              <a:ext uri="{28A0092B-C50C-407E-A947-70E740481C1C}">
+                <a14:useLocalDpi xmlns:a14="http://schemas.microsoft.com/office/drawing/2010/main" val="0"/>
+              </a:ext>
+            </a:extLst>
+          </a:blip>
+          <a:srcRect/>
+          <a:stretch>
+            <a:fillRect/>
+          </a:stretch>
+        </p:blipFill>
+        <p:spPr bwMode="auto">
+          <a:xfrm>
+            <a:off x="6036023" y="2359831"/>
+            <a:ext cx="5865436" cy="3617019"/>
+          </a:xfrm>
+          <a:prstGeom prst="rect">
+            <a:avLst/>
+          </a:prstGeom>
+          <a:noFill/>
+          <a:extLst>
+            <a:ext uri="{909E8E84-426E-40DD-AFC4-6F175D3DCCD1}">
+              <a14:hiddenFill xmlns:a14="http://schemas.microsoft.com/office/drawing/2010/main">
+                <a:solidFill>
+                  <a:srgbClr val="FFFFFF"/>
+                </a:solidFill>
+              </a14:hiddenFill>
+            </a:ext>
+          </a:extLst>
+        </p:spPr>
+      </p:pic>
+    </p:spTree>
+    <p:extLst>
+      <p:ext uri="{BB962C8B-B14F-4D97-AF65-F5344CB8AC3E}">
+        <p14:creationId xmlns:p14="http://schemas.microsoft.com/office/powerpoint/2010/main" val="3820720817"/>
+      </p:ext>
+    </p:extLst>
+  </p:cSld>
+  <p:clrMapOvr>
+    <a:masterClrMapping/>
+  </p:clrMapOvr>
+</p:sld>
+</file>
+
+<file path=ppt/slides/slide5.xml><?xml version="1.0" encoding="utf-8"?>
+<p:sld xmlns:a="http://schemas.openxmlformats.org/drawingml/2006/main" xmlns:r="http://schemas.openxmlformats.org/officeDocument/2006/relationships" xmlns:p="http://schemas.openxmlformats.org/presentationml/2006/main">
+  <p:cSld>
+    <p:spTree>
+      <p:nvGrpSpPr>
+        <p:cNvPr id="1" name=""/>
+        <p:cNvGrpSpPr/>
+        <p:nvPr/>
+      </p:nvGrpSpPr>
+      <p:grpSpPr>
+        <a:xfrm>
+          <a:off x="0" y="0"/>
+          <a:ext cx="0" cy="0"/>
+          <a:chOff x="0" y="0"/>
+          <a:chExt cx="0" cy="0"/>
+        </a:xfrm>
+      </p:grpSpPr>
+      <p:sp>
+        <p:nvSpPr>
+          <p:cNvPr id="2" name="Title 1"/>
+          <p:cNvSpPr>
+            <a:spLocks noGrp="1"/>
+          </p:cNvSpPr>
+          <p:nvPr>
+            <p:ph type="title"/>
+          </p:nvPr>
+        </p:nvSpPr>
+        <p:spPr/>
+        <p:txBody>
+          <a:bodyPr/>
+          <a:lstStyle/>
+          <a:p>
+            <a:r>
               <a:rPr lang="en-US" dirty="0"/>
               <a:t>Uber</a:t>
             </a:r>
@@ -9834,39 +10381,54 @@
           </a:p>
           <a:p>
             <a:r>
+              <a:rPr lang="en-US" dirty="0" smtClean="0"/>
+              <a:t>Revenue of $</a:t>
+            </a:r>
+            <a:r>
               <a:rPr lang="en-US" dirty="0"/>
-              <a:t>Other Uber ventures:</a:t>
+              <a:t>11.3 billion</a:t>
+            </a:r>
+            <a:endParaRPr lang="en-US" dirty="0" smtClean="0"/>
+          </a:p>
+          <a:p>
+            <a:r>
+              <a:rPr lang="en-US" dirty="0" smtClean="0"/>
+              <a:t>Other </a:t>
+            </a:r>
+            <a:r>
+              <a:rPr lang="en-US" dirty="0"/>
+              <a:t>Uber ventures:</a:t>
             </a:r>
           </a:p>
           <a:p>
             <a:pPr lvl="1"/>
             <a:r>
-              <a:rPr lang="en-US" dirty="0"/>
+              <a:rPr lang="en-US" sz="1800" dirty="0"/>
               <a:t>Self-driving technology</a:t>
             </a:r>
           </a:p>
           <a:p>
             <a:pPr lvl="1"/>
             <a:r>
-              <a:rPr lang="en-US" dirty="0"/>
+              <a:rPr lang="en-US" sz="1800" dirty="0"/>
               <a:t>Uber Air</a:t>
             </a:r>
           </a:p>
           <a:p>
             <a:pPr lvl="1"/>
             <a:r>
-              <a:rPr lang="en-US" dirty="0"/>
+              <a:rPr lang="en-US" sz="1800" dirty="0"/>
               <a:t>Uber Eats</a:t>
             </a:r>
           </a:p>
           <a:p>
             <a:pPr lvl="1"/>
             <a:r>
-              <a:rPr lang="en-US" dirty="0" err="1"/>
+              <a:rPr lang="en-US" sz="1800" dirty="0" err="1"/>
               <a:t>UberGo</a:t>
             </a:r>
             <a:r>
-              <a:rPr lang="en-US" dirty="0"/>
+              <a:rPr lang="en-US" sz="1800" dirty="0"/>
               <a:t>, rides in a hatchback</a:t>
             </a:r>
           </a:p>
@@ -9931,7 +10493,7 @@
 </p:sld>
 </file>
 
-<file path=ppt/slides/slide5.xml><?xml version="1.0" encoding="utf-8"?>
+<file path=ppt/slides/slide6.xml><?xml version="1.0" encoding="utf-8"?>
 <p:sld xmlns:a="http://schemas.openxmlformats.org/drawingml/2006/main" xmlns:r="http://schemas.openxmlformats.org/officeDocument/2006/relationships" xmlns:p="http://schemas.openxmlformats.org/presentationml/2006/main">
   <p:cSld>
     <p:spTree>
@@ -9983,7 +10545,7 @@
         <p:spPr>
           <a:xfrm>
             <a:off x="818712" y="2222287"/>
-            <a:ext cx="5630214" cy="3636511"/>
+            <a:ext cx="4958633" cy="3636511"/>
           </a:xfrm>
         </p:spPr>
         <p:txBody>
@@ -10039,42 +10601,14 @@
         </p:blipFill>
         <p:spPr>
           <a:xfrm>
-            <a:off x="6929907" y="2311327"/>
-            <a:ext cx="4941605" cy="3933114"/>
+            <a:off x="6267797" y="2222287"/>
+            <a:ext cx="5412523" cy="4307926"/>
           </a:xfrm>
           <a:prstGeom prst="rect">
             <a:avLst/>
           </a:prstGeom>
         </p:spPr>
       </p:pic>
-      <p:sp>
-        <p:nvSpPr>
-          <p:cNvPr id="5" name="TextBox 4"/>
-          <p:cNvSpPr txBox="1"/>
-          <p:nvPr/>
-        </p:nvSpPr>
-        <p:spPr>
-          <a:xfrm>
-            <a:off x="11228911" y="2865515"/>
-            <a:ext cx="642601" cy="3309257"/>
-          </a:xfrm>
-          <a:prstGeom prst="rect">
-            <a:avLst/>
-          </a:prstGeom>
-          <a:solidFill>
-            <a:schemeClr val="tx1"/>
-          </a:solidFill>
-        </p:spPr>
-        <p:txBody>
-          <a:bodyPr wrap="square" rtlCol="0">
-            <a:spAutoFit/>
-          </a:bodyPr>
-          <a:lstStyle/>
-          <a:p>
-            <a:endParaRPr lang="en-US" dirty="0"/>
-          </a:p>
-        </p:txBody>
-      </p:sp>
     </p:spTree>
     <p:extLst>
       <p:ext uri="{BB962C8B-B14F-4D97-AF65-F5344CB8AC3E}">
@@ -10088,7 +10622,7 @@
 </p:sld>
 </file>
 
-<file path=ppt/slides/slide6.xml><?xml version="1.0" encoding="utf-8"?>
+<file path=ppt/slides/slide7.xml><?xml version="1.0" encoding="utf-8"?>
 <p:sld xmlns:a="http://schemas.openxmlformats.org/drawingml/2006/main" xmlns:r="http://schemas.openxmlformats.org/officeDocument/2006/relationships" xmlns:p="http://schemas.openxmlformats.org/presentationml/2006/main">
   <p:cSld>
     <p:spTree>
@@ -10163,14 +10697,24 @@
           <a:p>
             <a:r>
               <a:rPr lang="en-US" dirty="0"/>
-              <a:t>CDL license holders - blood alcohol levels of 0.04 or higher.</a:t>
-            </a:r>
+              <a:t>CDL license holders - blood alcohol levels of 0.04 or </a:t>
+            </a:r>
+            <a:r>
+              <a:rPr lang="en-US" dirty="0" smtClean="0"/>
+              <a:t>higher</a:t>
+            </a:r>
+            <a:endParaRPr lang="en-US" dirty="0"/>
           </a:p>
           <a:p>
             <a:r>
               <a:rPr lang="en-US" dirty="0"/>
-              <a:t>Men are most likely to be involved in this type of crash, with 4 male drunk drivers for every female drunk driver.</a:t>
-            </a:r>
+              <a:t>Men are most likely to be involved in this type of crash, with 4 male drunk drivers for every female drunk </a:t>
+            </a:r>
+            <a:r>
+              <a:rPr lang="en-US" dirty="0" smtClean="0"/>
+              <a:t>driver</a:t>
+            </a:r>
+            <a:endParaRPr lang="en-US" dirty="0"/>
           </a:p>
           <a:p>
             <a:r>
@@ -10234,7 +10778,7 @@
 </p:sld>
 </file>
 
-<file path=ppt/slides/slide7.xml><?xml version="1.0" encoding="utf-8"?>
+<file path=ppt/slides/slide8.xml><?xml version="1.0" encoding="utf-8"?>
 <p:sld xmlns:a="http://schemas.openxmlformats.org/drawingml/2006/main" xmlns:r="http://schemas.openxmlformats.org/officeDocument/2006/relationships" xmlns:p="http://schemas.openxmlformats.org/presentationml/2006/main">
   <p:cSld>
     <p:spTree>
@@ -10297,25 +10841,27 @@
         </p:nvSpPr>
         <p:spPr/>
         <p:txBody>
-          <a:bodyPr/>
+          <a:bodyPr>
+            <a:normAutofit/>
+          </a:bodyPr>
           <a:lstStyle/>
           <a:p>
             <a:r>
-              <a:rPr lang="en-US" dirty="0"/>
+              <a:rPr lang="en-US" sz="2000" dirty="0"/>
               <a:t>Was there an immediate impact on DUI deaths with the introduction of TNCs?</a:t>
             </a:r>
           </a:p>
           <a:p>
             <a:pPr lvl="1"/>
             <a:r>
-              <a:rPr lang="en-US" dirty="0"/>
+              <a:rPr lang="en-US" sz="1800" dirty="0"/>
               <a:t>Which gender has the highest death rates, and which had the highest impact?</a:t>
             </a:r>
           </a:p>
           <a:p>
             <a:pPr lvl="1"/>
             <a:r>
-              <a:rPr lang="en-US" dirty="0"/>
+              <a:rPr lang="en-US" sz="1800" dirty="0"/>
               <a:t>Which age group has the highest death rates, and which had the highest impact?</a:t>
             </a:r>
           </a:p>
@@ -10334,7 +10880,7 @@
 </p:sld>
 </file>
 
-<file path=ppt/slides/slide8.xml><?xml version="1.0" encoding="utf-8"?>
+<file path=ppt/slides/slide9.xml><?xml version="1.0" encoding="utf-8"?>
 <p:sld xmlns:a="http://schemas.openxmlformats.org/drawingml/2006/main" xmlns:r="http://schemas.openxmlformats.org/officeDocument/2006/relationships" xmlns:p="http://schemas.openxmlformats.org/presentationml/2006/main">
   <p:cSld>
     <p:spTree>
@@ -10468,373 +11014,6 @@
     <p:extLst>
       <p:ext uri="{BB962C8B-B14F-4D97-AF65-F5344CB8AC3E}">
         <p14:creationId xmlns:p14="http://schemas.microsoft.com/office/powerpoint/2010/main" val="3034053648"/>
-      </p:ext>
-    </p:extLst>
-  </p:cSld>
-  <p:clrMapOvr>
-    <a:masterClrMapping/>
-  </p:clrMapOvr>
-</p:sld>
-</file>
-
-<file path=ppt/slides/slide9.xml><?xml version="1.0" encoding="utf-8"?>
-<p:sld xmlns:a="http://schemas.openxmlformats.org/drawingml/2006/main" xmlns:r="http://schemas.openxmlformats.org/officeDocument/2006/relationships" xmlns:p="http://schemas.openxmlformats.org/presentationml/2006/main">
-  <p:cSld>
-    <p:bg>
-      <p:bgPr>
-        <a:solidFill>
-          <a:schemeClr val="bg2"/>
-        </a:solidFill>
-        <a:effectLst/>
-      </p:bgPr>
-    </p:bg>
-    <p:spTree>
-      <p:nvGrpSpPr>
-        <p:cNvPr id="1" name=""/>
-        <p:cNvGrpSpPr/>
-        <p:nvPr/>
-      </p:nvGrpSpPr>
-      <p:grpSpPr>
-        <a:xfrm>
-          <a:off x="0" y="0"/>
-          <a:ext cx="0" cy="0"/>
-          <a:chOff x="0" y="0"/>
-          <a:chExt cx="0" cy="0"/>
-        </a:xfrm>
-      </p:grpSpPr>
-      <p:pic>
-        <p:nvPicPr>
-          <p:cNvPr id="4" name="Picture 3">
-            <a:extLst>
-              <a:ext uri="{FF2B5EF4-FFF2-40B4-BE49-F238E27FC236}">
-                <a16:creationId xmlns:a16="http://schemas.microsoft.com/office/drawing/2014/main" id="{189EB6E8-5713-46B3-9518-2323FFBFEDFB}"/>
-              </a:ext>
-            </a:extLst>
-          </p:cNvPr>
-          <p:cNvPicPr>
-            <a:picLocks noChangeAspect="1"/>
-          </p:cNvPicPr>
-          <p:nvPr/>
-        </p:nvPicPr>
-        <p:blipFill rotWithShape="1">
-          <a:blip r:embed="rId2">
-            <a:extLst/>
-          </a:blip>
-          <a:srcRect t="15262" r="9091" b="15401"/>
-          <a:stretch/>
-        </p:blipFill>
-        <p:spPr>
-          <a:xfrm>
-            <a:off x="20" y="-10150"/>
-            <a:ext cx="12191980" cy="6857990"/>
-          </a:xfrm>
-          <a:prstGeom prst="rect">
-            <a:avLst/>
-          </a:prstGeom>
-        </p:spPr>
-      </p:pic>
-      <p:sp>
-        <p:nvSpPr>
-          <p:cNvPr id="14" name="Freeform 9">
-            <a:extLst>
-              <a:ext uri="{FF2B5EF4-FFF2-40B4-BE49-F238E27FC236}">
-                <a16:creationId xmlns:a16="http://schemas.microsoft.com/office/drawing/2014/main" id="{72319FFA-0E4F-4E0B-BEBA-A9DD4B41AAE9}"/>
-              </a:ext>
-              <a:ext uri="{C183D7F6-B498-43B3-948B-1728B52AA6E4}">
-                <adec:decorative xmlns:adec="http://schemas.microsoft.com/office/drawing/2017/decorative" val="1"/>
-              </a:ext>
-            </a:extLst>
-          </p:cNvPr>
-          <p:cNvSpPr>
-            <a:spLocks noGrp="1" noRot="1" noChangeAspect="1" noMove="1" noResize="1" noEditPoints="1" noAdjustHandles="1" noChangeArrowheads="1" noChangeShapeType="1" noTextEdit="1"/>
-          </p:cNvSpPr>
-          <p:nvPr>
-            <p:extLst>
-              <p:ext uri="{386F3935-93C4-4BCD-93E2-E3B085C9AB24}">
-                <p16:designElem xmlns:p16="http://schemas.microsoft.com/office/powerpoint/2015/main" val="1"/>
-              </p:ext>
-            </p:extLst>
-          </p:nvPr>
-        </p:nvSpPr>
-        <p:spPr bwMode="white">
-          <a:xfrm>
-            <a:off x="0" y="0"/>
-            <a:ext cx="6485467" cy="6858000"/>
-          </a:xfrm>
-          <a:custGeom>
-            <a:avLst/>
-            <a:gdLst>
-              <a:gd name="connsiteX0" fmla="*/ 0 w 6485467"/>
-              <a:gd name="connsiteY0" fmla="*/ 0 h 6858000"/>
-              <a:gd name="connsiteX1" fmla="*/ 6485467 w 6485467"/>
-              <a:gd name="connsiteY1" fmla="*/ 0 h 6858000"/>
-              <a:gd name="connsiteX2" fmla="*/ 6485467 w 6485467"/>
-              <a:gd name="connsiteY2" fmla="*/ 1900238 h 6858000"/>
-              <a:gd name="connsiteX3" fmla="*/ 6115051 w 6485467"/>
-              <a:gd name="connsiteY3" fmla="*/ 2178050 h 6858000"/>
-              <a:gd name="connsiteX4" fmla="*/ 6110817 w 6485467"/>
-              <a:gd name="connsiteY4" fmla="*/ 2184400 h 6858000"/>
-              <a:gd name="connsiteX5" fmla="*/ 6104467 w 6485467"/>
-              <a:gd name="connsiteY5" fmla="*/ 2193925 h 6858000"/>
-              <a:gd name="connsiteX6" fmla="*/ 6098117 w 6485467"/>
-              <a:gd name="connsiteY6" fmla="*/ 2201863 h 6858000"/>
-              <a:gd name="connsiteX7" fmla="*/ 6098117 w 6485467"/>
-              <a:gd name="connsiteY7" fmla="*/ 2211388 h 6858000"/>
-              <a:gd name="connsiteX8" fmla="*/ 6098117 w 6485467"/>
-              <a:gd name="connsiteY8" fmla="*/ 2220913 h 6858000"/>
-              <a:gd name="connsiteX9" fmla="*/ 6104467 w 6485467"/>
-              <a:gd name="connsiteY9" fmla="*/ 2228850 h 6858000"/>
-              <a:gd name="connsiteX10" fmla="*/ 6110817 w 6485467"/>
-              <a:gd name="connsiteY10" fmla="*/ 2238375 h 6858000"/>
-              <a:gd name="connsiteX11" fmla="*/ 6115051 w 6485467"/>
-              <a:gd name="connsiteY11" fmla="*/ 2244725 h 6858000"/>
-              <a:gd name="connsiteX12" fmla="*/ 6485467 w 6485467"/>
-              <a:gd name="connsiteY12" fmla="*/ 2522538 h 6858000"/>
-              <a:gd name="connsiteX13" fmla="*/ 6485467 w 6485467"/>
-              <a:gd name="connsiteY13" fmla="*/ 6858000 h 6858000"/>
-              <a:gd name="connsiteX14" fmla="*/ 0 w 6485467"/>
-              <a:gd name="connsiteY14" fmla="*/ 6858000 h 6858000"/>
-            </a:gdLst>
-            <a:ahLst/>
-            <a:cxnLst>
-              <a:cxn ang="0">
-                <a:pos x="connsiteX0" y="connsiteY0"/>
-              </a:cxn>
-              <a:cxn ang="0">
-                <a:pos x="connsiteX1" y="connsiteY1"/>
-              </a:cxn>
-              <a:cxn ang="0">
-                <a:pos x="connsiteX2" y="connsiteY2"/>
-              </a:cxn>
-              <a:cxn ang="0">
-                <a:pos x="connsiteX3" y="connsiteY3"/>
-              </a:cxn>
-              <a:cxn ang="0">
-                <a:pos x="connsiteX4" y="connsiteY4"/>
-              </a:cxn>
-              <a:cxn ang="0">
-                <a:pos x="connsiteX5" y="connsiteY5"/>
-              </a:cxn>
-              <a:cxn ang="0">
-                <a:pos x="connsiteX6" y="connsiteY6"/>
-              </a:cxn>
-              <a:cxn ang="0">
-                <a:pos x="connsiteX7" y="connsiteY7"/>
-              </a:cxn>
-              <a:cxn ang="0">
-                <a:pos x="connsiteX8" y="connsiteY8"/>
-              </a:cxn>
-              <a:cxn ang="0">
-                <a:pos x="connsiteX9" y="connsiteY9"/>
-              </a:cxn>
-              <a:cxn ang="0">
-                <a:pos x="connsiteX10" y="connsiteY10"/>
-              </a:cxn>
-              <a:cxn ang="0">
-                <a:pos x="connsiteX11" y="connsiteY11"/>
-              </a:cxn>
-              <a:cxn ang="0">
-                <a:pos x="connsiteX12" y="connsiteY12"/>
-              </a:cxn>
-              <a:cxn ang="0">
-                <a:pos x="connsiteX13" y="connsiteY13"/>
-              </a:cxn>
-              <a:cxn ang="0">
-                <a:pos x="connsiteX14" y="connsiteY14"/>
-              </a:cxn>
-            </a:cxnLst>
-            <a:rect l="l" t="t" r="r" b="b"/>
-            <a:pathLst>
-              <a:path w="6485467" h="6858000">
-                <a:moveTo>
-                  <a:pt x="0" y="0"/>
-                </a:moveTo>
-                <a:lnTo>
-                  <a:pt x="6485467" y="0"/>
-                </a:lnTo>
-                <a:lnTo>
-                  <a:pt x="6485467" y="1900238"/>
-                </a:lnTo>
-                <a:lnTo>
-                  <a:pt x="6115051" y="2178050"/>
-                </a:lnTo>
-                <a:lnTo>
-                  <a:pt x="6110817" y="2184400"/>
-                </a:lnTo>
-                <a:lnTo>
-                  <a:pt x="6104467" y="2193925"/>
-                </a:lnTo>
-                <a:lnTo>
-                  <a:pt x="6098117" y="2201863"/>
-                </a:lnTo>
-                <a:lnTo>
-                  <a:pt x="6098117" y="2211388"/>
-                </a:lnTo>
-                <a:lnTo>
-                  <a:pt x="6098117" y="2220913"/>
-                </a:lnTo>
-                <a:lnTo>
-                  <a:pt x="6104467" y="2228850"/>
-                </a:lnTo>
-                <a:lnTo>
-                  <a:pt x="6110817" y="2238375"/>
-                </a:lnTo>
-                <a:lnTo>
-                  <a:pt x="6115051" y="2244725"/>
-                </a:lnTo>
-                <a:lnTo>
-                  <a:pt x="6485467" y="2522538"/>
-                </a:lnTo>
-                <a:lnTo>
-                  <a:pt x="6485467" y="6858000"/>
-                </a:lnTo>
-                <a:lnTo>
-                  <a:pt x="0" y="6858000"/>
-                </a:lnTo>
-                <a:close/>
-              </a:path>
-            </a:pathLst>
-          </a:custGeom>
-          <a:solidFill>
-            <a:schemeClr val="bg1">
-              <a:lumMod val="85000"/>
-              <a:lumOff val="15000"/>
-              <a:alpha val="90000"/>
-            </a:schemeClr>
-          </a:solidFill>
-          <a:ln>
-            <a:noFill/>
-          </a:ln>
-          <a:effectLst/>
-        </p:spPr>
-        <p:style>
-          <a:lnRef idx="2">
-            <a:schemeClr val="accent1">
-              <a:shade val="50000"/>
-            </a:schemeClr>
-          </a:lnRef>
-          <a:fillRef idx="1">
-            <a:schemeClr val="accent1"/>
-          </a:fillRef>
-          <a:effectRef idx="0">
-            <a:schemeClr val="accent1"/>
-          </a:effectRef>
-          <a:fontRef idx="minor">
-            <a:schemeClr val="lt1"/>
-          </a:fontRef>
-        </p:style>
-        <p:txBody>
-          <a:bodyPr rtlCol="0" anchor="ctr"/>
-          <a:lstStyle/>
-          <a:p>
-            <a:pPr algn="ctr"/>
-            <a:endParaRPr lang="en-US"/>
-          </a:p>
-        </p:txBody>
-      </p:sp>
-      <p:sp>
-        <p:nvSpPr>
-          <p:cNvPr id="2" name="Title 1"/>
-          <p:cNvSpPr>
-            <a:spLocks noGrp="1"/>
-          </p:cNvSpPr>
-          <p:nvPr>
-            <p:ph type="title"/>
-          </p:nvPr>
-        </p:nvSpPr>
-        <p:spPr>
-          <a:xfrm>
-            <a:off x="810000" y="447188"/>
-            <a:ext cx="4930400" cy="1559412"/>
-          </a:xfrm>
-        </p:spPr>
-        <p:txBody>
-          <a:bodyPr>
-            <a:normAutofit/>
-          </a:bodyPr>
-          <a:lstStyle/>
-          <a:p>
-            <a:r>
-              <a:rPr lang="en-US" dirty="0"/>
-              <a:t>Our Data Process</a:t>
-            </a:r>
-          </a:p>
-        </p:txBody>
-      </p:sp>
-      <p:sp>
-        <p:nvSpPr>
-          <p:cNvPr id="3" name="Content Placeholder 2"/>
-          <p:cNvSpPr>
-            <a:spLocks noGrp="1"/>
-          </p:cNvSpPr>
-          <p:nvPr>
-            <p:ph idx="1"/>
-          </p:nvPr>
-        </p:nvSpPr>
-        <p:spPr>
-          <a:xfrm>
-            <a:off x="818712" y="2413000"/>
-            <a:ext cx="4921687" cy="3632200"/>
-          </a:xfrm>
-        </p:spPr>
-        <p:txBody>
-          <a:bodyPr>
-            <a:normAutofit/>
-          </a:bodyPr>
-          <a:lstStyle/>
-          <a:p>
-            <a:r>
-              <a:rPr lang="en-US" dirty="0"/>
-              <a:t>Export CSVs into </a:t>
-            </a:r>
-            <a:r>
-              <a:rPr lang="en-US" dirty="0" err="1"/>
-              <a:t>Jupyter</a:t>
-            </a:r>
-            <a:r>
-              <a:rPr lang="en-US" dirty="0"/>
-              <a:t> Notebook</a:t>
-            </a:r>
-          </a:p>
-          <a:p>
-            <a:r>
-              <a:rPr lang="en-US" dirty="0"/>
-              <a:t>Begin determining the data we wanted to analyze</a:t>
-            </a:r>
-          </a:p>
-          <a:p>
-            <a:r>
-              <a:rPr lang="en-US" dirty="0"/>
-              <a:t>Cleaned the data</a:t>
-            </a:r>
-          </a:p>
-          <a:p>
-            <a:r>
-              <a:rPr lang="en-US" dirty="0"/>
-              <a:t>Created tables with the relevant data</a:t>
-            </a:r>
-          </a:p>
-          <a:p>
-            <a:r>
-              <a:rPr lang="en-US" dirty="0"/>
-              <a:t>Plotted charts with the data</a:t>
-            </a:r>
-          </a:p>
-          <a:p>
-            <a:r>
-              <a:rPr lang="en-US" dirty="0"/>
-              <a:t>Analyzed the results</a:t>
-            </a:r>
-          </a:p>
-          <a:p>
-            <a:endParaRPr lang="en-US" dirty="0"/>
-          </a:p>
-        </p:txBody>
-      </p:sp>
-    </p:spTree>
-    <p:extLst>
-      <p:ext uri="{BB962C8B-B14F-4D97-AF65-F5344CB8AC3E}">
-        <p14:creationId xmlns:p14="http://schemas.microsoft.com/office/powerpoint/2010/main" val="1793143983"/>
       </p:ext>
     </p:extLst>
   </p:cSld>

--- a/Project 1/Project-1.pptx
+++ b/Project 1/Project-1.pptx
@@ -225,7 +225,7 @@
           <a:effectLst/>
           <a:extLst>
             <a:ext uri="{91240B29-F687-4f45-9708-019B960494DF}">
-              <a14:hiddenLine xmlns="" xmlns:a14="http://schemas.microsoft.com/office/drawing/2010/main" w="9525">
+              <a14:hiddenLine xmlns:a14="http://schemas.microsoft.com/office/drawing/2010/main" xmlns="" w="9525">
                 <a:solidFill>
                   <a:srgbClr val="000000"/>
                 </a:solidFill>
@@ -417,7 +417,7 @@
           <a:p>
             <a:fld id="{F1FD765F-AC2D-42AA-A0E5-12A28983CCAB}" type="datetimeFigureOut">
               <a:rPr lang="en-US" smtClean="0"/>
-              <a:t>4/7/2019</a:t>
+              <a:t>4/8/2019</a:t>
             </a:fld>
             <a:endParaRPr lang="en-US"/>
           </a:p>
@@ -740,7 +740,7 @@
           <a:p>
             <a:fld id="{F1FD765F-AC2D-42AA-A0E5-12A28983CCAB}" type="datetimeFigureOut">
               <a:rPr lang="en-US" smtClean="0"/>
-              <a:t>4/7/2019</a:t>
+              <a:t>4/8/2019</a:t>
             </a:fld>
             <a:endParaRPr lang="en-US"/>
           </a:p>
@@ -1228,7 +1228,7 @@
           <a:p>
             <a:fld id="{F1FD765F-AC2D-42AA-A0E5-12A28983CCAB}" type="datetimeFigureOut">
               <a:rPr lang="en-US" smtClean="0"/>
-              <a:t>4/7/2019</a:t>
+              <a:t>4/8/2019</a:t>
             </a:fld>
             <a:endParaRPr lang="en-US"/>
           </a:p>
@@ -1597,7 +1597,7 @@
           <a:p>
             <a:fld id="{F1FD765F-AC2D-42AA-A0E5-12A28983CCAB}" type="datetimeFigureOut">
               <a:rPr lang="en-US" smtClean="0"/>
-              <a:t>4/7/2019</a:t>
+              <a:t>4/8/2019</a:t>
             </a:fld>
             <a:endParaRPr lang="en-US"/>
           </a:p>
@@ -1752,7 +1752,7 @@
           <a:ln/>
           <a:extLst>
             <a:ext uri="{91240B29-F687-4f45-9708-019B960494DF}">
-              <a14:hiddenLine xmlns="" xmlns:a14="http://schemas.microsoft.com/office/drawing/2010/main" w="9525">
+              <a14:hiddenLine xmlns:a14="http://schemas.microsoft.com/office/drawing/2010/main" xmlns="" w="9525">
                 <a:solidFill>
                   <a:srgbClr val="000000"/>
                 </a:solidFill>
@@ -1870,7 +1870,7 @@
           <a:p>
             <a:fld id="{F1FD765F-AC2D-42AA-A0E5-12A28983CCAB}" type="datetimeFigureOut">
               <a:rPr lang="en-US" smtClean="0"/>
-              <a:t>4/7/2019</a:t>
+              <a:t>4/8/2019</a:t>
             </a:fld>
             <a:endParaRPr lang="en-US"/>
           </a:p>
@@ -2027,7 +2027,7 @@
           <a:ln/>
           <a:extLst>
             <a:ext uri="{91240B29-F687-4f45-9708-019B960494DF}">
-              <a14:hiddenLine xmlns="" xmlns:a14="http://schemas.microsoft.com/office/drawing/2010/main" w="9525">
+              <a14:hiddenLine xmlns:a14="http://schemas.microsoft.com/office/drawing/2010/main" xmlns="" w="9525">
                 <a:solidFill>
                   <a:srgbClr val="000000"/>
                 </a:solidFill>
@@ -2155,7 +2155,7 @@
           <a:p>
             <a:fld id="{F1FD765F-AC2D-42AA-A0E5-12A28983CCAB}" type="datetimeFigureOut">
               <a:rPr lang="en-US" smtClean="0"/>
-              <a:t>4/7/2019</a:t>
+              <a:t>4/8/2019</a:t>
             </a:fld>
             <a:endParaRPr lang="en-US"/>
           </a:p>
@@ -2315,7 +2315,7 @@
           <a:ln/>
           <a:extLst>
             <a:ext uri="{91240B29-F687-4f45-9708-019B960494DF}">
-              <a14:hiddenLine xmlns="" xmlns:a14="http://schemas.microsoft.com/office/drawing/2010/main" w="9525">
+              <a14:hiddenLine xmlns:a14="http://schemas.microsoft.com/office/drawing/2010/main" xmlns="" w="9525">
                 <a:solidFill>
                   <a:srgbClr val="000000"/>
                 </a:solidFill>
@@ -2443,7 +2443,7 @@
           <a:p>
             <a:fld id="{F1FD765F-AC2D-42AA-A0E5-12A28983CCAB}" type="datetimeFigureOut">
               <a:rPr lang="en-US" smtClean="0"/>
-              <a:t>4/7/2019</a:t>
+              <a:t>4/8/2019</a:t>
             </a:fld>
             <a:endParaRPr lang="en-US"/>
           </a:p>
@@ -2786,7 +2786,7 @@
           <a:p>
             <a:fld id="{F1FD765F-AC2D-42AA-A0E5-12A28983CCAB}" type="datetimeFigureOut">
               <a:rPr lang="en-US" smtClean="0"/>
-              <a:t>4/7/2019</a:t>
+              <a:t>4/8/2019</a:t>
             </a:fld>
             <a:endParaRPr lang="en-US"/>
           </a:p>
@@ -2946,7 +2946,7 @@
           <a:ln/>
           <a:extLst>
             <a:ext uri="{91240B29-F687-4f45-9708-019B960494DF}">
-              <a14:hiddenLine xmlns="" xmlns:a14="http://schemas.microsoft.com/office/drawing/2010/main" w="9525">
+              <a14:hiddenLine xmlns:a14="http://schemas.microsoft.com/office/drawing/2010/main" xmlns="" w="9525">
                 <a:solidFill>
                   <a:srgbClr val="000000"/>
                 </a:solidFill>
@@ -3130,7 +3130,7 @@
           <a:p>
             <a:fld id="{F1FD765F-AC2D-42AA-A0E5-12A28983CCAB}" type="datetimeFigureOut">
               <a:rPr lang="en-US" smtClean="0"/>
-              <a:t>4/7/2019</a:t>
+              <a:t>4/8/2019</a:t>
             </a:fld>
             <a:endParaRPr lang="en-US"/>
           </a:p>
@@ -3285,7 +3285,7 @@
           <a:ln/>
           <a:extLst>
             <a:ext uri="{91240B29-F687-4f45-9708-019B960494DF}">
-              <a14:hiddenLine xmlns="" xmlns:a14="http://schemas.microsoft.com/office/drawing/2010/main" w="9525">
+              <a14:hiddenLine xmlns:a14="http://schemas.microsoft.com/office/drawing/2010/main" xmlns="" w="9525">
                 <a:solidFill>
                   <a:srgbClr val="000000"/>
                 </a:solidFill>
@@ -3607,7 +3607,7 @@
           <a:p>
             <a:fld id="{F1FD765F-AC2D-42AA-A0E5-12A28983CCAB}" type="datetimeFigureOut">
               <a:rPr lang="en-US" smtClean="0"/>
-              <a:t>4/7/2019</a:t>
+              <a:t>4/8/2019</a:t>
             </a:fld>
             <a:endParaRPr lang="en-US"/>
           </a:p>
@@ -3762,7 +3762,7 @@
           <a:ln/>
           <a:extLst>
             <a:ext uri="{91240B29-F687-4f45-9708-019B960494DF}">
-              <a14:hiddenLine xmlns="" xmlns:a14="http://schemas.microsoft.com/office/drawing/2010/main" w="9525">
+              <a14:hiddenLine xmlns:a14="http://schemas.microsoft.com/office/drawing/2010/main" xmlns="" w="9525">
                 <a:solidFill>
                   <a:srgbClr val="000000"/>
                 </a:solidFill>
@@ -3828,7 +3828,7 @@
           <a:p>
             <a:fld id="{F1FD765F-AC2D-42AA-A0E5-12A28983CCAB}" type="datetimeFigureOut">
               <a:rPr lang="en-US" smtClean="0"/>
-              <a:t>4/7/2019</a:t>
+              <a:t>4/8/2019</a:t>
             </a:fld>
             <a:endParaRPr lang="en-US"/>
           </a:p>
@@ -3923,7 +3923,7 @@
           <a:p>
             <a:fld id="{F1FD765F-AC2D-42AA-A0E5-12A28983CCAB}" type="datetimeFigureOut">
               <a:rPr lang="en-US" smtClean="0"/>
-              <a:t>4/7/2019</a:t>
+              <a:t>4/8/2019</a:t>
             </a:fld>
             <a:endParaRPr lang="en-US"/>
           </a:p>
@@ -4191,7 +4191,7 @@
           <a:ln/>
           <a:extLst>
             <a:ext uri="{91240B29-F687-4f45-9708-019B960494DF}">
-              <a14:hiddenLine xmlns="" xmlns:a14="http://schemas.microsoft.com/office/drawing/2010/main" w="9525">
+              <a14:hiddenLine xmlns:a14="http://schemas.microsoft.com/office/drawing/2010/main" xmlns="" w="9525">
                 <a:solidFill>
                   <a:srgbClr val="000000"/>
                 </a:solidFill>
@@ -4390,7 +4390,7 @@
           <a:p>
             <a:fld id="{F1FD765F-AC2D-42AA-A0E5-12A28983CCAB}" type="datetimeFigureOut">
               <a:rPr lang="en-US" smtClean="0"/>
-              <a:t>4/7/2019</a:t>
+              <a:t>4/8/2019</a:t>
             </a:fld>
             <a:endParaRPr lang="en-US"/>
           </a:p>
@@ -4703,7 +4703,7 @@
           <a:p>
             <a:fld id="{F1FD765F-AC2D-42AA-A0E5-12A28983CCAB}" type="datetimeFigureOut">
               <a:rPr lang="en-US" smtClean="0"/>
-              <a:t>4/7/2019</a:t>
+              <a:t>4/8/2019</a:t>
             </a:fld>
             <a:endParaRPr lang="en-US"/>
           </a:p>
@@ -4973,7 +4973,7 @@
           <a:p>
             <a:fld id="{F1FD765F-AC2D-42AA-A0E5-12A28983CCAB}" type="datetimeFigureOut">
               <a:rPr lang="en-US" smtClean="0"/>
-              <a:t>4/7/2019</a:t>
+              <a:t>4/8/2019</a:t>
             </a:fld>
             <a:endParaRPr lang="en-US"/>
           </a:p>
@@ -5413,6 +5413,14 @@
 <file path=ppt/slides/slide1.xml><?xml version="1.0" encoding="utf-8"?>
 <p:sld xmlns:a="http://schemas.openxmlformats.org/drawingml/2006/main" xmlns:r="http://schemas.openxmlformats.org/officeDocument/2006/relationships" xmlns:p="http://schemas.openxmlformats.org/presentationml/2006/main">
   <p:cSld>
+    <p:bg>
+      <p:bgPr>
+        <a:solidFill>
+          <a:schemeClr val="bg2"/>
+        </a:solidFill>
+        <a:effectLst/>
+      </p:bgPr>
+    </p:bg>
     <p:spTree>
       <p:nvGrpSpPr>
         <p:cNvPr id="1" name=""/>
@@ -5439,50 +5447,8 @@
         </p:nvSpPr>
         <p:spPr>
           <a:xfrm>
-            <a:off x="810001" y="1449147"/>
-            <a:ext cx="4983970" cy="2971051"/>
-          </a:xfrm>
-        </p:spPr>
-        <p:txBody>
-          <a:bodyPr/>
-          <a:lstStyle/>
-          <a:p>
-            <a:pPr algn="ctr"/>
-            <a:r>
-              <a:rPr lang="en-US" dirty="0"/>
-              <a:t>Do TNCs </a:t>
-            </a:r>
-            <a:br>
-              <a:rPr lang="en-US" dirty="0"/>
-            </a:br>
-            <a:r>
-              <a:rPr lang="en-US" dirty="0"/>
-              <a:t>affect</a:t>
-            </a:r>
-            <a:br>
-              <a:rPr lang="en-US" dirty="0"/>
-            </a:br>
-            <a:r>
-              <a:rPr lang="en-US" dirty="0"/>
-              <a:t>DUI Deaths?</a:t>
-            </a:r>
-          </a:p>
-        </p:txBody>
-      </p:sp>
-      <p:sp>
-        <p:nvSpPr>
-          <p:cNvPr id="3" name="Subtitle 2"/>
-          <p:cNvSpPr>
-            <a:spLocks noGrp="1"/>
-          </p:cNvSpPr>
-          <p:nvPr>
-            <p:ph type="subTitle" idx="1"/>
-          </p:nvPr>
-        </p:nvSpPr>
-        <p:spPr>
-          <a:xfrm>
-            <a:off x="406401" y="5280846"/>
-            <a:ext cx="4983970" cy="794833"/>
+            <a:off x="810002" y="639097"/>
+            <a:ext cx="4961534" cy="3781101"/>
           </a:xfrm>
         </p:spPr>
         <p:txBody>
@@ -5492,6 +5458,49 @@
           <a:lstStyle/>
           <a:p>
             <a:r>
+              <a:rPr lang="en-US"/>
+              <a:t>Do TNCs </a:t>
+            </a:r>
+            <a:br>
+              <a:rPr lang="en-US"/>
+            </a:br>
+            <a:r>
+              <a:rPr lang="en-US"/>
+              <a:t>affect</a:t>
+            </a:r>
+            <a:br>
+              <a:rPr lang="en-US"/>
+            </a:br>
+            <a:r>
+              <a:rPr lang="en-US"/>
+              <a:t>DUI Deaths?</a:t>
+            </a:r>
+          </a:p>
+        </p:txBody>
+      </p:sp>
+      <p:sp>
+        <p:nvSpPr>
+          <p:cNvPr id="3" name="Subtitle 2"/>
+          <p:cNvSpPr>
+            <a:spLocks noGrp="1"/>
+          </p:cNvSpPr>
+          <p:nvPr>
+            <p:ph type="subTitle" idx="1"/>
+          </p:nvPr>
+        </p:nvSpPr>
+        <p:spPr>
+          <a:xfrm>
+            <a:off x="810001" y="5280847"/>
+            <a:ext cx="4961535" cy="785656"/>
+          </a:xfrm>
+        </p:spPr>
+        <p:txBody>
+          <a:bodyPr>
+            <a:normAutofit/>
+          </a:bodyPr>
+          <a:lstStyle/>
+          <a:p>
+            <a:r>
               <a:rPr lang="en-US" dirty="0"/>
               <a:t>By Drew Russell, </a:t>
             </a:r>
@@ -5505,9 +5514,8 @@
             </a:r>
           </a:p>
           <a:p>
-            <a:pPr algn="ctr"/>
-            <a:r>
-              <a:rPr lang="en-US" dirty="0"/>
+            <a:r>
+              <a:rPr lang="en-US"/>
               <a:t>The [2] Amigos</a:t>
             </a:r>
           </a:p>
@@ -5521,7 +5529,7 @@
           </p:cNvPicPr>
           <p:nvPr/>
         </p:nvPicPr>
-        <p:blipFill>
+        <p:blipFill rotWithShape="1">
           <a:blip r:embed="rId2">
             <a:extLst>
               <a:ext uri="{28A0092B-C50C-407E-A947-70E740481C1C}">
@@ -5529,20 +5537,23 @@
               </a:ext>
             </a:extLst>
           </a:blip>
-          <a:srcRect/>
-          <a:stretch>
-            <a:fillRect/>
-          </a:stretch>
+          <a:srcRect t="4745" r="2" b="6253"/>
+          <a:stretch/>
         </p:blipFill>
         <p:spPr bwMode="auto">
           <a:xfrm>
-            <a:off x="6502168" y="277109"/>
-            <a:ext cx="4994290" cy="3157826"/>
+            <a:off x="6100916" y="3429000"/>
+            <a:ext cx="6091084" cy="3428999"/>
           </a:xfrm>
           <a:prstGeom prst="rect">
             <a:avLst/>
           </a:prstGeom>
           <a:noFill/>
+          <a:ln w="19050">
+            <a:solidFill>
+              <a:schemeClr val="accent1"/>
+            </a:solidFill>
+          </a:ln>
           <a:extLst>
             <a:ext uri="{909E8E84-426E-40DD-AFC4-6F175D3DCCD1}">
               <a14:hiddenFill xmlns:a14="http://schemas.microsoft.com/office/drawing/2010/main">
@@ -5562,7 +5573,7 @@
           </p:cNvPicPr>
           <p:nvPr/>
         </p:nvPicPr>
-        <p:blipFill>
+        <p:blipFill rotWithShape="1">
           <a:blip r:embed="rId3">
             <a:extLst>
               <a:ext uri="{28A0092B-C50C-407E-A947-70E740481C1C}">
@@ -5570,18 +5581,22 @@
               </a:ext>
             </a:extLst>
           </a:blip>
-          <a:stretch>
-            <a:fillRect/>
-          </a:stretch>
+          <a:srcRect r="81"/>
+          <a:stretch/>
         </p:blipFill>
         <p:spPr>
           <a:xfrm>
-            <a:off x="6497638" y="3725880"/>
-            <a:ext cx="4998820" cy="2816236"/>
+            <a:off x="6100916" y="10"/>
+            <a:ext cx="6091084" cy="3428989"/>
           </a:xfrm>
           <a:prstGeom prst="rect">
             <a:avLst/>
           </a:prstGeom>
+          <a:ln w="19050">
+            <a:solidFill>
+              <a:schemeClr val="accent1"/>
+            </a:solidFill>
+          </a:ln>
         </p:spPr>
       </p:pic>
     </p:spTree>
@@ -5661,7 +5676,7 @@
                 <a16:creationId xmlns:a16="http://schemas.microsoft.com/office/drawing/2014/main" id="{72319FFA-0E4F-4E0B-BEBA-A9DD4B41AAE9}"/>
               </a:ext>
               <a:ext uri="{C183D7F6-B498-43B3-948B-1728B52AA6E4}">
-                <adec:decorative xmlns:adec="http://schemas.microsoft.com/office/drawing/2017/decorative" xmlns="" val="1"/>
+                <adec:decorative xmlns:adec="http://schemas.microsoft.com/office/drawing/2017/decorative" val="1"/>
               </a:ext>
             </a:extLst>
           </p:cNvPr>
@@ -5905,7 +5920,7 @@
           <a:p>
             <a:r>
               <a:rPr lang="en-US" dirty="0"/>
-              <a:t>Export CSVs into </a:t>
+              <a:t>Import CSVs into </a:t>
             </a:r>
             <a:r>
               <a:rPr lang="en-US" dirty="0" err="1"/>
@@ -5997,7 +6012,7 @@
                 <a16:creationId xmlns:a16="http://schemas.microsoft.com/office/drawing/2014/main" id="{E2264E67-6F59-4D8D-8E5F-8245B0FEAE76}"/>
               </a:ext>
               <a:ext uri="{C183D7F6-B498-43B3-948B-1728B52AA6E4}">
-                <adec:decorative xmlns:adec="http://schemas.microsoft.com/office/drawing/2017/decorative" xmlns="" val="1"/>
+                <adec:decorative xmlns:adec="http://schemas.microsoft.com/office/drawing/2017/decorative" val="1"/>
               </a:ext>
             </a:extLst>
           </p:cNvPr>
@@ -6060,7 +6075,7 @@
                 <a16:creationId xmlns:a16="http://schemas.microsoft.com/office/drawing/2014/main" id="{158E1C6E-D299-4F5D-B15B-155EBF7F62FD}"/>
               </a:ext>
               <a:ext uri="{C183D7F6-B498-43B3-948B-1728B52AA6E4}">
-                <adec:decorative xmlns:adec="http://schemas.microsoft.com/office/drawing/2017/decorative" xmlns="" val="1"/>
+                <adec:decorative xmlns:adec="http://schemas.microsoft.com/office/drawing/2017/decorative" val="1"/>
               </a:ext>
             </a:extLst>
           </p:cNvPr>
@@ -6439,7 +6454,7 @@
                 <a16:creationId xmlns:a16="http://schemas.microsoft.com/office/drawing/2014/main" id="{E2264E67-6F59-4D8D-8E5F-8245B0FEAE76}"/>
               </a:ext>
               <a:ext uri="{C183D7F6-B498-43B3-948B-1728B52AA6E4}">
-                <adec:decorative xmlns:adec="http://schemas.microsoft.com/office/drawing/2017/decorative" xmlns="" val="1"/>
+                <adec:decorative xmlns:adec="http://schemas.microsoft.com/office/drawing/2017/decorative" val="1"/>
               </a:ext>
             </a:extLst>
           </p:cNvPr>
@@ -6502,7 +6517,7 @@
                 <a16:creationId xmlns:a16="http://schemas.microsoft.com/office/drawing/2014/main" id="{158E1C6E-D299-4F5D-B15B-155EBF7F62FD}"/>
               </a:ext>
               <a:ext uri="{C183D7F6-B498-43B3-948B-1728B52AA6E4}">
-                <adec:decorative xmlns:adec="http://schemas.microsoft.com/office/drawing/2017/decorative" xmlns="" val="1"/>
+                <adec:decorative xmlns:adec="http://schemas.microsoft.com/office/drawing/2017/decorative" val="1"/>
               </a:ext>
             </a:extLst>
           </p:cNvPr>
@@ -6881,7 +6896,7 @@
                 <a16:creationId xmlns:a16="http://schemas.microsoft.com/office/drawing/2014/main" id="{E2264E67-6F59-4D8D-8E5F-8245B0FEAE76}"/>
               </a:ext>
               <a:ext uri="{C183D7F6-B498-43B3-948B-1728B52AA6E4}">
-                <adec:decorative xmlns:adec="http://schemas.microsoft.com/office/drawing/2017/decorative" xmlns="" val="1"/>
+                <adec:decorative xmlns:adec="http://schemas.microsoft.com/office/drawing/2017/decorative" val="1"/>
               </a:ext>
             </a:extLst>
           </p:cNvPr>
@@ -6944,7 +6959,7 @@
                 <a16:creationId xmlns:a16="http://schemas.microsoft.com/office/drawing/2014/main" id="{158E1C6E-D299-4F5D-B15B-155EBF7F62FD}"/>
               </a:ext>
               <a:ext uri="{C183D7F6-B498-43B3-948B-1728B52AA6E4}">
-                <adec:decorative xmlns:adec="http://schemas.microsoft.com/office/drawing/2017/decorative" xmlns="" val="1"/>
+                <adec:decorative xmlns:adec="http://schemas.microsoft.com/office/drawing/2017/decorative" val="1"/>
               </a:ext>
             </a:extLst>
           </p:cNvPr>
@@ -7341,7 +7356,7 @@
                 <a16:creationId xmlns:a16="http://schemas.microsoft.com/office/drawing/2014/main" id="{E2264E67-6F59-4D8D-8E5F-8245B0FEAE76}"/>
               </a:ext>
               <a:ext uri="{C183D7F6-B498-43B3-948B-1728B52AA6E4}">
-                <adec:decorative xmlns:adec="http://schemas.microsoft.com/office/drawing/2017/decorative" xmlns="" val="1"/>
+                <adec:decorative xmlns:adec="http://schemas.microsoft.com/office/drawing/2017/decorative" val="1"/>
               </a:ext>
             </a:extLst>
           </p:cNvPr>
@@ -7404,7 +7419,7 @@
                 <a16:creationId xmlns:a16="http://schemas.microsoft.com/office/drawing/2014/main" id="{158E1C6E-D299-4F5D-B15B-155EBF7F62FD}"/>
               </a:ext>
               <a:ext uri="{C183D7F6-B498-43B3-948B-1728B52AA6E4}">
-                <adec:decorative xmlns:adec="http://schemas.microsoft.com/office/drawing/2017/decorative" xmlns="" val="1"/>
+                <adec:decorative xmlns:adec="http://schemas.microsoft.com/office/drawing/2017/decorative" val="1"/>
               </a:ext>
             </a:extLst>
           </p:cNvPr>
@@ -7831,13 +7846,13 @@
       </p:grpSpPr>
       <p:sp>
         <p:nvSpPr>
-          <p:cNvPr id="13" name="Rectangle 12">
+          <p:cNvPr id="20" name="Rectangle 19">
             <a:extLst>
               <a:ext uri="{FF2B5EF4-FFF2-40B4-BE49-F238E27FC236}">
                 <a16:creationId xmlns:a16="http://schemas.microsoft.com/office/drawing/2014/main" id="{E2264E67-6F59-4D8D-8E5F-8245B0FEAE76}"/>
               </a:ext>
               <a:ext uri="{C183D7F6-B498-43B3-948B-1728B52AA6E4}">
-                <adec:decorative xmlns:adec="http://schemas.microsoft.com/office/drawing/2017/decorative" xmlns="" val="1"/>
+                <adec:decorative xmlns:adec="http://schemas.microsoft.com/office/drawing/2017/decorative" val="1"/>
               </a:ext>
             </a:extLst>
           </p:cNvPr>
@@ -7894,13 +7909,13 @@
       </p:sp>
       <p:sp>
         <p:nvSpPr>
-          <p:cNvPr id="15" name="Freeform 23">
+          <p:cNvPr id="22" name="Freeform 23">
             <a:extLst>
               <a:ext uri="{FF2B5EF4-FFF2-40B4-BE49-F238E27FC236}">
                 <a16:creationId xmlns:a16="http://schemas.microsoft.com/office/drawing/2014/main" id="{158E1C6E-D299-4F5D-B15B-155EBF7F62FD}"/>
               </a:ext>
               <a:ext uri="{C183D7F6-B498-43B3-948B-1728B52AA6E4}">
-                <adec:decorative xmlns:adec="http://schemas.microsoft.com/office/drawing/2017/decorative" xmlns="" val="1"/>
+                <adec:decorative xmlns:adec="http://schemas.microsoft.com/office/drawing/2017/decorative" val="1"/>
               </a:ext>
             </a:extLst>
           </p:cNvPr>
@@ -8112,12 +8127,12 @@
           <a:p>
             <a:pPr algn="ctr"/>
             <a:r>
-              <a:rPr lang="en-US" sz="3200">
+              <a:rPr lang="en-US" sz="3200" dirty="0">
                 <a:solidFill>
                   <a:srgbClr val="FFFFFF"/>
                 </a:solidFill>
               </a:rPr>
-              <a:t>DUI Deaths by State (2012)</a:t>
+              <a:t>DUI Deaths by State (2014)</a:t>
             </a:r>
           </a:p>
         </p:txBody>
@@ -8172,7 +8187,7 @@
                   <a:srgbClr val="FFFFFF"/>
                 </a:solidFill>
               </a:rPr>
-              <a:t>Lowest in Massachusetts</a:t>
+              <a:t>Lowest in New Hampshire</a:t>
             </a:r>
           </a:p>
           <a:p>
@@ -8193,7 +8208,7 @@
                   <a:srgbClr val="FFFFFF"/>
                 </a:solidFill>
               </a:rPr>
-              <a:t>Highest in South Carolina</a:t>
+              <a:t>Highest in Mississippi</a:t>
             </a:r>
           </a:p>
           <a:p>
@@ -8204,7 +8219,7 @@
                   <a:srgbClr val="FFFFFF"/>
                 </a:solidFill>
               </a:rPr>
-              <a:t>Lowest in New York</a:t>
+              <a:t>Lowest in Illinois</a:t>
             </a:r>
           </a:p>
           <a:p>
@@ -8225,7 +8240,7 @@
                   <a:srgbClr val="FFFFFF"/>
                 </a:solidFill>
               </a:rPr>
-              <a:t>Highest in North Dakota</a:t>
+              <a:t>Highest in Wyoming</a:t>
             </a:r>
           </a:p>
           <a:p>
@@ -8236,7 +8251,7 @@
                   <a:srgbClr val="FFFFFF"/>
                 </a:solidFill>
               </a:rPr>
-              <a:t>Lowest in New Mexico</a:t>
+              <a:t>Lowest in New Hampshire</a:t>
             </a:r>
           </a:p>
           <a:p>
@@ -8250,7 +8265,13 @@
       </p:sp>
       <p:pic>
         <p:nvPicPr>
-          <p:cNvPr id="8" name="Content Placeholder 4"/>
+          <p:cNvPr id="5" name="Picture 4">
+            <a:extLst>
+              <a:ext uri="{FF2B5EF4-FFF2-40B4-BE49-F238E27FC236}">
+                <a16:creationId xmlns:a16="http://schemas.microsoft.com/office/drawing/2014/main" id="{1D4009BA-BAC3-4841-A001-8E7676357E8B}"/>
+              </a:ext>
+            </a:extLst>
+          </p:cNvPr>
           <p:cNvPicPr>
             <a:picLocks noChangeAspect="1"/>
           </p:cNvPicPr>
@@ -8270,8 +8291,8 @@
         </p:blipFill>
         <p:spPr>
           <a:xfrm>
-            <a:off x="4793911" y="713557"/>
-            <a:ext cx="7241183" cy="5430886"/>
+            <a:off x="4985515" y="757824"/>
+            <a:ext cx="6914370" cy="5185776"/>
           </a:xfrm>
           <a:prstGeom prst="roundRect">
             <a:avLst>
@@ -8332,7 +8353,7 @@
                 <a16:creationId xmlns:a16="http://schemas.microsoft.com/office/drawing/2014/main" id="{E2264E67-6F59-4D8D-8E5F-8245B0FEAE76}"/>
               </a:ext>
               <a:ext uri="{C183D7F6-B498-43B3-948B-1728B52AA6E4}">
-                <adec:decorative xmlns:adec="http://schemas.microsoft.com/office/drawing/2017/decorative" xmlns="" val="1"/>
+                <adec:decorative xmlns:adec="http://schemas.microsoft.com/office/drawing/2017/decorative" val="1"/>
               </a:ext>
             </a:extLst>
           </p:cNvPr>
@@ -8395,7 +8416,7 @@
                 <a16:creationId xmlns:a16="http://schemas.microsoft.com/office/drawing/2014/main" id="{158E1C6E-D299-4F5D-B15B-155EBF7F62FD}"/>
               </a:ext>
               <a:ext uri="{C183D7F6-B498-43B3-948B-1728B52AA6E4}">
-                <adec:decorative xmlns:adec="http://schemas.microsoft.com/office/drawing/2017/decorative" xmlns="" val="1"/>
+                <adec:decorative xmlns:adec="http://schemas.microsoft.com/office/drawing/2017/decorative" val="1"/>
               </a:ext>
             </a:extLst>
           </p:cNvPr>
@@ -8812,7 +8833,7 @@
                 <a16:creationId xmlns:a16="http://schemas.microsoft.com/office/drawing/2014/main" id="{089A69AF-D57B-49B4-886C-D4A5DC194421}"/>
               </a:ext>
               <a:ext uri="{C183D7F6-B498-43B3-948B-1728B52AA6E4}">
-                <adec:decorative xmlns:adec="http://schemas.microsoft.com/office/drawing/2017/decorative" xmlns="" val="1"/>
+                <adec:decorative xmlns:adec="http://schemas.microsoft.com/office/drawing/2017/decorative" val="1"/>
               </a:ext>
             </a:extLst>
           </p:cNvPr>
@@ -8872,7 +8893,7 @@
                 <a16:creationId xmlns:a16="http://schemas.microsoft.com/office/drawing/2014/main" id="{CABDC08D-6093-4397-92D4-54D00E2BB1C2}"/>
               </a:ext>
               <a:ext uri="{C183D7F6-B498-43B3-948B-1728B52AA6E4}">
-                <adec:decorative xmlns:adec="http://schemas.microsoft.com/office/drawing/2017/decorative" xmlns="" val="1"/>
+                <adec:decorative xmlns:adec="http://schemas.microsoft.com/office/drawing/2017/decorative" val="1"/>
               </a:ext>
             </a:extLst>
           </p:cNvPr>
@@ -9077,7 +9098,7 @@
           <a:effectLst/>
           <a:extLst>
             <a:ext uri="{91240B29-F687-4f45-9708-019B960494DF}">
-              <a14:hiddenLine xmlns:a14="http://schemas.microsoft.com/office/drawing/2010/main" xmlns:p14="http://schemas.microsoft.com/office/powerpoint/2010/main" xmlns:a16="http://schemas.microsoft.com/office/drawing/2014/main" xmlns="" w="9525">
+              <a14:hiddenLine xmlns="" xmlns:a16="http://schemas.microsoft.com/office/drawing/2014/main" xmlns:p14="http://schemas.microsoft.com/office/powerpoint/2010/main" xmlns:a14="http://schemas.microsoft.com/office/drawing/2010/main" w="9525">
                 <a:solidFill>
                   <a:srgbClr val="000000"/>
                 </a:solidFill>
@@ -9172,13 +9193,6 @@
             <a:r>
               <a:rPr lang="en-US" sz="2000" dirty="0"/>
               <a:t>Ages 21-34 had the highest rates as well as the highest correlation</a:t>
-            </a:r>
-          </a:p>
-          <a:p>
-            <a:pPr lvl="1"/>
-            <a:r>
-              <a:rPr lang="en-US" sz="1800" dirty="0"/>
-              <a:t>Status of state rates remained the same</a:t>
             </a:r>
           </a:p>
           <a:p>
@@ -9242,7 +9256,7 @@
                 <a16:creationId xmlns:a16="http://schemas.microsoft.com/office/drawing/2014/main" id="{F1E0D4A3-ECB8-4689-ABDB-9CE848CE83B9}"/>
               </a:ext>
               <a:ext uri="{C183D7F6-B498-43B3-948B-1728B52AA6E4}">
-                <adec:decorative xmlns:adec="http://schemas.microsoft.com/office/drawing/2017/decorative" xmlns="" val="1"/>
+                <adec:decorative xmlns:adec="http://schemas.microsoft.com/office/drawing/2017/decorative" val="1"/>
               </a:ext>
             </a:extLst>
           </p:cNvPr>
@@ -9343,7 +9357,7 @@
                 <a16:creationId xmlns:a16="http://schemas.microsoft.com/office/drawing/2014/main" id="{8854772B-9C8F-4037-89E0-3A45208AB395}"/>
               </a:ext>
               <a:ext uri="{C183D7F6-B498-43B3-948B-1728B52AA6E4}">
-                <adec:decorative xmlns:adec="http://schemas.microsoft.com/office/drawing/2017/decorative" xmlns="" val="1"/>
+                <adec:decorative xmlns:adec="http://schemas.microsoft.com/office/drawing/2017/decorative" val="1"/>
               </a:ext>
             </a:extLst>
           </p:cNvPr>
@@ -9726,15 +9740,9 @@
               <a:rPr lang="en-US" sz="1400" dirty="0">
                 <a:hlinkClick r:id="rId4"/>
               </a:rPr>
-              <a:t>https://</a:t>
-            </a:r>
-            <a:r>
-              <a:rPr lang="en-US" sz="1400" dirty="0" smtClean="0">
-                <a:hlinkClick r:id="rId4"/>
-              </a:rPr>
-              <a:t>s3.amazonaws.com/uber-static/comms/PDF/Uber_Driver-Partners_Hall_Kreuger_2015.pdf</a:t>
-            </a:r>
-            <a:endParaRPr lang="en-US" sz="1400" dirty="0" smtClean="0"/>
+              <a:t>https://s3.amazonaws.com/uber-static/comms/PDF/Uber_Driver-Partners_Hall_Kreuger_2015.pdf</a:t>
+            </a:r>
+            <a:endParaRPr lang="en-US" sz="1400" dirty="0"/>
           </a:p>
           <a:p>
             <a:r>
@@ -9825,6 +9833,14 @@
 <file path=ppt/slides/slide2.xml><?xml version="1.0" encoding="utf-8"?>
 <p:sld xmlns:a="http://schemas.openxmlformats.org/drawingml/2006/main" xmlns:r="http://schemas.openxmlformats.org/officeDocument/2006/relationships" xmlns:p="http://schemas.openxmlformats.org/presentationml/2006/main">
   <p:cSld>
+    <p:bg>
+      <p:bgPr>
+        <a:solidFill>
+          <a:schemeClr val="bg2"/>
+        </a:solidFill>
+        <a:effectLst/>
+      </p:bgPr>
+    </p:bg>
     <p:spTree>
       <p:nvGrpSpPr>
         <p:cNvPr id="1" name=""/>
@@ -9849,48 +9865,55 @@
             <p:ph type="title"/>
           </p:nvPr>
         </p:nvSpPr>
-        <p:spPr/>
-        <p:txBody>
-          <a:bodyPr/>
-          <a:lstStyle/>
-          <a:p>
-            <a:r>
-              <a:rPr lang="en-US" dirty="0"/>
-              <a:t>Transportation Network Company (TNC)</a:t>
-            </a:r>
-          </a:p>
-        </p:txBody>
-      </p:sp>
-      <p:sp>
-        <p:nvSpPr>
-          <p:cNvPr id="3" name="Content Placeholder 2"/>
-          <p:cNvSpPr>
-            <a:spLocks noGrp="1"/>
-          </p:cNvSpPr>
-          <p:nvPr>
-            <p:ph idx="1"/>
-          </p:nvPr>
-        </p:nvSpPr>
         <p:spPr>
           <a:xfrm>
-            <a:off x="818712" y="2222287"/>
-            <a:ext cx="5058386" cy="4328142"/>
+            <a:off x="810000" y="447188"/>
+            <a:ext cx="10571998" cy="970450"/>
           </a:xfrm>
         </p:spPr>
         <p:txBody>
-          <a:bodyPr anchor="t">
+          <a:bodyPr>
             <a:normAutofit/>
           </a:bodyPr>
           <a:lstStyle/>
           <a:p>
             <a:r>
-              <a:rPr lang="en-US" sz="2000" dirty="0"/>
+              <a:rPr lang="en-US" dirty="0"/>
+              <a:t>Transportation Network Company (TNC)</a:t>
+            </a:r>
+          </a:p>
+        </p:txBody>
+      </p:sp>
+      <p:sp>
+        <p:nvSpPr>
+          <p:cNvPr id="3" name="Content Placeholder 2"/>
+          <p:cNvSpPr>
+            <a:spLocks noGrp="1"/>
+          </p:cNvSpPr>
+          <p:nvPr>
+            <p:ph idx="1"/>
+          </p:nvPr>
+        </p:nvSpPr>
+        <p:spPr>
+          <a:xfrm>
+            <a:off x="810000" y="2413000"/>
+            <a:ext cx="7052733" cy="3632200"/>
+          </a:xfrm>
+        </p:spPr>
+        <p:txBody>
+          <a:bodyPr>
+            <a:normAutofit/>
+          </a:bodyPr>
+          <a:lstStyle/>
+          <a:p>
+            <a:r>
+              <a:rPr lang="en-US"/>
               <a:t>Also known as mobility service provider (MSP) or ride-hailing service</a:t>
             </a:r>
           </a:p>
           <a:p>
             <a:r>
-              <a:rPr lang="en-US" sz="2000" dirty="0"/>
+              <a:rPr lang="en-US"/>
               <a:t>Defined as a company that uses an online-enabled platform to connect passengers with drivers using their personal, non-commercial vehicles</a:t>
             </a:r>
           </a:p>
@@ -9915,30 +9938,6 @@
           </a:p>
         </p:txBody>
       </p:sp>
-      <p:pic>
-        <p:nvPicPr>
-          <p:cNvPr id="4" name="Picture 3"/>
-          <p:cNvPicPr>
-            <a:picLocks noChangeAspect="1"/>
-          </p:cNvPicPr>
-          <p:nvPr/>
-        </p:nvPicPr>
-        <p:blipFill>
-          <a:blip r:embed="rId2"/>
-          <a:stretch>
-            <a:fillRect/>
-          </a:stretch>
-        </p:blipFill>
-        <p:spPr>
-          <a:xfrm>
-            <a:off x="6018414" y="2093000"/>
-            <a:ext cx="5827362" cy="1902063"/>
-          </a:xfrm>
-          <a:prstGeom prst="rect">
-            <a:avLst/>
-          </a:prstGeom>
-        </p:spPr>
-      </p:pic>
       <p:pic>
         <p:nvPicPr>
           <p:cNvPr id="1030" name="Picture 6" descr="Related image"/>
@@ -9947,28 +9946,34 @@
           </p:cNvPicPr>
           <p:nvPr/>
         </p:nvPicPr>
-        <p:blipFill>
-          <a:blip r:embed="rId3">
+        <p:blipFill rotWithShape="1">
+          <a:blip r:embed="rId2" cstate="print">
             <a:extLst>
               <a:ext uri="{28A0092B-C50C-407E-A947-70E740481C1C}">
                 <a14:useLocalDpi xmlns:a14="http://schemas.microsoft.com/office/drawing/2010/main" val="0"/>
               </a:ext>
             </a:extLst>
           </a:blip>
-          <a:srcRect/>
-          <a:stretch>
-            <a:fillRect/>
-          </a:stretch>
+          <a:srcRect l="5913" r="9982" b="-5"/>
+          <a:stretch/>
         </p:blipFill>
         <p:spPr bwMode="auto">
           <a:xfrm>
-            <a:off x="6510111" y="4053914"/>
-            <a:ext cx="4993029" cy="2496515"/>
+            <a:off x="8470370" y="2413000"/>
+            <a:ext cx="2913062" cy="1731885"/>
           </a:xfrm>
-          <a:prstGeom prst="rect">
-            <a:avLst/>
+          <a:prstGeom prst="roundRect">
+            <a:avLst>
+              <a:gd name="adj" fmla="val 5343"/>
+            </a:avLst>
           </a:prstGeom>
           <a:noFill/>
+          <a:ln>
+            <a:solidFill>
+              <a:schemeClr val="accent1"/>
+            </a:solidFill>
+          </a:ln>
+          <a:effectLst/>
           <a:extLst>
             <a:ext uri="{909E8E84-426E-40DD-AFC4-6F175D3DCCD1}">
               <a14:hiddenFill xmlns:a14="http://schemas.microsoft.com/office/drawing/2010/main">
@@ -9978,6 +9983,37 @@
               </a14:hiddenFill>
             </a:ext>
           </a:extLst>
+        </p:spPr>
+      </p:pic>
+      <p:pic>
+        <p:nvPicPr>
+          <p:cNvPr id="4" name="Picture 3"/>
+          <p:cNvPicPr>
+            <a:picLocks noChangeAspect="1"/>
+          </p:cNvPicPr>
+          <p:nvPr/>
+        </p:nvPicPr>
+        <p:blipFill rotWithShape="1">
+          <a:blip r:embed="rId3"/>
+          <a:srcRect l="26603" r="18309" b="-4"/>
+          <a:stretch/>
+        </p:blipFill>
+        <p:spPr>
+          <a:xfrm>
+            <a:off x="8470369" y="4309476"/>
+            <a:ext cx="2913062" cy="1731885"/>
+          </a:xfrm>
+          <a:prstGeom prst="roundRect">
+            <a:avLst>
+              <a:gd name="adj" fmla="val 5832"/>
+            </a:avLst>
+          </a:prstGeom>
+          <a:ln>
+            <a:solidFill>
+              <a:schemeClr val="accent1"/>
+            </a:solidFill>
+          </a:ln>
+          <a:effectLst/>
         </p:spPr>
       </p:pic>
     </p:spTree>
@@ -9996,6 +10032,14 @@
 <file path=ppt/slides/slide3.xml><?xml version="1.0" encoding="utf-8"?>
 <p:sld xmlns:a="http://schemas.openxmlformats.org/drawingml/2006/main" xmlns:r="http://schemas.openxmlformats.org/officeDocument/2006/relationships" xmlns:p="http://schemas.openxmlformats.org/presentationml/2006/main">
   <p:cSld>
+    <p:bg>
+      <p:bgPr>
+        <a:solidFill>
+          <a:schemeClr val="bg2"/>
+        </a:solidFill>
+        <a:effectLst/>
+      </p:bgPr>
+    </p:bg>
     <p:spTree>
       <p:nvGrpSpPr>
         <p:cNvPr id="1" name=""/>
@@ -10010,81 +10054,6 @@
           <a:chExt cx="0" cy="0"/>
         </a:xfrm>
       </p:grpSpPr>
-      <p:sp>
-        <p:nvSpPr>
-          <p:cNvPr id="2" name="Title 1"/>
-          <p:cNvSpPr>
-            <a:spLocks noGrp="1"/>
-          </p:cNvSpPr>
-          <p:nvPr>
-            <p:ph type="title"/>
-          </p:nvPr>
-        </p:nvSpPr>
-        <p:spPr/>
-        <p:txBody>
-          <a:bodyPr/>
-          <a:lstStyle/>
-          <a:p>
-            <a:r>
-              <a:rPr lang="en-US" dirty="0"/>
-              <a:t>Lyft</a:t>
-            </a:r>
-          </a:p>
-        </p:txBody>
-      </p:sp>
-      <p:sp>
-        <p:nvSpPr>
-          <p:cNvPr id="3" name="Content Placeholder 2"/>
-          <p:cNvSpPr>
-            <a:spLocks noGrp="1"/>
-          </p:cNvSpPr>
-          <p:nvPr>
-            <p:ph idx="1"/>
-          </p:nvPr>
-        </p:nvSpPr>
-        <p:spPr>
-          <a:xfrm>
-            <a:off x="818712" y="2222287"/>
-            <a:ext cx="5357644" cy="4336455"/>
-          </a:xfrm>
-        </p:spPr>
-        <p:txBody>
-          <a:bodyPr anchor="t">
-            <a:normAutofit/>
-          </a:bodyPr>
-          <a:lstStyle/>
-          <a:p>
-            <a:r>
-              <a:rPr lang="en-US" dirty="0"/>
-              <a:t>Lyft was launched in 2012 in San Francisco by Logan Green and John Zimmer as a service of </a:t>
-            </a:r>
-            <a:r>
-              <a:rPr lang="en-US" dirty="0" err="1"/>
-              <a:t>Zimride</a:t>
-            </a:r>
-            <a:r>
-              <a:rPr lang="en-US" dirty="0"/>
-              <a:t>, a ridesharing company the two founded in 2007 </a:t>
-            </a:r>
-            <a:endParaRPr lang="en-US" dirty="0" smtClean="0"/>
-          </a:p>
-          <a:p>
-            <a:r>
-              <a:rPr lang="en-US" dirty="0" smtClean="0"/>
-              <a:t>Revenue of $</a:t>
-            </a:r>
-            <a:r>
-              <a:rPr lang="en-US" dirty="0"/>
-              <a:t>2.157 </a:t>
-            </a:r>
-            <a:r>
-              <a:rPr lang="en-US" dirty="0" smtClean="0"/>
-              <a:t>billion as of 2018</a:t>
-            </a:r>
-            <a:endParaRPr lang="en-US" dirty="0"/>
-          </a:p>
-        </p:txBody>
-      </p:sp>
       <p:pic>
         <p:nvPicPr>
           <p:cNvPr id="3074" name="Picture 2" descr="Image result for lyft"/>
@@ -10093,23 +10062,28 @@
           </p:cNvPicPr>
           <p:nvPr/>
         </p:nvPicPr>
-        <p:blipFill>
+        <p:blipFill rotWithShape="1">
           <a:blip r:embed="rId2">
+            <a:duotone>
+              <a:schemeClr val="accent1">
+                <a:shade val="45000"/>
+                <a:satMod val="135000"/>
+              </a:schemeClr>
+              <a:prstClr val="white"/>
+            </a:duotone>
             <a:extLst>
               <a:ext uri="{28A0092B-C50C-407E-A947-70E740481C1C}">
                 <a14:useLocalDpi xmlns:a14="http://schemas.microsoft.com/office/drawing/2010/main" val="0"/>
               </a:ext>
             </a:extLst>
           </a:blip>
-          <a:srcRect/>
-          <a:stretch>
-            <a:fillRect/>
-          </a:stretch>
+          <a:srcRect l="14899" r="35558" b="-1"/>
+          <a:stretch/>
         </p:blipFill>
         <p:spPr bwMode="auto">
           <a:xfrm>
-            <a:off x="6666806" y="2724554"/>
-            <a:ext cx="5159837" cy="2880909"/>
+            <a:off x="6108700" y="-1"/>
+            <a:ext cx="6094450" cy="6858001"/>
           </a:xfrm>
           <a:prstGeom prst="rect">
             <a:avLst/>
@@ -10126,6 +10100,276 @@
           </a:extLst>
         </p:spPr>
       </p:pic>
+      <p:sp>
+        <p:nvSpPr>
+          <p:cNvPr id="71" name="Freeform 16">
+            <a:extLst>
+              <a:ext uri="{FF2B5EF4-FFF2-40B4-BE49-F238E27FC236}">
+                <a16:creationId xmlns:a16="http://schemas.microsoft.com/office/drawing/2014/main" id="{3994EE40-F54F-48E5-826B-B45158209684}"/>
+              </a:ext>
+              <a:ext uri="{C183D7F6-B498-43B3-948B-1728B52AA6E4}">
+                <adec:decorative xmlns:adec="http://schemas.microsoft.com/office/drawing/2017/decorative" val="1"/>
+              </a:ext>
+            </a:extLst>
+          </p:cNvPr>
+          <p:cNvSpPr>
+            <a:spLocks noGrp="1" noRot="1" noChangeAspect="1" noMove="1" noResize="1" noEditPoints="1" noAdjustHandles="1" noChangeArrowheads="1" noChangeShapeType="1" noTextEdit="1"/>
+          </p:cNvSpPr>
+          <p:nvPr>
+            <p:extLst>
+              <p:ext uri="{386F3935-93C4-4BCD-93E2-E3B085C9AB24}">
+                <p16:designElem xmlns:p16="http://schemas.microsoft.com/office/powerpoint/2015/main" val="1"/>
+              </p:ext>
+            </p:extLst>
+          </p:nvPr>
+        </p:nvSpPr>
+        <p:spPr bwMode="white">
+          <a:xfrm>
+            <a:off x="0" y="0"/>
+            <a:ext cx="6485467" cy="6858000"/>
+          </a:xfrm>
+          <a:custGeom>
+            <a:avLst/>
+            <a:gdLst>
+              <a:gd name="connsiteX0" fmla="*/ 0 w 6485467"/>
+              <a:gd name="connsiteY0" fmla="*/ 0 h 6858000"/>
+              <a:gd name="connsiteX1" fmla="*/ 6485467 w 6485467"/>
+              <a:gd name="connsiteY1" fmla="*/ 0 h 6858000"/>
+              <a:gd name="connsiteX2" fmla="*/ 6485467 w 6485467"/>
+              <a:gd name="connsiteY2" fmla="*/ 1900238 h 6858000"/>
+              <a:gd name="connsiteX3" fmla="*/ 6115051 w 6485467"/>
+              <a:gd name="connsiteY3" fmla="*/ 2178050 h 6858000"/>
+              <a:gd name="connsiteX4" fmla="*/ 6110817 w 6485467"/>
+              <a:gd name="connsiteY4" fmla="*/ 2184400 h 6858000"/>
+              <a:gd name="connsiteX5" fmla="*/ 6104467 w 6485467"/>
+              <a:gd name="connsiteY5" fmla="*/ 2193925 h 6858000"/>
+              <a:gd name="connsiteX6" fmla="*/ 6098117 w 6485467"/>
+              <a:gd name="connsiteY6" fmla="*/ 2201863 h 6858000"/>
+              <a:gd name="connsiteX7" fmla="*/ 6098117 w 6485467"/>
+              <a:gd name="connsiteY7" fmla="*/ 2211388 h 6858000"/>
+              <a:gd name="connsiteX8" fmla="*/ 6098117 w 6485467"/>
+              <a:gd name="connsiteY8" fmla="*/ 2220913 h 6858000"/>
+              <a:gd name="connsiteX9" fmla="*/ 6104467 w 6485467"/>
+              <a:gd name="connsiteY9" fmla="*/ 2228850 h 6858000"/>
+              <a:gd name="connsiteX10" fmla="*/ 6110817 w 6485467"/>
+              <a:gd name="connsiteY10" fmla="*/ 2238375 h 6858000"/>
+              <a:gd name="connsiteX11" fmla="*/ 6115051 w 6485467"/>
+              <a:gd name="connsiteY11" fmla="*/ 2244725 h 6858000"/>
+              <a:gd name="connsiteX12" fmla="*/ 6485467 w 6485467"/>
+              <a:gd name="connsiteY12" fmla="*/ 2522538 h 6858000"/>
+              <a:gd name="connsiteX13" fmla="*/ 6485467 w 6485467"/>
+              <a:gd name="connsiteY13" fmla="*/ 6858000 h 6858000"/>
+              <a:gd name="connsiteX14" fmla="*/ 0 w 6485467"/>
+              <a:gd name="connsiteY14" fmla="*/ 6858000 h 6858000"/>
+            </a:gdLst>
+            <a:ahLst/>
+            <a:cxnLst>
+              <a:cxn ang="0">
+                <a:pos x="connsiteX0" y="connsiteY0"/>
+              </a:cxn>
+              <a:cxn ang="0">
+                <a:pos x="connsiteX1" y="connsiteY1"/>
+              </a:cxn>
+              <a:cxn ang="0">
+                <a:pos x="connsiteX2" y="connsiteY2"/>
+              </a:cxn>
+              <a:cxn ang="0">
+                <a:pos x="connsiteX3" y="connsiteY3"/>
+              </a:cxn>
+              <a:cxn ang="0">
+                <a:pos x="connsiteX4" y="connsiteY4"/>
+              </a:cxn>
+              <a:cxn ang="0">
+                <a:pos x="connsiteX5" y="connsiteY5"/>
+              </a:cxn>
+              <a:cxn ang="0">
+                <a:pos x="connsiteX6" y="connsiteY6"/>
+              </a:cxn>
+              <a:cxn ang="0">
+                <a:pos x="connsiteX7" y="connsiteY7"/>
+              </a:cxn>
+              <a:cxn ang="0">
+                <a:pos x="connsiteX8" y="connsiteY8"/>
+              </a:cxn>
+              <a:cxn ang="0">
+                <a:pos x="connsiteX9" y="connsiteY9"/>
+              </a:cxn>
+              <a:cxn ang="0">
+                <a:pos x="connsiteX10" y="connsiteY10"/>
+              </a:cxn>
+              <a:cxn ang="0">
+                <a:pos x="connsiteX11" y="connsiteY11"/>
+              </a:cxn>
+              <a:cxn ang="0">
+                <a:pos x="connsiteX12" y="connsiteY12"/>
+              </a:cxn>
+              <a:cxn ang="0">
+                <a:pos x="connsiteX13" y="connsiteY13"/>
+              </a:cxn>
+              <a:cxn ang="0">
+                <a:pos x="connsiteX14" y="connsiteY14"/>
+              </a:cxn>
+            </a:cxnLst>
+            <a:rect l="l" t="t" r="r" b="b"/>
+            <a:pathLst>
+              <a:path w="6485467" h="6858000">
+                <a:moveTo>
+                  <a:pt x="0" y="0"/>
+                </a:moveTo>
+                <a:lnTo>
+                  <a:pt x="6485467" y="0"/>
+                </a:lnTo>
+                <a:lnTo>
+                  <a:pt x="6485467" y="1900238"/>
+                </a:lnTo>
+                <a:lnTo>
+                  <a:pt x="6115051" y="2178050"/>
+                </a:lnTo>
+                <a:lnTo>
+                  <a:pt x="6110817" y="2184400"/>
+                </a:lnTo>
+                <a:lnTo>
+                  <a:pt x="6104467" y="2193925"/>
+                </a:lnTo>
+                <a:lnTo>
+                  <a:pt x="6098117" y="2201863"/>
+                </a:lnTo>
+                <a:lnTo>
+                  <a:pt x="6098117" y="2211388"/>
+                </a:lnTo>
+                <a:lnTo>
+                  <a:pt x="6098117" y="2220913"/>
+                </a:lnTo>
+                <a:lnTo>
+                  <a:pt x="6104467" y="2228850"/>
+                </a:lnTo>
+                <a:lnTo>
+                  <a:pt x="6110817" y="2238375"/>
+                </a:lnTo>
+                <a:lnTo>
+                  <a:pt x="6115051" y="2244725"/>
+                </a:lnTo>
+                <a:lnTo>
+                  <a:pt x="6485467" y="2522538"/>
+                </a:lnTo>
+                <a:lnTo>
+                  <a:pt x="6485467" y="6858000"/>
+                </a:lnTo>
+                <a:lnTo>
+                  <a:pt x="0" y="6858000"/>
+                </a:lnTo>
+                <a:close/>
+              </a:path>
+            </a:pathLst>
+          </a:custGeom>
+          <a:solidFill>
+            <a:schemeClr val="bg1">
+              <a:lumMod val="85000"/>
+              <a:lumOff val="15000"/>
+            </a:schemeClr>
+          </a:solidFill>
+          <a:ln>
+            <a:noFill/>
+          </a:ln>
+          <a:effectLst/>
+        </p:spPr>
+        <p:style>
+          <a:lnRef idx="2">
+            <a:schemeClr val="accent1">
+              <a:shade val="50000"/>
+            </a:schemeClr>
+          </a:lnRef>
+          <a:fillRef idx="1">
+            <a:schemeClr val="accent1"/>
+          </a:fillRef>
+          <a:effectRef idx="0">
+            <a:schemeClr val="accent1"/>
+          </a:effectRef>
+          <a:fontRef idx="minor">
+            <a:schemeClr val="lt1"/>
+          </a:fontRef>
+        </p:style>
+        <p:txBody>
+          <a:bodyPr rtlCol="0" anchor="ctr"/>
+          <a:lstStyle/>
+          <a:p>
+            <a:pPr algn="ctr"/>
+            <a:endParaRPr lang="en-US"/>
+          </a:p>
+        </p:txBody>
+      </p:sp>
+      <p:sp>
+        <p:nvSpPr>
+          <p:cNvPr id="2" name="Title 1"/>
+          <p:cNvSpPr>
+            <a:spLocks noGrp="1"/>
+          </p:cNvSpPr>
+          <p:nvPr>
+            <p:ph type="title"/>
+          </p:nvPr>
+        </p:nvSpPr>
+        <p:spPr>
+          <a:xfrm>
+            <a:off x="810000" y="447188"/>
+            <a:ext cx="5070100" cy="1559412"/>
+          </a:xfrm>
+        </p:spPr>
+        <p:txBody>
+          <a:bodyPr>
+            <a:normAutofit/>
+          </a:bodyPr>
+          <a:lstStyle/>
+          <a:p>
+            <a:r>
+              <a:rPr lang="en-US" dirty="0"/>
+              <a:t>Lyft</a:t>
+            </a:r>
+          </a:p>
+        </p:txBody>
+      </p:sp>
+      <p:sp>
+        <p:nvSpPr>
+          <p:cNvPr id="3" name="Content Placeholder 2"/>
+          <p:cNvSpPr>
+            <a:spLocks noGrp="1"/>
+          </p:cNvSpPr>
+          <p:nvPr>
+            <p:ph idx="1"/>
+          </p:nvPr>
+        </p:nvSpPr>
+        <p:spPr>
+          <a:xfrm>
+            <a:off x="818712" y="2413000"/>
+            <a:ext cx="5055923" cy="3632200"/>
+          </a:xfrm>
+        </p:spPr>
+        <p:txBody>
+          <a:bodyPr>
+            <a:normAutofit/>
+          </a:bodyPr>
+          <a:lstStyle/>
+          <a:p>
+            <a:r>
+              <a:rPr lang="en-US" dirty="0"/>
+              <a:t>Lyft was launched in 2012 in San Francisco by Logan Green and John Zimmer as a service of </a:t>
+            </a:r>
+            <a:r>
+              <a:rPr lang="en-US" dirty="0" err="1"/>
+              <a:t>Zimride</a:t>
+            </a:r>
+            <a:r>
+              <a:rPr lang="en-US" dirty="0"/>
+              <a:t>, a ridesharing company the two founded in 2007 </a:t>
+            </a:r>
+          </a:p>
+          <a:p>
+            <a:r>
+              <a:rPr lang="en-US" dirty="0"/>
+              <a:t>Revenue of $2.157 billion as of 2018</a:t>
+            </a:r>
+          </a:p>
+        </p:txBody>
+      </p:sp>
     </p:spTree>
     <p:extLst>
       <p:ext uri="{BB962C8B-B14F-4D97-AF65-F5344CB8AC3E}">
@@ -10142,6 +10386,14 @@
 <file path=ppt/slides/slide4.xml><?xml version="1.0" encoding="utf-8"?>
 <p:sld xmlns:a="http://schemas.openxmlformats.org/drawingml/2006/main" xmlns:r="http://schemas.openxmlformats.org/officeDocument/2006/relationships" xmlns:p="http://schemas.openxmlformats.org/presentationml/2006/main">
   <p:cSld>
+    <p:bg>
+      <p:bgPr>
+        <a:solidFill>
+          <a:schemeClr val="bg2"/>
+        </a:solidFill>
+        <a:effectLst/>
+      </p:bgPr>
+    </p:bg>
     <p:spTree>
       <p:nvGrpSpPr>
         <p:cNvPr id="1" name=""/>
@@ -10166,88 +10418,75 @@
             <p:ph type="title"/>
           </p:nvPr>
         </p:nvSpPr>
-        <p:spPr/>
-        <p:txBody>
-          <a:bodyPr/>
-          <a:lstStyle/>
-          <a:p>
-            <a:r>
-              <a:rPr lang="en-US" dirty="0" smtClean="0"/>
-              <a:t>Lyft</a:t>
-            </a:r>
-            <a:endParaRPr lang="en-US" dirty="0"/>
-          </a:p>
-        </p:txBody>
-      </p:sp>
-      <p:sp>
-        <p:nvSpPr>
-          <p:cNvPr id="3" name="Content Placeholder 2"/>
-          <p:cNvSpPr>
-            <a:spLocks noGrp="1"/>
-          </p:cNvSpPr>
-          <p:nvPr>
-            <p:ph idx="1"/>
-          </p:nvPr>
-        </p:nvSpPr>
         <p:spPr>
           <a:xfrm>
-            <a:off x="818712" y="2222287"/>
-            <a:ext cx="4925383" cy="3636511"/>
+            <a:off x="810000" y="447188"/>
+            <a:ext cx="10571998" cy="970450"/>
           </a:xfrm>
         </p:spPr>
         <p:txBody>
-          <a:bodyPr anchor="t"/>
+          <a:bodyPr>
+            <a:normAutofit/>
+          </a:bodyPr>
           <a:lstStyle/>
           <a:p>
             <a:r>
               <a:rPr lang="en-US" dirty="0"/>
+              <a:t>Lyft</a:t>
+            </a:r>
+          </a:p>
+        </p:txBody>
+      </p:sp>
+      <p:sp>
+        <p:nvSpPr>
+          <p:cNvPr id="3" name="Content Placeholder 2"/>
+          <p:cNvSpPr>
+            <a:spLocks noGrp="1"/>
+          </p:cNvSpPr>
+          <p:nvPr>
+            <p:ph idx="1"/>
+          </p:nvPr>
+        </p:nvSpPr>
+        <p:spPr>
+          <a:xfrm>
+            <a:off x="818713" y="2413000"/>
+            <a:ext cx="3835583" cy="3632200"/>
+          </a:xfrm>
+        </p:spPr>
+        <p:txBody>
+          <a:bodyPr>
+            <a:normAutofit/>
+          </a:bodyPr>
+          <a:lstStyle/>
+          <a:p>
+            <a:r>
+              <a:rPr lang="en-US" sz="1600"/>
               <a:t>By 2013, Lyft was providing 30,000 rides a week</a:t>
             </a:r>
           </a:p>
           <a:p>
             <a:r>
-              <a:rPr lang="en-US" dirty="0" smtClean="0"/>
-              <a:t>By the end of 2013</a:t>
-            </a:r>
-            <a:r>
-              <a:rPr lang="en-US" dirty="0"/>
-              <a:t>, it hits </a:t>
-            </a:r>
-            <a:r>
-              <a:rPr lang="en-US" dirty="0" smtClean="0"/>
-              <a:t>2.7 million completed rides</a:t>
-            </a:r>
-            <a:endParaRPr lang="en-US" dirty="0"/>
-          </a:p>
-          <a:p>
-            <a:r>
-              <a:rPr lang="en-US" dirty="0"/>
-              <a:t>April 2014, Lyft had become available in 60 U.S. </a:t>
-            </a:r>
-            <a:r>
-              <a:rPr lang="en-US" dirty="0" smtClean="0"/>
-              <a:t>cities</a:t>
-            </a:r>
-          </a:p>
-          <a:p>
-            <a:r>
-              <a:rPr lang="en-US" dirty="0" smtClean="0"/>
-              <a:t>By the end of 2014, they hit 18.1 </a:t>
-            </a:r>
-            <a:r>
-              <a:rPr lang="en-US" dirty="0"/>
-              <a:t>million </a:t>
-            </a:r>
-            <a:r>
-              <a:rPr lang="en-US" dirty="0" smtClean="0"/>
-              <a:t>completed rides</a:t>
-            </a:r>
-          </a:p>
-          <a:p>
-            <a:endParaRPr lang="en-US" dirty="0"/>
-          </a:p>
-          <a:p>
-            <a:endParaRPr lang="en-US" dirty="0"/>
+              <a:rPr lang="en-US" sz="1600"/>
+              <a:t>By the end of 2013, it hits 2.7 million completed rides</a:t>
+            </a:r>
+          </a:p>
+          <a:p>
+            <a:r>
+              <a:rPr lang="en-US" sz="1600"/>
+              <a:t>April 2014, Lyft had become available in 60 U.S. cities</a:t>
+            </a:r>
+          </a:p>
+          <a:p>
+            <a:r>
+              <a:rPr lang="en-US" sz="1600"/>
+              <a:t>By the end of 2014, they hit 18.1 million completed rides</a:t>
+            </a:r>
+          </a:p>
+          <a:p>
+            <a:endParaRPr lang="en-US" sz="1600"/>
+          </a:p>
+          <a:p>
+            <a:endParaRPr lang="en-US" sz="1600"/>
           </a:p>
         </p:txBody>
       </p:sp>
@@ -10267,20 +10506,27 @@
               </a:ext>
             </a:extLst>
           </a:blip>
-          <a:srcRect/>
           <a:stretch>
             <a:fillRect/>
           </a:stretch>
         </p:blipFill>
         <p:spPr bwMode="auto">
           <a:xfrm>
-            <a:off x="6036023" y="2359831"/>
-            <a:ext cx="5865436" cy="3617019"/>
+            <a:off x="5231344" y="2413000"/>
+            <a:ext cx="6018362" cy="3716338"/>
           </a:xfrm>
-          <a:prstGeom prst="rect">
-            <a:avLst/>
+          <a:prstGeom prst="roundRect">
+            <a:avLst>
+              <a:gd name="adj" fmla="val 3876"/>
+            </a:avLst>
           </a:prstGeom>
           <a:noFill/>
+          <a:ln>
+            <a:solidFill>
+              <a:schemeClr val="accent1"/>
+            </a:solidFill>
+          </a:ln>
+          <a:effectLst/>
           <a:extLst>
             <a:ext uri="{909E8E84-426E-40DD-AFC4-6F175D3DCCD1}">
               <a14:hiddenFill xmlns:a14="http://schemas.microsoft.com/office/drawing/2010/main">
@@ -10308,6 +10554,14 @@
 <file path=ppt/slides/slide5.xml><?xml version="1.0" encoding="utf-8"?>
 <p:sld xmlns:a="http://schemas.openxmlformats.org/drawingml/2006/main" xmlns:r="http://schemas.openxmlformats.org/officeDocument/2006/relationships" xmlns:p="http://schemas.openxmlformats.org/presentationml/2006/main">
   <p:cSld>
+    <p:bg>
+      <p:bgPr>
+        <a:solidFill>
+          <a:schemeClr val="bg2"/>
+        </a:solidFill>
+        <a:effectLst/>
+      </p:bgPr>
+    </p:bg>
     <p:spTree>
       <p:nvGrpSpPr>
         <p:cNvPr id="1" name=""/>
@@ -10322,123 +10576,6 @@
           <a:chExt cx="0" cy="0"/>
         </a:xfrm>
       </p:grpSpPr>
-      <p:sp>
-        <p:nvSpPr>
-          <p:cNvPr id="2" name="Title 1"/>
-          <p:cNvSpPr>
-            <a:spLocks noGrp="1"/>
-          </p:cNvSpPr>
-          <p:nvPr>
-            <p:ph type="title"/>
-          </p:nvPr>
-        </p:nvSpPr>
-        <p:spPr/>
-        <p:txBody>
-          <a:bodyPr/>
-          <a:lstStyle/>
-          <a:p>
-            <a:r>
-              <a:rPr lang="en-US" dirty="0"/>
-              <a:t>Uber</a:t>
-            </a:r>
-          </a:p>
-        </p:txBody>
-      </p:sp>
-      <p:sp>
-        <p:nvSpPr>
-          <p:cNvPr id="3" name="Content Placeholder 2"/>
-          <p:cNvSpPr>
-            <a:spLocks noGrp="1"/>
-          </p:cNvSpPr>
-          <p:nvPr>
-            <p:ph idx="1"/>
-          </p:nvPr>
-        </p:nvSpPr>
-        <p:spPr>
-          <a:xfrm>
-            <a:off x="818712" y="2222287"/>
-            <a:ext cx="5191390" cy="4274766"/>
-          </a:xfrm>
-        </p:spPr>
-        <p:txBody>
-          <a:bodyPr anchor="t">
-            <a:normAutofit/>
-          </a:bodyPr>
-          <a:lstStyle/>
-          <a:p>
-            <a:r>
-              <a:rPr lang="en-US" dirty="0"/>
-              <a:t>Uber was founded in 2009 as </a:t>
-            </a:r>
-            <a:r>
-              <a:rPr lang="en-US" dirty="0" err="1"/>
-              <a:t>UberCab</a:t>
-            </a:r>
-            <a:r>
-              <a:rPr lang="en-US" dirty="0"/>
-              <a:t> by Garrett Camp and Travis Kalanick</a:t>
-            </a:r>
-          </a:p>
-          <a:p>
-            <a:r>
-              <a:rPr lang="en-US" dirty="0" smtClean="0"/>
-              <a:t>Revenue of $</a:t>
-            </a:r>
-            <a:r>
-              <a:rPr lang="en-US" dirty="0"/>
-              <a:t>11.3 billion</a:t>
-            </a:r>
-            <a:endParaRPr lang="en-US" dirty="0" smtClean="0"/>
-          </a:p>
-          <a:p>
-            <a:r>
-              <a:rPr lang="en-US" dirty="0" smtClean="0"/>
-              <a:t>Other </a:t>
-            </a:r>
-            <a:r>
-              <a:rPr lang="en-US" dirty="0"/>
-              <a:t>Uber ventures:</a:t>
-            </a:r>
-          </a:p>
-          <a:p>
-            <a:pPr lvl="1"/>
-            <a:r>
-              <a:rPr lang="en-US" sz="1800" dirty="0"/>
-              <a:t>Self-driving technology</a:t>
-            </a:r>
-          </a:p>
-          <a:p>
-            <a:pPr lvl="1"/>
-            <a:r>
-              <a:rPr lang="en-US" sz="1800" dirty="0"/>
-              <a:t>Uber Air</a:t>
-            </a:r>
-          </a:p>
-          <a:p>
-            <a:pPr lvl="1"/>
-            <a:r>
-              <a:rPr lang="en-US" sz="1800" dirty="0"/>
-              <a:t>Uber Eats</a:t>
-            </a:r>
-          </a:p>
-          <a:p>
-            <a:pPr lvl="1"/>
-            <a:r>
-              <a:rPr lang="en-US" sz="1800" dirty="0" err="1"/>
-              <a:t>UberGo</a:t>
-            </a:r>
-            <a:r>
-              <a:rPr lang="en-US" sz="1800" dirty="0"/>
-              <a:t>, rides in a hatchback</a:t>
-            </a:r>
-          </a:p>
-          <a:p>
-            <a:endParaRPr lang="en-US" dirty="0">
-              <a:hlinkClick r:id="rId2"/>
-            </a:endParaRPr>
-          </a:p>
-        </p:txBody>
-      </p:sp>
       <p:pic>
         <p:nvPicPr>
           <p:cNvPr id="2052" name="Picture 4" descr="Image result for uber"/>
@@ -10447,23 +10584,28 @@
           </p:cNvPicPr>
           <p:nvPr/>
         </p:nvPicPr>
-        <p:blipFill>
-          <a:blip r:embed="rId3" cstate="print">
+        <p:blipFill rotWithShape="1">
+          <a:blip r:embed="rId2" cstate="print">
+            <a:duotone>
+              <a:schemeClr val="accent1">
+                <a:shade val="45000"/>
+                <a:satMod val="135000"/>
+              </a:schemeClr>
+              <a:prstClr val="white"/>
+            </a:duotone>
             <a:extLst>
               <a:ext uri="{28A0092B-C50C-407E-A947-70E740481C1C}">
                 <a14:useLocalDpi xmlns:a14="http://schemas.microsoft.com/office/drawing/2010/main" val="0"/>
               </a:ext>
             </a:extLst>
           </a:blip>
-          <a:srcRect/>
-          <a:stretch>
-            <a:fillRect/>
-          </a:stretch>
+          <a:srcRect l="32160" r="21185"/>
+          <a:stretch/>
         </p:blipFill>
         <p:spPr bwMode="auto">
           <a:xfrm>
-            <a:off x="6069277" y="2784763"/>
-            <a:ext cx="5842661" cy="3067397"/>
+            <a:off x="6108700" y="-1"/>
+            <a:ext cx="6094450" cy="6858001"/>
           </a:xfrm>
           <a:prstGeom prst="rect">
             <a:avLst/>
@@ -10480,6 +10622,319 @@
           </a:extLst>
         </p:spPr>
       </p:pic>
+      <p:sp>
+        <p:nvSpPr>
+          <p:cNvPr id="73" name="Freeform 16">
+            <a:extLst>
+              <a:ext uri="{FF2B5EF4-FFF2-40B4-BE49-F238E27FC236}">
+                <a16:creationId xmlns:a16="http://schemas.microsoft.com/office/drawing/2014/main" id="{3994EE40-F54F-48E5-826B-B45158209684}"/>
+              </a:ext>
+              <a:ext uri="{C183D7F6-B498-43B3-948B-1728B52AA6E4}">
+                <adec:decorative xmlns:adec="http://schemas.microsoft.com/office/drawing/2017/decorative" val="1"/>
+              </a:ext>
+            </a:extLst>
+          </p:cNvPr>
+          <p:cNvSpPr>
+            <a:spLocks noGrp="1" noRot="1" noChangeAspect="1" noMove="1" noResize="1" noEditPoints="1" noAdjustHandles="1" noChangeArrowheads="1" noChangeShapeType="1" noTextEdit="1"/>
+          </p:cNvSpPr>
+          <p:nvPr>
+            <p:extLst>
+              <p:ext uri="{386F3935-93C4-4BCD-93E2-E3B085C9AB24}">
+                <p16:designElem xmlns:p16="http://schemas.microsoft.com/office/powerpoint/2015/main" val="1"/>
+              </p:ext>
+            </p:extLst>
+          </p:nvPr>
+        </p:nvSpPr>
+        <p:spPr bwMode="white">
+          <a:xfrm>
+            <a:off x="0" y="0"/>
+            <a:ext cx="6485467" cy="6858000"/>
+          </a:xfrm>
+          <a:custGeom>
+            <a:avLst/>
+            <a:gdLst>
+              <a:gd name="connsiteX0" fmla="*/ 0 w 6485467"/>
+              <a:gd name="connsiteY0" fmla="*/ 0 h 6858000"/>
+              <a:gd name="connsiteX1" fmla="*/ 6485467 w 6485467"/>
+              <a:gd name="connsiteY1" fmla="*/ 0 h 6858000"/>
+              <a:gd name="connsiteX2" fmla="*/ 6485467 w 6485467"/>
+              <a:gd name="connsiteY2" fmla="*/ 1900238 h 6858000"/>
+              <a:gd name="connsiteX3" fmla="*/ 6115051 w 6485467"/>
+              <a:gd name="connsiteY3" fmla="*/ 2178050 h 6858000"/>
+              <a:gd name="connsiteX4" fmla="*/ 6110817 w 6485467"/>
+              <a:gd name="connsiteY4" fmla="*/ 2184400 h 6858000"/>
+              <a:gd name="connsiteX5" fmla="*/ 6104467 w 6485467"/>
+              <a:gd name="connsiteY5" fmla="*/ 2193925 h 6858000"/>
+              <a:gd name="connsiteX6" fmla="*/ 6098117 w 6485467"/>
+              <a:gd name="connsiteY6" fmla="*/ 2201863 h 6858000"/>
+              <a:gd name="connsiteX7" fmla="*/ 6098117 w 6485467"/>
+              <a:gd name="connsiteY7" fmla="*/ 2211388 h 6858000"/>
+              <a:gd name="connsiteX8" fmla="*/ 6098117 w 6485467"/>
+              <a:gd name="connsiteY8" fmla="*/ 2220913 h 6858000"/>
+              <a:gd name="connsiteX9" fmla="*/ 6104467 w 6485467"/>
+              <a:gd name="connsiteY9" fmla="*/ 2228850 h 6858000"/>
+              <a:gd name="connsiteX10" fmla="*/ 6110817 w 6485467"/>
+              <a:gd name="connsiteY10" fmla="*/ 2238375 h 6858000"/>
+              <a:gd name="connsiteX11" fmla="*/ 6115051 w 6485467"/>
+              <a:gd name="connsiteY11" fmla="*/ 2244725 h 6858000"/>
+              <a:gd name="connsiteX12" fmla="*/ 6485467 w 6485467"/>
+              <a:gd name="connsiteY12" fmla="*/ 2522538 h 6858000"/>
+              <a:gd name="connsiteX13" fmla="*/ 6485467 w 6485467"/>
+              <a:gd name="connsiteY13" fmla="*/ 6858000 h 6858000"/>
+              <a:gd name="connsiteX14" fmla="*/ 0 w 6485467"/>
+              <a:gd name="connsiteY14" fmla="*/ 6858000 h 6858000"/>
+            </a:gdLst>
+            <a:ahLst/>
+            <a:cxnLst>
+              <a:cxn ang="0">
+                <a:pos x="connsiteX0" y="connsiteY0"/>
+              </a:cxn>
+              <a:cxn ang="0">
+                <a:pos x="connsiteX1" y="connsiteY1"/>
+              </a:cxn>
+              <a:cxn ang="0">
+                <a:pos x="connsiteX2" y="connsiteY2"/>
+              </a:cxn>
+              <a:cxn ang="0">
+                <a:pos x="connsiteX3" y="connsiteY3"/>
+              </a:cxn>
+              <a:cxn ang="0">
+                <a:pos x="connsiteX4" y="connsiteY4"/>
+              </a:cxn>
+              <a:cxn ang="0">
+                <a:pos x="connsiteX5" y="connsiteY5"/>
+              </a:cxn>
+              <a:cxn ang="0">
+                <a:pos x="connsiteX6" y="connsiteY6"/>
+              </a:cxn>
+              <a:cxn ang="0">
+                <a:pos x="connsiteX7" y="connsiteY7"/>
+              </a:cxn>
+              <a:cxn ang="0">
+                <a:pos x="connsiteX8" y="connsiteY8"/>
+              </a:cxn>
+              <a:cxn ang="0">
+                <a:pos x="connsiteX9" y="connsiteY9"/>
+              </a:cxn>
+              <a:cxn ang="0">
+                <a:pos x="connsiteX10" y="connsiteY10"/>
+              </a:cxn>
+              <a:cxn ang="0">
+                <a:pos x="connsiteX11" y="connsiteY11"/>
+              </a:cxn>
+              <a:cxn ang="0">
+                <a:pos x="connsiteX12" y="connsiteY12"/>
+              </a:cxn>
+              <a:cxn ang="0">
+                <a:pos x="connsiteX13" y="connsiteY13"/>
+              </a:cxn>
+              <a:cxn ang="0">
+                <a:pos x="connsiteX14" y="connsiteY14"/>
+              </a:cxn>
+            </a:cxnLst>
+            <a:rect l="l" t="t" r="r" b="b"/>
+            <a:pathLst>
+              <a:path w="6485467" h="6858000">
+                <a:moveTo>
+                  <a:pt x="0" y="0"/>
+                </a:moveTo>
+                <a:lnTo>
+                  <a:pt x="6485467" y="0"/>
+                </a:lnTo>
+                <a:lnTo>
+                  <a:pt x="6485467" y="1900238"/>
+                </a:lnTo>
+                <a:lnTo>
+                  <a:pt x="6115051" y="2178050"/>
+                </a:lnTo>
+                <a:lnTo>
+                  <a:pt x="6110817" y="2184400"/>
+                </a:lnTo>
+                <a:lnTo>
+                  <a:pt x="6104467" y="2193925"/>
+                </a:lnTo>
+                <a:lnTo>
+                  <a:pt x="6098117" y="2201863"/>
+                </a:lnTo>
+                <a:lnTo>
+                  <a:pt x="6098117" y="2211388"/>
+                </a:lnTo>
+                <a:lnTo>
+                  <a:pt x="6098117" y="2220913"/>
+                </a:lnTo>
+                <a:lnTo>
+                  <a:pt x="6104467" y="2228850"/>
+                </a:lnTo>
+                <a:lnTo>
+                  <a:pt x="6110817" y="2238375"/>
+                </a:lnTo>
+                <a:lnTo>
+                  <a:pt x="6115051" y="2244725"/>
+                </a:lnTo>
+                <a:lnTo>
+                  <a:pt x="6485467" y="2522538"/>
+                </a:lnTo>
+                <a:lnTo>
+                  <a:pt x="6485467" y="6858000"/>
+                </a:lnTo>
+                <a:lnTo>
+                  <a:pt x="0" y="6858000"/>
+                </a:lnTo>
+                <a:close/>
+              </a:path>
+            </a:pathLst>
+          </a:custGeom>
+          <a:solidFill>
+            <a:schemeClr val="bg1">
+              <a:lumMod val="85000"/>
+              <a:lumOff val="15000"/>
+            </a:schemeClr>
+          </a:solidFill>
+          <a:ln>
+            <a:noFill/>
+          </a:ln>
+          <a:effectLst/>
+        </p:spPr>
+        <p:style>
+          <a:lnRef idx="2">
+            <a:schemeClr val="accent1">
+              <a:shade val="50000"/>
+            </a:schemeClr>
+          </a:lnRef>
+          <a:fillRef idx="1">
+            <a:schemeClr val="accent1"/>
+          </a:fillRef>
+          <a:effectRef idx="0">
+            <a:schemeClr val="accent1"/>
+          </a:effectRef>
+          <a:fontRef idx="minor">
+            <a:schemeClr val="lt1"/>
+          </a:fontRef>
+        </p:style>
+        <p:txBody>
+          <a:bodyPr rtlCol="0" anchor="ctr"/>
+          <a:lstStyle/>
+          <a:p>
+            <a:pPr algn="ctr"/>
+            <a:endParaRPr lang="en-US"/>
+          </a:p>
+        </p:txBody>
+      </p:sp>
+      <p:sp>
+        <p:nvSpPr>
+          <p:cNvPr id="2" name="Title 1"/>
+          <p:cNvSpPr>
+            <a:spLocks noGrp="1"/>
+          </p:cNvSpPr>
+          <p:nvPr>
+            <p:ph type="title"/>
+          </p:nvPr>
+        </p:nvSpPr>
+        <p:spPr>
+          <a:xfrm>
+            <a:off x="810000" y="447188"/>
+            <a:ext cx="5070100" cy="1559412"/>
+          </a:xfrm>
+        </p:spPr>
+        <p:txBody>
+          <a:bodyPr>
+            <a:normAutofit/>
+          </a:bodyPr>
+          <a:lstStyle/>
+          <a:p>
+            <a:r>
+              <a:rPr lang="en-US" dirty="0"/>
+              <a:t>Uber</a:t>
+            </a:r>
+          </a:p>
+        </p:txBody>
+      </p:sp>
+      <p:sp>
+        <p:nvSpPr>
+          <p:cNvPr id="3" name="Content Placeholder 2"/>
+          <p:cNvSpPr>
+            <a:spLocks noGrp="1"/>
+          </p:cNvSpPr>
+          <p:nvPr>
+            <p:ph idx="1"/>
+          </p:nvPr>
+        </p:nvSpPr>
+        <p:spPr>
+          <a:xfrm>
+            <a:off x="818712" y="2413000"/>
+            <a:ext cx="5055923" cy="3632200"/>
+          </a:xfrm>
+        </p:spPr>
+        <p:txBody>
+          <a:bodyPr>
+            <a:normAutofit/>
+          </a:bodyPr>
+          <a:lstStyle/>
+          <a:p>
+            <a:r>
+              <a:rPr lang="en-US" dirty="0"/>
+              <a:t>Uber was founded in 2009 as </a:t>
+            </a:r>
+            <a:r>
+              <a:rPr lang="en-US" dirty="0" err="1"/>
+              <a:t>UberCab</a:t>
+            </a:r>
+            <a:r>
+              <a:rPr lang="en-US" dirty="0"/>
+              <a:t> by Garrett Camp and Travis Kalanick</a:t>
+            </a:r>
+          </a:p>
+          <a:p>
+            <a:r>
+              <a:rPr lang="en-US" dirty="0"/>
+              <a:t>Revenue of $11.3 billion</a:t>
+            </a:r>
+          </a:p>
+          <a:p>
+            <a:r>
+              <a:rPr lang="en-US" dirty="0"/>
+              <a:t>Other Uber ventures:</a:t>
+            </a:r>
+          </a:p>
+          <a:p>
+            <a:pPr lvl="1"/>
+            <a:r>
+              <a:rPr lang="en-US"/>
+              <a:t>Self-driving technology</a:t>
+            </a:r>
+          </a:p>
+          <a:p>
+            <a:pPr lvl="1"/>
+            <a:r>
+              <a:rPr lang="en-US"/>
+              <a:t>Uber Air</a:t>
+            </a:r>
+          </a:p>
+          <a:p>
+            <a:pPr lvl="1"/>
+            <a:r>
+              <a:rPr lang="en-US"/>
+              <a:t>Uber Eats</a:t>
+            </a:r>
+          </a:p>
+          <a:p>
+            <a:pPr lvl="1"/>
+            <a:r>
+              <a:rPr lang="en-US" err="1"/>
+              <a:t>UberGo</a:t>
+            </a:r>
+            <a:r>
+              <a:rPr lang="en-US"/>
+              <a:t>, rides in a hatchback</a:t>
+            </a:r>
+          </a:p>
+          <a:p>
+            <a:endParaRPr lang="en-US" dirty="0">
+              <a:hlinkClick r:id="rId3"/>
+            </a:endParaRPr>
+          </a:p>
+        </p:txBody>
+      </p:sp>
     </p:spTree>
     <p:extLst>
       <p:ext uri="{BB962C8B-B14F-4D97-AF65-F5344CB8AC3E}">
@@ -10496,6 +10951,14 @@
 <file path=ppt/slides/slide6.xml><?xml version="1.0" encoding="utf-8"?>
 <p:sld xmlns:a="http://schemas.openxmlformats.org/drawingml/2006/main" xmlns:r="http://schemas.openxmlformats.org/officeDocument/2006/relationships" xmlns:p="http://schemas.openxmlformats.org/presentationml/2006/main">
   <p:cSld>
+    <p:bg>
+      <p:bgPr>
+        <a:solidFill>
+          <a:schemeClr val="bg2"/>
+        </a:solidFill>
+        <a:effectLst/>
+      </p:bgPr>
+    </p:bg>
     <p:spTree>
       <p:nvGrpSpPr>
         <p:cNvPr id="1" name=""/>
@@ -10520,9 +10983,16 @@
             <p:ph type="title"/>
           </p:nvPr>
         </p:nvSpPr>
-        <p:spPr/>
-        <p:txBody>
-          <a:bodyPr/>
+        <p:spPr>
+          <a:xfrm>
+            <a:off x="810000" y="447188"/>
+            <a:ext cx="10571998" cy="970450"/>
+          </a:xfrm>
+        </p:spPr>
+        <p:txBody>
+          <a:bodyPr>
+            <a:normAutofit/>
+          </a:bodyPr>
           <a:lstStyle/>
           <a:p>
             <a:r>
@@ -10544,36 +11014,30 @@
         </p:nvSpPr>
         <p:spPr>
           <a:xfrm>
-            <a:off x="818712" y="2222287"/>
-            <a:ext cx="4958633" cy="3636511"/>
+            <a:off x="818713" y="2413000"/>
+            <a:ext cx="3835583" cy="3632200"/>
           </a:xfrm>
         </p:spPr>
         <p:txBody>
-          <a:bodyPr anchor="t"/>
+          <a:bodyPr>
+            <a:normAutofit/>
+          </a:bodyPr>
           <a:lstStyle/>
           <a:p>
             <a:r>
-              <a:rPr lang="en-US" dirty="0"/>
-              <a:t>In July 2012, the company introduced </a:t>
-            </a:r>
-            <a:r>
-              <a:rPr lang="en-US" dirty="0" err="1"/>
-              <a:t>UberX</a:t>
-            </a:r>
-            <a:r>
-              <a:rPr lang="en-US" dirty="0"/>
-              <a:t>, using non-luxury vehicles</a:t>
-            </a:r>
-          </a:p>
-          <a:p>
-            <a:r>
-              <a:rPr lang="en-US" dirty="0"/>
+              <a:rPr lang="en-US" sz="1600"/>
+              <a:t>In July 2012, the company introduced UberX, using non-luxury vehicles</a:t>
+            </a:r>
+          </a:p>
+          <a:p>
+            <a:r>
+              <a:rPr lang="en-US" sz="1600"/>
               <a:t>By early 2013, the service was operating in 35 cities as well as allowed drivers to use their personal vehicles</a:t>
             </a:r>
           </a:p>
           <a:p>
             <a:r>
-              <a:rPr lang="en-US" dirty="0"/>
+              <a:rPr lang="en-US" sz="1600"/>
               <a:t>From a base of near zero in mid-2012, more than 160,000 drivers actively partnered with Uber at the end of 2014 in the United States</a:t>
             </a:r>
           </a:p>
@@ -10601,12 +11065,20 @@
         </p:blipFill>
         <p:spPr>
           <a:xfrm>
-            <a:off x="6267797" y="2222287"/>
-            <a:ext cx="5412523" cy="4307926"/>
+            <a:off x="5903205" y="2217413"/>
+            <a:ext cx="5345819" cy="4249927"/>
           </a:xfrm>
-          <a:prstGeom prst="rect">
-            <a:avLst/>
+          <a:prstGeom prst="roundRect">
+            <a:avLst>
+              <a:gd name="adj" fmla="val 3876"/>
+            </a:avLst>
           </a:prstGeom>
+          <a:ln>
+            <a:solidFill>
+              <a:schemeClr val="accent1"/>
+            </a:solidFill>
+          </a:ln>
+          <a:effectLst/>
         </p:spPr>
       </p:pic>
     </p:spTree>
@@ -10625,6 +11097,14 @@
 <file path=ppt/slides/slide7.xml><?xml version="1.0" encoding="utf-8"?>
 <p:sld xmlns:a="http://schemas.openxmlformats.org/drawingml/2006/main" xmlns:r="http://schemas.openxmlformats.org/officeDocument/2006/relationships" xmlns:p="http://schemas.openxmlformats.org/presentationml/2006/main">
   <p:cSld>
+    <p:bg>
+      <p:bgPr>
+        <a:solidFill>
+          <a:schemeClr val="bg2"/>
+        </a:solidFill>
+        <a:effectLst/>
+      </p:bgPr>
+    </p:bg>
     <p:spTree>
       <p:nvGrpSpPr>
         <p:cNvPr id="1" name=""/>
@@ -10639,91 +11119,6 @@
           <a:chExt cx="0" cy="0"/>
         </a:xfrm>
       </p:grpSpPr>
-      <p:sp>
-        <p:nvSpPr>
-          <p:cNvPr id="2" name="Title 1"/>
-          <p:cNvSpPr>
-            <a:spLocks noGrp="1"/>
-          </p:cNvSpPr>
-          <p:nvPr>
-            <p:ph type="title"/>
-          </p:nvPr>
-        </p:nvSpPr>
-        <p:spPr/>
-        <p:txBody>
-          <a:bodyPr/>
-          <a:lstStyle/>
-          <a:p>
-            <a:r>
-              <a:rPr lang="en-US" dirty="0"/>
-              <a:t>DUI</a:t>
-            </a:r>
-          </a:p>
-        </p:txBody>
-      </p:sp>
-      <p:sp>
-        <p:nvSpPr>
-          <p:cNvPr id="3" name="Content Placeholder 2"/>
-          <p:cNvSpPr>
-            <a:spLocks noGrp="1"/>
-          </p:cNvSpPr>
-          <p:nvPr>
-            <p:ph idx="1"/>
-          </p:nvPr>
-        </p:nvSpPr>
-        <p:spPr>
-          <a:xfrm>
-            <a:off x="818712" y="2222287"/>
-            <a:ext cx="5390895" cy="4436208"/>
-          </a:xfrm>
-        </p:spPr>
-        <p:txBody>
-          <a:bodyPr>
-            <a:normAutofit lnSpcReduction="10000"/>
-          </a:bodyPr>
-          <a:lstStyle/>
-          <a:p>
-            <a:r>
-              <a:rPr lang="en-US" dirty="0"/>
-              <a:t>Driving under the influence (DUI) occurs when a person operates a motor vehicle while intoxicated</a:t>
-            </a:r>
-          </a:p>
-          <a:p>
-            <a:r>
-              <a:rPr lang="en-US" dirty="0"/>
-              <a:t>Minors  - blood alcohol levels of 0.01 or higher</a:t>
-            </a:r>
-          </a:p>
-          <a:p>
-            <a:r>
-              <a:rPr lang="en-US" dirty="0"/>
-              <a:t>CDL license holders - blood alcohol levels of 0.04 or </a:t>
-            </a:r>
-            <a:r>
-              <a:rPr lang="en-US" dirty="0" smtClean="0"/>
-              <a:t>higher</a:t>
-            </a:r>
-            <a:endParaRPr lang="en-US" dirty="0"/>
-          </a:p>
-          <a:p>
-            <a:r>
-              <a:rPr lang="en-US" dirty="0"/>
-              <a:t>Men are most likely to be involved in this type of crash, with 4 male drunk drivers for every female drunk </a:t>
-            </a:r>
-            <a:r>
-              <a:rPr lang="en-US" dirty="0" smtClean="0"/>
-              <a:t>driver</a:t>
-            </a:r>
-            <a:endParaRPr lang="en-US" dirty="0"/>
-          </a:p>
-          <a:p>
-            <a:r>
-              <a:rPr lang="en-US" dirty="0"/>
-              <a:t>The highest percentage of drunk drivers were 21- to 24-year-olds, at 27 percent, followed by 25- to 34-year-olds, at 26 percent.</a:t>
-            </a:r>
-          </a:p>
-        </p:txBody>
-      </p:sp>
       <p:pic>
         <p:nvPicPr>
           <p:cNvPr id="1026" name="Picture 2" descr="Image result for dui"/>
@@ -10732,7 +11127,7 @@
           </p:cNvPicPr>
           <p:nvPr/>
         </p:nvPicPr>
-        <p:blipFill>
+        <p:blipFill rotWithShape="1">
           <a:blip r:embed="rId2">
             <a:extLst>
               <a:ext uri="{28A0092B-C50C-407E-A947-70E740481C1C}">
@@ -10740,15 +11135,13 @@
               </a:ext>
             </a:extLst>
           </a:blip>
-          <a:srcRect/>
-          <a:stretch>
-            <a:fillRect/>
-          </a:stretch>
+          <a:srcRect t="22813" r="9091"/>
+          <a:stretch/>
         </p:blipFill>
         <p:spPr bwMode="auto">
           <a:xfrm>
-            <a:off x="6491104" y="2585258"/>
-            <a:ext cx="5433906" cy="3597246"/>
+            <a:off x="20" y="10"/>
+            <a:ext cx="12191980" cy="6857989"/>
           </a:xfrm>
           <a:prstGeom prst="rect">
             <a:avLst/>
@@ -10765,6 +11158,275 @@
           </a:extLst>
         </p:spPr>
       </p:pic>
+      <p:sp>
+        <p:nvSpPr>
+          <p:cNvPr id="71" name="Freeform 9">
+            <a:extLst>
+              <a:ext uri="{FF2B5EF4-FFF2-40B4-BE49-F238E27FC236}">
+                <a16:creationId xmlns:a16="http://schemas.microsoft.com/office/drawing/2014/main" id="{72319FFA-0E4F-4E0B-BEBA-A9DD4B41AAE9}"/>
+              </a:ext>
+              <a:ext uri="{C183D7F6-B498-43B3-948B-1728B52AA6E4}">
+                <adec:decorative xmlns:adec="http://schemas.microsoft.com/office/drawing/2017/decorative" val="1"/>
+              </a:ext>
+            </a:extLst>
+          </p:cNvPr>
+          <p:cNvSpPr>
+            <a:spLocks noGrp="1" noRot="1" noChangeAspect="1" noMove="1" noResize="1" noEditPoints="1" noAdjustHandles="1" noChangeArrowheads="1" noChangeShapeType="1" noTextEdit="1"/>
+          </p:cNvSpPr>
+          <p:nvPr>
+            <p:extLst>
+              <p:ext uri="{386F3935-93C4-4BCD-93E2-E3B085C9AB24}">
+                <p16:designElem xmlns:p16="http://schemas.microsoft.com/office/powerpoint/2015/main" val="1"/>
+              </p:ext>
+            </p:extLst>
+          </p:nvPr>
+        </p:nvSpPr>
+        <p:spPr bwMode="white">
+          <a:xfrm>
+            <a:off x="0" y="0"/>
+            <a:ext cx="6485467" cy="6858000"/>
+          </a:xfrm>
+          <a:custGeom>
+            <a:avLst/>
+            <a:gdLst>
+              <a:gd name="connsiteX0" fmla="*/ 0 w 6485467"/>
+              <a:gd name="connsiteY0" fmla="*/ 0 h 6858000"/>
+              <a:gd name="connsiteX1" fmla="*/ 6485467 w 6485467"/>
+              <a:gd name="connsiteY1" fmla="*/ 0 h 6858000"/>
+              <a:gd name="connsiteX2" fmla="*/ 6485467 w 6485467"/>
+              <a:gd name="connsiteY2" fmla="*/ 1900238 h 6858000"/>
+              <a:gd name="connsiteX3" fmla="*/ 6115051 w 6485467"/>
+              <a:gd name="connsiteY3" fmla="*/ 2178050 h 6858000"/>
+              <a:gd name="connsiteX4" fmla="*/ 6110817 w 6485467"/>
+              <a:gd name="connsiteY4" fmla="*/ 2184400 h 6858000"/>
+              <a:gd name="connsiteX5" fmla="*/ 6104467 w 6485467"/>
+              <a:gd name="connsiteY5" fmla="*/ 2193925 h 6858000"/>
+              <a:gd name="connsiteX6" fmla="*/ 6098117 w 6485467"/>
+              <a:gd name="connsiteY6" fmla="*/ 2201863 h 6858000"/>
+              <a:gd name="connsiteX7" fmla="*/ 6098117 w 6485467"/>
+              <a:gd name="connsiteY7" fmla="*/ 2211388 h 6858000"/>
+              <a:gd name="connsiteX8" fmla="*/ 6098117 w 6485467"/>
+              <a:gd name="connsiteY8" fmla="*/ 2220913 h 6858000"/>
+              <a:gd name="connsiteX9" fmla="*/ 6104467 w 6485467"/>
+              <a:gd name="connsiteY9" fmla="*/ 2228850 h 6858000"/>
+              <a:gd name="connsiteX10" fmla="*/ 6110817 w 6485467"/>
+              <a:gd name="connsiteY10" fmla="*/ 2238375 h 6858000"/>
+              <a:gd name="connsiteX11" fmla="*/ 6115051 w 6485467"/>
+              <a:gd name="connsiteY11" fmla="*/ 2244725 h 6858000"/>
+              <a:gd name="connsiteX12" fmla="*/ 6485467 w 6485467"/>
+              <a:gd name="connsiteY12" fmla="*/ 2522538 h 6858000"/>
+              <a:gd name="connsiteX13" fmla="*/ 6485467 w 6485467"/>
+              <a:gd name="connsiteY13" fmla="*/ 6858000 h 6858000"/>
+              <a:gd name="connsiteX14" fmla="*/ 0 w 6485467"/>
+              <a:gd name="connsiteY14" fmla="*/ 6858000 h 6858000"/>
+            </a:gdLst>
+            <a:ahLst/>
+            <a:cxnLst>
+              <a:cxn ang="0">
+                <a:pos x="connsiteX0" y="connsiteY0"/>
+              </a:cxn>
+              <a:cxn ang="0">
+                <a:pos x="connsiteX1" y="connsiteY1"/>
+              </a:cxn>
+              <a:cxn ang="0">
+                <a:pos x="connsiteX2" y="connsiteY2"/>
+              </a:cxn>
+              <a:cxn ang="0">
+                <a:pos x="connsiteX3" y="connsiteY3"/>
+              </a:cxn>
+              <a:cxn ang="0">
+                <a:pos x="connsiteX4" y="connsiteY4"/>
+              </a:cxn>
+              <a:cxn ang="0">
+                <a:pos x="connsiteX5" y="connsiteY5"/>
+              </a:cxn>
+              <a:cxn ang="0">
+                <a:pos x="connsiteX6" y="connsiteY6"/>
+              </a:cxn>
+              <a:cxn ang="0">
+                <a:pos x="connsiteX7" y="connsiteY7"/>
+              </a:cxn>
+              <a:cxn ang="0">
+                <a:pos x="connsiteX8" y="connsiteY8"/>
+              </a:cxn>
+              <a:cxn ang="0">
+                <a:pos x="connsiteX9" y="connsiteY9"/>
+              </a:cxn>
+              <a:cxn ang="0">
+                <a:pos x="connsiteX10" y="connsiteY10"/>
+              </a:cxn>
+              <a:cxn ang="0">
+                <a:pos x="connsiteX11" y="connsiteY11"/>
+              </a:cxn>
+              <a:cxn ang="0">
+                <a:pos x="connsiteX12" y="connsiteY12"/>
+              </a:cxn>
+              <a:cxn ang="0">
+                <a:pos x="connsiteX13" y="connsiteY13"/>
+              </a:cxn>
+              <a:cxn ang="0">
+                <a:pos x="connsiteX14" y="connsiteY14"/>
+              </a:cxn>
+            </a:cxnLst>
+            <a:rect l="l" t="t" r="r" b="b"/>
+            <a:pathLst>
+              <a:path w="6485467" h="6858000">
+                <a:moveTo>
+                  <a:pt x="0" y="0"/>
+                </a:moveTo>
+                <a:lnTo>
+                  <a:pt x="6485467" y="0"/>
+                </a:lnTo>
+                <a:lnTo>
+                  <a:pt x="6485467" y="1900238"/>
+                </a:lnTo>
+                <a:lnTo>
+                  <a:pt x="6115051" y="2178050"/>
+                </a:lnTo>
+                <a:lnTo>
+                  <a:pt x="6110817" y="2184400"/>
+                </a:lnTo>
+                <a:lnTo>
+                  <a:pt x="6104467" y="2193925"/>
+                </a:lnTo>
+                <a:lnTo>
+                  <a:pt x="6098117" y="2201863"/>
+                </a:lnTo>
+                <a:lnTo>
+                  <a:pt x="6098117" y="2211388"/>
+                </a:lnTo>
+                <a:lnTo>
+                  <a:pt x="6098117" y="2220913"/>
+                </a:lnTo>
+                <a:lnTo>
+                  <a:pt x="6104467" y="2228850"/>
+                </a:lnTo>
+                <a:lnTo>
+                  <a:pt x="6110817" y="2238375"/>
+                </a:lnTo>
+                <a:lnTo>
+                  <a:pt x="6115051" y="2244725"/>
+                </a:lnTo>
+                <a:lnTo>
+                  <a:pt x="6485467" y="2522538"/>
+                </a:lnTo>
+                <a:lnTo>
+                  <a:pt x="6485467" y="6858000"/>
+                </a:lnTo>
+                <a:lnTo>
+                  <a:pt x="0" y="6858000"/>
+                </a:lnTo>
+                <a:close/>
+              </a:path>
+            </a:pathLst>
+          </a:custGeom>
+          <a:solidFill>
+            <a:schemeClr val="bg1">
+              <a:lumMod val="85000"/>
+              <a:lumOff val="15000"/>
+              <a:alpha val="90000"/>
+            </a:schemeClr>
+          </a:solidFill>
+          <a:ln>
+            <a:noFill/>
+          </a:ln>
+          <a:effectLst/>
+        </p:spPr>
+        <p:style>
+          <a:lnRef idx="2">
+            <a:schemeClr val="accent1">
+              <a:shade val="50000"/>
+            </a:schemeClr>
+          </a:lnRef>
+          <a:fillRef idx="1">
+            <a:schemeClr val="accent1"/>
+          </a:fillRef>
+          <a:effectRef idx="0">
+            <a:schemeClr val="accent1"/>
+          </a:effectRef>
+          <a:fontRef idx="minor">
+            <a:schemeClr val="lt1"/>
+          </a:fontRef>
+        </p:style>
+        <p:txBody>
+          <a:bodyPr rtlCol="0" anchor="ctr"/>
+          <a:lstStyle/>
+          <a:p>
+            <a:pPr algn="ctr"/>
+            <a:endParaRPr lang="en-US"/>
+          </a:p>
+        </p:txBody>
+      </p:sp>
+      <p:sp>
+        <p:nvSpPr>
+          <p:cNvPr id="2" name="Title 1"/>
+          <p:cNvSpPr>
+            <a:spLocks noGrp="1"/>
+          </p:cNvSpPr>
+          <p:nvPr>
+            <p:ph type="title"/>
+          </p:nvPr>
+        </p:nvSpPr>
+        <p:spPr>
+          <a:xfrm>
+            <a:off x="810000" y="447188"/>
+            <a:ext cx="4930400" cy="1559412"/>
+          </a:xfrm>
+        </p:spPr>
+        <p:txBody>
+          <a:bodyPr>
+            <a:normAutofit/>
+          </a:bodyPr>
+          <a:lstStyle/>
+          <a:p>
+            <a:r>
+              <a:rPr lang="en-US" dirty="0"/>
+              <a:t>DUI</a:t>
+            </a:r>
+          </a:p>
+        </p:txBody>
+      </p:sp>
+      <p:sp>
+        <p:nvSpPr>
+          <p:cNvPr id="3" name="Content Placeholder 2"/>
+          <p:cNvSpPr>
+            <a:spLocks noGrp="1"/>
+          </p:cNvSpPr>
+          <p:nvPr>
+            <p:ph idx="1"/>
+          </p:nvPr>
+        </p:nvSpPr>
+        <p:spPr>
+          <a:xfrm>
+            <a:off x="818712" y="2413000"/>
+            <a:ext cx="4921687" cy="3632200"/>
+          </a:xfrm>
+        </p:spPr>
+        <p:txBody>
+          <a:bodyPr>
+            <a:normAutofit/>
+          </a:bodyPr>
+          <a:lstStyle/>
+          <a:p>
+            <a:r>
+              <a:rPr lang="en-US" dirty="0"/>
+              <a:t>Driving under the influence (DUI) occurs when a person operates a motor vehicle while intoxicated</a:t>
+            </a:r>
+          </a:p>
+          <a:p>
+            <a:r>
+              <a:rPr lang="en-US" dirty="0"/>
+              <a:t>Men are most likely to be involved in this type of crash, with 4 male drunk drivers for every female drunk driver</a:t>
+            </a:r>
+          </a:p>
+          <a:p>
+            <a:r>
+              <a:rPr lang="en-US" dirty="0"/>
+              <a:t>The highest percentage of drunk drivers were 21- to 24-year-olds, at 27 percent, followed by 25- to 34-year-olds, at 26 percent.</a:t>
+            </a:r>
+          </a:p>
+        </p:txBody>
+      </p:sp>
     </p:spTree>
     <p:extLst>
       <p:ext uri="{BB962C8B-B14F-4D97-AF65-F5344CB8AC3E}">
